--- a/Overview_Network.pptx
+++ b/Overview_Network.pptx
@@ -4,12 +4,16 @@
   <p:sldMasterIdLst>
     <p:sldMasterId id="2147483648" r:id="rId1"/>
   </p:sldMasterIdLst>
+  <p:notesMasterIdLst>
+    <p:notesMasterId r:id="rId8"/>
+  </p:notesMasterIdLst>
   <p:sldIdLst>
     <p:sldId id="258" r:id="rId2"/>
     <p:sldId id="257" r:id="rId3"/>
     <p:sldId id="260" r:id="rId4"/>
     <p:sldId id="261" r:id="rId5"/>
     <p:sldId id="262" r:id="rId6"/>
+    <p:sldId id="263" r:id="rId7"/>
   </p:sldIdLst>
   <p:sldSz cx="12192000" cy="6858000"/>
   <p:notesSz cx="6858000" cy="9144000"/>
@@ -6465,6 +6469,439 @@
 </dgm:styleDef>
 </file>
 
+<file path=ppt/notesMasters/notesMaster1.xml><?xml version="1.0" encoding="utf-8"?>
+<p:notesMaster xmlns:a="http://schemas.openxmlformats.org/drawingml/2006/main" xmlns:r="http://schemas.openxmlformats.org/officeDocument/2006/relationships" xmlns:p="http://schemas.openxmlformats.org/presentationml/2006/main">
+  <p:cSld>
+    <p:bg>
+      <p:bgRef idx="1001">
+        <a:schemeClr val="bg1"/>
+      </p:bgRef>
+    </p:bg>
+    <p:spTree>
+      <p:nvGrpSpPr>
+        <p:cNvPr id="1" name=""/>
+        <p:cNvGrpSpPr/>
+        <p:nvPr/>
+      </p:nvGrpSpPr>
+      <p:grpSpPr>
+        <a:xfrm>
+          <a:off x="0" y="0"/>
+          <a:ext cx="0" cy="0"/>
+          <a:chOff x="0" y="0"/>
+          <a:chExt cx="0" cy="0"/>
+        </a:xfrm>
+      </p:grpSpPr>
+      <p:sp>
+        <p:nvSpPr>
+          <p:cNvPr id="2" name="Kopfzeilenplatzhalter 1"/>
+          <p:cNvSpPr>
+            <a:spLocks noGrp="1"/>
+          </p:cNvSpPr>
+          <p:nvPr>
+            <p:ph type="hdr" sz="quarter"/>
+          </p:nvPr>
+        </p:nvSpPr>
+        <p:spPr>
+          <a:xfrm>
+            <a:off x="0" y="0"/>
+            <a:ext cx="2971800" cy="458788"/>
+          </a:xfrm>
+          <a:prstGeom prst="rect">
+            <a:avLst/>
+          </a:prstGeom>
+        </p:spPr>
+        <p:txBody>
+          <a:bodyPr vert="horz" lIns="91440" tIns="45720" rIns="91440" bIns="45720" rtlCol="0"/>
+          <a:lstStyle>
+            <a:lvl1pPr algn="l">
+              <a:defRPr sz="1200"/>
+            </a:lvl1pPr>
+          </a:lstStyle>
+          <a:p>
+            <a:endParaRPr lang="de-DE"/>
+          </a:p>
+        </p:txBody>
+      </p:sp>
+      <p:sp>
+        <p:nvSpPr>
+          <p:cNvPr id="3" name="Datumsplatzhalter 2"/>
+          <p:cNvSpPr>
+            <a:spLocks noGrp="1"/>
+          </p:cNvSpPr>
+          <p:nvPr>
+            <p:ph type="dt" idx="1"/>
+          </p:nvPr>
+        </p:nvSpPr>
+        <p:spPr>
+          <a:xfrm>
+            <a:off x="3884613" y="0"/>
+            <a:ext cx="2971800" cy="458788"/>
+          </a:xfrm>
+          <a:prstGeom prst="rect">
+            <a:avLst/>
+          </a:prstGeom>
+        </p:spPr>
+        <p:txBody>
+          <a:bodyPr vert="horz" lIns="91440" tIns="45720" rIns="91440" bIns="45720" rtlCol="0"/>
+          <a:lstStyle>
+            <a:lvl1pPr algn="r">
+              <a:defRPr sz="1200"/>
+            </a:lvl1pPr>
+          </a:lstStyle>
+          <a:p>
+            <a:fld id="{C3E82377-C9D1-6B4C-95A6-3D419AD8CA11}" type="datetimeFigureOut">
+              <a:rPr lang="de-DE" smtClean="0"/>
+              <a:t>15.06.25</a:t>
+            </a:fld>
+            <a:endParaRPr lang="de-DE"/>
+          </a:p>
+        </p:txBody>
+      </p:sp>
+      <p:sp>
+        <p:nvSpPr>
+          <p:cNvPr id="4" name="Folienbildplatzhalter 3"/>
+          <p:cNvSpPr>
+            <a:spLocks noGrp="1" noRot="1" noChangeAspect="1"/>
+          </p:cNvSpPr>
+          <p:nvPr>
+            <p:ph type="sldImg" idx="2"/>
+          </p:nvPr>
+        </p:nvSpPr>
+        <p:spPr>
+          <a:xfrm>
+            <a:off x="685800" y="1143000"/>
+            <a:ext cx="5486400" cy="3086100"/>
+          </a:xfrm>
+          <a:prstGeom prst="rect">
+            <a:avLst/>
+          </a:prstGeom>
+          <a:noFill/>
+          <a:ln w="12700">
+            <a:solidFill>
+              <a:prstClr val="black"/>
+            </a:solidFill>
+          </a:ln>
+        </p:spPr>
+        <p:txBody>
+          <a:bodyPr vert="horz" lIns="91440" tIns="45720" rIns="91440" bIns="45720" rtlCol="0" anchor="ctr"/>
+          <a:lstStyle/>
+          <a:p>
+            <a:endParaRPr lang="de-DE"/>
+          </a:p>
+        </p:txBody>
+      </p:sp>
+      <p:sp>
+        <p:nvSpPr>
+          <p:cNvPr id="5" name="Notizenplatzhalter 4"/>
+          <p:cNvSpPr>
+            <a:spLocks noGrp="1"/>
+          </p:cNvSpPr>
+          <p:nvPr>
+            <p:ph type="body" sz="quarter" idx="3"/>
+          </p:nvPr>
+        </p:nvSpPr>
+        <p:spPr>
+          <a:xfrm>
+            <a:off x="685800" y="4400550"/>
+            <a:ext cx="5486400" cy="3600450"/>
+          </a:xfrm>
+          <a:prstGeom prst="rect">
+            <a:avLst/>
+          </a:prstGeom>
+        </p:spPr>
+        <p:txBody>
+          <a:bodyPr vert="horz" lIns="91440" tIns="45720" rIns="91440" bIns="45720" rtlCol="0"/>
+          <a:lstStyle/>
+          <a:p>
+            <a:pPr lvl="0"/>
+            <a:r>
+              <a:rPr lang="de-DE"/>
+              <a:t>Mastertextformat bearbeiten</a:t>
+            </a:r>
+          </a:p>
+          <a:p>
+            <a:pPr lvl="1"/>
+            <a:r>
+              <a:rPr lang="de-DE"/>
+              <a:t>Zweite Ebene</a:t>
+            </a:r>
+          </a:p>
+          <a:p>
+            <a:pPr lvl="2"/>
+            <a:r>
+              <a:rPr lang="de-DE"/>
+              <a:t>Dritte Ebene</a:t>
+            </a:r>
+          </a:p>
+          <a:p>
+            <a:pPr lvl="3"/>
+            <a:r>
+              <a:rPr lang="de-DE"/>
+              <a:t>Vierte Ebene</a:t>
+            </a:r>
+          </a:p>
+          <a:p>
+            <a:pPr lvl="4"/>
+            <a:r>
+              <a:rPr lang="de-DE"/>
+              <a:t>Fünfte Ebene</a:t>
+            </a:r>
+          </a:p>
+        </p:txBody>
+      </p:sp>
+      <p:sp>
+        <p:nvSpPr>
+          <p:cNvPr id="6" name="Fußzeilenplatzhalter 5"/>
+          <p:cNvSpPr>
+            <a:spLocks noGrp="1"/>
+          </p:cNvSpPr>
+          <p:nvPr>
+            <p:ph type="ftr" sz="quarter" idx="4"/>
+          </p:nvPr>
+        </p:nvSpPr>
+        <p:spPr>
+          <a:xfrm>
+            <a:off x="0" y="8685213"/>
+            <a:ext cx="2971800" cy="458787"/>
+          </a:xfrm>
+          <a:prstGeom prst="rect">
+            <a:avLst/>
+          </a:prstGeom>
+        </p:spPr>
+        <p:txBody>
+          <a:bodyPr vert="horz" lIns="91440" tIns="45720" rIns="91440" bIns="45720" rtlCol="0" anchor="b"/>
+          <a:lstStyle>
+            <a:lvl1pPr algn="l">
+              <a:defRPr sz="1200"/>
+            </a:lvl1pPr>
+          </a:lstStyle>
+          <a:p>
+            <a:endParaRPr lang="de-DE"/>
+          </a:p>
+        </p:txBody>
+      </p:sp>
+      <p:sp>
+        <p:nvSpPr>
+          <p:cNvPr id="7" name="Foliennummernplatzhalter 6"/>
+          <p:cNvSpPr>
+            <a:spLocks noGrp="1"/>
+          </p:cNvSpPr>
+          <p:nvPr>
+            <p:ph type="sldNum" sz="quarter" idx="5"/>
+          </p:nvPr>
+        </p:nvSpPr>
+        <p:spPr>
+          <a:xfrm>
+            <a:off x="3884613" y="8685213"/>
+            <a:ext cx="2971800" cy="458787"/>
+          </a:xfrm>
+          <a:prstGeom prst="rect">
+            <a:avLst/>
+          </a:prstGeom>
+        </p:spPr>
+        <p:txBody>
+          <a:bodyPr vert="horz" lIns="91440" tIns="45720" rIns="91440" bIns="45720" rtlCol="0" anchor="b"/>
+          <a:lstStyle>
+            <a:lvl1pPr algn="r">
+              <a:defRPr sz="1200"/>
+            </a:lvl1pPr>
+          </a:lstStyle>
+          <a:p>
+            <a:fld id="{3A0E5987-F34C-4745-824E-D5DB1BF0A85A}" type="slidenum">
+              <a:rPr lang="de-DE" smtClean="0"/>
+              <a:t>‹Nr.›</a:t>
+            </a:fld>
+            <a:endParaRPr lang="de-DE"/>
+          </a:p>
+        </p:txBody>
+      </p:sp>
+    </p:spTree>
+    <p:extLst>
+      <p:ext uri="{BB962C8B-B14F-4D97-AF65-F5344CB8AC3E}">
+        <p14:creationId xmlns:p14="http://schemas.microsoft.com/office/powerpoint/2010/main" val="1893560998"/>
+      </p:ext>
+    </p:extLst>
+  </p:cSld>
+  <p:clrMap bg1="lt1" tx1="dk1" bg2="lt2" tx2="dk2" accent1="accent1" accent2="accent2" accent3="accent3" accent4="accent4" accent5="accent5" accent6="accent6" hlink="hlink" folHlink="folHlink"/>
+  <p:notesStyle>
+    <a:lvl1pPr marL="0" algn="l" defTabSz="914400" rtl="0" eaLnBrk="1" latinLnBrk="0" hangingPunct="1">
+      <a:defRPr sz="1200" kern="1200">
+        <a:solidFill>
+          <a:schemeClr val="tx1"/>
+        </a:solidFill>
+        <a:latin typeface="+mn-lt"/>
+        <a:ea typeface="+mn-ea"/>
+        <a:cs typeface="+mn-cs"/>
+      </a:defRPr>
+    </a:lvl1pPr>
+    <a:lvl2pPr marL="457200" algn="l" defTabSz="914400" rtl="0" eaLnBrk="1" latinLnBrk="0" hangingPunct="1">
+      <a:defRPr sz="1200" kern="1200">
+        <a:solidFill>
+          <a:schemeClr val="tx1"/>
+        </a:solidFill>
+        <a:latin typeface="+mn-lt"/>
+        <a:ea typeface="+mn-ea"/>
+        <a:cs typeface="+mn-cs"/>
+      </a:defRPr>
+    </a:lvl2pPr>
+    <a:lvl3pPr marL="914400" algn="l" defTabSz="914400" rtl="0" eaLnBrk="1" latinLnBrk="0" hangingPunct="1">
+      <a:defRPr sz="1200" kern="1200">
+        <a:solidFill>
+          <a:schemeClr val="tx1"/>
+        </a:solidFill>
+        <a:latin typeface="+mn-lt"/>
+        <a:ea typeface="+mn-ea"/>
+        <a:cs typeface="+mn-cs"/>
+      </a:defRPr>
+    </a:lvl3pPr>
+    <a:lvl4pPr marL="1371600" algn="l" defTabSz="914400" rtl="0" eaLnBrk="1" latinLnBrk="0" hangingPunct="1">
+      <a:defRPr sz="1200" kern="1200">
+        <a:solidFill>
+          <a:schemeClr val="tx1"/>
+        </a:solidFill>
+        <a:latin typeface="+mn-lt"/>
+        <a:ea typeface="+mn-ea"/>
+        <a:cs typeface="+mn-cs"/>
+      </a:defRPr>
+    </a:lvl4pPr>
+    <a:lvl5pPr marL="1828800" algn="l" defTabSz="914400" rtl="0" eaLnBrk="1" latinLnBrk="0" hangingPunct="1">
+      <a:defRPr sz="1200" kern="1200">
+        <a:solidFill>
+          <a:schemeClr val="tx1"/>
+        </a:solidFill>
+        <a:latin typeface="+mn-lt"/>
+        <a:ea typeface="+mn-ea"/>
+        <a:cs typeface="+mn-cs"/>
+      </a:defRPr>
+    </a:lvl5pPr>
+    <a:lvl6pPr marL="2286000" algn="l" defTabSz="914400" rtl="0" eaLnBrk="1" latinLnBrk="0" hangingPunct="1">
+      <a:defRPr sz="1200" kern="1200">
+        <a:solidFill>
+          <a:schemeClr val="tx1"/>
+        </a:solidFill>
+        <a:latin typeface="+mn-lt"/>
+        <a:ea typeface="+mn-ea"/>
+        <a:cs typeface="+mn-cs"/>
+      </a:defRPr>
+    </a:lvl6pPr>
+    <a:lvl7pPr marL="2743200" algn="l" defTabSz="914400" rtl="0" eaLnBrk="1" latinLnBrk="0" hangingPunct="1">
+      <a:defRPr sz="1200" kern="1200">
+        <a:solidFill>
+          <a:schemeClr val="tx1"/>
+        </a:solidFill>
+        <a:latin typeface="+mn-lt"/>
+        <a:ea typeface="+mn-ea"/>
+        <a:cs typeface="+mn-cs"/>
+      </a:defRPr>
+    </a:lvl7pPr>
+    <a:lvl8pPr marL="3200400" algn="l" defTabSz="914400" rtl="0" eaLnBrk="1" latinLnBrk="0" hangingPunct="1">
+      <a:defRPr sz="1200" kern="1200">
+        <a:solidFill>
+          <a:schemeClr val="tx1"/>
+        </a:solidFill>
+        <a:latin typeface="+mn-lt"/>
+        <a:ea typeface="+mn-ea"/>
+        <a:cs typeface="+mn-cs"/>
+      </a:defRPr>
+    </a:lvl8pPr>
+    <a:lvl9pPr marL="3657600" algn="l" defTabSz="914400" rtl="0" eaLnBrk="1" latinLnBrk="0" hangingPunct="1">
+      <a:defRPr sz="1200" kern="1200">
+        <a:solidFill>
+          <a:schemeClr val="tx1"/>
+        </a:solidFill>
+        <a:latin typeface="+mn-lt"/>
+        <a:ea typeface="+mn-ea"/>
+        <a:cs typeface="+mn-cs"/>
+      </a:defRPr>
+    </a:lvl9pPr>
+  </p:notesStyle>
+</p:notesMaster>
+</file>
+
+<file path=ppt/notesSlides/notesSlide1.xml><?xml version="1.0" encoding="utf-8"?>
+<p:notes xmlns:a="http://schemas.openxmlformats.org/drawingml/2006/main" xmlns:r="http://schemas.openxmlformats.org/officeDocument/2006/relationships" xmlns:p="http://schemas.openxmlformats.org/presentationml/2006/main">
+  <p:cSld>
+    <p:spTree>
+      <p:nvGrpSpPr>
+        <p:cNvPr id="1" name=""/>
+        <p:cNvGrpSpPr/>
+        <p:nvPr/>
+      </p:nvGrpSpPr>
+      <p:grpSpPr>
+        <a:xfrm>
+          <a:off x="0" y="0"/>
+          <a:ext cx="0" cy="0"/>
+          <a:chOff x="0" y="0"/>
+          <a:chExt cx="0" cy="0"/>
+        </a:xfrm>
+      </p:grpSpPr>
+      <p:sp>
+        <p:nvSpPr>
+          <p:cNvPr id="2" name="Folienbildplatzhalter 1"/>
+          <p:cNvSpPr>
+            <a:spLocks noGrp="1" noRot="1" noChangeAspect="1"/>
+          </p:cNvSpPr>
+          <p:nvPr>
+            <p:ph type="sldImg"/>
+          </p:nvPr>
+        </p:nvSpPr>
+        <p:spPr/>
+      </p:sp>
+      <p:sp>
+        <p:nvSpPr>
+          <p:cNvPr id="3" name="Notizenplatzhalter 2"/>
+          <p:cNvSpPr>
+            <a:spLocks noGrp="1"/>
+          </p:cNvSpPr>
+          <p:nvPr>
+            <p:ph type="body" idx="1"/>
+          </p:nvPr>
+        </p:nvSpPr>
+        <p:spPr/>
+        <p:txBody>
+          <a:bodyPr/>
+          <a:lstStyle/>
+          <a:p>
+            <a:endParaRPr lang="de-DE"/>
+          </a:p>
+        </p:txBody>
+      </p:sp>
+      <p:sp>
+        <p:nvSpPr>
+          <p:cNvPr id="4" name="Foliennummernplatzhalter 3"/>
+          <p:cNvSpPr>
+            <a:spLocks noGrp="1"/>
+          </p:cNvSpPr>
+          <p:nvPr>
+            <p:ph type="sldNum" sz="quarter" idx="5"/>
+          </p:nvPr>
+        </p:nvSpPr>
+        <p:spPr/>
+        <p:txBody>
+          <a:bodyPr/>
+          <a:lstStyle/>
+          <a:p>
+            <a:fld id="{3A0E5987-F34C-4745-824E-D5DB1BF0A85A}" type="slidenum">
+              <a:rPr lang="de-DE" smtClean="0"/>
+              <a:t>6</a:t>
+            </a:fld>
+            <a:endParaRPr lang="de-DE"/>
+          </a:p>
+        </p:txBody>
+      </p:sp>
+    </p:spTree>
+    <p:extLst>
+      <p:ext uri="{BB962C8B-B14F-4D97-AF65-F5344CB8AC3E}">
+        <p14:creationId xmlns:p14="http://schemas.microsoft.com/office/powerpoint/2010/main" val="798512974"/>
+      </p:ext>
+    </p:extLst>
+  </p:cSld>
+  <p:clrMapOvr>
+    <a:masterClrMapping/>
+  </p:clrMapOvr>
+</p:notes>
+</file>
+
 <file path=ppt/slideLayouts/slideLayout1.xml><?xml version="1.0" encoding="utf-8"?>
 <p:sldLayout xmlns:a="http://schemas.openxmlformats.org/drawingml/2006/main" xmlns:r="http://schemas.openxmlformats.org/officeDocument/2006/relationships" xmlns:p="http://schemas.openxmlformats.org/presentationml/2006/main" type="title" preserve="1">
   <p:cSld name="Titelfolie">
@@ -6612,7 +7049,7 @@
           <a:p>
             <a:fld id="{6EF8D719-2701-494A-AFC4-347DF434FD19}" type="datetimeFigureOut">
               <a:rPr lang="de-DE" smtClean="0"/>
-              <a:t>14.06.25</a:t>
+              <a:t>15.06.25</a:t>
             </a:fld>
             <a:endParaRPr lang="de-DE"/>
           </a:p>
@@ -6810,7 +7247,7 @@
           <a:p>
             <a:fld id="{6EF8D719-2701-494A-AFC4-347DF434FD19}" type="datetimeFigureOut">
               <a:rPr lang="de-DE" smtClean="0"/>
-              <a:t>14.06.25</a:t>
+              <a:t>15.06.25</a:t>
             </a:fld>
             <a:endParaRPr lang="de-DE"/>
           </a:p>
@@ -7018,7 +7455,7 @@
           <a:p>
             <a:fld id="{6EF8D719-2701-494A-AFC4-347DF434FD19}" type="datetimeFigureOut">
               <a:rPr lang="de-DE" smtClean="0"/>
-              <a:t>14.06.25</a:t>
+              <a:t>15.06.25</a:t>
             </a:fld>
             <a:endParaRPr lang="de-DE"/>
           </a:p>
@@ -7216,7 +7653,7 @@
           <a:p>
             <a:fld id="{6EF8D719-2701-494A-AFC4-347DF434FD19}" type="datetimeFigureOut">
               <a:rPr lang="de-DE" smtClean="0"/>
-              <a:t>14.06.25</a:t>
+              <a:t>15.06.25</a:t>
             </a:fld>
             <a:endParaRPr lang="de-DE"/>
           </a:p>
@@ -7491,7 +7928,7 @@
           <a:p>
             <a:fld id="{6EF8D719-2701-494A-AFC4-347DF434FD19}" type="datetimeFigureOut">
               <a:rPr lang="de-DE" smtClean="0"/>
-              <a:t>14.06.25</a:t>
+              <a:t>15.06.25</a:t>
             </a:fld>
             <a:endParaRPr lang="de-DE"/>
           </a:p>
@@ -7756,7 +8193,7 @@
           <a:p>
             <a:fld id="{6EF8D719-2701-494A-AFC4-347DF434FD19}" type="datetimeFigureOut">
               <a:rPr lang="de-DE" smtClean="0"/>
-              <a:t>14.06.25</a:t>
+              <a:t>15.06.25</a:t>
             </a:fld>
             <a:endParaRPr lang="de-DE"/>
           </a:p>
@@ -8168,7 +8605,7 @@
           <a:p>
             <a:fld id="{6EF8D719-2701-494A-AFC4-347DF434FD19}" type="datetimeFigureOut">
               <a:rPr lang="de-DE" smtClean="0"/>
-              <a:t>14.06.25</a:t>
+              <a:t>15.06.25</a:t>
             </a:fld>
             <a:endParaRPr lang="de-DE"/>
           </a:p>
@@ -8309,7 +8746,7 @@
           <a:p>
             <a:fld id="{6EF8D719-2701-494A-AFC4-347DF434FD19}" type="datetimeFigureOut">
               <a:rPr lang="de-DE" smtClean="0"/>
-              <a:t>14.06.25</a:t>
+              <a:t>15.06.25</a:t>
             </a:fld>
             <a:endParaRPr lang="de-DE"/>
           </a:p>
@@ -8422,7 +8859,7 @@
           <a:p>
             <a:fld id="{6EF8D719-2701-494A-AFC4-347DF434FD19}" type="datetimeFigureOut">
               <a:rPr lang="de-DE" smtClean="0"/>
-              <a:t>14.06.25</a:t>
+              <a:t>15.06.25</a:t>
             </a:fld>
             <a:endParaRPr lang="de-DE"/>
           </a:p>
@@ -8733,7 +9170,7 @@
           <a:p>
             <a:fld id="{6EF8D719-2701-494A-AFC4-347DF434FD19}" type="datetimeFigureOut">
               <a:rPr lang="de-DE" smtClean="0"/>
-              <a:t>14.06.25</a:t>
+              <a:t>15.06.25</a:t>
             </a:fld>
             <a:endParaRPr lang="de-DE"/>
           </a:p>
@@ -9021,7 +9458,7 @@
           <a:p>
             <a:fld id="{6EF8D719-2701-494A-AFC4-347DF434FD19}" type="datetimeFigureOut">
               <a:rPr lang="de-DE" smtClean="0"/>
-              <a:t>14.06.25</a:t>
+              <a:t>15.06.25</a:t>
             </a:fld>
             <a:endParaRPr lang="de-DE"/>
           </a:p>
@@ -9262,7 +9699,7 @@
           <a:p>
             <a:fld id="{6EF8D719-2701-494A-AFC4-347DF434FD19}" type="datetimeFigureOut">
               <a:rPr lang="de-DE" smtClean="0"/>
-              <a:t>14.06.25</a:t>
+              <a:t>15.06.25</a:t>
             </a:fld>
             <a:endParaRPr lang="de-DE"/>
           </a:p>
@@ -10286,7 +10723,11 @@
           <a:lstStyle/>
           <a:p>
             <a:r>
-              <a:rPr lang="de-DE" sz="2400" dirty="0"/>
+              <a:rPr lang="de-DE" sz="2400" dirty="0">
+                <a:highlight>
+                  <a:srgbClr val="FFFF00"/>
+                </a:highlight>
+              </a:rPr>
               <a:t>Custom GNN-Dataset</a:t>
             </a:r>
           </a:p>
@@ -10298,8 +10739,41 @@
                 </a:solidFill>
                 <a:effectLst/>
               </a:rPr>
-              <a:t>GNN Encoder Klasse</a:t>
-            </a:r>
+              <a:t>GNN Encoder Klasse </a:t>
+            </a:r>
+            <a:r>
+              <a:rPr lang="de-DE" sz="2400" b="1" i="0" u="none" strike="noStrike" dirty="0">
+                <a:solidFill>
+                  <a:srgbClr val="FF0000"/>
+                </a:solidFill>
+                <a:effectLst/>
+              </a:rPr>
+              <a:t>(</a:t>
+            </a:r>
+            <a:r>
+              <a:rPr lang="de-DE" sz="2400" b="1" i="0" u="none" strike="noStrike" dirty="0" err="1">
+                <a:solidFill>
+                  <a:srgbClr val="FF0000"/>
+                </a:solidFill>
+                <a:effectLst/>
+              </a:rPr>
+              <a:t>now</a:t>
+            </a:r>
+            <a:r>
+              <a:rPr lang="de-DE" sz="2400" b="1" i="0" u="none" strike="noStrike" dirty="0">
+                <a:solidFill>
+                  <a:srgbClr val="FF0000"/>
+                </a:solidFill>
+                <a:effectLst/>
+              </a:rPr>
+              <a:t>!)</a:t>
+            </a:r>
+            <a:endParaRPr lang="de-DE" sz="2400" i="0" u="none" strike="noStrike" dirty="0">
+              <a:solidFill>
+                <a:srgbClr val="2C2C36"/>
+              </a:solidFill>
+              <a:effectLst/>
+            </a:endParaRPr>
           </a:p>
           <a:p>
             <a:pPr marL="0" indent="0">
@@ -10870,6 +11344,492 @@
     <p:extLst>
       <p:ext uri="{BB962C8B-B14F-4D97-AF65-F5344CB8AC3E}">
         <p14:creationId xmlns:p14="http://schemas.microsoft.com/office/powerpoint/2010/main" val="3916305113"/>
+      </p:ext>
+    </p:extLst>
+  </p:cSld>
+  <p:clrMapOvr>
+    <a:masterClrMapping/>
+  </p:clrMapOvr>
+</p:sld>
+</file>
+
+<file path=ppt/slides/slide6.xml><?xml version="1.0" encoding="utf-8"?>
+<p:sld xmlns:a="http://schemas.openxmlformats.org/drawingml/2006/main" xmlns:r="http://schemas.openxmlformats.org/officeDocument/2006/relationships" xmlns:p="http://schemas.openxmlformats.org/presentationml/2006/main">
+  <p:cSld>
+    <p:spTree>
+      <p:nvGrpSpPr>
+        <p:cNvPr id="1" name=""/>
+        <p:cNvGrpSpPr/>
+        <p:nvPr/>
+      </p:nvGrpSpPr>
+      <p:grpSpPr>
+        <a:xfrm>
+          <a:off x="0" y="0"/>
+          <a:ext cx="0" cy="0"/>
+          <a:chOff x="0" y="0"/>
+          <a:chExt cx="0" cy="0"/>
+        </a:xfrm>
+      </p:grpSpPr>
+      <p:sp>
+        <p:nvSpPr>
+          <p:cNvPr id="2" name="Titel 1">
+            <a:extLst>
+              <a:ext uri="{FF2B5EF4-FFF2-40B4-BE49-F238E27FC236}">
+                <a16:creationId xmlns:a16="http://schemas.microsoft.com/office/drawing/2014/main" id="{0D034AC8-642A-1789-5738-C34472E0AA65}"/>
+              </a:ext>
+            </a:extLst>
+          </p:cNvPr>
+          <p:cNvSpPr>
+            <a:spLocks noGrp="1"/>
+          </p:cNvSpPr>
+          <p:nvPr>
+            <p:ph type="title"/>
+          </p:nvPr>
+        </p:nvSpPr>
+        <p:spPr/>
+        <p:txBody>
+          <a:bodyPr/>
+          <a:lstStyle/>
+          <a:p>
+            <a:r>
+              <a:rPr lang="de-DE" sz="4400" b="1" dirty="0"/>
+              <a:t>Custom GNN-Dataset</a:t>
+            </a:r>
+            <a:endParaRPr lang="de-DE" b="1" dirty="0"/>
+          </a:p>
+        </p:txBody>
+      </p:sp>
+      <p:pic>
+        <p:nvPicPr>
+          <p:cNvPr id="5" name="Inhaltsplatzhalter 4" descr="Ein Bild, das Text, Schrift, Screenshot, Karte Menü enthält.&#10;&#10;Automatisch generierte Beschreibung">
+            <a:extLst>
+              <a:ext uri="{FF2B5EF4-FFF2-40B4-BE49-F238E27FC236}">
+                <a16:creationId xmlns:a16="http://schemas.microsoft.com/office/drawing/2014/main" id="{A40D06A0-36CD-C228-0BBD-82BBC9CCFF9F}"/>
+              </a:ext>
+            </a:extLst>
+          </p:cNvPr>
+          <p:cNvPicPr>
+            <a:picLocks noGrp="1" noChangeAspect="1"/>
+          </p:cNvPicPr>
+          <p:nvPr>
+            <p:ph idx="1"/>
+          </p:nvPr>
+        </p:nvPicPr>
+        <p:blipFill>
+          <a:blip r:embed="rId3"/>
+          <a:srcRect t="47158"/>
+          <a:stretch/>
+        </p:blipFill>
+        <p:spPr>
+          <a:xfrm>
+            <a:off x="6796498" y="2342799"/>
+            <a:ext cx="2864704" cy="3635494"/>
+          </a:xfrm>
+        </p:spPr>
+      </p:pic>
+      <p:pic>
+        <p:nvPicPr>
+          <p:cNvPr id="7" name="Grafik 6" descr="Ein Bild, das Text, Schrift, Screenshot, Karte Menü enthält.&#10;&#10;Automatisch generierte Beschreibung">
+            <a:extLst>
+              <a:ext uri="{FF2B5EF4-FFF2-40B4-BE49-F238E27FC236}">
+                <a16:creationId xmlns:a16="http://schemas.microsoft.com/office/drawing/2014/main" id="{50266BD8-8E99-25F9-4A42-F64F4D656C31}"/>
+              </a:ext>
+            </a:extLst>
+          </p:cNvPr>
+          <p:cNvPicPr>
+            <a:picLocks noChangeAspect="1"/>
+          </p:cNvPicPr>
+          <p:nvPr/>
+        </p:nvPicPr>
+        <p:blipFill>
+          <a:blip r:embed="rId3"/>
+          <a:srcRect b="54545"/>
+          <a:stretch/>
+        </p:blipFill>
+        <p:spPr>
+          <a:xfrm>
+            <a:off x="896603" y="2342799"/>
+            <a:ext cx="2772572" cy="3635494"/>
+          </a:xfrm>
+          <a:prstGeom prst="rect">
+            <a:avLst/>
+          </a:prstGeom>
+        </p:spPr>
+      </p:pic>
+      <p:sp>
+        <p:nvSpPr>
+          <p:cNvPr id="8" name="Textfeld 7">
+            <a:extLst>
+              <a:ext uri="{FF2B5EF4-FFF2-40B4-BE49-F238E27FC236}">
+                <a16:creationId xmlns:a16="http://schemas.microsoft.com/office/drawing/2014/main" id="{77741370-C2A3-19E5-B998-69A4AA820CA2}"/>
+              </a:ext>
+            </a:extLst>
+          </p:cNvPr>
+          <p:cNvSpPr txBox="1"/>
+          <p:nvPr/>
+        </p:nvSpPr>
+        <p:spPr>
+          <a:xfrm>
+            <a:off x="896602" y="1327941"/>
+            <a:ext cx="5293991" cy="830997"/>
+          </a:xfrm>
+          <a:prstGeom prst="rect">
+            <a:avLst/>
+          </a:prstGeom>
+          <a:noFill/>
+        </p:spPr>
+        <p:txBody>
+          <a:bodyPr wrap="square" rtlCol="0">
+            <a:spAutoFit/>
+          </a:bodyPr>
+          <a:lstStyle/>
+          <a:p>
+            <a:r>
+              <a:rPr lang="de-DE" sz="2400" b="1" dirty="0" err="1"/>
+              <a:t>for</a:t>
+            </a:r>
+            <a:r>
+              <a:rPr lang="de-DE" sz="2400" b="1" dirty="0"/>
+              <a:t> </a:t>
+            </a:r>
+            <a:r>
+              <a:rPr lang="de-DE" sz="2400" b="1" dirty="0" err="1"/>
+              <a:t>drug</a:t>
+            </a:r>
+            <a:r>
+              <a:rPr lang="de-DE" sz="2400" b="1" dirty="0"/>
+              <a:t> in </a:t>
+            </a:r>
+            <a:r>
+              <a:rPr lang="de-DE" sz="2400" b="1" dirty="0" err="1"/>
+              <a:t>drug_list</a:t>
+            </a:r>
+            <a:endParaRPr lang="de-DE" sz="2400" b="1" dirty="0"/>
+          </a:p>
+          <a:p>
+            <a:r>
+              <a:rPr lang="de-DE" sz="2400" b="1" dirty="0"/>
+              <a:t>      </a:t>
+            </a:r>
+            <a:r>
+              <a:rPr lang="de-DE" sz="2400" b="1" dirty="0" err="1"/>
+              <a:t>for</a:t>
+            </a:r>
+            <a:r>
+              <a:rPr lang="de-DE" sz="2400" b="1" dirty="0"/>
+              <a:t> </a:t>
+            </a:r>
+            <a:r>
+              <a:rPr lang="de-DE" sz="2400" b="1" dirty="0" err="1"/>
+              <a:t>drug</a:t>
+            </a:r>
+            <a:r>
+              <a:rPr lang="de-DE" sz="2400" b="1" dirty="0"/>
+              <a:t> in </a:t>
+            </a:r>
+            <a:r>
+              <a:rPr lang="de-DE" sz="2400" b="1" dirty="0" err="1"/>
+              <a:t>cell_line</a:t>
+            </a:r>
+            <a:r>
+              <a:rPr lang="de-DE" sz="2400" b="1" dirty="0"/>
+              <a:t> </a:t>
+            </a:r>
+          </a:p>
+        </p:txBody>
+      </p:sp>
+      <p:sp>
+        <p:nvSpPr>
+          <p:cNvPr id="9" name="Textfeld 8">
+            <a:extLst>
+              <a:ext uri="{FF2B5EF4-FFF2-40B4-BE49-F238E27FC236}">
+                <a16:creationId xmlns:a16="http://schemas.microsoft.com/office/drawing/2014/main" id="{F05CF9CA-F396-F257-1062-05795D720B1B}"/>
+              </a:ext>
+            </a:extLst>
+          </p:cNvPr>
+          <p:cNvSpPr txBox="1"/>
+          <p:nvPr/>
+        </p:nvSpPr>
+        <p:spPr>
+          <a:xfrm>
+            <a:off x="3669175" y="3443468"/>
+            <a:ext cx="3021449" cy="1200329"/>
+          </a:xfrm>
+          <a:prstGeom prst="rect">
+            <a:avLst/>
+          </a:prstGeom>
+          <a:noFill/>
+        </p:spPr>
+        <p:txBody>
+          <a:bodyPr wrap="square" rtlCol="0">
+            <a:spAutoFit/>
+          </a:bodyPr>
+          <a:lstStyle/>
+          <a:p>
+            <a:r>
+              <a:rPr lang="de-DE" dirty="0" err="1"/>
+              <a:t>Edges</a:t>
+            </a:r>
+            <a:r>
+              <a:rPr lang="de-DE" dirty="0"/>
+              <a:t> in COO-Format</a:t>
+            </a:r>
+          </a:p>
+          <a:p>
+            <a:r>
+              <a:rPr lang="de-DE" dirty="0"/>
+              <a:t>[</a:t>
+            </a:r>
+            <a:r>
+              <a:rPr lang="de-DE" dirty="0" err="1"/>
+              <a:t>source_node</a:t>
+            </a:r>
+            <a:r>
+              <a:rPr lang="de-DE" dirty="0"/>
+              <a:t>, </a:t>
+            </a:r>
+            <a:r>
+              <a:rPr lang="de-DE" dirty="0" err="1"/>
+              <a:t>target_node</a:t>
+            </a:r>
+            <a:r>
+              <a:rPr lang="de-DE" dirty="0"/>
+              <a:t>]</a:t>
+            </a:r>
+          </a:p>
+          <a:p>
+            <a:r>
+              <a:rPr lang="de-DE" dirty="0"/>
+              <a:t>e.g.: </a:t>
+            </a:r>
+            <a:r>
+              <a:rPr lang="de-DE" dirty="0" err="1"/>
+              <a:t>edge</a:t>
+            </a:r>
+            <a:r>
+              <a:rPr lang="de-DE" dirty="0"/>
+              <a:t> </a:t>
+            </a:r>
+            <a:r>
+              <a:rPr lang="de-DE" dirty="0" err="1"/>
+              <a:t>of</a:t>
+            </a:r>
+            <a:r>
+              <a:rPr lang="de-DE" dirty="0"/>
+              <a:t> </a:t>
+            </a:r>
+            <a:r>
+              <a:rPr lang="de-DE" dirty="0" err="1"/>
+              <a:t>node</a:t>
+            </a:r>
+            <a:r>
+              <a:rPr lang="de-DE" dirty="0"/>
+              <a:t> x </a:t>
+            </a:r>
+            <a:r>
+              <a:rPr lang="de-DE" dirty="0" err="1"/>
+              <a:t>to</a:t>
+            </a:r>
+            <a:r>
+              <a:rPr lang="de-DE" dirty="0"/>
+              <a:t> </a:t>
+            </a:r>
+            <a:r>
+              <a:rPr lang="de-DE" dirty="0" err="1"/>
+              <a:t>node</a:t>
+            </a:r>
+            <a:r>
+              <a:rPr lang="de-DE" dirty="0"/>
+              <a:t> </a:t>
+            </a:r>
+            <a:r>
+              <a:rPr lang="de-DE" dirty="0" err="1"/>
+              <a:t>y</a:t>
+            </a:r>
+            <a:r>
+              <a:rPr lang="de-DE" dirty="0"/>
+              <a:t> (Interaction)</a:t>
+            </a:r>
+          </a:p>
+        </p:txBody>
+      </p:sp>
+      <p:sp>
+        <p:nvSpPr>
+          <p:cNvPr id="11" name="Textfeld 10">
+            <a:extLst>
+              <a:ext uri="{FF2B5EF4-FFF2-40B4-BE49-F238E27FC236}">
+                <a16:creationId xmlns:a16="http://schemas.microsoft.com/office/drawing/2014/main" id="{3CEE8FD4-BA53-AC15-9926-206C487C96D5}"/>
+              </a:ext>
+            </a:extLst>
+          </p:cNvPr>
+          <p:cNvSpPr txBox="1"/>
+          <p:nvPr/>
+        </p:nvSpPr>
+        <p:spPr>
+          <a:xfrm>
+            <a:off x="9526772" y="5072044"/>
+            <a:ext cx="2665228" cy="923330"/>
+          </a:xfrm>
+          <a:prstGeom prst="rect">
+            <a:avLst/>
+          </a:prstGeom>
+          <a:noFill/>
+        </p:spPr>
+        <p:txBody>
+          <a:bodyPr wrap="square">
+            <a:spAutoFit/>
+          </a:bodyPr>
+          <a:lstStyle/>
+          <a:p>
+            <a:pPr algn="ctr"/>
+            <a:r>
+              <a:rPr lang="de-DE" dirty="0"/>
+              <a:t>log_IC50 </a:t>
+            </a:r>
+            <a:r>
+              <a:rPr lang="de-DE" dirty="0" err="1"/>
+              <a:t>value</a:t>
+            </a:r>
+            <a:r>
+              <a:rPr lang="de-DE" dirty="0"/>
+              <a:t> </a:t>
+            </a:r>
+            <a:r>
+              <a:rPr lang="de-DE" dirty="0" err="1"/>
+              <a:t>for</a:t>
+            </a:r>
+            <a:r>
+              <a:rPr lang="de-DE" dirty="0"/>
+              <a:t> a </a:t>
+            </a:r>
+            <a:r>
+              <a:rPr lang="de-DE" dirty="0" err="1"/>
+              <a:t>drug-cell</a:t>
+            </a:r>
+            <a:r>
+              <a:rPr lang="de-DE" dirty="0"/>
+              <a:t> </a:t>
+            </a:r>
+            <a:r>
+              <a:rPr lang="de-DE" dirty="0" err="1"/>
+              <a:t>line</a:t>
+            </a:r>
+            <a:r>
+              <a:rPr lang="de-DE" dirty="0"/>
+              <a:t> </a:t>
+            </a:r>
+            <a:r>
+              <a:rPr lang="de-DE" dirty="0" err="1"/>
+              <a:t>combination</a:t>
+            </a:r>
+            <a:endParaRPr lang="de-DE" dirty="0"/>
+          </a:p>
+        </p:txBody>
+      </p:sp>
+      <p:sp>
+        <p:nvSpPr>
+          <p:cNvPr id="4" name="Textfeld 3">
+            <a:extLst>
+              <a:ext uri="{FF2B5EF4-FFF2-40B4-BE49-F238E27FC236}">
+                <a16:creationId xmlns:a16="http://schemas.microsoft.com/office/drawing/2014/main" id="{F7952056-65B8-0251-2FD4-3AED11B5DEF3}"/>
+              </a:ext>
+            </a:extLst>
+          </p:cNvPr>
+          <p:cNvSpPr txBox="1"/>
+          <p:nvPr/>
+        </p:nvSpPr>
+        <p:spPr>
+          <a:xfrm>
+            <a:off x="9801598" y="3219604"/>
+            <a:ext cx="2250005" cy="1200329"/>
+          </a:xfrm>
+          <a:prstGeom prst="rect">
+            <a:avLst/>
+          </a:prstGeom>
+          <a:noFill/>
+        </p:spPr>
+        <p:txBody>
+          <a:bodyPr wrap="square">
+            <a:spAutoFit/>
+          </a:bodyPr>
+          <a:lstStyle/>
+          <a:p>
+            <a:pPr algn="ctr"/>
+            <a:r>
+              <a:rPr lang="de-DE" dirty="0"/>
+              <a:t>Gene </a:t>
+            </a:r>
+            <a:r>
+              <a:rPr lang="de-DE" dirty="0" err="1"/>
+              <a:t>expression</a:t>
+            </a:r>
+            <a:r>
+              <a:rPr lang="de-DE" dirty="0"/>
+              <a:t> </a:t>
+            </a:r>
+            <a:r>
+              <a:rPr lang="de-DE" dirty="0" err="1"/>
+              <a:t>value</a:t>
+            </a:r>
+            <a:r>
+              <a:rPr lang="de-DE" dirty="0"/>
+              <a:t> </a:t>
+            </a:r>
+            <a:r>
+              <a:rPr lang="de-DE" dirty="0" err="1"/>
+              <a:t>of</a:t>
+            </a:r>
+            <a:r>
+              <a:rPr lang="de-DE" dirty="0"/>
+              <a:t> </a:t>
+            </a:r>
+            <a:r>
+              <a:rPr lang="de-DE" dirty="0" err="1"/>
+              <a:t>node</a:t>
+            </a:r>
+            <a:r>
+              <a:rPr lang="de-DE" dirty="0"/>
+              <a:t> x für </a:t>
+            </a:r>
+            <a:r>
+              <a:rPr lang="de-DE" dirty="0" err="1"/>
+              <a:t>the</a:t>
+            </a:r>
+            <a:r>
+              <a:rPr lang="de-DE" dirty="0"/>
+              <a:t> </a:t>
+            </a:r>
+            <a:r>
+              <a:rPr lang="de-DE" dirty="0" err="1"/>
+              <a:t>drug-cell</a:t>
+            </a:r>
+            <a:r>
+              <a:rPr lang="de-DE" dirty="0"/>
+              <a:t> </a:t>
+            </a:r>
+            <a:r>
+              <a:rPr lang="de-DE" dirty="0" err="1"/>
+              <a:t>line</a:t>
+            </a:r>
+            <a:r>
+              <a:rPr lang="de-DE" dirty="0"/>
+              <a:t> </a:t>
+            </a:r>
+            <a:r>
+              <a:rPr lang="de-DE" dirty="0" err="1"/>
+              <a:t>combination</a:t>
+            </a:r>
+            <a:r>
+              <a:rPr lang="de-DE" dirty="0"/>
+              <a:t> </a:t>
+            </a:r>
+          </a:p>
+        </p:txBody>
+      </p:sp>
+    </p:spTree>
+    <p:extLst>
+      <p:ext uri="{BB962C8B-B14F-4D97-AF65-F5344CB8AC3E}">
+        <p14:creationId xmlns:p14="http://schemas.microsoft.com/office/powerpoint/2010/main" val="4219082494"/>
       </p:ext>
     </p:extLst>
   </p:cSld>
@@ -11192,4 +12152,319 @@
     </a:ext>
   </a:extLst>
 </a:theme>
+</file>
+
+<file path=ppt/theme/theme2.xml><?xml version="1.0" encoding="utf-8"?>
+<a:theme xmlns:a="http://schemas.openxmlformats.org/drawingml/2006/main" name="Office">
+  <a:themeElements>
+    <a:clrScheme name="Office">
+      <a:dk1>
+        <a:sysClr val="windowText" lastClr="000000"/>
+      </a:dk1>
+      <a:lt1>
+        <a:sysClr val="window" lastClr="FFFFFF"/>
+      </a:lt1>
+      <a:dk2>
+        <a:srgbClr val="0E2841"/>
+      </a:dk2>
+      <a:lt2>
+        <a:srgbClr val="E8E8E8"/>
+      </a:lt2>
+      <a:accent1>
+        <a:srgbClr val="156082"/>
+      </a:accent1>
+      <a:accent2>
+        <a:srgbClr val="E97132"/>
+      </a:accent2>
+      <a:accent3>
+        <a:srgbClr val="196B24"/>
+      </a:accent3>
+      <a:accent4>
+        <a:srgbClr val="0F9ED5"/>
+      </a:accent4>
+      <a:accent5>
+        <a:srgbClr val="A02B93"/>
+      </a:accent5>
+      <a:accent6>
+        <a:srgbClr val="4EA72E"/>
+      </a:accent6>
+      <a:hlink>
+        <a:srgbClr val="467886"/>
+      </a:hlink>
+      <a:folHlink>
+        <a:srgbClr val="96607D"/>
+      </a:folHlink>
+    </a:clrScheme>
+    <a:fontScheme name="Office">
+      <a:majorFont>
+        <a:latin typeface="Aptos Display" panose="02110004020202020204"/>
+        <a:ea typeface=""/>
+        <a:cs typeface=""/>
+        <a:font script="Jpan" typeface="游ゴシック Light"/>
+        <a:font script="Hang" typeface="맑은 고딕"/>
+        <a:font script="Hans" typeface="等线 Light"/>
+        <a:font script="Hant" typeface="新細明體"/>
+        <a:font script="Arab" typeface="Times New Roman"/>
+        <a:font script="Hebr" typeface="Times New Roman"/>
+        <a:font script="Thai" typeface="Angsana New"/>
+        <a:font script="Ethi" typeface="Nyala"/>
+        <a:font script="Beng" typeface="Vrinda"/>
+        <a:font script="Gujr" typeface="Shruti"/>
+        <a:font script="Khmr" typeface="MoolBoran"/>
+        <a:font script="Knda" typeface="Tunga"/>
+        <a:font script="Guru" typeface="Raavi"/>
+        <a:font script="Cans" typeface="Euphemia"/>
+        <a:font script="Cher" typeface="Plantagenet Cherokee"/>
+        <a:font script="Yiii" typeface="Microsoft Yi Baiti"/>
+        <a:font script="Tibt" typeface="Microsoft Himalaya"/>
+        <a:font script="Thaa" typeface="MV Boli"/>
+        <a:font script="Deva" typeface="Mangal"/>
+        <a:font script="Telu" typeface="Gautami"/>
+        <a:font script="Taml" typeface="Latha"/>
+        <a:font script="Syrc" typeface="Estrangelo Edessa"/>
+        <a:font script="Orya" typeface="Kalinga"/>
+        <a:font script="Mlym" typeface="Kartika"/>
+        <a:font script="Laoo" typeface="DokChampa"/>
+        <a:font script="Sinh" typeface="Iskoola Pota"/>
+        <a:font script="Mong" typeface="Mongolian Baiti"/>
+        <a:font script="Viet" typeface="Times New Roman"/>
+        <a:font script="Uigh" typeface="Microsoft Uighur"/>
+        <a:font script="Geor" typeface="Sylfaen"/>
+        <a:font script="Armn" typeface="Arial"/>
+        <a:font script="Bugi" typeface="Leelawadee UI"/>
+        <a:font script="Bopo" typeface="Microsoft JhengHei"/>
+        <a:font script="Java" typeface="Javanese Text"/>
+        <a:font script="Lisu" typeface="Segoe UI"/>
+        <a:font script="Mymr" typeface="Myanmar Text"/>
+        <a:font script="Nkoo" typeface="Ebrima"/>
+        <a:font script="Olck" typeface="Nirmala UI"/>
+        <a:font script="Osma" typeface="Ebrima"/>
+        <a:font script="Phag" typeface="Phagspa"/>
+        <a:font script="Syrn" typeface="Estrangelo Edessa"/>
+        <a:font script="Syrj" typeface="Estrangelo Edessa"/>
+        <a:font script="Syre" typeface="Estrangelo Edessa"/>
+        <a:font script="Sora" typeface="Nirmala UI"/>
+        <a:font script="Tale" typeface="Microsoft Tai Le"/>
+        <a:font script="Talu" typeface="Microsoft New Tai Lue"/>
+        <a:font script="Tfng" typeface="Ebrima"/>
+      </a:majorFont>
+      <a:minorFont>
+        <a:latin typeface="Aptos" panose="02110004020202020204"/>
+        <a:ea typeface=""/>
+        <a:cs typeface=""/>
+        <a:font script="Jpan" typeface="游ゴシック"/>
+        <a:font script="Hang" typeface="맑은 고딕"/>
+        <a:font script="Hans" typeface="等线"/>
+        <a:font script="Hant" typeface="新細明體"/>
+        <a:font script="Arab" typeface="Arial"/>
+        <a:font script="Hebr" typeface="Arial"/>
+        <a:font script="Thai" typeface="Cordia New"/>
+        <a:font script="Ethi" typeface="Nyala"/>
+        <a:font script="Beng" typeface="Vrinda"/>
+        <a:font script="Gujr" typeface="Shruti"/>
+        <a:font script="Khmr" typeface="DaunPenh"/>
+        <a:font script="Knda" typeface="Tunga"/>
+        <a:font script="Guru" typeface="Raavi"/>
+        <a:font script="Cans" typeface="Euphemia"/>
+        <a:font script="Cher" typeface="Plantagenet Cherokee"/>
+        <a:font script="Yiii" typeface="Microsoft Yi Baiti"/>
+        <a:font script="Tibt" typeface="Microsoft Himalaya"/>
+        <a:font script="Thaa" typeface="MV Boli"/>
+        <a:font script="Deva" typeface="Mangal"/>
+        <a:font script="Telu" typeface="Gautami"/>
+        <a:font script="Taml" typeface="Latha"/>
+        <a:font script="Syrc" typeface="Estrangelo Edessa"/>
+        <a:font script="Orya" typeface="Kalinga"/>
+        <a:font script="Mlym" typeface="Kartika"/>
+        <a:font script="Laoo" typeface="DokChampa"/>
+        <a:font script="Sinh" typeface="Iskoola Pota"/>
+        <a:font script="Mong" typeface="Mongolian Baiti"/>
+        <a:font script="Viet" typeface="Arial"/>
+        <a:font script="Uigh" typeface="Microsoft Uighur"/>
+        <a:font script="Geor" typeface="Sylfaen"/>
+        <a:font script="Armn" typeface="Arial"/>
+        <a:font script="Bugi" typeface="Leelawadee UI"/>
+        <a:font script="Bopo" typeface="Microsoft JhengHei"/>
+        <a:font script="Java" typeface="Javanese Text"/>
+        <a:font script="Lisu" typeface="Segoe UI"/>
+        <a:font script="Mymr" typeface="Myanmar Text"/>
+        <a:font script="Nkoo" typeface="Ebrima"/>
+        <a:font script="Olck" typeface="Nirmala UI"/>
+        <a:font script="Osma" typeface="Ebrima"/>
+        <a:font script="Phag" typeface="Phagspa"/>
+        <a:font script="Syrn" typeface="Estrangelo Edessa"/>
+        <a:font script="Syrj" typeface="Estrangelo Edessa"/>
+        <a:font script="Syre" typeface="Estrangelo Edessa"/>
+        <a:font script="Sora" typeface="Nirmala UI"/>
+        <a:font script="Tale" typeface="Microsoft Tai Le"/>
+        <a:font script="Talu" typeface="Microsoft New Tai Lue"/>
+        <a:font script="Tfng" typeface="Ebrima"/>
+      </a:minorFont>
+    </a:fontScheme>
+    <a:fmtScheme name="Office">
+      <a:fillStyleLst>
+        <a:solidFill>
+          <a:schemeClr val="phClr"/>
+        </a:solidFill>
+        <a:gradFill rotWithShape="1">
+          <a:gsLst>
+            <a:gs pos="0">
+              <a:schemeClr val="phClr">
+                <a:lumMod val="110000"/>
+                <a:satMod val="105000"/>
+                <a:tint val="67000"/>
+              </a:schemeClr>
+            </a:gs>
+            <a:gs pos="50000">
+              <a:schemeClr val="phClr">
+                <a:lumMod val="105000"/>
+                <a:satMod val="103000"/>
+                <a:tint val="73000"/>
+              </a:schemeClr>
+            </a:gs>
+            <a:gs pos="100000">
+              <a:schemeClr val="phClr">
+                <a:lumMod val="105000"/>
+                <a:satMod val="109000"/>
+                <a:tint val="81000"/>
+              </a:schemeClr>
+            </a:gs>
+          </a:gsLst>
+          <a:lin ang="5400000" scaled="0"/>
+        </a:gradFill>
+        <a:gradFill rotWithShape="1">
+          <a:gsLst>
+            <a:gs pos="0">
+              <a:schemeClr val="phClr">
+                <a:satMod val="103000"/>
+                <a:lumMod val="102000"/>
+                <a:tint val="94000"/>
+              </a:schemeClr>
+            </a:gs>
+            <a:gs pos="50000">
+              <a:schemeClr val="phClr">
+                <a:satMod val="110000"/>
+                <a:lumMod val="100000"/>
+                <a:shade val="100000"/>
+              </a:schemeClr>
+            </a:gs>
+            <a:gs pos="100000">
+              <a:schemeClr val="phClr">
+                <a:lumMod val="99000"/>
+                <a:satMod val="120000"/>
+                <a:shade val="78000"/>
+              </a:schemeClr>
+            </a:gs>
+          </a:gsLst>
+          <a:lin ang="5400000" scaled="0"/>
+        </a:gradFill>
+      </a:fillStyleLst>
+      <a:lnStyleLst>
+        <a:ln w="12700" cap="flat" cmpd="sng" algn="ctr">
+          <a:solidFill>
+            <a:schemeClr val="phClr"/>
+          </a:solidFill>
+          <a:prstDash val="solid"/>
+          <a:miter lim="800000"/>
+        </a:ln>
+        <a:ln w="19050" cap="flat" cmpd="sng" algn="ctr">
+          <a:solidFill>
+            <a:schemeClr val="phClr"/>
+          </a:solidFill>
+          <a:prstDash val="solid"/>
+          <a:miter lim="800000"/>
+        </a:ln>
+        <a:ln w="25400" cap="flat" cmpd="sng" algn="ctr">
+          <a:solidFill>
+            <a:schemeClr val="phClr"/>
+          </a:solidFill>
+          <a:prstDash val="solid"/>
+          <a:miter lim="800000"/>
+        </a:ln>
+      </a:lnStyleLst>
+      <a:effectStyleLst>
+        <a:effectStyle>
+          <a:effectLst/>
+        </a:effectStyle>
+        <a:effectStyle>
+          <a:effectLst/>
+        </a:effectStyle>
+        <a:effectStyle>
+          <a:effectLst>
+            <a:outerShdw blurRad="57150" dist="19050" dir="5400000" algn="ctr" rotWithShape="0">
+              <a:srgbClr val="000000">
+                <a:alpha val="63000"/>
+              </a:srgbClr>
+            </a:outerShdw>
+          </a:effectLst>
+        </a:effectStyle>
+      </a:effectStyleLst>
+      <a:bgFillStyleLst>
+        <a:solidFill>
+          <a:schemeClr val="phClr"/>
+        </a:solidFill>
+        <a:solidFill>
+          <a:schemeClr val="phClr">
+            <a:tint val="95000"/>
+            <a:satMod val="170000"/>
+          </a:schemeClr>
+        </a:solidFill>
+        <a:gradFill rotWithShape="1">
+          <a:gsLst>
+            <a:gs pos="0">
+              <a:schemeClr val="phClr">
+                <a:tint val="93000"/>
+                <a:satMod val="150000"/>
+                <a:shade val="98000"/>
+                <a:lumMod val="102000"/>
+              </a:schemeClr>
+            </a:gs>
+            <a:gs pos="50000">
+              <a:schemeClr val="phClr">
+                <a:tint val="98000"/>
+                <a:satMod val="130000"/>
+                <a:shade val="90000"/>
+                <a:lumMod val="103000"/>
+              </a:schemeClr>
+            </a:gs>
+            <a:gs pos="100000">
+              <a:schemeClr val="phClr">
+                <a:shade val="63000"/>
+                <a:satMod val="120000"/>
+              </a:schemeClr>
+            </a:gs>
+          </a:gsLst>
+          <a:lin ang="5400000" scaled="0"/>
+        </a:gradFill>
+      </a:bgFillStyleLst>
+    </a:fmtScheme>
+  </a:themeElements>
+  <a:objectDefaults>
+    <a:lnDef>
+      <a:spPr/>
+      <a:bodyPr/>
+      <a:lstStyle/>
+      <a:style>
+        <a:lnRef idx="2">
+          <a:schemeClr val="accent1"/>
+        </a:lnRef>
+        <a:fillRef idx="0">
+          <a:schemeClr val="accent1"/>
+        </a:fillRef>
+        <a:effectRef idx="1">
+          <a:schemeClr val="accent1"/>
+        </a:effectRef>
+        <a:fontRef idx="minor">
+          <a:schemeClr val="tx1"/>
+        </a:fontRef>
+      </a:style>
+    </a:lnDef>
+  </a:objectDefaults>
+  <a:extraClrSchemeLst/>
+  <a:extLst>
+    <a:ext uri="{05A4C25C-085E-4340-85A3-A5531E510DB2}">
+      <thm15:themeFamily xmlns:thm15="http://schemas.microsoft.com/office/thememl/2012/main" name="Office Theme" id="{2E142A2C-CD16-42D6-873A-C26D2A0506FA}" vid="{1BDDFF52-6CD6-40A5-AB3C-68EB2F1E4D0A}"/>
+    </a:ext>
+  </a:extLst>
+</a:theme>
 </file>
--- a/Overview_Network.pptx
+++ b/Overview_Network.pptx
@@ -5,15 +5,18 @@
     <p:sldMasterId id="2147483648" r:id="rId1"/>
   </p:sldMasterIdLst>
   <p:notesMasterIdLst>
-    <p:notesMasterId r:id="rId8"/>
+    <p:notesMasterId r:id="rId11"/>
   </p:notesMasterIdLst>
   <p:sldIdLst>
     <p:sldId id="258" r:id="rId2"/>
     <p:sldId id="257" r:id="rId3"/>
-    <p:sldId id="260" r:id="rId4"/>
-    <p:sldId id="261" r:id="rId5"/>
-    <p:sldId id="262" r:id="rId6"/>
-    <p:sldId id="263" r:id="rId7"/>
+    <p:sldId id="267" r:id="rId4"/>
+    <p:sldId id="266" r:id="rId5"/>
+    <p:sldId id="265" r:id="rId6"/>
+    <p:sldId id="260" r:id="rId7"/>
+    <p:sldId id="261" r:id="rId8"/>
+    <p:sldId id="262" r:id="rId9"/>
+    <p:sldId id="263" r:id="rId10"/>
   </p:sldIdLst>
   <p:sldSz cx="12192000" cy="6858000"/>
   <p:notesSz cx="6858000" cy="9144000"/>
@@ -1614,7 +1617,3574 @@
 </dgm:colorsDef>
 </file>
 
+<file path=ppt/diagrams/colors3.xml><?xml version="1.0" encoding="utf-8"?>
+<dgm:colorsDef xmlns:dgm="http://schemas.openxmlformats.org/drawingml/2006/diagram" xmlns:a="http://schemas.openxmlformats.org/drawingml/2006/main" uniqueId="urn:microsoft.com/office/officeart/2005/8/colors/accent1_2">
+  <dgm:title val=""/>
+  <dgm:desc val=""/>
+  <dgm:catLst>
+    <dgm:cat type="accent1" pri="11200"/>
+  </dgm:catLst>
+  <dgm:styleLbl name="node0">
+    <dgm:fillClrLst meth="repeat">
+      <a:schemeClr val="accent1"/>
+    </dgm:fillClrLst>
+    <dgm:linClrLst meth="repeat">
+      <a:schemeClr val="lt1"/>
+    </dgm:linClrLst>
+    <dgm:effectClrLst/>
+    <dgm:txLinClrLst/>
+    <dgm:txFillClrLst/>
+    <dgm:txEffectClrLst/>
+  </dgm:styleLbl>
+  <dgm:styleLbl name="alignNode1">
+    <dgm:fillClrLst meth="repeat">
+      <a:schemeClr val="accent1"/>
+    </dgm:fillClrLst>
+    <dgm:linClrLst meth="repeat">
+      <a:schemeClr val="accent1"/>
+    </dgm:linClrLst>
+    <dgm:effectClrLst/>
+    <dgm:txLinClrLst/>
+    <dgm:txFillClrLst/>
+    <dgm:txEffectClrLst/>
+  </dgm:styleLbl>
+  <dgm:styleLbl name="node1">
+    <dgm:fillClrLst meth="repeat">
+      <a:schemeClr val="accent1"/>
+    </dgm:fillClrLst>
+    <dgm:linClrLst meth="repeat">
+      <a:schemeClr val="lt1"/>
+    </dgm:linClrLst>
+    <dgm:effectClrLst/>
+    <dgm:txLinClrLst/>
+    <dgm:txFillClrLst/>
+    <dgm:txEffectClrLst/>
+  </dgm:styleLbl>
+  <dgm:styleLbl name="lnNode1">
+    <dgm:fillClrLst meth="repeat">
+      <a:schemeClr val="accent1"/>
+    </dgm:fillClrLst>
+    <dgm:linClrLst meth="repeat">
+      <a:schemeClr val="lt1"/>
+    </dgm:linClrLst>
+    <dgm:effectClrLst/>
+    <dgm:txLinClrLst/>
+    <dgm:txFillClrLst/>
+    <dgm:txEffectClrLst/>
+  </dgm:styleLbl>
+  <dgm:styleLbl name="vennNode1">
+    <dgm:fillClrLst meth="repeat">
+      <a:schemeClr val="accent1">
+        <a:alpha val="50000"/>
+      </a:schemeClr>
+    </dgm:fillClrLst>
+    <dgm:linClrLst meth="repeat">
+      <a:schemeClr val="lt1"/>
+    </dgm:linClrLst>
+    <dgm:effectClrLst/>
+    <dgm:txLinClrLst/>
+    <dgm:txFillClrLst/>
+    <dgm:txEffectClrLst/>
+  </dgm:styleLbl>
+  <dgm:styleLbl name="node2">
+    <dgm:fillClrLst meth="repeat">
+      <a:schemeClr val="accent1"/>
+    </dgm:fillClrLst>
+    <dgm:linClrLst meth="repeat">
+      <a:schemeClr val="lt1"/>
+    </dgm:linClrLst>
+    <dgm:effectClrLst/>
+    <dgm:txLinClrLst/>
+    <dgm:txFillClrLst/>
+    <dgm:txEffectClrLst/>
+  </dgm:styleLbl>
+  <dgm:styleLbl name="node3">
+    <dgm:fillClrLst meth="repeat">
+      <a:schemeClr val="accent1"/>
+    </dgm:fillClrLst>
+    <dgm:linClrLst meth="repeat">
+      <a:schemeClr val="lt1"/>
+    </dgm:linClrLst>
+    <dgm:effectClrLst/>
+    <dgm:txLinClrLst/>
+    <dgm:txFillClrLst/>
+    <dgm:txEffectClrLst/>
+  </dgm:styleLbl>
+  <dgm:styleLbl name="node4">
+    <dgm:fillClrLst meth="repeat">
+      <a:schemeClr val="accent1"/>
+    </dgm:fillClrLst>
+    <dgm:linClrLst meth="repeat">
+      <a:schemeClr val="lt1"/>
+    </dgm:linClrLst>
+    <dgm:effectClrLst/>
+    <dgm:txLinClrLst/>
+    <dgm:txFillClrLst/>
+    <dgm:txEffectClrLst/>
+  </dgm:styleLbl>
+  <dgm:styleLbl name="fgImgPlace1">
+    <dgm:fillClrLst meth="repeat">
+      <a:schemeClr val="accent1">
+        <a:tint val="50000"/>
+      </a:schemeClr>
+    </dgm:fillClrLst>
+    <dgm:linClrLst meth="repeat">
+      <a:schemeClr val="lt1"/>
+    </dgm:linClrLst>
+    <dgm:effectClrLst/>
+    <dgm:txLinClrLst/>
+    <dgm:txFillClrLst meth="repeat">
+      <a:schemeClr val="lt1"/>
+    </dgm:txFillClrLst>
+    <dgm:txEffectClrLst/>
+  </dgm:styleLbl>
+  <dgm:styleLbl name="alignImgPlace1">
+    <dgm:fillClrLst meth="repeat">
+      <a:schemeClr val="accent1">
+        <a:tint val="50000"/>
+      </a:schemeClr>
+    </dgm:fillClrLst>
+    <dgm:linClrLst meth="repeat">
+      <a:schemeClr val="lt1"/>
+    </dgm:linClrLst>
+    <dgm:effectClrLst/>
+    <dgm:txLinClrLst/>
+    <dgm:txFillClrLst meth="repeat">
+      <a:schemeClr val="lt1"/>
+    </dgm:txFillClrLst>
+    <dgm:txEffectClrLst/>
+  </dgm:styleLbl>
+  <dgm:styleLbl name="bgImgPlace1">
+    <dgm:fillClrLst meth="repeat">
+      <a:schemeClr val="accent1">
+        <a:tint val="50000"/>
+      </a:schemeClr>
+    </dgm:fillClrLst>
+    <dgm:linClrLst meth="repeat">
+      <a:schemeClr val="lt1"/>
+    </dgm:linClrLst>
+    <dgm:effectClrLst/>
+    <dgm:txLinClrLst/>
+    <dgm:txFillClrLst meth="repeat">
+      <a:schemeClr val="lt1"/>
+    </dgm:txFillClrLst>
+    <dgm:txEffectClrLst/>
+  </dgm:styleLbl>
+  <dgm:styleLbl name="sibTrans2D1">
+    <dgm:fillClrLst meth="repeat">
+      <a:schemeClr val="accent1">
+        <a:tint val="60000"/>
+      </a:schemeClr>
+    </dgm:fillClrLst>
+    <dgm:linClrLst meth="repeat">
+      <a:schemeClr val="accent1">
+        <a:tint val="60000"/>
+      </a:schemeClr>
+    </dgm:linClrLst>
+    <dgm:effectClrLst/>
+    <dgm:txLinClrLst/>
+    <dgm:txFillClrLst/>
+    <dgm:txEffectClrLst/>
+  </dgm:styleLbl>
+  <dgm:styleLbl name="fgSibTrans2D1">
+    <dgm:fillClrLst meth="repeat">
+      <a:schemeClr val="accent1">
+        <a:tint val="60000"/>
+      </a:schemeClr>
+    </dgm:fillClrLst>
+    <dgm:linClrLst meth="repeat">
+      <a:schemeClr val="accent1">
+        <a:tint val="60000"/>
+      </a:schemeClr>
+    </dgm:linClrLst>
+    <dgm:effectClrLst/>
+    <dgm:txLinClrLst/>
+    <dgm:txFillClrLst/>
+    <dgm:txEffectClrLst/>
+  </dgm:styleLbl>
+  <dgm:styleLbl name="bgSibTrans2D1">
+    <dgm:fillClrLst meth="repeat">
+      <a:schemeClr val="accent1">
+        <a:tint val="60000"/>
+      </a:schemeClr>
+    </dgm:fillClrLst>
+    <dgm:linClrLst meth="repeat">
+      <a:schemeClr val="accent1">
+        <a:tint val="60000"/>
+      </a:schemeClr>
+    </dgm:linClrLst>
+    <dgm:effectClrLst/>
+    <dgm:txLinClrLst/>
+    <dgm:txFillClrLst/>
+    <dgm:txEffectClrLst/>
+  </dgm:styleLbl>
+  <dgm:styleLbl name="sibTrans1D1">
+    <dgm:fillClrLst meth="repeat">
+      <a:schemeClr val="accent1"/>
+    </dgm:fillClrLst>
+    <dgm:linClrLst meth="repeat">
+      <a:schemeClr val="accent1"/>
+    </dgm:linClrLst>
+    <dgm:effectClrLst/>
+    <dgm:txLinClrLst/>
+    <dgm:txFillClrLst meth="repeat">
+      <a:schemeClr val="tx1"/>
+    </dgm:txFillClrLst>
+    <dgm:txEffectClrLst/>
+  </dgm:styleLbl>
+  <dgm:styleLbl name="callout">
+    <dgm:fillClrLst meth="repeat">
+      <a:schemeClr val="accent1"/>
+    </dgm:fillClrLst>
+    <dgm:linClrLst meth="repeat">
+      <a:schemeClr val="accent1">
+        <a:tint val="50000"/>
+      </a:schemeClr>
+    </dgm:linClrLst>
+    <dgm:effectClrLst/>
+    <dgm:txLinClrLst/>
+    <dgm:txFillClrLst meth="repeat">
+      <a:schemeClr val="tx1"/>
+    </dgm:txFillClrLst>
+    <dgm:txEffectClrLst/>
+  </dgm:styleLbl>
+  <dgm:styleLbl name="asst0">
+    <dgm:fillClrLst meth="repeat">
+      <a:schemeClr val="accent1"/>
+    </dgm:fillClrLst>
+    <dgm:linClrLst meth="repeat">
+      <a:schemeClr val="lt1"/>
+    </dgm:linClrLst>
+    <dgm:effectClrLst/>
+    <dgm:txLinClrLst/>
+    <dgm:txFillClrLst/>
+    <dgm:txEffectClrLst/>
+  </dgm:styleLbl>
+  <dgm:styleLbl name="asst1">
+    <dgm:fillClrLst meth="repeat">
+      <a:schemeClr val="accent1"/>
+    </dgm:fillClrLst>
+    <dgm:linClrLst meth="repeat">
+      <a:schemeClr val="lt1"/>
+    </dgm:linClrLst>
+    <dgm:effectClrLst/>
+    <dgm:txLinClrLst/>
+    <dgm:txFillClrLst/>
+    <dgm:txEffectClrLst/>
+  </dgm:styleLbl>
+  <dgm:styleLbl name="asst2">
+    <dgm:fillClrLst meth="repeat">
+      <a:schemeClr val="accent1"/>
+    </dgm:fillClrLst>
+    <dgm:linClrLst meth="repeat">
+      <a:schemeClr val="lt1"/>
+    </dgm:linClrLst>
+    <dgm:effectClrLst/>
+    <dgm:txLinClrLst/>
+    <dgm:txFillClrLst/>
+    <dgm:txEffectClrLst/>
+  </dgm:styleLbl>
+  <dgm:styleLbl name="asst3">
+    <dgm:fillClrLst meth="repeat">
+      <a:schemeClr val="accent1"/>
+    </dgm:fillClrLst>
+    <dgm:linClrLst meth="repeat">
+      <a:schemeClr val="lt1"/>
+    </dgm:linClrLst>
+    <dgm:effectClrLst/>
+    <dgm:txLinClrLst/>
+    <dgm:txFillClrLst/>
+    <dgm:txEffectClrLst/>
+  </dgm:styleLbl>
+  <dgm:styleLbl name="asst4">
+    <dgm:fillClrLst meth="repeat">
+      <a:schemeClr val="accent1"/>
+    </dgm:fillClrLst>
+    <dgm:linClrLst meth="repeat">
+      <a:schemeClr val="lt1"/>
+    </dgm:linClrLst>
+    <dgm:effectClrLst/>
+    <dgm:txLinClrLst/>
+    <dgm:txFillClrLst/>
+    <dgm:txEffectClrLst/>
+  </dgm:styleLbl>
+  <dgm:styleLbl name="parChTrans2D1">
+    <dgm:fillClrLst meth="repeat">
+      <a:schemeClr val="accent1">
+        <a:tint val="60000"/>
+      </a:schemeClr>
+    </dgm:fillClrLst>
+    <dgm:linClrLst meth="repeat">
+      <a:schemeClr val="accent1">
+        <a:tint val="60000"/>
+      </a:schemeClr>
+    </dgm:linClrLst>
+    <dgm:effectClrLst/>
+    <dgm:txLinClrLst/>
+    <dgm:txFillClrLst meth="repeat">
+      <a:schemeClr val="lt1"/>
+    </dgm:txFillClrLst>
+    <dgm:txEffectClrLst/>
+  </dgm:styleLbl>
+  <dgm:styleLbl name="parChTrans2D2">
+    <dgm:fillClrLst meth="repeat">
+      <a:schemeClr val="accent1"/>
+    </dgm:fillClrLst>
+    <dgm:linClrLst meth="repeat">
+      <a:schemeClr val="accent1"/>
+    </dgm:linClrLst>
+    <dgm:effectClrLst/>
+    <dgm:txLinClrLst/>
+    <dgm:txFillClrLst meth="repeat">
+      <a:schemeClr val="lt1"/>
+    </dgm:txFillClrLst>
+    <dgm:txEffectClrLst/>
+  </dgm:styleLbl>
+  <dgm:styleLbl name="parChTrans2D3">
+    <dgm:fillClrLst meth="repeat">
+      <a:schemeClr val="accent1"/>
+    </dgm:fillClrLst>
+    <dgm:linClrLst meth="repeat">
+      <a:schemeClr val="accent1"/>
+    </dgm:linClrLst>
+    <dgm:effectClrLst/>
+    <dgm:txLinClrLst/>
+    <dgm:txFillClrLst meth="repeat">
+      <a:schemeClr val="lt1"/>
+    </dgm:txFillClrLst>
+    <dgm:txEffectClrLst/>
+  </dgm:styleLbl>
+  <dgm:styleLbl name="parChTrans2D4">
+    <dgm:fillClrLst meth="repeat">
+      <a:schemeClr val="accent1"/>
+    </dgm:fillClrLst>
+    <dgm:linClrLst meth="repeat">
+      <a:schemeClr val="accent1"/>
+    </dgm:linClrLst>
+    <dgm:effectClrLst/>
+    <dgm:txLinClrLst/>
+    <dgm:txFillClrLst meth="repeat">
+      <a:schemeClr val="lt1"/>
+    </dgm:txFillClrLst>
+    <dgm:txEffectClrLst/>
+  </dgm:styleLbl>
+  <dgm:styleLbl name="parChTrans1D1">
+    <dgm:fillClrLst meth="repeat">
+      <a:schemeClr val="accent1"/>
+    </dgm:fillClrLst>
+    <dgm:linClrLst meth="repeat">
+      <a:schemeClr val="accent1">
+        <a:shade val="60000"/>
+      </a:schemeClr>
+    </dgm:linClrLst>
+    <dgm:effectClrLst/>
+    <dgm:txLinClrLst/>
+    <dgm:txFillClrLst meth="repeat">
+      <a:schemeClr val="tx1"/>
+    </dgm:txFillClrLst>
+    <dgm:txEffectClrLst/>
+  </dgm:styleLbl>
+  <dgm:styleLbl name="parChTrans1D2">
+    <dgm:fillClrLst meth="repeat">
+      <a:schemeClr val="accent1"/>
+    </dgm:fillClrLst>
+    <dgm:linClrLst meth="repeat">
+      <a:schemeClr val="accent1">
+        <a:shade val="60000"/>
+      </a:schemeClr>
+    </dgm:linClrLst>
+    <dgm:effectClrLst/>
+    <dgm:txLinClrLst/>
+    <dgm:txFillClrLst meth="repeat">
+      <a:schemeClr val="tx1"/>
+    </dgm:txFillClrLst>
+    <dgm:txEffectClrLst/>
+  </dgm:styleLbl>
+  <dgm:styleLbl name="parChTrans1D3">
+    <dgm:fillClrLst meth="repeat">
+      <a:schemeClr val="accent1"/>
+    </dgm:fillClrLst>
+    <dgm:linClrLst meth="repeat">
+      <a:schemeClr val="accent1">
+        <a:shade val="80000"/>
+      </a:schemeClr>
+    </dgm:linClrLst>
+    <dgm:effectClrLst/>
+    <dgm:txLinClrLst/>
+    <dgm:txFillClrLst meth="repeat">
+      <a:schemeClr val="tx1"/>
+    </dgm:txFillClrLst>
+    <dgm:txEffectClrLst/>
+  </dgm:styleLbl>
+  <dgm:styleLbl name="parChTrans1D4">
+    <dgm:fillClrLst meth="repeat">
+      <a:schemeClr val="accent1"/>
+    </dgm:fillClrLst>
+    <dgm:linClrLst meth="repeat">
+      <a:schemeClr val="accent1">
+        <a:shade val="80000"/>
+      </a:schemeClr>
+    </dgm:linClrLst>
+    <dgm:effectClrLst/>
+    <dgm:txLinClrLst/>
+    <dgm:txFillClrLst meth="repeat">
+      <a:schemeClr val="tx1"/>
+    </dgm:txFillClrLst>
+    <dgm:txEffectClrLst/>
+  </dgm:styleLbl>
+  <dgm:styleLbl name="fgAcc1">
+    <dgm:fillClrLst meth="repeat">
+      <a:schemeClr val="lt1">
+        <a:alpha val="90000"/>
+      </a:schemeClr>
+    </dgm:fillClrLst>
+    <dgm:linClrLst meth="repeat">
+      <a:schemeClr val="accent1"/>
+    </dgm:linClrLst>
+    <dgm:effectClrLst/>
+    <dgm:txLinClrLst/>
+    <dgm:txFillClrLst meth="repeat">
+      <a:schemeClr val="dk1"/>
+    </dgm:txFillClrLst>
+    <dgm:txEffectClrLst/>
+  </dgm:styleLbl>
+  <dgm:styleLbl name="conFgAcc1">
+    <dgm:fillClrLst meth="repeat">
+      <a:schemeClr val="lt1">
+        <a:alpha val="90000"/>
+      </a:schemeClr>
+    </dgm:fillClrLst>
+    <dgm:linClrLst meth="repeat">
+      <a:schemeClr val="accent1"/>
+    </dgm:linClrLst>
+    <dgm:effectClrLst/>
+    <dgm:txLinClrLst/>
+    <dgm:txFillClrLst meth="repeat">
+      <a:schemeClr val="dk1"/>
+    </dgm:txFillClrLst>
+    <dgm:txEffectClrLst/>
+  </dgm:styleLbl>
+  <dgm:styleLbl name="alignAcc1">
+    <dgm:fillClrLst meth="repeat">
+      <a:schemeClr val="lt1">
+        <a:alpha val="90000"/>
+      </a:schemeClr>
+    </dgm:fillClrLst>
+    <dgm:linClrLst meth="repeat">
+      <a:schemeClr val="accent1"/>
+    </dgm:linClrLst>
+    <dgm:effectClrLst/>
+    <dgm:txLinClrLst/>
+    <dgm:txFillClrLst meth="repeat">
+      <a:schemeClr val="dk1"/>
+    </dgm:txFillClrLst>
+    <dgm:txEffectClrLst/>
+  </dgm:styleLbl>
+  <dgm:styleLbl name="trAlignAcc1">
+    <dgm:fillClrLst meth="repeat">
+      <a:schemeClr val="lt1">
+        <a:alpha val="40000"/>
+      </a:schemeClr>
+    </dgm:fillClrLst>
+    <dgm:linClrLst meth="repeat">
+      <a:schemeClr val="accent1"/>
+    </dgm:linClrLst>
+    <dgm:effectClrLst/>
+    <dgm:txLinClrLst/>
+    <dgm:txFillClrLst meth="repeat">
+      <a:schemeClr val="dk1"/>
+    </dgm:txFillClrLst>
+    <dgm:txEffectClrLst/>
+  </dgm:styleLbl>
+  <dgm:styleLbl name="bgAcc1">
+    <dgm:fillClrLst meth="repeat">
+      <a:schemeClr val="lt1">
+        <a:alpha val="90000"/>
+      </a:schemeClr>
+    </dgm:fillClrLst>
+    <dgm:linClrLst meth="repeat">
+      <a:schemeClr val="accent1"/>
+    </dgm:linClrLst>
+    <dgm:effectClrLst/>
+    <dgm:txLinClrLst/>
+    <dgm:txFillClrLst meth="repeat">
+      <a:schemeClr val="dk1"/>
+    </dgm:txFillClrLst>
+    <dgm:txEffectClrLst/>
+  </dgm:styleLbl>
+  <dgm:styleLbl name="solidFgAcc1">
+    <dgm:fillClrLst meth="repeat">
+      <a:schemeClr val="lt1"/>
+    </dgm:fillClrLst>
+    <dgm:linClrLst meth="repeat">
+      <a:schemeClr val="accent1"/>
+    </dgm:linClrLst>
+    <dgm:effectClrLst/>
+    <dgm:txLinClrLst/>
+    <dgm:txFillClrLst meth="repeat">
+      <a:schemeClr val="dk1"/>
+    </dgm:txFillClrLst>
+    <dgm:txEffectClrLst/>
+  </dgm:styleLbl>
+  <dgm:styleLbl name="solidAlignAcc1">
+    <dgm:fillClrLst meth="repeat">
+      <a:schemeClr val="lt1"/>
+    </dgm:fillClrLst>
+    <dgm:linClrLst meth="repeat">
+      <a:schemeClr val="accent1"/>
+    </dgm:linClrLst>
+    <dgm:effectClrLst/>
+    <dgm:txLinClrLst/>
+    <dgm:txFillClrLst meth="repeat">
+      <a:schemeClr val="dk1"/>
+    </dgm:txFillClrLst>
+    <dgm:txEffectClrLst/>
+  </dgm:styleLbl>
+  <dgm:styleLbl name="solidBgAcc1">
+    <dgm:fillClrLst meth="repeat">
+      <a:schemeClr val="lt1"/>
+    </dgm:fillClrLst>
+    <dgm:linClrLst meth="repeat">
+      <a:schemeClr val="accent1"/>
+    </dgm:linClrLst>
+    <dgm:effectClrLst/>
+    <dgm:txLinClrLst/>
+    <dgm:txFillClrLst meth="repeat">
+      <a:schemeClr val="dk1"/>
+    </dgm:txFillClrLst>
+    <dgm:txEffectClrLst/>
+  </dgm:styleLbl>
+  <dgm:styleLbl name="fgAccFollowNode1">
+    <dgm:fillClrLst meth="repeat">
+      <a:schemeClr val="accent1">
+        <a:alpha val="90000"/>
+        <a:tint val="40000"/>
+      </a:schemeClr>
+    </dgm:fillClrLst>
+    <dgm:linClrLst meth="repeat">
+      <a:schemeClr val="accent1">
+        <a:alpha val="90000"/>
+        <a:tint val="40000"/>
+      </a:schemeClr>
+    </dgm:linClrLst>
+    <dgm:effectClrLst/>
+    <dgm:txLinClrLst/>
+    <dgm:txFillClrLst meth="repeat">
+      <a:schemeClr val="dk1"/>
+    </dgm:txFillClrLst>
+    <dgm:txEffectClrLst/>
+  </dgm:styleLbl>
+  <dgm:styleLbl name="alignAccFollowNode1">
+    <dgm:fillClrLst meth="repeat">
+      <a:schemeClr val="accent1">
+        <a:alpha val="90000"/>
+        <a:tint val="40000"/>
+      </a:schemeClr>
+    </dgm:fillClrLst>
+    <dgm:linClrLst meth="repeat">
+      <a:schemeClr val="accent1">
+        <a:alpha val="90000"/>
+        <a:tint val="40000"/>
+      </a:schemeClr>
+    </dgm:linClrLst>
+    <dgm:effectClrLst/>
+    <dgm:txLinClrLst/>
+    <dgm:txFillClrLst meth="repeat">
+      <a:schemeClr val="dk1"/>
+    </dgm:txFillClrLst>
+    <dgm:txEffectClrLst/>
+  </dgm:styleLbl>
+  <dgm:styleLbl name="bgAccFollowNode1">
+    <dgm:fillClrLst meth="repeat">
+      <a:schemeClr val="accent1">
+        <a:alpha val="90000"/>
+        <a:tint val="40000"/>
+      </a:schemeClr>
+    </dgm:fillClrLst>
+    <dgm:linClrLst meth="repeat">
+      <a:schemeClr val="accent1">
+        <a:alpha val="90000"/>
+        <a:tint val="40000"/>
+      </a:schemeClr>
+    </dgm:linClrLst>
+    <dgm:effectClrLst/>
+    <dgm:txLinClrLst/>
+    <dgm:txFillClrLst meth="repeat">
+      <a:schemeClr val="dk1"/>
+    </dgm:txFillClrLst>
+    <dgm:txEffectClrLst/>
+  </dgm:styleLbl>
+  <dgm:styleLbl name="fgAcc0">
+    <dgm:fillClrLst meth="repeat">
+      <a:schemeClr val="lt1">
+        <a:alpha val="90000"/>
+      </a:schemeClr>
+    </dgm:fillClrLst>
+    <dgm:linClrLst meth="repeat">
+      <a:schemeClr val="accent1"/>
+    </dgm:linClrLst>
+    <dgm:effectClrLst/>
+    <dgm:txLinClrLst/>
+    <dgm:txFillClrLst meth="repeat">
+      <a:schemeClr val="dk1"/>
+    </dgm:txFillClrLst>
+    <dgm:txEffectClrLst/>
+  </dgm:styleLbl>
+  <dgm:styleLbl name="fgAcc2">
+    <dgm:fillClrLst meth="repeat">
+      <a:schemeClr val="lt1">
+        <a:alpha val="90000"/>
+      </a:schemeClr>
+    </dgm:fillClrLst>
+    <dgm:linClrLst meth="repeat">
+      <a:schemeClr val="accent1"/>
+    </dgm:linClrLst>
+    <dgm:effectClrLst/>
+    <dgm:txLinClrLst/>
+    <dgm:txFillClrLst meth="repeat">
+      <a:schemeClr val="dk1"/>
+    </dgm:txFillClrLst>
+    <dgm:txEffectClrLst/>
+  </dgm:styleLbl>
+  <dgm:styleLbl name="fgAcc3">
+    <dgm:fillClrLst meth="repeat">
+      <a:schemeClr val="lt1">
+        <a:alpha val="90000"/>
+      </a:schemeClr>
+    </dgm:fillClrLst>
+    <dgm:linClrLst meth="repeat">
+      <a:schemeClr val="accent1"/>
+    </dgm:linClrLst>
+    <dgm:effectClrLst/>
+    <dgm:txLinClrLst/>
+    <dgm:txFillClrLst meth="repeat">
+      <a:schemeClr val="dk1"/>
+    </dgm:txFillClrLst>
+    <dgm:txEffectClrLst/>
+  </dgm:styleLbl>
+  <dgm:styleLbl name="fgAcc4">
+    <dgm:fillClrLst meth="repeat">
+      <a:schemeClr val="lt1">
+        <a:alpha val="90000"/>
+      </a:schemeClr>
+    </dgm:fillClrLst>
+    <dgm:linClrLst meth="repeat">
+      <a:schemeClr val="accent1"/>
+    </dgm:linClrLst>
+    <dgm:effectClrLst/>
+    <dgm:txLinClrLst/>
+    <dgm:txFillClrLst meth="repeat">
+      <a:schemeClr val="dk1"/>
+    </dgm:txFillClrLst>
+    <dgm:txEffectClrLst/>
+  </dgm:styleLbl>
+  <dgm:styleLbl name="bgShp">
+    <dgm:fillClrLst meth="repeat">
+      <a:schemeClr val="accent1">
+        <a:tint val="40000"/>
+      </a:schemeClr>
+    </dgm:fillClrLst>
+    <dgm:linClrLst meth="repeat">
+      <a:schemeClr val="accent1"/>
+    </dgm:linClrLst>
+    <dgm:effectClrLst/>
+    <dgm:txLinClrLst/>
+    <dgm:txFillClrLst meth="repeat">
+      <a:schemeClr val="dk1"/>
+    </dgm:txFillClrLst>
+    <dgm:txEffectClrLst/>
+  </dgm:styleLbl>
+  <dgm:styleLbl name="dkBgShp">
+    <dgm:fillClrLst meth="repeat">
+      <a:schemeClr val="accent1">
+        <a:shade val="80000"/>
+      </a:schemeClr>
+    </dgm:fillClrLst>
+    <dgm:linClrLst meth="repeat">
+      <a:schemeClr val="accent1"/>
+    </dgm:linClrLst>
+    <dgm:effectClrLst/>
+    <dgm:txLinClrLst/>
+    <dgm:txFillClrLst meth="repeat">
+      <a:schemeClr val="lt1"/>
+    </dgm:txFillClrLst>
+    <dgm:txEffectClrLst/>
+  </dgm:styleLbl>
+  <dgm:styleLbl name="trBgShp">
+    <dgm:fillClrLst meth="repeat">
+      <a:schemeClr val="accent1">
+        <a:tint val="50000"/>
+        <a:alpha val="40000"/>
+      </a:schemeClr>
+    </dgm:fillClrLst>
+    <dgm:linClrLst meth="repeat">
+      <a:schemeClr val="accent1"/>
+    </dgm:linClrLst>
+    <dgm:effectClrLst/>
+    <dgm:txLinClrLst/>
+    <dgm:txFillClrLst meth="repeat">
+      <a:schemeClr val="lt1"/>
+    </dgm:txFillClrLst>
+    <dgm:txEffectClrLst/>
+  </dgm:styleLbl>
+  <dgm:styleLbl name="fgShp">
+    <dgm:fillClrLst meth="repeat">
+      <a:schemeClr val="accent1">
+        <a:tint val="60000"/>
+      </a:schemeClr>
+    </dgm:fillClrLst>
+    <dgm:linClrLst meth="repeat">
+      <a:schemeClr val="lt1"/>
+    </dgm:linClrLst>
+    <dgm:effectClrLst/>
+    <dgm:txLinClrLst/>
+    <dgm:txFillClrLst meth="repeat">
+      <a:schemeClr val="dk1"/>
+    </dgm:txFillClrLst>
+    <dgm:txEffectClrLst/>
+  </dgm:styleLbl>
+  <dgm:styleLbl name="revTx">
+    <dgm:fillClrLst meth="repeat">
+      <a:schemeClr val="lt1">
+        <a:alpha val="0"/>
+      </a:schemeClr>
+    </dgm:fillClrLst>
+    <dgm:linClrLst meth="repeat">
+      <a:schemeClr val="dk1">
+        <a:alpha val="0"/>
+      </a:schemeClr>
+    </dgm:linClrLst>
+    <dgm:effectClrLst/>
+    <dgm:txLinClrLst/>
+    <dgm:txFillClrLst meth="repeat">
+      <a:schemeClr val="tx1"/>
+    </dgm:txFillClrLst>
+    <dgm:txEffectClrLst/>
+  </dgm:styleLbl>
+</dgm:colorsDef>
+</file>
+
+<file path=ppt/diagrams/colors4.xml><?xml version="1.0" encoding="utf-8"?>
+<dgm:colorsDef xmlns:dgm="http://schemas.openxmlformats.org/drawingml/2006/diagram" xmlns:a="http://schemas.openxmlformats.org/drawingml/2006/main" uniqueId="urn:microsoft.com/office/officeart/2005/8/colors/accent1_2">
+  <dgm:title val=""/>
+  <dgm:desc val=""/>
+  <dgm:catLst>
+    <dgm:cat type="accent1" pri="11200"/>
+  </dgm:catLst>
+  <dgm:styleLbl name="node0">
+    <dgm:fillClrLst meth="repeat">
+      <a:schemeClr val="accent1"/>
+    </dgm:fillClrLst>
+    <dgm:linClrLst meth="repeat">
+      <a:schemeClr val="lt1"/>
+    </dgm:linClrLst>
+    <dgm:effectClrLst/>
+    <dgm:txLinClrLst/>
+    <dgm:txFillClrLst/>
+    <dgm:txEffectClrLst/>
+  </dgm:styleLbl>
+  <dgm:styleLbl name="alignNode1">
+    <dgm:fillClrLst meth="repeat">
+      <a:schemeClr val="accent1"/>
+    </dgm:fillClrLst>
+    <dgm:linClrLst meth="repeat">
+      <a:schemeClr val="accent1"/>
+    </dgm:linClrLst>
+    <dgm:effectClrLst/>
+    <dgm:txLinClrLst/>
+    <dgm:txFillClrLst/>
+    <dgm:txEffectClrLst/>
+  </dgm:styleLbl>
+  <dgm:styleLbl name="node1">
+    <dgm:fillClrLst meth="repeat">
+      <a:schemeClr val="accent1"/>
+    </dgm:fillClrLst>
+    <dgm:linClrLst meth="repeat">
+      <a:schemeClr val="lt1"/>
+    </dgm:linClrLst>
+    <dgm:effectClrLst/>
+    <dgm:txLinClrLst/>
+    <dgm:txFillClrLst/>
+    <dgm:txEffectClrLst/>
+  </dgm:styleLbl>
+  <dgm:styleLbl name="lnNode1">
+    <dgm:fillClrLst meth="repeat">
+      <a:schemeClr val="accent1"/>
+    </dgm:fillClrLst>
+    <dgm:linClrLst meth="repeat">
+      <a:schemeClr val="lt1"/>
+    </dgm:linClrLst>
+    <dgm:effectClrLst/>
+    <dgm:txLinClrLst/>
+    <dgm:txFillClrLst/>
+    <dgm:txEffectClrLst/>
+  </dgm:styleLbl>
+  <dgm:styleLbl name="vennNode1">
+    <dgm:fillClrLst meth="repeat">
+      <a:schemeClr val="accent1">
+        <a:alpha val="50000"/>
+      </a:schemeClr>
+    </dgm:fillClrLst>
+    <dgm:linClrLst meth="repeat">
+      <a:schemeClr val="lt1"/>
+    </dgm:linClrLst>
+    <dgm:effectClrLst/>
+    <dgm:txLinClrLst/>
+    <dgm:txFillClrLst/>
+    <dgm:txEffectClrLst/>
+  </dgm:styleLbl>
+  <dgm:styleLbl name="node2">
+    <dgm:fillClrLst meth="repeat">
+      <a:schemeClr val="accent1"/>
+    </dgm:fillClrLst>
+    <dgm:linClrLst meth="repeat">
+      <a:schemeClr val="lt1"/>
+    </dgm:linClrLst>
+    <dgm:effectClrLst/>
+    <dgm:txLinClrLst/>
+    <dgm:txFillClrLst/>
+    <dgm:txEffectClrLst/>
+  </dgm:styleLbl>
+  <dgm:styleLbl name="node3">
+    <dgm:fillClrLst meth="repeat">
+      <a:schemeClr val="accent1"/>
+    </dgm:fillClrLst>
+    <dgm:linClrLst meth="repeat">
+      <a:schemeClr val="lt1"/>
+    </dgm:linClrLst>
+    <dgm:effectClrLst/>
+    <dgm:txLinClrLst/>
+    <dgm:txFillClrLst/>
+    <dgm:txEffectClrLst/>
+  </dgm:styleLbl>
+  <dgm:styleLbl name="node4">
+    <dgm:fillClrLst meth="repeat">
+      <a:schemeClr val="accent1"/>
+    </dgm:fillClrLst>
+    <dgm:linClrLst meth="repeat">
+      <a:schemeClr val="lt1"/>
+    </dgm:linClrLst>
+    <dgm:effectClrLst/>
+    <dgm:txLinClrLst/>
+    <dgm:txFillClrLst/>
+    <dgm:txEffectClrLst/>
+  </dgm:styleLbl>
+  <dgm:styleLbl name="fgImgPlace1">
+    <dgm:fillClrLst meth="repeat">
+      <a:schemeClr val="accent1">
+        <a:tint val="50000"/>
+      </a:schemeClr>
+    </dgm:fillClrLst>
+    <dgm:linClrLst meth="repeat">
+      <a:schemeClr val="lt1"/>
+    </dgm:linClrLst>
+    <dgm:effectClrLst/>
+    <dgm:txLinClrLst/>
+    <dgm:txFillClrLst meth="repeat">
+      <a:schemeClr val="lt1"/>
+    </dgm:txFillClrLst>
+    <dgm:txEffectClrLst/>
+  </dgm:styleLbl>
+  <dgm:styleLbl name="alignImgPlace1">
+    <dgm:fillClrLst meth="repeat">
+      <a:schemeClr val="accent1">
+        <a:tint val="50000"/>
+      </a:schemeClr>
+    </dgm:fillClrLst>
+    <dgm:linClrLst meth="repeat">
+      <a:schemeClr val="lt1"/>
+    </dgm:linClrLst>
+    <dgm:effectClrLst/>
+    <dgm:txLinClrLst/>
+    <dgm:txFillClrLst meth="repeat">
+      <a:schemeClr val="lt1"/>
+    </dgm:txFillClrLst>
+    <dgm:txEffectClrLst/>
+  </dgm:styleLbl>
+  <dgm:styleLbl name="bgImgPlace1">
+    <dgm:fillClrLst meth="repeat">
+      <a:schemeClr val="accent1">
+        <a:tint val="50000"/>
+      </a:schemeClr>
+    </dgm:fillClrLst>
+    <dgm:linClrLst meth="repeat">
+      <a:schemeClr val="lt1"/>
+    </dgm:linClrLst>
+    <dgm:effectClrLst/>
+    <dgm:txLinClrLst/>
+    <dgm:txFillClrLst meth="repeat">
+      <a:schemeClr val="lt1"/>
+    </dgm:txFillClrLst>
+    <dgm:txEffectClrLst/>
+  </dgm:styleLbl>
+  <dgm:styleLbl name="sibTrans2D1">
+    <dgm:fillClrLst meth="repeat">
+      <a:schemeClr val="accent1">
+        <a:tint val="60000"/>
+      </a:schemeClr>
+    </dgm:fillClrLst>
+    <dgm:linClrLst meth="repeat">
+      <a:schemeClr val="accent1">
+        <a:tint val="60000"/>
+      </a:schemeClr>
+    </dgm:linClrLst>
+    <dgm:effectClrLst/>
+    <dgm:txLinClrLst/>
+    <dgm:txFillClrLst/>
+    <dgm:txEffectClrLst/>
+  </dgm:styleLbl>
+  <dgm:styleLbl name="fgSibTrans2D1">
+    <dgm:fillClrLst meth="repeat">
+      <a:schemeClr val="accent1">
+        <a:tint val="60000"/>
+      </a:schemeClr>
+    </dgm:fillClrLst>
+    <dgm:linClrLst meth="repeat">
+      <a:schemeClr val="accent1">
+        <a:tint val="60000"/>
+      </a:schemeClr>
+    </dgm:linClrLst>
+    <dgm:effectClrLst/>
+    <dgm:txLinClrLst/>
+    <dgm:txFillClrLst/>
+    <dgm:txEffectClrLst/>
+  </dgm:styleLbl>
+  <dgm:styleLbl name="bgSibTrans2D1">
+    <dgm:fillClrLst meth="repeat">
+      <a:schemeClr val="accent1">
+        <a:tint val="60000"/>
+      </a:schemeClr>
+    </dgm:fillClrLst>
+    <dgm:linClrLst meth="repeat">
+      <a:schemeClr val="accent1">
+        <a:tint val="60000"/>
+      </a:schemeClr>
+    </dgm:linClrLst>
+    <dgm:effectClrLst/>
+    <dgm:txLinClrLst/>
+    <dgm:txFillClrLst/>
+    <dgm:txEffectClrLst/>
+  </dgm:styleLbl>
+  <dgm:styleLbl name="sibTrans1D1">
+    <dgm:fillClrLst meth="repeat">
+      <a:schemeClr val="accent1"/>
+    </dgm:fillClrLst>
+    <dgm:linClrLst meth="repeat">
+      <a:schemeClr val="accent1"/>
+    </dgm:linClrLst>
+    <dgm:effectClrLst/>
+    <dgm:txLinClrLst/>
+    <dgm:txFillClrLst meth="repeat">
+      <a:schemeClr val="tx1"/>
+    </dgm:txFillClrLst>
+    <dgm:txEffectClrLst/>
+  </dgm:styleLbl>
+  <dgm:styleLbl name="callout">
+    <dgm:fillClrLst meth="repeat">
+      <a:schemeClr val="accent1"/>
+    </dgm:fillClrLst>
+    <dgm:linClrLst meth="repeat">
+      <a:schemeClr val="accent1">
+        <a:tint val="50000"/>
+      </a:schemeClr>
+    </dgm:linClrLst>
+    <dgm:effectClrLst/>
+    <dgm:txLinClrLst/>
+    <dgm:txFillClrLst meth="repeat">
+      <a:schemeClr val="tx1"/>
+    </dgm:txFillClrLst>
+    <dgm:txEffectClrLst/>
+  </dgm:styleLbl>
+  <dgm:styleLbl name="asst0">
+    <dgm:fillClrLst meth="repeat">
+      <a:schemeClr val="accent1"/>
+    </dgm:fillClrLst>
+    <dgm:linClrLst meth="repeat">
+      <a:schemeClr val="lt1"/>
+    </dgm:linClrLst>
+    <dgm:effectClrLst/>
+    <dgm:txLinClrLst/>
+    <dgm:txFillClrLst/>
+    <dgm:txEffectClrLst/>
+  </dgm:styleLbl>
+  <dgm:styleLbl name="asst1">
+    <dgm:fillClrLst meth="repeat">
+      <a:schemeClr val="accent1"/>
+    </dgm:fillClrLst>
+    <dgm:linClrLst meth="repeat">
+      <a:schemeClr val="lt1"/>
+    </dgm:linClrLst>
+    <dgm:effectClrLst/>
+    <dgm:txLinClrLst/>
+    <dgm:txFillClrLst/>
+    <dgm:txEffectClrLst/>
+  </dgm:styleLbl>
+  <dgm:styleLbl name="asst2">
+    <dgm:fillClrLst meth="repeat">
+      <a:schemeClr val="accent1"/>
+    </dgm:fillClrLst>
+    <dgm:linClrLst meth="repeat">
+      <a:schemeClr val="lt1"/>
+    </dgm:linClrLst>
+    <dgm:effectClrLst/>
+    <dgm:txLinClrLst/>
+    <dgm:txFillClrLst/>
+    <dgm:txEffectClrLst/>
+  </dgm:styleLbl>
+  <dgm:styleLbl name="asst3">
+    <dgm:fillClrLst meth="repeat">
+      <a:schemeClr val="accent1"/>
+    </dgm:fillClrLst>
+    <dgm:linClrLst meth="repeat">
+      <a:schemeClr val="lt1"/>
+    </dgm:linClrLst>
+    <dgm:effectClrLst/>
+    <dgm:txLinClrLst/>
+    <dgm:txFillClrLst/>
+    <dgm:txEffectClrLst/>
+  </dgm:styleLbl>
+  <dgm:styleLbl name="asst4">
+    <dgm:fillClrLst meth="repeat">
+      <a:schemeClr val="accent1"/>
+    </dgm:fillClrLst>
+    <dgm:linClrLst meth="repeat">
+      <a:schemeClr val="lt1"/>
+    </dgm:linClrLst>
+    <dgm:effectClrLst/>
+    <dgm:txLinClrLst/>
+    <dgm:txFillClrLst/>
+    <dgm:txEffectClrLst/>
+  </dgm:styleLbl>
+  <dgm:styleLbl name="parChTrans2D1">
+    <dgm:fillClrLst meth="repeat">
+      <a:schemeClr val="accent1">
+        <a:tint val="60000"/>
+      </a:schemeClr>
+    </dgm:fillClrLst>
+    <dgm:linClrLst meth="repeat">
+      <a:schemeClr val="accent1">
+        <a:tint val="60000"/>
+      </a:schemeClr>
+    </dgm:linClrLst>
+    <dgm:effectClrLst/>
+    <dgm:txLinClrLst/>
+    <dgm:txFillClrLst meth="repeat">
+      <a:schemeClr val="lt1"/>
+    </dgm:txFillClrLst>
+    <dgm:txEffectClrLst/>
+  </dgm:styleLbl>
+  <dgm:styleLbl name="parChTrans2D2">
+    <dgm:fillClrLst meth="repeat">
+      <a:schemeClr val="accent1"/>
+    </dgm:fillClrLst>
+    <dgm:linClrLst meth="repeat">
+      <a:schemeClr val="accent1"/>
+    </dgm:linClrLst>
+    <dgm:effectClrLst/>
+    <dgm:txLinClrLst/>
+    <dgm:txFillClrLst meth="repeat">
+      <a:schemeClr val="lt1"/>
+    </dgm:txFillClrLst>
+    <dgm:txEffectClrLst/>
+  </dgm:styleLbl>
+  <dgm:styleLbl name="parChTrans2D3">
+    <dgm:fillClrLst meth="repeat">
+      <a:schemeClr val="accent1"/>
+    </dgm:fillClrLst>
+    <dgm:linClrLst meth="repeat">
+      <a:schemeClr val="accent1"/>
+    </dgm:linClrLst>
+    <dgm:effectClrLst/>
+    <dgm:txLinClrLst/>
+    <dgm:txFillClrLst meth="repeat">
+      <a:schemeClr val="lt1"/>
+    </dgm:txFillClrLst>
+    <dgm:txEffectClrLst/>
+  </dgm:styleLbl>
+  <dgm:styleLbl name="parChTrans2D4">
+    <dgm:fillClrLst meth="repeat">
+      <a:schemeClr val="accent1"/>
+    </dgm:fillClrLst>
+    <dgm:linClrLst meth="repeat">
+      <a:schemeClr val="accent1"/>
+    </dgm:linClrLst>
+    <dgm:effectClrLst/>
+    <dgm:txLinClrLst/>
+    <dgm:txFillClrLst meth="repeat">
+      <a:schemeClr val="lt1"/>
+    </dgm:txFillClrLst>
+    <dgm:txEffectClrLst/>
+  </dgm:styleLbl>
+  <dgm:styleLbl name="parChTrans1D1">
+    <dgm:fillClrLst meth="repeat">
+      <a:schemeClr val="accent1"/>
+    </dgm:fillClrLst>
+    <dgm:linClrLst meth="repeat">
+      <a:schemeClr val="accent1">
+        <a:shade val="60000"/>
+      </a:schemeClr>
+    </dgm:linClrLst>
+    <dgm:effectClrLst/>
+    <dgm:txLinClrLst/>
+    <dgm:txFillClrLst meth="repeat">
+      <a:schemeClr val="tx1"/>
+    </dgm:txFillClrLst>
+    <dgm:txEffectClrLst/>
+  </dgm:styleLbl>
+  <dgm:styleLbl name="parChTrans1D2">
+    <dgm:fillClrLst meth="repeat">
+      <a:schemeClr val="accent1"/>
+    </dgm:fillClrLst>
+    <dgm:linClrLst meth="repeat">
+      <a:schemeClr val="accent1">
+        <a:shade val="60000"/>
+      </a:schemeClr>
+    </dgm:linClrLst>
+    <dgm:effectClrLst/>
+    <dgm:txLinClrLst/>
+    <dgm:txFillClrLst meth="repeat">
+      <a:schemeClr val="tx1"/>
+    </dgm:txFillClrLst>
+    <dgm:txEffectClrLst/>
+  </dgm:styleLbl>
+  <dgm:styleLbl name="parChTrans1D3">
+    <dgm:fillClrLst meth="repeat">
+      <a:schemeClr val="accent1"/>
+    </dgm:fillClrLst>
+    <dgm:linClrLst meth="repeat">
+      <a:schemeClr val="accent1">
+        <a:shade val="80000"/>
+      </a:schemeClr>
+    </dgm:linClrLst>
+    <dgm:effectClrLst/>
+    <dgm:txLinClrLst/>
+    <dgm:txFillClrLst meth="repeat">
+      <a:schemeClr val="tx1"/>
+    </dgm:txFillClrLst>
+    <dgm:txEffectClrLst/>
+  </dgm:styleLbl>
+  <dgm:styleLbl name="parChTrans1D4">
+    <dgm:fillClrLst meth="repeat">
+      <a:schemeClr val="accent1"/>
+    </dgm:fillClrLst>
+    <dgm:linClrLst meth="repeat">
+      <a:schemeClr val="accent1">
+        <a:shade val="80000"/>
+      </a:schemeClr>
+    </dgm:linClrLst>
+    <dgm:effectClrLst/>
+    <dgm:txLinClrLst/>
+    <dgm:txFillClrLst meth="repeat">
+      <a:schemeClr val="tx1"/>
+    </dgm:txFillClrLst>
+    <dgm:txEffectClrLst/>
+  </dgm:styleLbl>
+  <dgm:styleLbl name="fgAcc1">
+    <dgm:fillClrLst meth="repeat">
+      <a:schemeClr val="lt1">
+        <a:alpha val="90000"/>
+      </a:schemeClr>
+    </dgm:fillClrLst>
+    <dgm:linClrLst meth="repeat">
+      <a:schemeClr val="accent1"/>
+    </dgm:linClrLst>
+    <dgm:effectClrLst/>
+    <dgm:txLinClrLst/>
+    <dgm:txFillClrLst meth="repeat">
+      <a:schemeClr val="dk1"/>
+    </dgm:txFillClrLst>
+    <dgm:txEffectClrLst/>
+  </dgm:styleLbl>
+  <dgm:styleLbl name="conFgAcc1">
+    <dgm:fillClrLst meth="repeat">
+      <a:schemeClr val="lt1">
+        <a:alpha val="90000"/>
+      </a:schemeClr>
+    </dgm:fillClrLst>
+    <dgm:linClrLst meth="repeat">
+      <a:schemeClr val="accent1"/>
+    </dgm:linClrLst>
+    <dgm:effectClrLst/>
+    <dgm:txLinClrLst/>
+    <dgm:txFillClrLst meth="repeat">
+      <a:schemeClr val="dk1"/>
+    </dgm:txFillClrLst>
+    <dgm:txEffectClrLst/>
+  </dgm:styleLbl>
+  <dgm:styleLbl name="alignAcc1">
+    <dgm:fillClrLst meth="repeat">
+      <a:schemeClr val="lt1">
+        <a:alpha val="90000"/>
+      </a:schemeClr>
+    </dgm:fillClrLst>
+    <dgm:linClrLst meth="repeat">
+      <a:schemeClr val="accent1"/>
+    </dgm:linClrLst>
+    <dgm:effectClrLst/>
+    <dgm:txLinClrLst/>
+    <dgm:txFillClrLst meth="repeat">
+      <a:schemeClr val="dk1"/>
+    </dgm:txFillClrLst>
+    <dgm:txEffectClrLst/>
+  </dgm:styleLbl>
+  <dgm:styleLbl name="trAlignAcc1">
+    <dgm:fillClrLst meth="repeat">
+      <a:schemeClr val="lt1">
+        <a:alpha val="40000"/>
+      </a:schemeClr>
+    </dgm:fillClrLst>
+    <dgm:linClrLst meth="repeat">
+      <a:schemeClr val="accent1"/>
+    </dgm:linClrLst>
+    <dgm:effectClrLst/>
+    <dgm:txLinClrLst/>
+    <dgm:txFillClrLst meth="repeat">
+      <a:schemeClr val="dk1"/>
+    </dgm:txFillClrLst>
+    <dgm:txEffectClrLst/>
+  </dgm:styleLbl>
+  <dgm:styleLbl name="bgAcc1">
+    <dgm:fillClrLst meth="repeat">
+      <a:schemeClr val="lt1">
+        <a:alpha val="90000"/>
+      </a:schemeClr>
+    </dgm:fillClrLst>
+    <dgm:linClrLst meth="repeat">
+      <a:schemeClr val="accent1"/>
+    </dgm:linClrLst>
+    <dgm:effectClrLst/>
+    <dgm:txLinClrLst/>
+    <dgm:txFillClrLst meth="repeat">
+      <a:schemeClr val="dk1"/>
+    </dgm:txFillClrLst>
+    <dgm:txEffectClrLst/>
+  </dgm:styleLbl>
+  <dgm:styleLbl name="solidFgAcc1">
+    <dgm:fillClrLst meth="repeat">
+      <a:schemeClr val="lt1"/>
+    </dgm:fillClrLst>
+    <dgm:linClrLst meth="repeat">
+      <a:schemeClr val="accent1"/>
+    </dgm:linClrLst>
+    <dgm:effectClrLst/>
+    <dgm:txLinClrLst/>
+    <dgm:txFillClrLst meth="repeat">
+      <a:schemeClr val="dk1"/>
+    </dgm:txFillClrLst>
+    <dgm:txEffectClrLst/>
+  </dgm:styleLbl>
+  <dgm:styleLbl name="solidAlignAcc1">
+    <dgm:fillClrLst meth="repeat">
+      <a:schemeClr val="lt1"/>
+    </dgm:fillClrLst>
+    <dgm:linClrLst meth="repeat">
+      <a:schemeClr val="accent1"/>
+    </dgm:linClrLst>
+    <dgm:effectClrLst/>
+    <dgm:txLinClrLst/>
+    <dgm:txFillClrLst meth="repeat">
+      <a:schemeClr val="dk1"/>
+    </dgm:txFillClrLst>
+    <dgm:txEffectClrLst/>
+  </dgm:styleLbl>
+  <dgm:styleLbl name="solidBgAcc1">
+    <dgm:fillClrLst meth="repeat">
+      <a:schemeClr val="lt1"/>
+    </dgm:fillClrLst>
+    <dgm:linClrLst meth="repeat">
+      <a:schemeClr val="accent1"/>
+    </dgm:linClrLst>
+    <dgm:effectClrLst/>
+    <dgm:txLinClrLst/>
+    <dgm:txFillClrLst meth="repeat">
+      <a:schemeClr val="dk1"/>
+    </dgm:txFillClrLst>
+    <dgm:txEffectClrLst/>
+  </dgm:styleLbl>
+  <dgm:styleLbl name="fgAccFollowNode1">
+    <dgm:fillClrLst meth="repeat">
+      <a:schemeClr val="accent1">
+        <a:alpha val="90000"/>
+        <a:tint val="40000"/>
+      </a:schemeClr>
+    </dgm:fillClrLst>
+    <dgm:linClrLst meth="repeat">
+      <a:schemeClr val="accent1">
+        <a:alpha val="90000"/>
+        <a:tint val="40000"/>
+      </a:schemeClr>
+    </dgm:linClrLst>
+    <dgm:effectClrLst/>
+    <dgm:txLinClrLst/>
+    <dgm:txFillClrLst meth="repeat">
+      <a:schemeClr val="dk1"/>
+    </dgm:txFillClrLst>
+    <dgm:txEffectClrLst/>
+  </dgm:styleLbl>
+  <dgm:styleLbl name="alignAccFollowNode1">
+    <dgm:fillClrLst meth="repeat">
+      <a:schemeClr val="accent1">
+        <a:alpha val="90000"/>
+        <a:tint val="40000"/>
+      </a:schemeClr>
+    </dgm:fillClrLst>
+    <dgm:linClrLst meth="repeat">
+      <a:schemeClr val="accent1">
+        <a:alpha val="90000"/>
+        <a:tint val="40000"/>
+      </a:schemeClr>
+    </dgm:linClrLst>
+    <dgm:effectClrLst/>
+    <dgm:txLinClrLst/>
+    <dgm:txFillClrLst meth="repeat">
+      <a:schemeClr val="dk1"/>
+    </dgm:txFillClrLst>
+    <dgm:txEffectClrLst/>
+  </dgm:styleLbl>
+  <dgm:styleLbl name="bgAccFollowNode1">
+    <dgm:fillClrLst meth="repeat">
+      <a:schemeClr val="accent1">
+        <a:alpha val="90000"/>
+        <a:tint val="40000"/>
+      </a:schemeClr>
+    </dgm:fillClrLst>
+    <dgm:linClrLst meth="repeat">
+      <a:schemeClr val="accent1">
+        <a:alpha val="90000"/>
+        <a:tint val="40000"/>
+      </a:schemeClr>
+    </dgm:linClrLst>
+    <dgm:effectClrLst/>
+    <dgm:txLinClrLst/>
+    <dgm:txFillClrLst meth="repeat">
+      <a:schemeClr val="dk1"/>
+    </dgm:txFillClrLst>
+    <dgm:txEffectClrLst/>
+  </dgm:styleLbl>
+  <dgm:styleLbl name="fgAcc0">
+    <dgm:fillClrLst meth="repeat">
+      <a:schemeClr val="lt1">
+        <a:alpha val="90000"/>
+      </a:schemeClr>
+    </dgm:fillClrLst>
+    <dgm:linClrLst meth="repeat">
+      <a:schemeClr val="accent1"/>
+    </dgm:linClrLst>
+    <dgm:effectClrLst/>
+    <dgm:txLinClrLst/>
+    <dgm:txFillClrLst meth="repeat">
+      <a:schemeClr val="dk1"/>
+    </dgm:txFillClrLst>
+    <dgm:txEffectClrLst/>
+  </dgm:styleLbl>
+  <dgm:styleLbl name="fgAcc2">
+    <dgm:fillClrLst meth="repeat">
+      <a:schemeClr val="lt1">
+        <a:alpha val="90000"/>
+      </a:schemeClr>
+    </dgm:fillClrLst>
+    <dgm:linClrLst meth="repeat">
+      <a:schemeClr val="accent1"/>
+    </dgm:linClrLst>
+    <dgm:effectClrLst/>
+    <dgm:txLinClrLst/>
+    <dgm:txFillClrLst meth="repeat">
+      <a:schemeClr val="dk1"/>
+    </dgm:txFillClrLst>
+    <dgm:txEffectClrLst/>
+  </dgm:styleLbl>
+  <dgm:styleLbl name="fgAcc3">
+    <dgm:fillClrLst meth="repeat">
+      <a:schemeClr val="lt1">
+        <a:alpha val="90000"/>
+      </a:schemeClr>
+    </dgm:fillClrLst>
+    <dgm:linClrLst meth="repeat">
+      <a:schemeClr val="accent1"/>
+    </dgm:linClrLst>
+    <dgm:effectClrLst/>
+    <dgm:txLinClrLst/>
+    <dgm:txFillClrLst meth="repeat">
+      <a:schemeClr val="dk1"/>
+    </dgm:txFillClrLst>
+    <dgm:txEffectClrLst/>
+  </dgm:styleLbl>
+  <dgm:styleLbl name="fgAcc4">
+    <dgm:fillClrLst meth="repeat">
+      <a:schemeClr val="lt1">
+        <a:alpha val="90000"/>
+      </a:schemeClr>
+    </dgm:fillClrLst>
+    <dgm:linClrLst meth="repeat">
+      <a:schemeClr val="accent1"/>
+    </dgm:linClrLst>
+    <dgm:effectClrLst/>
+    <dgm:txLinClrLst/>
+    <dgm:txFillClrLst meth="repeat">
+      <a:schemeClr val="dk1"/>
+    </dgm:txFillClrLst>
+    <dgm:txEffectClrLst/>
+  </dgm:styleLbl>
+  <dgm:styleLbl name="bgShp">
+    <dgm:fillClrLst meth="repeat">
+      <a:schemeClr val="accent1">
+        <a:tint val="40000"/>
+      </a:schemeClr>
+    </dgm:fillClrLst>
+    <dgm:linClrLst meth="repeat">
+      <a:schemeClr val="accent1"/>
+    </dgm:linClrLst>
+    <dgm:effectClrLst/>
+    <dgm:txLinClrLst/>
+    <dgm:txFillClrLst meth="repeat">
+      <a:schemeClr val="dk1"/>
+    </dgm:txFillClrLst>
+    <dgm:txEffectClrLst/>
+  </dgm:styleLbl>
+  <dgm:styleLbl name="dkBgShp">
+    <dgm:fillClrLst meth="repeat">
+      <a:schemeClr val="accent1">
+        <a:shade val="80000"/>
+      </a:schemeClr>
+    </dgm:fillClrLst>
+    <dgm:linClrLst meth="repeat">
+      <a:schemeClr val="accent1"/>
+    </dgm:linClrLst>
+    <dgm:effectClrLst/>
+    <dgm:txLinClrLst/>
+    <dgm:txFillClrLst meth="repeat">
+      <a:schemeClr val="lt1"/>
+    </dgm:txFillClrLst>
+    <dgm:txEffectClrLst/>
+  </dgm:styleLbl>
+  <dgm:styleLbl name="trBgShp">
+    <dgm:fillClrLst meth="repeat">
+      <a:schemeClr val="accent1">
+        <a:tint val="50000"/>
+        <a:alpha val="40000"/>
+      </a:schemeClr>
+    </dgm:fillClrLst>
+    <dgm:linClrLst meth="repeat">
+      <a:schemeClr val="accent1"/>
+    </dgm:linClrLst>
+    <dgm:effectClrLst/>
+    <dgm:txLinClrLst/>
+    <dgm:txFillClrLst meth="repeat">
+      <a:schemeClr val="lt1"/>
+    </dgm:txFillClrLst>
+    <dgm:txEffectClrLst/>
+  </dgm:styleLbl>
+  <dgm:styleLbl name="fgShp">
+    <dgm:fillClrLst meth="repeat">
+      <a:schemeClr val="accent1">
+        <a:tint val="60000"/>
+      </a:schemeClr>
+    </dgm:fillClrLst>
+    <dgm:linClrLst meth="repeat">
+      <a:schemeClr val="lt1"/>
+    </dgm:linClrLst>
+    <dgm:effectClrLst/>
+    <dgm:txLinClrLst/>
+    <dgm:txFillClrLst meth="repeat">
+      <a:schemeClr val="dk1"/>
+    </dgm:txFillClrLst>
+    <dgm:txEffectClrLst/>
+  </dgm:styleLbl>
+  <dgm:styleLbl name="revTx">
+    <dgm:fillClrLst meth="repeat">
+      <a:schemeClr val="lt1">
+        <a:alpha val="0"/>
+      </a:schemeClr>
+    </dgm:fillClrLst>
+    <dgm:linClrLst meth="repeat">
+      <a:schemeClr val="dk1">
+        <a:alpha val="0"/>
+      </a:schemeClr>
+    </dgm:linClrLst>
+    <dgm:effectClrLst/>
+    <dgm:txLinClrLst/>
+    <dgm:txFillClrLst meth="repeat">
+      <a:schemeClr val="tx1"/>
+    </dgm:txFillClrLst>
+    <dgm:txEffectClrLst/>
+  </dgm:styleLbl>
+</dgm:colorsDef>
+</file>
+
+<file path=ppt/diagrams/colors5.xml><?xml version="1.0" encoding="utf-8"?>
+<dgm:colorsDef xmlns:dgm="http://schemas.openxmlformats.org/drawingml/2006/diagram" xmlns:a="http://schemas.openxmlformats.org/drawingml/2006/main" uniqueId="urn:microsoft.com/office/officeart/2005/8/colors/accent1_2">
+  <dgm:title val=""/>
+  <dgm:desc val=""/>
+  <dgm:catLst>
+    <dgm:cat type="accent1" pri="11200"/>
+  </dgm:catLst>
+  <dgm:styleLbl name="node0">
+    <dgm:fillClrLst meth="repeat">
+      <a:schemeClr val="accent1"/>
+    </dgm:fillClrLst>
+    <dgm:linClrLst meth="repeat">
+      <a:schemeClr val="lt1"/>
+    </dgm:linClrLst>
+    <dgm:effectClrLst/>
+    <dgm:txLinClrLst/>
+    <dgm:txFillClrLst/>
+    <dgm:txEffectClrLst/>
+  </dgm:styleLbl>
+  <dgm:styleLbl name="alignNode1">
+    <dgm:fillClrLst meth="repeat">
+      <a:schemeClr val="accent1"/>
+    </dgm:fillClrLst>
+    <dgm:linClrLst meth="repeat">
+      <a:schemeClr val="accent1"/>
+    </dgm:linClrLst>
+    <dgm:effectClrLst/>
+    <dgm:txLinClrLst/>
+    <dgm:txFillClrLst/>
+    <dgm:txEffectClrLst/>
+  </dgm:styleLbl>
+  <dgm:styleLbl name="node1">
+    <dgm:fillClrLst meth="repeat">
+      <a:schemeClr val="accent1"/>
+    </dgm:fillClrLst>
+    <dgm:linClrLst meth="repeat">
+      <a:schemeClr val="lt1"/>
+    </dgm:linClrLst>
+    <dgm:effectClrLst/>
+    <dgm:txLinClrLst/>
+    <dgm:txFillClrLst/>
+    <dgm:txEffectClrLst/>
+  </dgm:styleLbl>
+  <dgm:styleLbl name="lnNode1">
+    <dgm:fillClrLst meth="repeat">
+      <a:schemeClr val="accent1"/>
+    </dgm:fillClrLst>
+    <dgm:linClrLst meth="repeat">
+      <a:schemeClr val="lt1"/>
+    </dgm:linClrLst>
+    <dgm:effectClrLst/>
+    <dgm:txLinClrLst/>
+    <dgm:txFillClrLst/>
+    <dgm:txEffectClrLst/>
+  </dgm:styleLbl>
+  <dgm:styleLbl name="vennNode1">
+    <dgm:fillClrLst meth="repeat">
+      <a:schemeClr val="accent1">
+        <a:alpha val="50000"/>
+      </a:schemeClr>
+    </dgm:fillClrLst>
+    <dgm:linClrLst meth="repeat">
+      <a:schemeClr val="lt1"/>
+    </dgm:linClrLst>
+    <dgm:effectClrLst/>
+    <dgm:txLinClrLst/>
+    <dgm:txFillClrLst/>
+    <dgm:txEffectClrLst/>
+  </dgm:styleLbl>
+  <dgm:styleLbl name="node2">
+    <dgm:fillClrLst meth="repeat">
+      <a:schemeClr val="accent1"/>
+    </dgm:fillClrLst>
+    <dgm:linClrLst meth="repeat">
+      <a:schemeClr val="lt1"/>
+    </dgm:linClrLst>
+    <dgm:effectClrLst/>
+    <dgm:txLinClrLst/>
+    <dgm:txFillClrLst/>
+    <dgm:txEffectClrLst/>
+  </dgm:styleLbl>
+  <dgm:styleLbl name="node3">
+    <dgm:fillClrLst meth="repeat">
+      <a:schemeClr val="accent1"/>
+    </dgm:fillClrLst>
+    <dgm:linClrLst meth="repeat">
+      <a:schemeClr val="lt1"/>
+    </dgm:linClrLst>
+    <dgm:effectClrLst/>
+    <dgm:txLinClrLst/>
+    <dgm:txFillClrLst/>
+    <dgm:txEffectClrLst/>
+  </dgm:styleLbl>
+  <dgm:styleLbl name="node4">
+    <dgm:fillClrLst meth="repeat">
+      <a:schemeClr val="accent1"/>
+    </dgm:fillClrLst>
+    <dgm:linClrLst meth="repeat">
+      <a:schemeClr val="lt1"/>
+    </dgm:linClrLst>
+    <dgm:effectClrLst/>
+    <dgm:txLinClrLst/>
+    <dgm:txFillClrLst/>
+    <dgm:txEffectClrLst/>
+  </dgm:styleLbl>
+  <dgm:styleLbl name="fgImgPlace1">
+    <dgm:fillClrLst meth="repeat">
+      <a:schemeClr val="accent1">
+        <a:tint val="50000"/>
+      </a:schemeClr>
+    </dgm:fillClrLst>
+    <dgm:linClrLst meth="repeat">
+      <a:schemeClr val="lt1"/>
+    </dgm:linClrLst>
+    <dgm:effectClrLst/>
+    <dgm:txLinClrLst/>
+    <dgm:txFillClrLst meth="repeat">
+      <a:schemeClr val="lt1"/>
+    </dgm:txFillClrLst>
+    <dgm:txEffectClrLst/>
+  </dgm:styleLbl>
+  <dgm:styleLbl name="alignImgPlace1">
+    <dgm:fillClrLst meth="repeat">
+      <a:schemeClr val="accent1">
+        <a:tint val="50000"/>
+      </a:schemeClr>
+    </dgm:fillClrLst>
+    <dgm:linClrLst meth="repeat">
+      <a:schemeClr val="lt1"/>
+    </dgm:linClrLst>
+    <dgm:effectClrLst/>
+    <dgm:txLinClrLst/>
+    <dgm:txFillClrLst meth="repeat">
+      <a:schemeClr val="lt1"/>
+    </dgm:txFillClrLst>
+    <dgm:txEffectClrLst/>
+  </dgm:styleLbl>
+  <dgm:styleLbl name="bgImgPlace1">
+    <dgm:fillClrLst meth="repeat">
+      <a:schemeClr val="accent1">
+        <a:tint val="50000"/>
+      </a:schemeClr>
+    </dgm:fillClrLst>
+    <dgm:linClrLst meth="repeat">
+      <a:schemeClr val="lt1"/>
+    </dgm:linClrLst>
+    <dgm:effectClrLst/>
+    <dgm:txLinClrLst/>
+    <dgm:txFillClrLst meth="repeat">
+      <a:schemeClr val="lt1"/>
+    </dgm:txFillClrLst>
+    <dgm:txEffectClrLst/>
+  </dgm:styleLbl>
+  <dgm:styleLbl name="sibTrans2D1">
+    <dgm:fillClrLst meth="repeat">
+      <a:schemeClr val="accent1">
+        <a:tint val="60000"/>
+      </a:schemeClr>
+    </dgm:fillClrLst>
+    <dgm:linClrLst meth="repeat">
+      <a:schemeClr val="accent1">
+        <a:tint val="60000"/>
+      </a:schemeClr>
+    </dgm:linClrLst>
+    <dgm:effectClrLst/>
+    <dgm:txLinClrLst/>
+    <dgm:txFillClrLst/>
+    <dgm:txEffectClrLst/>
+  </dgm:styleLbl>
+  <dgm:styleLbl name="fgSibTrans2D1">
+    <dgm:fillClrLst meth="repeat">
+      <a:schemeClr val="accent1">
+        <a:tint val="60000"/>
+      </a:schemeClr>
+    </dgm:fillClrLst>
+    <dgm:linClrLst meth="repeat">
+      <a:schemeClr val="accent1">
+        <a:tint val="60000"/>
+      </a:schemeClr>
+    </dgm:linClrLst>
+    <dgm:effectClrLst/>
+    <dgm:txLinClrLst/>
+    <dgm:txFillClrLst/>
+    <dgm:txEffectClrLst/>
+  </dgm:styleLbl>
+  <dgm:styleLbl name="bgSibTrans2D1">
+    <dgm:fillClrLst meth="repeat">
+      <a:schemeClr val="accent1">
+        <a:tint val="60000"/>
+      </a:schemeClr>
+    </dgm:fillClrLst>
+    <dgm:linClrLst meth="repeat">
+      <a:schemeClr val="accent1">
+        <a:tint val="60000"/>
+      </a:schemeClr>
+    </dgm:linClrLst>
+    <dgm:effectClrLst/>
+    <dgm:txLinClrLst/>
+    <dgm:txFillClrLst/>
+    <dgm:txEffectClrLst/>
+  </dgm:styleLbl>
+  <dgm:styleLbl name="sibTrans1D1">
+    <dgm:fillClrLst meth="repeat">
+      <a:schemeClr val="accent1"/>
+    </dgm:fillClrLst>
+    <dgm:linClrLst meth="repeat">
+      <a:schemeClr val="accent1"/>
+    </dgm:linClrLst>
+    <dgm:effectClrLst/>
+    <dgm:txLinClrLst/>
+    <dgm:txFillClrLst meth="repeat">
+      <a:schemeClr val="tx1"/>
+    </dgm:txFillClrLst>
+    <dgm:txEffectClrLst/>
+  </dgm:styleLbl>
+  <dgm:styleLbl name="callout">
+    <dgm:fillClrLst meth="repeat">
+      <a:schemeClr val="accent1"/>
+    </dgm:fillClrLst>
+    <dgm:linClrLst meth="repeat">
+      <a:schemeClr val="accent1">
+        <a:tint val="50000"/>
+      </a:schemeClr>
+    </dgm:linClrLst>
+    <dgm:effectClrLst/>
+    <dgm:txLinClrLst/>
+    <dgm:txFillClrLst meth="repeat">
+      <a:schemeClr val="tx1"/>
+    </dgm:txFillClrLst>
+    <dgm:txEffectClrLst/>
+  </dgm:styleLbl>
+  <dgm:styleLbl name="asst0">
+    <dgm:fillClrLst meth="repeat">
+      <a:schemeClr val="accent1"/>
+    </dgm:fillClrLst>
+    <dgm:linClrLst meth="repeat">
+      <a:schemeClr val="lt1"/>
+    </dgm:linClrLst>
+    <dgm:effectClrLst/>
+    <dgm:txLinClrLst/>
+    <dgm:txFillClrLst/>
+    <dgm:txEffectClrLst/>
+  </dgm:styleLbl>
+  <dgm:styleLbl name="asst1">
+    <dgm:fillClrLst meth="repeat">
+      <a:schemeClr val="accent1"/>
+    </dgm:fillClrLst>
+    <dgm:linClrLst meth="repeat">
+      <a:schemeClr val="lt1"/>
+    </dgm:linClrLst>
+    <dgm:effectClrLst/>
+    <dgm:txLinClrLst/>
+    <dgm:txFillClrLst/>
+    <dgm:txEffectClrLst/>
+  </dgm:styleLbl>
+  <dgm:styleLbl name="asst2">
+    <dgm:fillClrLst meth="repeat">
+      <a:schemeClr val="accent1"/>
+    </dgm:fillClrLst>
+    <dgm:linClrLst meth="repeat">
+      <a:schemeClr val="lt1"/>
+    </dgm:linClrLst>
+    <dgm:effectClrLst/>
+    <dgm:txLinClrLst/>
+    <dgm:txFillClrLst/>
+    <dgm:txEffectClrLst/>
+  </dgm:styleLbl>
+  <dgm:styleLbl name="asst3">
+    <dgm:fillClrLst meth="repeat">
+      <a:schemeClr val="accent1"/>
+    </dgm:fillClrLst>
+    <dgm:linClrLst meth="repeat">
+      <a:schemeClr val="lt1"/>
+    </dgm:linClrLst>
+    <dgm:effectClrLst/>
+    <dgm:txLinClrLst/>
+    <dgm:txFillClrLst/>
+    <dgm:txEffectClrLst/>
+  </dgm:styleLbl>
+  <dgm:styleLbl name="asst4">
+    <dgm:fillClrLst meth="repeat">
+      <a:schemeClr val="accent1"/>
+    </dgm:fillClrLst>
+    <dgm:linClrLst meth="repeat">
+      <a:schemeClr val="lt1"/>
+    </dgm:linClrLst>
+    <dgm:effectClrLst/>
+    <dgm:txLinClrLst/>
+    <dgm:txFillClrLst/>
+    <dgm:txEffectClrLst/>
+  </dgm:styleLbl>
+  <dgm:styleLbl name="parChTrans2D1">
+    <dgm:fillClrLst meth="repeat">
+      <a:schemeClr val="accent1">
+        <a:tint val="60000"/>
+      </a:schemeClr>
+    </dgm:fillClrLst>
+    <dgm:linClrLst meth="repeat">
+      <a:schemeClr val="accent1">
+        <a:tint val="60000"/>
+      </a:schemeClr>
+    </dgm:linClrLst>
+    <dgm:effectClrLst/>
+    <dgm:txLinClrLst/>
+    <dgm:txFillClrLst meth="repeat">
+      <a:schemeClr val="lt1"/>
+    </dgm:txFillClrLst>
+    <dgm:txEffectClrLst/>
+  </dgm:styleLbl>
+  <dgm:styleLbl name="parChTrans2D2">
+    <dgm:fillClrLst meth="repeat">
+      <a:schemeClr val="accent1"/>
+    </dgm:fillClrLst>
+    <dgm:linClrLst meth="repeat">
+      <a:schemeClr val="accent1"/>
+    </dgm:linClrLst>
+    <dgm:effectClrLst/>
+    <dgm:txLinClrLst/>
+    <dgm:txFillClrLst meth="repeat">
+      <a:schemeClr val="lt1"/>
+    </dgm:txFillClrLst>
+    <dgm:txEffectClrLst/>
+  </dgm:styleLbl>
+  <dgm:styleLbl name="parChTrans2D3">
+    <dgm:fillClrLst meth="repeat">
+      <a:schemeClr val="accent1"/>
+    </dgm:fillClrLst>
+    <dgm:linClrLst meth="repeat">
+      <a:schemeClr val="accent1"/>
+    </dgm:linClrLst>
+    <dgm:effectClrLst/>
+    <dgm:txLinClrLst/>
+    <dgm:txFillClrLst meth="repeat">
+      <a:schemeClr val="lt1"/>
+    </dgm:txFillClrLst>
+    <dgm:txEffectClrLst/>
+  </dgm:styleLbl>
+  <dgm:styleLbl name="parChTrans2D4">
+    <dgm:fillClrLst meth="repeat">
+      <a:schemeClr val="accent1"/>
+    </dgm:fillClrLst>
+    <dgm:linClrLst meth="repeat">
+      <a:schemeClr val="accent1"/>
+    </dgm:linClrLst>
+    <dgm:effectClrLst/>
+    <dgm:txLinClrLst/>
+    <dgm:txFillClrLst meth="repeat">
+      <a:schemeClr val="lt1"/>
+    </dgm:txFillClrLst>
+    <dgm:txEffectClrLst/>
+  </dgm:styleLbl>
+  <dgm:styleLbl name="parChTrans1D1">
+    <dgm:fillClrLst meth="repeat">
+      <a:schemeClr val="accent1"/>
+    </dgm:fillClrLst>
+    <dgm:linClrLst meth="repeat">
+      <a:schemeClr val="accent1">
+        <a:shade val="60000"/>
+      </a:schemeClr>
+    </dgm:linClrLst>
+    <dgm:effectClrLst/>
+    <dgm:txLinClrLst/>
+    <dgm:txFillClrLst meth="repeat">
+      <a:schemeClr val="tx1"/>
+    </dgm:txFillClrLst>
+    <dgm:txEffectClrLst/>
+  </dgm:styleLbl>
+  <dgm:styleLbl name="parChTrans1D2">
+    <dgm:fillClrLst meth="repeat">
+      <a:schemeClr val="accent1"/>
+    </dgm:fillClrLst>
+    <dgm:linClrLst meth="repeat">
+      <a:schemeClr val="accent1">
+        <a:shade val="60000"/>
+      </a:schemeClr>
+    </dgm:linClrLst>
+    <dgm:effectClrLst/>
+    <dgm:txLinClrLst/>
+    <dgm:txFillClrLst meth="repeat">
+      <a:schemeClr val="tx1"/>
+    </dgm:txFillClrLst>
+    <dgm:txEffectClrLst/>
+  </dgm:styleLbl>
+  <dgm:styleLbl name="parChTrans1D3">
+    <dgm:fillClrLst meth="repeat">
+      <a:schemeClr val="accent1"/>
+    </dgm:fillClrLst>
+    <dgm:linClrLst meth="repeat">
+      <a:schemeClr val="accent1">
+        <a:shade val="80000"/>
+      </a:schemeClr>
+    </dgm:linClrLst>
+    <dgm:effectClrLst/>
+    <dgm:txLinClrLst/>
+    <dgm:txFillClrLst meth="repeat">
+      <a:schemeClr val="tx1"/>
+    </dgm:txFillClrLst>
+    <dgm:txEffectClrLst/>
+  </dgm:styleLbl>
+  <dgm:styleLbl name="parChTrans1D4">
+    <dgm:fillClrLst meth="repeat">
+      <a:schemeClr val="accent1"/>
+    </dgm:fillClrLst>
+    <dgm:linClrLst meth="repeat">
+      <a:schemeClr val="accent1">
+        <a:shade val="80000"/>
+      </a:schemeClr>
+    </dgm:linClrLst>
+    <dgm:effectClrLst/>
+    <dgm:txLinClrLst/>
+    <dgm:txFillClrLst meth="repeat">
+      <a:schemeClr val="tx1"/>
+    </dgm:txFillClrLst>
+    <dgm:txEffectClrLst/>
+  </dgm:styleLbl>
+  <dgm:styleLbl name="fgAcc1">
+    <dgm:fillClrLst meth="repeat">
+      <a:schemeClr val="lt1">
+        <a:alpha val="90000"/>
+      </a:schemeClr>
+    </dgm:fillClrLst>
+    <dgm:linClrLst meth="repeat">
+      <a:schemeClr val="accent1"/>
+    </dgm:linClrLst>
+    <dgm:effectClrLst/>
+    <dgm:txLinClrLst/>
+    <dgm:txFillClrLst meth="repeat">
+      <a:schemeClr val="dk1"/>
+    </dgm:txFillClrLst>
+    <dgm:txEffectClrLst/>
+  </dgm:styleLbl>
+  <dgm:styleLbl name="conFgAcc1">
+    <dgm:fillClrLst meth="repeat">
+      <a:schemeClr val="lt1">
+        <a:alpha val="90000"/>
+      </a:schemeClr>
+    </dgm:fillClrLst>
+    <dgm:linClrLst meth="repeat">
+      <a:schemeClr val="accent1"/>
+    </dgm:linClrLst>
+    <dgm:effectClrLst/>
+    <dgm:txLinClrLst/>
+    <dgm:txFillClrLst meth="repeat">
+      <a:schemeClr val="dk1"/>
+    </dgm:txFillClrLst>
+    <dgm:txEffectClrLst/>
+  </dgm:styleLbl>
+  <dgm:styleLbl name="alignAcc1">
+    <dgm:fillClrLst meth="repeat">
+      <a:schemeClr val="lt1">
+        <a:alpha val="90000"/>
+      </a:schemeClr>
+    </dgm:fillClrLst>
+    <dgm:linClrLst meth="repeat">
+      <a:schemeClr val="accent1"/>
+    </dgm:linClrLst>
+    <dgm:effectClrLst/>
+    <dgm:txLinClrLst/>
+    <dgm:txFillClrLst meth="repeat">
+      <a:schemeClr val="dk1"/>
+    </dgm:txFillClrLst>
+    <dgm:txEffectClrLst/>
+  </dgm:styleLbl>
+  <dgm:styleLbl name="trAlignAcc1">
+    <dgm:fillClrLst meth="repeat">
+      <a:schemeClr val="lt1">
+        <a:alpha val="40000"/>
+      </a:schemeClr>
+    </dgm:fillClrLst>
+    <dgm:linClrLst meth="repeat">
+      <a:schemeClr val="accent1"/>
+    </dgm:linClrLst>
+    <dgm:effectClrLst/>
+    <dgm:txLinClrLst/>
+    <dgm:txFillClrLst meth="repeat">
+      <a:schemeClr val="dk1"/>
+    </dgm:txFillClrLst>
+    <dgm:txEffectClrLst/>
+  </dgm:styleLbl>
+  <dgm:styleLbl name="bgAcc1">
+    <dgm:fillClrLst meth="repeat">
+      <a:schemeClr val="lt1">
+        <a:alpha val="90000"/>
+      </a:schemeClr>
+    </dgm:fillClrLst>
+    <dgm:linClrLst meth="repeat">
+      <a:schemeClr val="accent1"/>
+    </dgm:linClrLst>
+    <dgm:effectClrLst/>
+    <dgm:txLinClrLst/>
+    <dgm:txFillClrLst meth="repeat">
+      <a:schemeClr val="dk1"/>
+    </dgm:txFillClrLst>
+    <dgm:txEffectClrLst/>
+  </dgm:styleLbl>
+  <dgm:styleLbl name="solidFgAcc1">
+    <dgm:fillClrLst meth="repeat">
+      <a:schemeClr val="lt1"/>
+    </dgm:fillClrLst>
+    <dgm:linClrLst meth="repeat">
+      <a:schemeClr val="accent1"/>
+    </dgm:linClrLst>
+    <dgm:effectClrLst/>
+    <dgm:txLinClrLst/>
+    <dgm:txFillClrLst meth="repeat">
+      <a:schemeClr val="dk1"/>
+    </dgm:txFillClrLst>
+    <dgm:txEffectClrLst/>
+  </dgm:styleLbl>
+  <dgm:styleLbl name="solidAlignAcc1">
+    <dgm:fillClrLst meth="repeat">
+      <a:schemeClr val="lt1"/>
+    </dgm:fillClrLst>
+    <dgm:linClrLst meth="repeat">
+      <a:schemeClr val="accent1"/>
+    </dgm:linClrLst>
+    <dgm:effectClrLst/>
+    <dgm:txLinClrLst/>
+    <dgm:txFillClrLst meth="repeat">
+      <a:schemeClr val="dk1"/>
+    </dgm:txFillClrLst>
+    <dgm:txEffectClrLst/>
+  </dgm:styleLbl>
+  <dgm:styleLbl name="solidBgAcc1">
+    <dgm:fillClrLst meth="repeat">
+      <a:schemeClr val="lt1"/>
+    </dgm:fillClrLst>
+    <dgm:linClrLst meth="repeat">
+      <a:schemeClr val="accent1"/>
+    </dgm:linClrLst>
+    <dgm:effectClrLst/>
+    <dgm:txLinClrLst/>
+    <dgm:txFillClrLst meth="repeat">
+      <a:schemeClr val="dk1"/>
+    </dgm:txFillClrLst>
+    <dgm:txEffectClrLst/>
+  </dgm:styleLbl>
+  <dgm:styleLbl name="fgAccFollowNode1">
+    <dgm:fillClrLst meth="repeat">
+      <a:schemeClr val="accent1">
+        <a:alpha val="90000"/>
+        <a:tint val="40000"/>
+      </a:schemeClr>
+    </dgm:fillClrLst>
+    <dgm:linClrLst meth="repeat">
+      <a:schemeClr val="accent1">
+        <a:alpha val="90000"/>
+        <a:tint val="40000"/>
+      </a:schemeClr>
+    </dgm:linClrLst>
+    <dgm:effectClrLst/>
+    <dgm:txLinClrLst/>
+    <dgm:txFillClrLst meth="repeat">
+      <a:schemeClr val="dk1"/>
+    </dgm:txFillClrLst>
+    <dgm:txEffectClrLst/>
+  </dgm:styleLbl>
+  <dgm:styleLbl name="alignAccFollowNode1">
+    <dgm:fillClrLst meth="repeat">
+      <a:schemeClr val="accent1">
+        <a:alpha val="90000"/>
+        <a:tint val="40000"/>
+      </a:schemeClr>
+    </dgm:fillClrLst>
+    <dgm:linClrLst meth="repeat">
+      <a:schemeClr val="accent1">
+        <a:alpha val="90000"/>
+        <a:tint val="40000"/>
+      </a:schemeClr>
+    </dgm:linClrLst>
+    <dgm:effectClrLst/>
+    <dgm:txLinClrLst/>
+    <dgm:txFillClrLst meth="repeat">
+      <a:schemeClr val="dk1"/>
+    </dgm:txFillClrLst>
+    <dgm:txEffectClrLst/>
+  </dgm:styleLbl>
+  <dgm:styleLbl name="bgAccFollowNode1">
+    <dgm:fillClrLst meth="repeat">
+      <a:schemeClr val="accent1">
+        <a:alpha val="90000"/>
+        <a:tint val="40000"/>
+      </a:schemeClr>
+    </dgm:fillClrLst>
+    <dgm:linClrLst meth="repeat">
+      <a:schemeClr val="accent1">
+        <a:alpha val="90000"/>
+        <a:tint val="40000"/>
+      </a:schemeClr>
+    </dgm:linClrLst>
+    <dgm:effectClrLst/>
+    <dgm:txLinClrLst/>
+    <dgm:txFillClrLst meth="repeat">
+      <a:schemeClr val="dk1"/>
+    </dgm:txFillClrLst>
+    <dgm:txEffectClrLst/>
+  </dgm:styleLbl>
+  <dgm:styleLbl name="fgAcc0">
+    <dgm:fillClrLst meth="repeat">
+      <a:schemeClr val="lt1">
+        <a:alpha val="90000"/>
+      </a:schemeClr>
+    </dgm:fillClrLst>
+    <dgm:linClrLst meth="repeat">
+      <a:schemeClr val="accent1"/>
+    </dgm:linClrLst>
+    <dgm:effectClrLst/>
+    <dgm:txLinClrLst/>
+    <dgm:txFillClrLst meth="repeat">
+      <a:schemeClr val="dk1"/>
+    </dgm:txFillClrLst>
+    <dgm:txEffectClrLst/>
+  </dgm:styleLbl>
+  <dgm:styleLbl name="fgAcc2">
+    <dgm:fillClrLst meth="repeat">
+      <a:schemeClr val="lt1">
+        <a:alpha val="90000"/>
+      </a:schemeClr>
+    </dgm:fillClrLst>
+    <dgm:linClrLst meth="repeat">
+      <a:schemeClr val="accent1"/>
+    </dgm:linClrLst>
+    <dgm:effectClrLst/>
+    <dgm:txLinClrLst/>
+    <dgm:txFillClrLst meth="repeat">
+      <a:schemeClr val="dk1"/>
+    </dgm:txFillClrLst>
+    <dgm:txEffectClrLst/>
+  </dgm:styleLbl>
+  <dgm:styleLbl name="fgAcc3">
+    <dgm:fillClrLst meth="repeat">
+      <a:schemeClr val="lt1">
+        <a:alpha val="90000"/>
+      </a:schemeClr>
+    </dgm:fillClrLst>
+    <dgm:linClrLst meth="repeat">
+      <a:schemeClr val="accent1"/>
+    </dgm:linClrLst>
+    <dgm:effectClrLst/>
+    <dgm:txLinClrLst/>
+    <dgm:txFillClrLst meth="repeat">
+      <a:schemeClr val="dk1"/>
+    </dgm:txFillClrLst>
+    <dgm:txEffectClrLst/>
+  </dgm:styleLbl>
+  <dgm:styleLbl name="fgAcc4">
+    <dgm:fillClrLst meth="repeat">
+      <a:schemeClr val="lt1">
+        <a:alpha val="90000"/>
+      </a:schemeClr>
+    </dgm:fillClrLst>
+    <dgm:linClrLst meth="repeat">
+      <a:schemeClr val="accent1"/>
+    </dgm:linClrLst>
+    <dgm:effectClrLst/>
+    <dgm:txLinClrLst/>
+    <dgm:txFillClrLst meth="repeat">
+      <a:schemeClr val="dk1"/>
+    </dgm:txFillClrLst>
+    <dgm:txEffectClrLst/>
+  </dgm:styleLbl>
+  <dgm:styleLbl name="bgShp">
+    <dgm:fillClrLst meth="repeat">
+      <a:schemeClr val="accent1">
+        <a:tint val="40000"/>
+      </a:schemeClr>
+    </dgm:fillClrLst>
+    <dgm:linClrLst meth="repeat">
+      <a:schemeClr val="accent1"/>
+    </dgm:linClrLst>
+    <dgm:effectClrLst/>
+    <dgm:txLinClrLst/>
+    <dgm:txFillClrLst meth="repeat">
+      <a:schemeClr val="dk1"/>
+    </dgm:txFillClrLst>
+    <dgm:txEffectClrLst/>
+  </dgm:styleLbl>
+  <dgm:styleLbl name="dkBgShp">
+    <dgm:fillClrLst meth="repeat">
+      <a:schemeClr val="accent1">
+        <a:shade val="80000"/>
+      </a:schemeClr>
+    </dgm:fillClrLst>
+    <dgm:linClrLst meth="repeat">
+      <a:schemeClr val="accent1"/>
+    </dgm:linClrLst>
+    <dgm:effectClrLst/>
+    <dgm:txLinClrLst/>
+    <dgm:txFillClrLst meth="repeat">
+      <a:schemeClr val="lt1"/>
+    </dgm:txFillClrLst>
+    <dgm:txEffectClrLst/>
+  </dgm:styleLbl>
+  <dgm:styleLbl name="trBgShp">
+    <dgm:fillClrLst meth="repeat">
+      <a:schemeClr val="accent1">
+        <a:tint val="50000"/>
+        <a:alpha val="40000"/>
+      </a:schemeClr>
+    </dgm:fillClrLst>
+    <dgm:linClrLst meth="repeat">
+      <a:schemeClr val="accent1"/>
+    </dgm:linClrLst>
+    <dgm:effectClrLst/>
+    <dgm:txLinClrLst/>
+    <dgm:txFillClrLst meth="repeat">
+      <a:schemeClr val="lt1"/>
+    </dgm:txFillClrLst>
+    <dgm:txEffectClrLst/>
+  </dgm:styleLbl>
+  <dgm:styleLbl name="fgShp">
+    <dgm:fillClrLst meth="repeat">
+      <a:schemeClr val="accent1">
+        <a:tint val="60000"/>
+      </a:schemeClr>
+    </dgm:fillClrLst>
+    <dgm:linClrLst meth="repeat">
+      <a:schemeClr val="lt1"/>
+    </dgm:linClrLst>
+    <dgm:effectClrLst/>
+    <dgm:txLinClrLst/>
+    <dgm:txFillClrLst meth="repeat">
+      <a:schemeClr val="dk1"/>
+    </dgm:txFillClrLst>
+    <dgm:txEffectClrLst/>
+  </dgm:styleLbl>
+  <dgm:styleLbl name="revTx">
+    <dgm:fillClrLst meth="repeat">
+      <a:schemeClr val="lt1">
+        <a:alpha val="0"/>
+      </a:schemeClr>
+    </dgm:fillClrLst>
+    <dgm:linClrLst meth="repeat">
+      <a:schemeClr val="dk1">
+        <a:alpha val="0"/>
+      </a:schemeClr>
+    </dgm:linClrLst>
+    <dgm:effectClrLst/>
+    <dgm:txLinClrLst/>
+    <dgm:txFillClrLst meth="repeat">
+      <a:schemeClr val="tx1"/>
+    </dgm:txFillClrLst>
+    <dgm:txEffectClrLst/>
+  </dgm:styleLbl>
+</dgm:colorsDef>
+</file>
+
 <file path=ppt/diagrams/data1.xml><?xml version="1.0" encoding="utf-8"?>
+<dgm:dataModel xmlns:dgm="http://schemas.openxmlformats.org/drawingml/2006/diagram" xmlns:a="http://schemas.openxmlformats.org/drawingml/2006/main">
+  <dgm:ptLst>
+    <dgm:pt modelId="{89648A4A-5BEB-4D26-91FD-3D6F500C7C9C}" type="doc">
+      <dgm:prSet loTypeId="urn:microsoft.com/office/officeart/2005/8/layout/list1" loCatId="list" qsTypeId="urn:microsoft.com/office/officeart/2005/8/quickstyle/simple1" qsCatId="simple" csTypeId="urn:microsoft.com/office/officeart/2005/8/colors/accent1_2" csCatId="accent1" phldr="1"/>
+      <dgm:spPr/>
+      <dgm:t>
+        <a:bodyPr/>
+        <a:lstStyle/>
+        <a:p>
+          <a:endParaRPr lang="en-US"/>
+        </a:p>
+      </dgm:t>
+    </dgm:pt>
+    <dgm:pt modelId="{960302E1-0A92-4735-92B1-03E2DD299C8A}">
+      <dgm:prSet/>
+      <dgm:spPr/>
+      <dgm:t>
+        <a:bodyPr/>
+        <a:lstStyle/>
+        <a:p>
+          <a:r>
+            <a:rPr lang="de-DE" dirty="0" err="1"/>
+            <a:t>Step</a:t>
+          </a:r>
+          <a:r>
+            <a:rPr lang="de-DE" dirty="0"/>
+            <a:t> 1: </a:t>
+          </a:r>
+          <a:r>
+            <a:rPr lang="de-DE" dirty="0" err="1"/>
+            <a:t>Define</a:t>
+          </a:r>
+          <a:r>
+            <a:rPr lang="de-DE" dirty="0"/>
+            <a:t> URLs </a:t>
+          </a:r>
+          <a:r>
+            <a:rPr lang="de-DE" dirty="0" err="1"/>
+            <a:t>for</a:t>
+          </a:r>
+          <a:r>
+            <a:rPr lang="de-DE" dirty="0"/>
+            <a:t> Databases</a:t>
+          </a:r>
+          <a:endParaRPr lang="en-US" dirty="0"/>
+        </a:p>
+      </dgm:t>
+    </dgm:pt>
+    <dgm:pt modelId="{81C2CE8F-A39B-4C12-B0CD-392C51B1031B}" type="parTrans" cxnId="{BAD492A4-B03E-4D41-8395-53D0F5B6A131}">
+      <dgm:prSet/>
+      <dgm:spPr/>
+      <dgm:t>
+        <a:bodyPr/>
+        <a:lstStyle/>
+        <a:p>
+          <a:endParaRPr lang="en-US"/>
+        </a:p>
+      </dgm:t>
+    </dgm:pt>
+    <dgm:pt modelId="{2F4DB347-38E4-47FD-A094-231C40A0F8FD}" type="sibTrans" cxnId="{BAD492A4-B03E-4D41-8395-53D0F5B6A131}">
+      <dgm:prSet/>
+      <dgm:spPr/>
+      <dgm:t>
+        <a:bodyPr/>
+        <a:lstStyle/>
+        <a:p>
+          <a:endParaRPr lang="en-US"/>
+        </a:p>
+      </dgm:t>
+    </dgm:pt>
+    <dgm:pt modelId="{2F52C6D0-6049-4959-8B44-BA7E195A266E}">
+      <dgm:prSet/>
+      <dgm:spPr/>
+      <dgm:t>
+        <a:bodyPr/>
+        <a:lstStyle/>
+        <a:p>
+          <a:r>
+            <a:rPr lang="de-DE" dirty="0" err="1"/>
+            <a:t>Step</a:t>
+          </a:r>
+          <a:r>
+            <a:rPr lang="de-DE" dirty="0"/>
+            <a:t> 2: Create </a:t>
+          </a:r>
+          <a:r>
+            <a:rPr lang="de-DE" dirty="0" err="1"/>
+            <a:t>local</a:t>
+          </a:r>
+          <a:r>
+            <a:rPr lang="de-DE" dirty="0"/>
+            <a:t> </a:t>
+          </a:r>
+          <a:r>
+            <a:rPr lang="de-DE" dirty="0" err="1"/>
+            <a:t>directory</a:t>
+          </a:r>
+          <a:endParaRPr lang="en-US" dirty="0"/>
+        </a:p>
+      </dgm:t>
+    </dgm:pt>
+    <dgm:pt modelId="{57C02445-A86D-41C9-8ED5-928CC960917F}" type="parTrans" cxnId="{CC09A8F5-9AB9-47DD-BAFA-BBCFD3FFB728}">
+      <dgm:prSet/>
+      <dgm:spPr/>
+      <dgm:t>
+        <a:bodyPr/>
+        <a:lstStyle/>
+        <a:p>
+          <a:endParaRPr lang="en-US"/>
+        </a:p>
+      </dgm:t>
+    </dgm:pt>
+    <dgm:pt modelId="{585A5F50-A5E7-478B-9765-3D20E1F6A604}" type="sibTrans" cxnId="{CC09A8F5-9AB9-47DD-BAFA-BBCFD3FFB728}">
+      <dgm:prSet/>
+      <dgm:spPr/>
+      <dgm:t>
+        <a:bodyPr/>
+        <a:lstStyle/>
+        <a:p>
+          <a:endParaRPr lang="en-US"/>
+        </a:p>
+      </dgm:t>
+    </dgm:pt>
+    <dgm:pt modelId="{24113993-C8E8-44C4-98E6-91E6AE76660D}">
+      <dgm:prSet/>
+      <dgm:spPr/>
+      <dgm:t>
+        <a:bodyPr/>
+        <a:lstStyle/>
+        <a:p>
+          <a:endParaRPr lang="en-US" dirty="0"/>
+        </a:p>
+      </dgm:t>
+    </dgm:pt>
+    <dgm:pt modelId="{72FC9A02-AC7C-4B21-BA7E-B1D7F2C953EC}" type="parTrans" cxnId="{B57EDB28-CFE9-45EE-872D-24C5F0BF0E1F}">
+      <dgm:prSet/>
+      <dgm:spPr/>
+      <dgm:t>
+        <a:bodyPr/>
+        <a:lstStyle/>
+        <a:p>
+          <a:endParaRPr lang="en-US"/>
+        </a:p>
+      </dgm:t>
+    </dgm:pt>
+    <dgm:pt modelId="{7AC9E94D-8C9C-4723-90E6-E0A48594BB17}" type="sibTrans" cxnId="{B57EDB28-CFE9-45EE-872D-24C5F0BF0E1F}">
+      <dgm:prSet/>
+      <dgm:spPr/>
+      <dgm:t>
+        <a:bodyPr/>
+        <a:lstStyle/>
+        <a:p>
+          <a:endParaRPr lang="en-US"/>
+        </a:p>
+      </dgm:t>
+    </dgm:pt>
+    <dgm:pt modelId="{D35CF166-50F9-4475-8408-2EE8336AADD8}">
+      <dgm:prSet/>
+      <dgm:spPr/>
+      <dgm:t>
+        <a:bodyPr/>
+        <a:lstStyle/>
+        <a:p>
+          <a:r>
+            <a:rPr lang="de-DE" dirty="0" err="1"/>
+            <a:t>Step</a:t>
+          </a:r>
+          <a:r>
+            <a:rPr lang="de-DE" dirty="0"/>
+            <a:t> 3: Download Files </a:t>
+          </a:r>
+          <a:endParaRPr lang="en-US" dirty="0"/>
+        </a:p>
+      </dgm:t>
+    </dgm:pt>
+    <dgm:pt modelId="{AE26A511-9B5A-4488-9E6A-CA34D59ABDAD}" type="parTrans" cxnId="{B0735144-05EA-4BF7-AE34-DF265559C860}">
+      <dgm:prSet/>
+      <dgm:spPr/>
+      <dgm:t>
+        <a:bodyPr/>
+        <a:lstStyle/>
+        <a:p>
+          <a:endParaRPr lang="en-US"/>
+        </a:p>
+      </dgm:t>
+    </dgm:pt>
+    <dgm:pt modelId="{6A0F4E30-15E7-4DA9-B170-B0B153209C46}" type="sibTrans" cxnId="{B0735144-05EA-4BF7-AE34-DF265559C860}">
+      <dgm:prSet/>
+      <dgm:spPr/>
+      <dgm:t>
+        <a:bodyPr/>
+        <a:lstStyle/>
+        <a:p>
+          <a:endParaRPr lang="en-US"/>
+        </a:p>
+      </dgm:t>
+    </dgm:pt>
+    <dgm:pt modelId="{97A99D9F-B440-3342-89C3-44C631D1DEB3}" type="pres">
+      <dgm:prSet presAssocID="{89648A4A-5BEB-4D26-91FD-3D6F500C7C9C}" presName="linear" presStyleCnt="0">
+        <dgm:presLayoutVars>
+          <dgm:dir/>
+          <dgm:animLvl val="lvl"/>
+          <dgm:resizeHandles val="exact"/>
+        </dgm:presLayoutVars>
+      </dgm:prSet>
+      <dgm:spPr/>
+    </dgm:pt>
+    <dgm:pt modelId="{1FC64E41-BEE5-154D-86DB-575CE9665006}" type="pres">
+      <dgm:prSet presAssocID="{960302E1-0A92-4735-92B1-03E2DD299C8A}" presName="parentLin" presStyleCnt="0"/>
+      <dgm:spPr/>
+    </dgm:pt>
+    <dgm:pt modelId="{07BC5DA8-E66F-C441-A4DA-17D5DB9AD34D}" type="pres">
+      <dgm:prSet presAssocID="{960302E1-0A92-4735-92B1-03E2DD299C8A}" presName="parentLeftMargin" presStyleLbl="node1" presStyleIdx="0" presStyleCnt="3"/>
+      <dgm:spPr/>
+    </dgm:pt>
+    <dgm:pt modelId="{A5FB9F26-33AB-0742-9ED1-5DC6BB5A4B5D}" type="pres">
+      <dgm:prSet presAssocID="{960302E1-0A92-4735-92B1-03E2DD299C8A}" presName="parentText" presStyleLbl="node1" presStyleIdx="0" presStyleCnt="3">
+        <dgm:presLayoutVars>
+          <dgm:chMax val="0"/>
+          <dgm:bulletEnabled val="1"/>
+        </dgm:presLayoutVars>
+      </dgm:prSet>
+      <dgm:spPr/>
+    </dgm:pt>
+    <dgm:pt modelId="{D013FD4C-D745-9E40-9217-CE662EF5F858}" type="pres">
+      <dgm:prSet presAssocID="{960302E1-0A92-4735-92B1-03E2DD299C8A}" presName="negativeSpace" presStyleCnt="0"/>
+      <dgm:spPr/>
+    </dgm:pt>
+    <dgm:pt modelId="{ED043F0B-2E6F-DE44-BD23-D75239DDF723}" type="pres">
+      <dgm:prSet presAssocID="{960302E1-0A92-4735-92B1-03E2DD299C8A}" presName="childText" presStyleLbl="conFgAcc1" presStyleIdx="0" presStyleCnt="3">
+        <dgm:presLayoutVars>
+          <dgm:bulletEnabled val="1"/>
+        </dgm:presLayoutVars>
+      </dgm:prSet>
+      <dgm:spPr/>
+    </dgm:pt>
+    <dgm:pt modelId="{69C93AB3-9D84-A042-B93A-4C4182F213B0}" type="pres">
+      <dgm:prSet presAssocID="{2F4DB347-38E4-47FD-A094-231C40A0F8FD}" presName="spaceBetweenRectangles" presStyleCnt="0"/>
+      <dgm:spPr/>
+    </dgm:pt>
+    <dgm:pt modelId="{0820237D-6D73-D347-8FF0-C542C818DC5A}" type="pres">
+      <dgm:prSet presAssocID="{2F52C6D0-6049-4959-8B44-BA7E195A266E}" presName="parentLin" presStyleCnt="0"/>
+      <dgm:spPr/>
+    </dgm:pt>
+    <dgm:pt modelId="{78090A07-71A3-5244-8CCA-F821060A5B3D}" type="pres">
+      <dgm:prSet presAssocID="{2F52C6D0-6049-4959-8B44-BA7E195A266E}" presName="parentLeftMargin" presStyleLbl="node1" presStyleIdx="0" presStyleCnt="3"/>
+      <dgm:spPr/>
+    </dgm:pt>
+    <dgm:pt modelId="{5788394E-E702-364B-BDF9-AD0FD66A2969}" type="pres">
+      <dgm:prSet presAssocID="{2F52C6D0-6049-4959-8B44-BA7E195A266E}" presName="parentText" presStyleLbl="node1" presStyleIdx="1" presStyleCnt="3">
+        <dgm:presLayoutVars>
+          <dgm:chMax val="0"/>
+          <dgm:bulletEnabled val="1"/>
+        </dgm:presLayoutVars>
+      </dgm:prSet>
+      <dgm:spPr/>
+    </dgm:pt>
+    <dgm:pt modelId="{E99C65AA-9003-3A42-9435-EC265A460E8D}" type="pres">
+      <dgm:prSet presAssocID="{2F52C6D0-6049-4959-8B44-BA7E195A266E}" presName="negativeSpace" presStyleCnt="0"/>
+      <dgm:spPr/>
+    </dgm:pt>
+    <dgm:pt modelId="{BB65198B-0347-E94A-AD5C-A71AD34D4CB8}" type="pres">
+      <dgm:prSet presAssocID="{2F52C6D0-6049-4959-8B44-BA7E195A266E}" presName="childText" presStyleLbl="conFgAcc1" presStyleIdx="1" presStyleCnt="3">
+        <dgm:presLayoutVars>
+          <dgm:bulletEnabled val="1"/>
+        </dgm:presLayoutVars>
+      </dgm:prSet>
+      <dgm:spPr/>
+    </dgm:pt>
+    <dgm:pt modelId="{8278CDB5-998D-3B4B-AB42-E04A9BEE7D42}" type="pres">
+      <dgm:prSet presAssocID="{585A5F50-A5E7-478B-9765-3D20E1F6A604}" presName="spaceBetweenRectangles" presStyleCnt="0"/>
+      <dgm:spPr/>
+    </dgm:pt>
+    <dgm:pt modelId="{C3882FD2-681D-AC45-ABFF-B33D2FC43492}" type="pres">
+      <dgm:prSet presAssocID="{D35CF166-50F9-4475-8408-2EE8336AADD8}" presName="parentLin" presStyleCnt="0"/>
+      <dgm:spPr/>
+    </dgm:pt>
+    <dgm:pt modelId="{BEB453AF-9E75-D64A-AC12-BD940021CF26}" type="pres">
+      <dgm:prSet presAssocID="{D35CF166-50F9-4475-8408-2EE8336AADD8}" presName="parentLeftMargin" presStyleLbl="node1" presStyleIdx="1" presStyleCnt="3"/>
+      <dgm:spPr/>
+    </dgm:pt>
+    <dgm:pt modelId="{6D748164-6EDB-6949-9383-3607081CC11E}" type="pres">
+      <dgm:prSet presAssocID="{D35CF166-50F9-4475-8408-2EE8336AADD8}" presName="parentText" presStyleLbl="node1" presStyleIdx="2" presStyleCnt="3">
+        <dgm:presLayoutVars>
+          <dgm:chMax val="0"/>
+          <dgm:bulletEnabled val="1"/>
+        </dgm:presLayoutVars>
+      </dgm:prSet>
+      <dgm:spPr/>
+    </dgm:pt>
+    <dgm:pt modelId="{41556FC5-46A6-5241-868B-E1C8AD55727A}" type="pres">
+      <dgm:prSet presAssocID="{D35CF166-50F9-4475-8408-2EE8336AADD8}" presName="negativeSpace" presStyleCnt="0"/>
+      <dgm:spPr/>
+    </dgm:pt>
+    <dgm:pt modelId="{BE644549-B27F-9F45-BCCD-063019CCFE5A}" type="pres">
+      <dgm:prSet presAssocID="{D35CF166-50F9-4475-8408-2EE8336AADD8}" presName="childText" presStyleLbl="conFgAcc1" presStyleIdx="2" presStyleCnt="3">
+        <dgm:presLayoutVars>
+          <dgm:bulletEnabled val="1"/>
+        </dgm:presLayoutVars>
+      </dgm:prSet>
+      <dgm:spPr/>
+    </dgm:pt>
+  </dgm:ptLst>
+  <dgm:cxnLst>
+    <dgm:cxn modelId="{11214700-EE49-8540-BED7-AAFB883D9EA4}" type="presOf" srcId="{D35CF166-50F9-4475-8408-2EE8336AADD8}" destId="{6D748164-6EDB-6949-9383-3607081CC11E}" srcOrd="1" destOrd="0" presId="urn:microsoft.com/office/officeart/2005/8/layout/list1"/>
+    <dgm:cxn modelId="{95963325-C16E-5D46-876D-BC706757EA85}" type="presOf" srcId="{960302E1-0A92-4735-92B1-03E2DD299C8A}" destId="{07BC5DA8-E66F-C441-A4DA-17D5DB9AD34D}" srcOrd="0" destOrd="0" presId="urn:microsoft.com/office/officeart/2005/8/layout/list1"/>
+    <dgm:cxn modelId="{B57EDB28-CFE9-45EE-872D-24C5F0BF0E1F}" srcId="{2F52C6D0-6049-4959-8B44-BA7E195A266E}" destId="{24113993-C8E8-44C4-98E6-91E6AE76660D}" srcOrd="0" destOrd="0" parTransId="{72FC9A02-AC7C-4B21-BA7E-B1D7F2C953EC}" sibTransId="{7AC9E94D-8C9C-4723-90E6-E0A48594BB17}"/>
+    <dgm:cxn modelId="{B0735144-05EA-4BF7-AE34-DF265559C860}" srcId="{89648A4A-5BEB-4D26-91FD-3D6F500C7C9C}" destId="{D35CF166-50F9-4475-8408-2EE8336AADD8}" srcOrd="2" destOrd="0" parTransId="{AE26A511-9B5A-4488-9E6A-CA34D59ABDAD}" sibTransId="{6A0F4E30-15E7-4DA9-B170-B0B153209C46}"/>
+    <dgm:cxn modelId="{A80EA858-C29F-0D47-A20D-E8983D50BC49}" type="presOf" srcId="{960302E1-0A92-4735-92B1-03E2DD299C8A}" destId="{A5FB9F26-33AB-0742-9ED1-5DC6BB5A4B5D}" srcOrd="1" destOrd="0" presId="urn:microsoft.com/office/officeart/2005/8/layout/list1"/>
+    <dgm:cxn modelId="{698AD57E-6D0B-4941-902C-FC159D5D8A14}" type="presOf" srcId="{24113993-C8E8-44C4-98E6-91E6AE76660D}" destId="{BB65198B-0347-E94A-AD5C-A71AD34D4CB8}" srcOrd="0" destOrd="0" presId="urn:microsoft.com/office/officeart/2005/8/layout/list1"/>
+    <dgm:cxn modelId="{87B90380-CB99-8943-A837-9182072F1AA4}" type="presOf" srcId="{89648A4A-5BEB-4D26-91FD-3D6F500C7C9C}" destId="{97A99D9F-B440-3342-89C3-44C631D1DEB3}" srcOrd="0" destOrd="0" presId="urn:microsoft.com/office/officeart/2005/8/layout/list1"/>
+    <dgm:cxn modelId="{BAD492A4-B03E-4D41-8395-53D0F5B6A131}" srcId="{89648A4A-5BEB-4D26-91FD-3D6F500C7C9C}" destId="{960302E1-0A92-4735-92B1-03E2DD299C8A}" srcOrd="0" destOrd="0" parTransId="{81C2CE8F-A39B-4C12-B0CD-392C51B1031B}" sibTransId="{2F4DB347-38E4-47FD-A094-231C40A0F8FD}"/>
+    <dgm:cxn modelId="{EE0107AA-6FAC-B442-ADD6-843126B8223B}" type="presOf" srcId="{2F52C6D0-6049-4959-8B44-BA7E195A266E}" destId="{78090A07-71A3-5244-8CCA-F821060A5B3D}" srcOrd="0" destOrd="0" presId="urn:microsoft.com/office/officeart/2005/8/layout/list1"/>
+    <dgm:cxn modelId="{104049D6-7C3C-914A-8BF8-C9CDBD0E4A73}" type="presOf" srcId="{D35CF166-50F9-4475-8408-2EE8336AADD8}" destId="{BEB453AF-9E75-D64A-AC12-BD940021CF26}" srcOrd="0" destOrd="0" presId="urn:microsoft.com/office/officeart/2005/8/layout/list1"/>
+    <dgm:cxn modelId="{C45428F4-0955-BA49-AF50-1EAB2094C74C}" type="presOf" srcId="{2F52C6D0-6049-4959-8B44-BA7E195A266E}" destId="{5788394E-E702-364B-BDF9-AD0FD66A2969}" srcOrd="1" destOrd="0" presId="urn:microsoft.com/office/officeart/2005/8/layout/list1"/>
+    <dgm:cxn modelId="{CC09A8F5-9AB9-47DD-BAFA-BBCFD3FFB728}" srcId="{89648A4A-5BEB-4D26-91FD-3D6F500C7C9C}" destId="{2F52C6D0-6049-4959-8B44-BA7E195A266E}" srcOrd="1" destOrd="0" parTransId="{57C02445-A86D-41C9-8ED5-928CC960917F}" sibTransId="{585A5F50-A5E7-478B-9765-3D20E1F6A604}"/>
+    <dgm:cxn modelId="{8ACAD837-CACF-824E-A092-E6D745AF56B2}" type="presParOf" srcId="{97A99D9F-B440-3342-89C3-44C631D1DEB3}" destId="{1FC64E41-BEE5-154D-86DB-575CE9665006}" srcOrd="0" destOrd="0" presId="urn:microsoft.com/office/officeart/2005/8/layout/list1"/>
+    <dgm:cxn modelId="{CC332FF0-076F-6946-A0A0-EF5D5375D351}" type="presParOf" srcId="{1FC64E41-BEE5-154D-86DB-575CE9665006}" destId="{07BC5DA8-E66F-C441-A4DA-17D5DB9AD34D}" srcOrd="0" destOrd="0" presId="urn:microsoft.com/office/officeart/2005/8/layout/list1"/>
+    <dgm:cxn modelId="{847007DE-21DE-544F-A0F8-5F9A94884A82}" type="presParOf" srcId="{1FC64E41-BEE5-154D-86DB-575CE9665006}" destId="{A5FB9F26-33AB-0742-9ED1-5DC6BB5A4B5D}" srcOrd="1" destOrd="0" presId="urn:microsoft.com/office/officeart/2005/8/layout/list1"/>
+    <dgm:cxn modelId="{BCE37AE2-FF9C-F646-8500-6E088682C9BD}" type="presParOf" srcId="{97A99D9F-B440-3342-89C3-44C631D1DEB3}" destId="{D013FD4C-D745-9E40-9217-CE662EF5F858}" srcOrd="1" destOrd="0" presId="urn:microsoft.com/office/officeart/2005/8/layout/list1"/>
+    <dgm:cxn modelId="{B16F9BCA-41BE-6B47-99D2-1195E229CDE9}" type="presParOf" srcId="{97A99D9F-B440-3342-89C3-44C631D1DEB3}" destId="{ED043F0B-2E6F-DE44-BD23-D75239DDF723}" srcOrd="2" destOrd="0" presId="urn:microsoft.com/office/officeart/2005/8/layout/list1"/>
+    <dgm:cxn modelId="{656C287E-BEFA-584E-96F8-5125F92E1FDA}" type="presParOf" srcId="{97A99D9F-B440-3342-89C3-44C631D1DEB3}" destId="{69C93AB3-9D84-A042-B93A-4C4182F213B0}" srcOrd="3" destOrd="0" presId="urn:microsoft.com/office/officeart/2005/8/layout/list1"/>
+    <dgm:cxn modelId="{0FB0FF71-89D5-5543-A7B7-892BCD047606}" type="presParOf" srcId="{97A99D9F-B440-3342-89C3-44C631D1DEB3}" destId="{0820237D-6D73-D347-8FF0-C542C818DC5A}" srcOrd="4" destOrd="0" presId="urn:microsoft.com/office/officeart/2005/8/layout/list1"/>
+    <dgm:cxn modelId="{E73D6F29-640D-F04D-A728-596DF22F3B94}" type="presParOf" srcId="{0820237D-6D73-D347-8FF0-C542C818DC5A}" destId="{78090A07-71A3-5244-8CCA-F821060A5B3D}" srcOrd="0" destOrd="0" presId="urn:microsoft.com/office/officeart/2005/8/layout/list1"/>
+    <dgm:cxn modelId="{C30BDACE-BEB3-9140-AE6B-0908EDA06C68}" type="presParOf" srcId="{0820237D-6D73-D347-8FF0-C542C818DC5A}" destId="{5788394E-E702-364B-BDF9-AD0FD66A2969}" srcOrd="1" destOrd="0" presId="urn:microsoft.com/office/officeart/2005/8/layout/list1"/>
+    <dgm:cxn modelId="{5E1A1D68-91F4-1641-947E-007C5DE7ADBF}" type="presParOf" srcId="{97A99D9F-B440-3342-89C3-44C631D1DEB3}" destId="{E99C65AA-9003-3A42-9435-EC265A460E8D}" srcOrd="5" destOrd="0" presId="urn:microsoft.com/office/officeart/2005/8/layout/list1"/>
+    <dgm:cxn modelId="{C3E2E51F-D791-9E45-AB39-B03A37DEE9A7}" type="presParOf" srcId="{97A99D9F-B440-3342-89C3-44C631D1DEB3}" destId="{BB65198B-0347-E94A-AD5C-A71AD34D4CB8}" srcOrd="6" destOrd="0" presId="urn:microsoft.com/office/officeart/2005/8/layout/list1"/>
+    <dgm:cxn modelId="{0070729D-D5CD-4E47-A4D9-52B9711441F3}" type="presParOf" srcId="{97A99D9F-B440-3342-89C3-44C631D1DEB3}" destId="{8278CDB5-998D-3B4B-AB42-E04A9BEE7D42}" srcOrd="7" destOrd="0" presId="urn:microsoft.com/office/officeart/2005/8/layout/list1"/>
+    <dgm:cxn modelId="{025040F7-5F8F-AC41-9904-4C4217848FBD}" type="presParOf" srcId="{97A99D9F-B440-3342-89C3-44C631D1DEB3}" destId="{C3882FD2-681D-AC45-ABFF-B33D2FC43492}" srcOrd="8" destOrd="0" presId="urn:microsoft.com/office/officeart/2005/8/layout/list1"/>
+    <dgm:cxn modelId="{F42C4A73-E9C1-6246-A3C6-54DC392C68C3}" type="presParOf" srcId="{C3882FD2-681D-AC45-ABFF-B33D2FC43492}" destId="{BEB453AF-9E75-D64A-AC12-BD940021CF26}" srcOrd="0" destOrd="0" presId="urn:microsoft.com/office/officeart/2005/8/layout/list1"/>
+    <dgm:cxn modelId="{9A1D7927-9218-7243-8BEE-A48B671A7C8B}" type="presParOf" srcId="{C3882FD2-681D-AC45-ABFF-B33D2FC43492}" destId="{6D748164-6EDB-6949-9383-3607081CC11E}" srcOrd="1" destOrd="0" presId="urn:microsoft.com/office/officeart/2005/8/layout/list1"/>
+    <dgm:cxn modelId="{C4AE9D44-ADD6-744F-B88E-8E16F058401F}" type="presParOf" srcId="{97A99D9F-B440-3342-89C3-44C631D1DEB3}" destId="{41556FC5-46A6-5241-868B-E1C8AD55727A}" srcOrd="9" destOrd="0" presId="urn:microsoft.com/office/officeart/2005/8/layout/list1"/>
+    <dgm:cxn modelId="{091EB349-6D64-CC4E-A61B-0E5FF530EA42}" type="presParOf" srcId="{97A99D9F-B440-3342-89C3-44C631D1DEB3}" destId="{BE644549-B27F-9F45-BCCD-063019CCFE5A}" srcOrd="10" destOrd="0" presId="urn:microsoft.com/office/officeart/2005/8/layout/list1"/>
+  </dgm:cxnLst>
+  <dgm:bg/>
+  <dgm:whole/>
+  <dgm:extLst>
+    <a:ext uri="http://schemas.microsoft.com/office/drawing/2008/diagram">
+      <dsp:dataModelExt xmlns:dsp="http://schemas.microsoft.com/office/drawing/2008/diagram" relId="rId6" minVer="http://schemas.openxmlformats.org/drawingml/2006/diagram"/>
+    </a:ext>
+  </dgm:extLst>
+</dgm:dataModel>
+</file>
+
+<file path=ppt/diagrams/data2.xml><?xml version="1.0" encoding="utf-8"?>
+<dgm:dataModel xmlns:dgm="http://schemas.openxmlformats.org/drawingml/2006/diagram" xmlns:a="http://schemas.openxmlformats.org/drawingml/2006/main">
+  <dgm:ptLst>
+    <dgm:pt modelId="{89648A4A-5BEB-4D26-91FD-3D6F500C7C9C}" type="doc">
+      <dgm:prSet loTypeId="urn:microsoft.com/office/officeart/2005/8/layout/list1" loCatId="list" qsTypeId="urn:microsoft.com/office/officeart/2005/8/quickstyle/simple1" qsCatId="simple" csTypeId="urn:microsoft.com/office/officeart/2005/8/colors/accent1_2" csCatId="accent1" phldr="1"/>
+      <dgm:spPr/>
+      <dgm:t>
+        <a:bodyPr/>
+        <a:lstStyle/>
+        <a:p>
+          <a:endParaRPr lang="en-US"/>
+        </a:p>
+      </dgm:t>
+    </dgm:pt>
+    <dgm:pt modelId="{960302E1-0A92-4735-92B1-03E2DD299C8A}">
+      <dgm:prSet/>
+      <dgm:spPr/>
+      <dgm:t>
+        <a:bodyPr/>
+        <a:lstStyle/>
+        <a:p>
+          <a:r>
+            <a:rPr lang="de-DE" dirty="0" err="1"/>
+            <a:t>Step</a:t>
+          </a:r>
+          <a:r>
+            <a:rPr lang="de-DE" dirty="0"/>
+            <a:t> 1: Download and </a:t>
+          </a:r>
+          <a:r>
+            <a:rPr lang="de-DE" dirty="0" err="1"/>
+            <a:t>Preprocess</a:t>
+          </a:r>
+          <a:endParaRPr lang="en-US" dirty="0"/>
+        </a:p>
+      </dgm:t>
+    </dgm:pt>
+    <dgm:pt modelId="{81C2CE8F-A39B-4C12-B0CD-392C51B1031B}" type="parTrans" cxnId="{BAD492A4-B03E-4D41-8395-53D0F5B6A131}">
+      <dgm:prSet/>
+      <dgm:spPr/>
+      <dgm:t>
+        <a:bodyPr/>
+        <a:lstStyle/>
+        <a:p>
+          <a:endParaRPr lang="en-US"/>
+        </a:p>
+      </dgm:t>
+    </dgm:pt>
+    <dgm:pt modelId="{2F4DB347-38E4-47FD-A094-231C40A0F8FD}" type="sibTrans" cxnId="{BAD492A4-B03E-4D41-8395-53D0F5B6A131}">
+      <dgm:prSet/>
+      <dgm:spPr/>
+      <dgm:t>
+        <a:bodyPr/>
+        <a:lstStyle/>
+        <a:p>
+          <a:endParaRPr lang="en-US"/>
+        </a:p>
+      </dgm:t>
+    </dgm:pt>
+    <dgm:pt modelId="{2F52C6D0-6049-4959-8B44-BA7E195A266E}">
+      <dgm:prSet/>
+      <dgm:spPr/>
+      <dgm:t>
+        <a:bodyPr/>
+        <a:lstStyle/>
+        <a:p>
+          <a:r>
+            <a:rPr lang="de-DE" dirty="0" err="1"/>
+            <a:t>Step</a:t>
+          </a:r>
+          <a:r>
+            <a:rPr lang="de-DE" dirty="0"/>
+            <a:t> 2: </a:t>
+          </a:r>
+          <a:r>
+            <a:rPr lang="de-DE" dirty="0" err="1"/>
+            <a:t>Get</a:t>
+          </a:r>
+          <a:r>
+            <a:rPr lang="de-DE" dirty="0"/>
+            <a:t> Drug-Gene-Interactions</a:t>
+          </a:r>
+          <a:endParaRPr lang="en-US" dirty="0"/>
+        </a:p>
+      </dgm:t>
+    </dgm:pt>
+    <dgm:pt modelId="{57C02445-A86D-41C9-8ED5-928CC960917F}" type="parTrans" cxnId="{CC09A8F5-9AB9-47DD-BAFA-BBCFD3FFB728}">
+      <dgm:prSet/>
+      <dgm:spPr/>
+      <dgm:t>
+        <a:bodyPr/>
+        <a:lstStyle/>
+        <a:p>
+          <a:endParaRPr lang="en-US"/>
+        </a:p>
+      </dgm:t>
+    </dgm:pt>
+    <dgm:pt modelId="{585A5F50-A5E7-478B-9765-3D20E1F6A604}" type="sibTrans" cxnId="{CC09A8F5-9AB9-47DD-BAFA-BBCFD3FFB728}">
+      <dgm:prSet/>
+      <dgm:spPr/>
+      <dgm:t>
+        <a:bodyPr/>
+        <a:lstStyle/>
+        <a:p>
+          <a:endParaRPr lang="en-US"/>
+        </a:p>
+      </dgm:t>
+    </dgm:pt>
+    <dgm:pt modelId="{24113993-C8E8-44C4-98E6-91E6AE76660D}">
+      <dgm:prSet/>
+      <dgm:spPr/>
+      <dgm:t>
+        <a:bodyPr/>
+        <a:lstStyle/>
+        <a:p>
+          <a:r>
+            <a:rPr lang="en-US" dirty="0"/>
+            <a:t>DGIDB</a:t>
+          </a:r>
+        </a:p>
+      </dgm:t>
+    </dgm:pt>
+    <dgm:pt modelId="{72FC9A02-AC7C-4B21-BA7E-B1D7F2C953EC}" type="parTrans" cxnId="{B57EDB28-CFE9-45EE-872D-24C5F0BF0E1F}">
+      <dgm:prSet/>
+      <dgm:spPr/>
+      <dgm:t>
+        <a:bodyPr/>
+        <a:lstStyle/>
+        <a:p>
+          <a:endParaRPr lang="en-US"/>
+        </a:p>
+      </dgm:t>
+    </dgm:pt>
+    <dgm:pt modelId="{7AC9E94D-8C9C-4723-90E6-E0A48594BB17}" type="sibTrans" cxnId="{B57EDB28-CFE9-45EE-872D-24C5F0BF0E1F}">
+      <dgm:prSet/>
+      <dgm:spPr/>
+      <dgm:t>
+        <a:bodyPr/>
+        <a:lstStyle/>
+        <a:p>
+          <a:endParaRPr lang="en-US"/>
+        </a:p>
+      </dgm:t>
+    </dgm:pt>
+    <dgm:pt modelId="{D35CF166-50F9-4475-8408-2EE8336AADD8}">
+      <dgm:prSet/>
+      <dgm:spPr/>
+      <dgm:t>
+        <a:bodyPr/>
+        <a:lstStyle/>
+        <a:p>
+          <a:r>
+            <a:rPr lang="de-DE" dirty="0" err="1"/>
+            <a:t>Step</a:t>
+          </a:r>
+          <a:r>
+            <a:rPr lang="de-DE" dirty="0"/>
+            <a:t> 3: </a:t>
+          </a:r>
+          <a:r>
+            <a:rPr lang="de-DE" dirty="0" err="1"/>
+            <a:t>Merge</a:t>
+          </a:r>
+          <a:r>
+            <a:rPr lang="de-DE" dirty="0"/>
+            <a:t> all </a:t>
+          </a:r>
+          <a:r>
+            <a:rPr lang="de-DE" dirty="0" err="1"/>
+            <a:t>databases</a:t>
+          </a:r>
+          <a:r>
+            <a:rPr lang="de-DE" dirty="0"/>
+            <a:t> </a:t>
+          </a:r>
+          <a:r>
+            <a:rPr lang="de-DE" dirty="0" err="1"/>
+            <a:t>together</a:t>
+          </a:r>
+          <a:r>
+            <a:rPr lang="de-DE" dirty="0"/>
+            <a:t> </a:t>
+          </a:r>
+          <a:endParaRPr lang="en-US" dirty="0"/>
+        </a:p>
+      </dgm:t>
+    </dgm:pt>
+    <dgm:pt modelId="{AE26A511-9B5A-4488-9E6A-CA34D59ABDAD}" type="parTrans" cxnId="{B0735144-05EA-4BF7-AE34-DF265559C860}">
+      <dgm:prSet/>
+      <dgm:spPr/>
+      <dgm:t>
+        <a:bodyPr/>
+        <a:lstStyle/>
+        <a:p>
+          <a:endParaRPr lang="en-US"/>
+        </a:p>
+      </dgm:t>
+    </dgm:pt>
+    <dgm:pt modelId="{6A0F4E30-15E7-4DA9-B170-B0B153209C46}" type="sibTrans" cxnId="{B0735144-05EA-4BF7-AE34-DF265559C860}">
+      <dgm:prSet/>
+      <dgm:spPr/>
+      <dgm:t>
+        <a:bodyPr/>
+        <a:lstStyle/>
+        <a:p>
+          <a:endParaRPr lang="en-US"/>
+        </a:p>
+      </dgm:t>
+    </dgm:pt>
+    <dgm:pt modelId="{2139765B-37DF-1543-8000-7BF09DE9913A}">
+      <dgm:prSet/>
+      <dgm:spPr/>
+      <dgm:t>
+        <a:bodyPr/>
+        <a:lstStyle/>
+        <a:p>
+          <a:r>
+            <a:rPr lang="en-US" dirty="0" err="1"/>
+            <a:t>ChEMBL</a:t>
+          </a:r>
+          <a:r>
+            <a:rPr lang="en-US" dirty="0"/>
+            <a:t> (with API)</a:t>
+          </a:r>
+        </a:p>
+      </dgm:t>
+    </dgm:pt>
+    <dgm:pt modelId="{5A04AE73-AE13-4C40-B905-8EF2E8B7A836}" type="parTrans" cxnId="{82114E52-637B-0447-8545-C2B007C1CC24}">
+      <dgm:prSet/>
+      <dgm:spPr/>
+      <dgm:t>
+        <a:bodyPr/>
+        <a:lstStyle/>
+        <a:p>
+          <a:endParaRPr lang="de-DE"/>
+        </a:p>
+      </dgm:t>
+    </dgm:pt>
+    <dgm:pt modelId="{D51F7668-1138-884B-8AB9-3CADD6B832F6}" type="sibTrans" cxnId="{82114E52-637B-0447-8545-C2B007C1CC24}">
+      <dgm:prSet/>
+      <dgm:spPr/>
+      <dgm:t>
+        <a:bodyPr/>
+        <a:lstStyle/>
+        <a:p>
+          <a:endParaRPr lang="de-DE"/>
+        </a:p>
+      </dgm:t>
+    </dgm:pt>
+    <dgm:pt modelId="{E3830B73-F46C-CA47-8F18-15006339E85E}">
+      <dgm:prSet/>
+      <dgm:spPr/>
+      <dgm:t>
+        <a:bodyPr/>
+        <a:lstStyle/>
+        <a:p>
+          <a:r>
+            <a:rPr lang="en-US" dirty="0" err="1"/>
+            <a:t>BioGrid</a:t>
+          </a:r>
+          <a:endParaRPr lang="en-US" dirty="0"/>
+        </a:p>
+      </dgm:t>
+    </dgm:pt>
+    <dgm:pt modelId="{4802F83F-D445-404C-BF67-2E616CED2A14}" type="parTrans" cxnId="{A537F812-BE49-F845-A968-9C82322A8090}">
+      <dgm:prSet/>
+      <dgm:spPr/>
+      <dgm:t>
+        <a:bodyPr/>
+        <a:lstStyle/>
+        <a:p>
+          <a:endParaRPr lang="de-DE"/>
+        </a:p>
+      </dgm:t>
+    </dgm:pt>
+    <dgm:pt modelId="{82F76875-5E5C-EE47-9A77-7E88B0116F64}" type="sibTrans" cxnId="{A537F812-BE49-F845-A968-9C82322A8090}">
+      <dgm:prSet/>
+      <dgm:spPr/>
+      <dgm:t>
+        <a:bodyPr/>
+        <a:lstStyle/>
+        <a:p>
+          <a:endParaRPr lang="de-DE"/>
+        </a:p>
+      </dgm:t>
+    </dgm:pt>
+    <dgm:pt modelId="{2E15C339-2240-B340-BC70-9FCDF541F298}">
+      <dgm:prSet/>
+      <dgm:spPr/>
+      <dgm:t>
+        <a:bodyPr/>
+        <a:lstStyle/>
+        <a:p>
+          <a:r>
+            <a:rPr lang="en-US" dirty="0" err="1"/>
+            <a:t>PharmaGKB</a:t>
+          </a:r>
+          <a:endParaRPr lang="en-US" dirty="0"/>
+        </a:p>
+      </dgm:t>
+    </dgm:pt>
+    <dgm:pt modelId="{B0463BD3-20CF-7342-9E6F-7BF00A4BE435}" type="parTrans" cxnId="{EE62515F-4CC5-464B-BE5E-72F7D23BAE3F}">
+      <dgm:prSet/>
+      <dgm:spPr/>
+      <dgm:t>
+        <a:bodyPr/>
+        <a:lstStyle/>
+        <a:p>
+          <a:endParaRPr lang="de-DE"/>
+        </a:p>
+      </dgm:t>
+    </dgm:pt>
+    <dgm:pt modelId="{E9E6576C-9C20-9E47-8BB8-5B5AAA58CB6F}" type="sibTrans" cxnId="{EE62515F-4CC5-464B-BE5E-72F7D23BAE3F}">
+      <dgm:prSet/>
+      <dgm:spPr/>
+      <dgm:t>
+        <a:bodyPr/>
+        <a:lstStyle/>
+        <a:p>
+          <a:endParaRPr lang="de-DE"/>
+        </a:p>
+      </dgm:t>
+    </dgm:pt>
+    <dgm:pt modelId="{76C19AB5-F061-364E-B1FA-DC6D730F2E68}">
+      <dgm:prSet/>
+      <dgm:spPr/>
+      <dgm:t>
+        <a:bodyPr/>
+        <a:lstStyle/>
+        <a:p>
+          <a:r>
+            <a:rPr lang="en-US" dirty="0"/>
+            <a:t>CTD</a:t>
+          </a:r>
+        </a:p>
+      </dgm:t>
+    </dgm:pt>
+    <dgm:pt modelId="{95E535D7-C372-024A-9C39-D19E9ED2B494}" type="parTrans" cxnId="{67DACC21-513B-AC43-9F22-3DB3659E1709}">
+      <dgm:prSet/>
+      <dgm:spPr/>
+      <dgm:t>
+        <a:bodyPr/>
+        <a:lstStyle/>
+        <a:p>
+          <a:endParaRPr lang="de-DE"/>
+        </a:p>
+      </dgm:t>
+    </dgm:pt>
+    <dgm:pt modelId="{046123C8-998A-534E-BEDA-A0CCEF097B58}" type="sibTrans" cxnId="{67DACC21-513B-AC43-9F22-3DB3659E1709}">
+      <dgm:prSet/>
+      <dgm:spPr/>
+      <dgm:t>
+        <a:bodyPr/>
+        <a:lstStyle/>
+        <a:p>
+          <a:endParaRPr lang="de-DE"/>
+        </a:p>
+      </dgm:t>
+    </dgm:pt>
+    <dgm:pt modelId="{711890B8-07B3-AE43-8604-E5B78547825D}">
+      <dgm:prSet/>
+      <dgm:spPr/>
+      <dgm:t>
+        <a:bodyPr/>
+        <a:lstStyle/>
+        <a:p>
+          <a:r>
+            <a:rPr lang="de-DE" dirty="0" err="1"/>
+            <a:t>Step</a:t>
+          </a:r>
+          <a:r>
+            <a:rPr lang="de-DE" dirty="0"/>
+            <a:t> 4: Analysis </a:t>
+          </a:r>
+          <a:r>
+            <a:rPr lang="de-DE" dirty="0" err="1"/>
+            <a:t>Step</a:t>
+          </a:r>
+          <a:endParaRPr lang="en-US" dirty="0"/>
+        </a:p>
+      </dgm:t>
+    </dgm:pt>
+    <dgm:pt modelId="{75313D31-32FB-3648-BE8F-7B77727781D5}" type="parTrans" cxnId="{0B41D82F-61E5-6046-AB3C-5BCD50DECC3A}">
+      <dgm:prSet/>
+      <dgm:spPr/>
+      <dgm:t>
+        <a:bodyPr/>
+        <a:lstStyle/>
+        <a:p>
+          <a:endParaRPr lang="de-DE"/>
+        </a:p>
+      </dgm:t>
+    </dgm:pt>
+    <dgm:pt modelId="{24F2D81D-D013-9C4A-A992-23A6E6D729D8}" type="sibTrans" cxnId="{0B41D82F-61E5-6046-AB3C-5BCD50DECC3A}">
+      <dgm:prSet/>
+      <dgm:spPr/>
+      <dgm:t>
+        <a:bodyPr/>
+        <a:lstStyle/>
+        <a:p>
+          <a:endParaRPr lang="de-DE"/>
+        </a:p>
+      </dgm:t>
+    </dgm:pt>
+    <dgm:pt modelId="{97A99D9F-B440-3342-89C3-44C631D1DEB3}" type="pres">
+      <dgm:prSet presAssocID="{89648A4A-5BEB-4D26-91FD-3D6F500C7C9C}" presName="linear" presStyleCnt="0">
+        <dgm:presLayoutVars>
+          <dgm:dir/>
+          <dgm:animLvl val="lvl"/>
+          <dgm:resizeHandles val="exact"/>
+        </dgm:presLayoutVars>
+      </dgm:prSet>
+      <dgm:spPr/>
+    </dgm:pt>
+    <dgm:pt modelId="{1FC64E41-BEE5-154D-86DB-575CE9665006}" type="pres">
+      <dgm:prSet presAssocID="{960302E1-0A92-4735-92B1-03E2DD299C8A}" presName="parentLin" presStyleCnt="0"/>
+      <dgm:spPr/>
+    </dgm:pt>
+    <dgm:pt modelId="{07BC5DA8-E66F-C441-A4DA-17D5DB9AD34D}" type="pres">
+      <dgm:prSet presAssocID="{960302E1-0A92-4735-92B1-03E2DD299C8A}" presName="parentLeftMargin" presStyleLbl="node1" presStyleIdx="0" presStyleCnt="4"/>
+      <dgm:spPr/>
+    </dgm:pt>
+    <dgm:pt modelId="{A5FB9F26-33AB-0742-9ED1-5DC6BB5A4B5D}" type="pres">
+      <dgm:prSet presAssocID="{960302E1-0A92-4735-92B1-03E2DD299C8A}" presName="parentText" presStyleLbl="node1" presStyleIdx="0" presStyleCnt="4">
+        <dgm:presLayoutVars>
+          <dgm:chMax val="0"/>
+          <dgm:bulletEnabled val="1"/>
+        </dgm:presLayoutVars>
+      </dgm:prSet>
+      <dgm:spPr/>
+    </dgm:pt>
+    <dgm:pt modelId="{D013FD4C-D745-9E40-9217-CE662EF5F858}" type="pres">
+      <dgm:prSet presAssocID="{960302E1-0A92-4735-92B1-03E2DD299C8A}" presName="negativeSpace" presStyleCnt="0"/>
+      <dgm:spPr/>
+    </dgm:pt>
+    <dgm:pt modelId="{ED043F0B-2E6F-DE44-BD23-D75239DDF723}" type="pres">
+      <dgm:prSet presAssocID="{960302E1-0A92-4735-92B1-03E2DD299C8A}" presName="childText" presStyleLbl="conFgAcc1" presStyleIdx="0" presStyleCnt="4">
+        <dgm:presLayoutVars>
+          <dgm:bulletEnabled val="1"/>
+        </dgm:presLayoutVars>
+      </dgm:prSet>
+      <dgm:spPr/>
+    </dgm:pt>
+    <dgm:pt modelId="{69C93AB3-9D84-A042-B93A-4C4182F213B0}" type="pres">
+      <dgm:prSet presAssocID="{2F4DB347-38E4-47FD-A094-231C40A0F8FD}" presName="spaceBetweenRectangles" presStyleCnt="0"/>
+      <dgm:spPr/>
+    </dgm:pt>
+    <dgm:pt modelId="{0820237D-6D73-D347-8FF0-C542C818DC5A}" type="pres">
+      <dgm:prSet presAssocID="{2F52C6D0-6049-4959-8B44-BA7E195A266E}" presName="parentLin" presStyleCnt="0"/>
+      <dgm:spPr/>
+    </dgm:pt>
+    <dgm:pt modelId="{78090A07-71A3-5244-8CCA-F821060A5B3D}" type="pres">
+      <dgm:prSet presAssocID="{2F52C6D0-6049-4959-8B44-BA7E195A266E}" presName="parentLeftMargin" presStyleLbl="node1" presStyleIdx="0" presStyleCnt="4"/>
+      <dgm:spPr/>
+    </dgm:pt>
+    <dgm:pt modelId="{5788394E-E702-364B-BDF9-AD0FD66A2969}" type="pres">
+      <dgm:prSet presAssocID="{2F52C6D0-6049-4959-8B44-BA7E195A266E}" presName="parentText" presStyleLbl="node1" presStyleIdx="1" presStyleCnt="4">
+        <dgm:presLayoutVars>
+          <dgm:chMax val="0"/>
+          <dgm:bulletEnabled val="1"/>
+        </dgm:presLayoutVars>
+      </dgm:prSet>
+      <dgm:spPr/>
+    </dgm:pt>
+    <dgm:pt modelId="{E99C65AA-9003-3A42-9435-EC265A460E8D}" type="pres">
+      <dgm:prSet presAssocID="{2F52C6D0-6049-4959-8B44-BA7E195A266E}" presName="negativeSpace" presStyleCnt="0"/>
+      <dgm:spPr/>
+    </dgm:pt>
+    <dgm:pt modelId="{BB65198B-0347-E94A-AD5C-A71AD34D4CB8}" type="pres">
+      <dgm:prSet presAssocID="{2F52C6D0-6049-4959-8B44-BA7E195A266E}" presName="childText" presStyleLbl="conFgAcc1" presStyleIdx="1" presStyleCnt="4">
+        <dgm:presLayoutVars>
+          <dgm:bulletEnabled val="1"/>
+        </dgm:presLayoutVars>
+      </dgm:prSet>
+      <dgm:spPr/>
+    </dgm:pt>
+    <dgm:pt modelId="{8278CDB5-998D-3B4B-AB42-E04A9BEE7D42}" type="pres">
+      <dgm:prSet presAssocID="{585A5F50-A5E7-478B-9765-3D20E1F6A604}" presName="spaceBetweenRectangles" presStyleCnt="0"/>
+      <dgm:spPr/>
+    </dgm:pt>
+    <dgm:pt modelId="{C3882FD2-681D-AC45-ABFF-B33D2FC43492}" type="pres">
+      <dgm:prSet presAssocID="{D35CF166-50F9-4475-8408-2EE8336AADD8}" presName="parentLin" presStyleCnt="0"/>
+      <dgm:spPr/>
+    </dgm:pt>
+    <dgm:pt modelId="{BEB453AF-9E75-D64A-AC12-BD940021CF26}" type="pres">
+      <dgm:prSet presAssocID="{D35CF166-50F9-4475-8408-2EE8336AADD8}" presName="parentLeftMargin" presStyleLbl="node1" presStyleIdx="1" presStyleCnt="4"/>
+      <dgm:spPr/>
+    </dgm:pt>
+    <dgm:pt modelId="{6D748164-6EDB-6949-9383-3607081CC11E}" type="pres">
+      <dgm:prSet presAssocID="{D35CF166-50F9-4475-8408-2EE8336AADD8}" presName="parentText" presStyleLbl="node1" presStyleIdx="2" presStyleCnt="4">
+        <dgm:presLayoutVars>
+          <dgm:chMax val="0"/>
+          <dgm:bulletEnabled val="1"/>
+        </dgm:presLayoutVars>
+      </dgm:prSet>
+      <dgm:spPr/>
+    </dgm:pt>
+    <dgm:pt modelId="{41556FC5-46A6-5241-868B-E1C8AD55727A}" type="pres">
+      <dgm:prSet presAssocID="{D35CF166-50F9-4475-8408-2EE8336AADD8}" presName="negativeSpace" presStyleCnt="0"/>
+      <dgm:spPr/>
+    </dgm:pt>
+    <dgm:pt modelId="{BE644549-B27F-9F45-BCCD-063019CCFE5A}" type="pres">
+      <dgm:prSet presAssocID="{D35CF166-50F9-4475-8408-2EE8336AADD8}" presName="childText" presStyleLbl="conFgAcc1" presStyleIdx="2" presStyleCnt="4">
+        <dgm:presLayoutVars>
+          <dgm:bulletEnabled val="1"/>
+        </dgm:presLayoutVars>
+      </dgm:prSet>
+      <dgm:spPr/>
+    </dgm:pt>
+    <dgm:pt modelId="{E2CD3620-5091-F941-909A-2FF51656901C}" type="pres">
+      <dgm:prSet presAssocID="{6A0F4E30-15E7-4DA9-B170-B0B153209C46}" presName="spaceBetweenRectangles" presStyleCnt="0"/>
+      <dgm:spPr/>
+    </dgm:pt>
+    <dgm:pt modelId="{37D83A22-6007-0E4F-903B-F3E96672B0FD}" type="pres">
+      <dgm:prSet presAssocID="{711890B8-07B3-AE43-8604-E5B78547825D}" presName="parentLin" presStyleCnt="0"/>
+      <dgm:spPr/>
+    </dgm:pt>
+    <dgm:pt modelId="{4988DCEF-5712-FF40-9B38-FD31FC1382E2}" type="pres">
+      <dgm:prSet presAssocID="{711890B8-07B3-AE43-8604-E5B78547825D}" presName="parentLeftMargin" presStyleLbl="node1" presStyleIdx="2" presStyleCnt="4"/>
+      <dgm:spPr/>
+    </dgm:pt>
+    <dgm:pt modelId="{005694D5-BC90-124A-9272-A26B6DFB5767}" type="pres">
+      <dgm:prSet presAssocID="{711890B8-07B3-AE43-8604-E5B78547825D}" presName="parentText" presStyleLbl="node1" presStyleIdx="3" presStyleCnt="4">
+        <dgm:presLayoutVars>
+          <dgm:chMax val="0"/>
+          <dgm:bulletEnabled val="1"/>
+        </dgm:presLayoutVars>
+      </dgm:prSet>
+      <dgm:spPr/>
+    </dgm:pt>
+    <dgm:pt modelId="{8D444A92-2247-B947-B79F-19E1FB93CA29}" type="pres">
+      <dgm:prSet presAssocID="{711890B8-07B3-AE43-8604-E5B78547825D}" presName="negativeSpace" presStyleCnt="0"/>
+      <dgm:spPr/>
+    </dgm:pt>
+    <dgm:pt modelId="{1E1AFB02-948A-984A-BC10-94A27412B029}" type="pres">
+      <dgm:prSet presAssocID="{711890B8-07B3-AE43-8604-E5B78547825D}" presName="childText" presStyleLbl="conFgAcc1" presStyleIdx="3" presStyleCnt="4">
+        <dgm:presLayoutVars>
+          <dgm:bulletEnabled val="1"/>
+        </dgm:presLayoutVars>
+      </dgm:prSet>
+      <dgm:spPr/>
+    </dgm:pt>
+  </dgm:ptLst>
+  <dgm:cxnLst>
+    <dgm:cxn modelId="{11214700-EE49-8540-BED7-AAFB883D9EA4}" type="presOf" srcId="{D35CF166-50F9-4475-8408-2EE8336AADD8}" destId="{6D748164-6EDB-6949-9383-3607081CC11E}" srcOrd="1" destOrd="0" presId="urn:microsoft.com/office/officeart/2005/8/layout/list1"/>
+    <dgm:cxn modelId="{A537F812-BE49-F845-A968-9C82322A8090}" srcId="{2F52C6D0-6049-4959-8B44-BA7E195A266E}" destId="{E3830B73-F46C-CA47-8F18-15006339E85E}" srcOrd="2" destOrd="0" parTransId="{4802F83F-D445-404C-BF67-2E616CED2A14}" sibTransId="{82F76875-5E5C-EE47-9A77-7E88B0116F64}"/>
+    <dgm:cxn modelId="{67DACC21-513B-AC43-9F22-3DB3659E1709}" srcId="{2F52C6D0-6049-4959-8B44-BA7E195A266E}" destId="{76C19AB5-F061-364E-B1FA-DC6D730F2E68}" srcOrd="4" destOrd="0" parTransId="{95E535D7-C372-024A-9C39-D19E9ED2B494}" sibTransId="{046123C8-998A-534E-BEDA-A0CCEF097B58}"/>
+    <dgm:cxn modelId="{95963325-C16E-5D46-876D-BC706757EA85}" type="presOf" srcId="{960302E1-0A92-4735-92B1-03E2DD299C8A}" destId="{07BC5DA8-E66F-C441-A4DA-17D5DB9AD34D}" srcOrd="0" destOrd="0" presId="urn:microsoft.com/office/officeart/2005/8/layout/list1"/>
+    <dgm:cxn modelId="{B57EDB28-CFE9-45EE-872D-24C5F0BF0E1F}" srcId="{2F52C6D0-6049-4959-8B44-BA7E195A266E}" destId="{24113993-C8E8-44C4-98E6-91E6AE76660D}" srcOrd="0" destOrd="0" parTransId="{72FC9A02-AC7C-4B21-BA7E-B1D7F2C953EC}" sibTransId="{7AC9E94D-8C9C-4723-90E6-E0A48594BB17}"/>
+    <dgm:cxn modelId="{0B41D82F-61E5-6046-AB3C-5BCD50DECC3A}" srcId="{89648A4A-5BEB-4D26-91FD-3D6F500C7C9C}" destId="{711890B8-07B3-AE43-8604-E5B78547825D}" srcOrd="3" destOrd="0" parTransId="{75313D31-32FB-3648-BE8F-7B77727781D5}" sibTransId="{24F2D81D-D013-9C4A-A992-23A6E6D729D8}"/>
+    <dgm:cxn modelId="{B0735144-05EA-4BF7-AE34-DF265559C860}" srcId="{89648A4A-5BEB-4D26-91FD-3D6F500C7C9C}" destId="{D35CF166-50F9-4475-8408-2EE8336AADD8}" srcOrd="2" destOrd="0" parTransId="{AE26A511-9B5A-4488-9E6A-CA34D59ABDAD}" sibTransId="{6A0F4E30-15E7-4DA9-B170-B0B153209C46}"/>
+    <dgm:cxn modelId="{F0986749-DFF3-3344-A12C-D273933B0AB7}" type="presOf" srcId="{2139765B-37DF-1543-8000-7BF09DE9913A}" destId="{BB65198B-0347-E94A-AD5C-A71AD34D4CB8}" srcOrd="0" destOrd="1" presId="urn:microsoft.com/office/officeart/2005/8/layout/list1"/>
+    <dgm:cxn modelId="{82114E52-637B-0447-8545-C2B007C1CC24}" srcId="{2F52C6D0-6049-4959-8B44-BA7E195A266E}" destId="{2139765B-37DF-1543-8000-7BF09DE9913A}" srcOrd="1" destOrd="0" parTransId="{5A04AE73-AE13-4C40-B905-8EF2E8B7A836}" sibTransId="{D51F7668-1138-884B-8AB9-3CADD6B832F6}"/>
+    <dgm:cxn modelId="{A80EA858-C29F-0D47-A20D-E8983D50BC49}" type="presOf" srcId="{960302E1-0A92-4735-92B1-03E2DD299C8A}" destId="{A5FB9F26-33AB-0742-9ED1-5DC6BB5A4B5D}" srcOrd="1" destOrd="0" presId="urn:microsoft.com/office/officeart/2005/8/layout/list1"/>
+    <dgm:cxn modelId="{EE62515F-4CC5-464B-BE5E-72F7D23BAE3F}" srcId="{2F52C6D0-6049-4959-8B44-BA7E195A266E}" destId="{2E15C339-2240-B340-BC70-9FCDF541F298}" srcOrd="3" destOrd="0" parTransId="{B0463BD3-20CF-7342-9E6F-7BF00A4BE435}" sibTransId="{E9E6576C-9C20-9E47-8BB8-5B5AAA58CB6F}"/>
+    <dgm:cxn modelId="{9D865264-853C-F04F-9DE3-435FB3AC6F92}" type="presOf" srcId="{2E15C339-2240-B340-BC70-9FCDF541F298}" destId="{BB65198B-0347-E94A-AD5C-A71AD34D4CB8}" srcOrd="0" destOrd="3" presId="urn:microsoft.com/office/officeart/2005/8/layout/list1"/>
+    <dgm:cxn modelId="{698AD57E-6D0B-4941-902C-FC159D5D8A14}" type="presOf" srcId="{24113993-C8E8-44C4-98E6-91E6AE76660D}" destId="{BB65198B-0347-E94A-AD5C-A71AD34D4CB8}" srcOrd="0" destOrd="0" presId="urn:microsoft.com/office/officeart/2005/8/layout/list1"/>
+    <dgm:cxn modelId="{87B90380-CB99-8943-A837-9182072F1AA4}" type="presOf" srcId="{89648A4A-5BEB-4D26-91FD-3D6F500C7C9C}" destId="{97A99D9F-B440-3342-89C3-44C631D1DEB3}" srcOrd="0" destOrd="0" presId="urn:microsoft.com/office/officeart/2005/8/layout/list1"/>
+    <dgm:cxn modelId="{BAD492A4-B03E-4D41-8395-53D0F5B6A131}" srcId="{89648A4A-5BEB-4D26-91FD-3D6F500C7C9C}" destId="{960302E1-0A92-4735-92B1-03E2DD299C8A}" srcOrd="0" destOrd="0" parTransId="{81C2CE8F-A39B-4C12-B0CD-392C51B1031B}" sibTransId="{2F4DB347-38E4-47FD-A094-231C40A0F8FD}"/>
+    <dgm:cxn modelId="{04BDEAA8-11C7-B242-97C2-E50F80CDC632}" type="presOf" srcId="{E3830B73-F46C-CA47-8F18-15006339E85E}" destId="{BB65198B-0347-E94A-AD5C-A71AD34D4CB8}" srcOrd="0" destOrd="2" presId="urn:microsoft.com/office/officeart/2005/8/layout/list1"/>
+    <dgm:cxn modelId="{EE0107AA-6FAC-B442-ADD6-843126B8223B}" type="presOf" srcId="{2F52C6D0-6049-4959-8B44-BA7E195A266E}" destId="{78090A07-71A3-5244-8CCA-F821060A5B3D}" srcOrd="0" destOrd="0" presId="urn:microsoft.com/office/officeart/2005/8/layout/list1"/>
+    <dgm:cxn modelId="{C165BCCB-59E5-5546-A35A-0F52D584E648}" type="presOf" srcId="{711890B8-07B3-AE43-8604-E5B78547825D}" destId="{005694D5-BC90-124A-9272-A26B6DFB5767}" srcOrd="1" destOrd="0" presId="urn:microsoft.com/office/officeart/2005/8/layout/list1"/>
+    <dgm:cxn modelId="{B20B34D6-1BCB-284C-9F0B-E8FC03CED597}" type="presOf" srcId="{711890B8-07B3-AE43-8604-E5B78547825D}" destId="{4988DCEF-5712-FF40-9B38-FD31FC1382E2}" srcOrd="0" destOrd="0" presId="urn:microsoft.com/office/officeart/2005/8/layout/list1"/>
+    <dgm:cxn modelId="{104049D6-7C3C-914A-8BF8-C9CDBD0E4A73}" type="presOf" srcId="{D35CF166-50F9-4475-8408-2EE8336AADD8}" destId="{BEB453AF-9E75-D64A-AC12-BD940021CF26}" srcOrd="0" destOrd="0" presId="urn:microsoft.com/office/officeart/2005/8/layout/list1"/>
+    <dgm:cxn modelId="{C45428F4-0955-BA49-AF50-1EAB2094C74C}" type="presOf" srcId="{2F52C6D0-6049-4959-8B44-BA7E195A266E}" destId="{5788394E-E702-364B-BDF9-AD0FD66A2969}" srcOrd="1" destOrd="0" presId="urn:microsoft.com/office/officeart/2005/8/layout/list1"/>
+    <dgm:cxn modelId="{CC09A8F5-9AB9-47DD-BAFA-BBCFD3FFB728}" srcId="{89648A4A-5BEB-4D26-91FD-3D6F500C7C9C}" destId="{2F52C6D0-6049-4959-8B44-BA7E195A266E}" srcOrd="1" destOrd="0" parTransId="{57C02445-A86D-41C9-8ED5-928CC960917F}" sibTransId="{585A5F50-A5E7-478B-9765-3D20E1F6A604}"/>
+    <dgm:cxn modelId="{A07EF3FE-2F1D-1249-9805-51A0E1ACAF40}" type="presOf" srcId="{76C19AB5-F061-364E-B1FA-DC6D730F2E68}" destId="{BB65198B-0347-E94A-AD5C-A71AD34D4CB8}" srcOrd="0" destOrd="4" presId="urn:microsoft.com/office/officeart/2005/8/layout/list1"/>
+    <dgm:cxn modelId="{8ACAD837-CACF-824E-A092-E6D745AF56B2}" type="presParOf" srcId="{97A99D9F-B440-3342-89C3-44C631D1DEB3}" destId="{1FC64E41-BEE5-154D-86DB-575CE9665006}" srcOrd="0" destOrd="0" presId="urn:microsoft.com/office/officeart/2005/8/layout/list1"/>
+    <dgm:cxn modelId="{CC332FF0-076F-6946-A0A0-EF5D5375D351}" type="presParOf" srcId="{1FC64E41-BEE5-154D-86DB-575CE9665006}" destId="{07BC5DA8-E66F-C441-A4DA-17D5DB9AD34D}" srcOrd="0" destOrd="0" presId="urn:microsoft.com/office/officeart/2005/8/layout/list1"/>
+    <dgm:cxn modelId="{847007DE-21DE-544F-A0F8-5F9A94884A82}" type="presParOf" srcId="{1FC64E41-BEE5-154D-86DB-575CE9665006}" destId="{A5FB9F26-33AB-0742-9ED1-5DC6BB5A4B5D}" srcOrd="1" destOrd="0" presId="urn:microsoft.com/office/officeart/2005/8/layout/list1"/>
+    <dgm:cxn modelId="{BCE37AE2-FF9C-F646-8500-6E088682C9BD}" type="presParOf" srcId="{97A99D9F-B440-3342-89C3-44C631D1DEB3}" destId="{D013FD4C-D745-9E40-9217-CE662EF5F858}" srcOrd="1" destOrd="0" presId="urn:microsoft.com/office/officeart/2005/8/layout/list1"/>
+    <dgm:cxn modelId="{B16F9BCA-41BE-6B47-99D2-1195E229CDE9}" type="presParOf" srcId="{97A99D9F-B440-3342-89C3-44C631D1DEB3}" destId="{ED043F0B-2E6F-DE44-BD23-D75239DDF723}" srcOrd="2" destOrd="0" presId="urn:microsoft.com/office/officeart/2005/8/layout/list1"/>
+    <dgm:cxn modelId="{656C287E-BEFA-584E-96F8-5125F92E1FDA}" type="presParOf" srcId="{97A99D9F-B440-3342-89C3-44C631D1DEB3}" destId="{69C93AB3-9D84-A042-B93A-4C4182F213B0}" srcOrd="3" destOrd="0" presId="urn:microsoft.com/office/officeart/2005/8/layout/list1"/>
+    <dgm:cxn modelId="{0FB0FF71-89D5-5543-A7B7-892BCD047606}" type="presParOf" srcId="{97A99D9F-B440-3342-89C3-44C631D1DEB3}" destId="{0820237D-6D73-D347-8FF0-C542C818DC5A}" srcOrd="4" destOrd="0" presId="urn:microsoft.com/office/officeart/2005/8/layout/list1"/>
+    <dgm:cxn modelId="{E73D6F29-640D-F04D-A728-596DF22F3B94}" type="presParOf" srcId="{0820237D-6D73-D347-8FF0-C542C818DC5A}" destId="{78090A07-71A3-5244-8CCA-F821060A5B3D}" srcOrd="0" destOrd="0" presId="urn:microsoft.com/office/officeart/2005/8/layout/list1"/>
+    <dgm:cxn modelId="{C30BDACE-BEB3-9140-AE6B-0908EDA06C68}" type="presParOf" srcId="{0820237D-6D73-D347-8FF0-C542C818DC5A}" destId="{5788394E-E702-364B-BDF9-AD0FD66A2969}" srcOrd="1" destOrd="0" presId="urn:microsoft.com/office/officeart/2005/8/layout/list1"/>
+    <dgm:cxn modelId="{5E1A1D68-91F4-1641-947E-007C5DE7ADBF}" type="presParOf" srcId="{97A99D9F-B440-3342-89C3-44C631D1DEB3}" destId="{E99C65AA-9003-3A42-9435-EC265A460E8D}" srcOrd="5" destOrd="0" presId="urn:microsoft.com/office/officeart/2005/8/layout/list1"/>
+    <dgm:cxn modelId="{C3E2E51F-D791-9E45-AB39-B03A37DEE9A7}" type="presParOf" srcId="{97A99D9F-B440-3342-89C3-44C631D1DEB3}" destId="{BB65198B-0347-E94A-AD5C-A71AD34D4CB8}" srcOrd="6" destOrd="0" presId="urn:microsoft.com/office/officeart/2005/8/layout/list1"/>
+    <dgm:cxn modelId="{0070729D-D5CD-4E47-A4D9-52B9711441F3}" type="presParOf" srcId="{97A99D9F-B440-3342-89C3-44C631D1DEB3}" destId="{8278CDB5-998D-3B4B-AB42-E04A9BEE7D42}" srcOrd="7" destOrd="0" presId="urn:microsoft.com/office/officeart/2005/8/layout/list1"/>
+    <dgm:cxn modelId="{025040F7-5F8F-AC41-9904-4C4217848FBD}" type="presParOf" srcId="{97A99D9F-B440-3342-89C3-44C631D1DEB3}" destId="{C3882FD2-681D-AC45-ABFF-B33D2FC43492}" srcOrd="8" destOrd="0" presId="urn:microsoft.com/office/officeart/2005/8/layout/list1"/>
+    <dgm:cxn modelId="{F42C4A73-E9C1-6246-A3C6-54DC392C68C3}" type="presParOf" srcId="{C3882FD2-681D-AC45-ABFF-B33D2FC43492}" destId="{BEB453AF-9E75-D64A-AC12-BD940021CF26}" srcOrd="0" destOrd="0" presId="urn:microsoft.com/office/officeart/2005/8/layout/list1"/>
+    <dgm:cxn modelId="{9A1D7927-9218-7243-8BEE-A48B671A7C8B}" type="presParOf" srcId="{C3882FD2-681D-AC45-ABFF-B33D2FC43492}" destId="{6D748164-6EDB-6949-9383-3607081CC11E}" srcOrd="1" destOrd="0" presId="urn:microsoft.com/office/officeart/2005/8/layout/list1"/>
+    <dgm:cxn modelId="{C4AE9D44-ADD6-744F-B88E-8E16F058401F}" type="presParOf" srcId="{97A99D9F-B440-3342-89C3-44C631D1DEB3}" destId="{41556FC5-46A6-5241-868B-E1C8AD55727A}" srcOrd="9" destOrd="0" presId="urn:microsoft.com/office/officeart/2005/8/layout/list1"/>
+    <dgm:cxn modelId="{091EB349-6D64-CC4E-A61B-0E5FF530EA42}" type="presParOf" srcId="{97A99D9F-B440-3342-89C3-44C631D1DEB3}" destId="{BE644549-B27F-9F45-BCCD-063019CCFE5A}" srcOrd="10" destOrd="0" presId="urn:microsoft.com/office/officeart/2005/8/layout/list1"/>
+    <dgm:cxn modelId="{B9BEEF51-CB43-2C45-92D1-8288D21F1244}" type="presParOf" srcId="{97A99D9F-B440-3342-89C3-44C631D1DEB3}" destId="{E2CD3620-5091-F941-909A-2FF51656901C}" srcOrd="11" destOrd="0" presId="urn:microsoft.com/office/officeart/2005/8/layout/list1"/>
+    <dgm:cxn modelId="{AB55B88C-3440-BC41-8C8F-0EA3DEABD63C}" type="presParOf" srcId="{97A99D9F-B440-3342-89C3-44C631D1DEB3}" destId="{37D83A22-6007-0E4F-903B-F3E96672B0FD}" srcOrd="12" destOrd="0" presId="urn:microsoft.com/office/officeart/2005/8/layout/list1"/>
+    <dgm:cxn modelId="{3B1CF633-25DB-D540-B08F-143316D95698}" type="presParOf" srcId="{37D83A22-6007-0E4F-903B-F3E96672B0FD}" destId="{4988DCEF-5712-FF40-9B38-FD31FC1382E2}" srcOrd="0" destOrd="0" presId="urn:microsoft.com/office/officeart/2005/8/layout/list1"/>
+    <dgm:cxn modelId="{0DCDD994-BE8D-EA40-AE9A-01BC0B437E56}" type="presParOf" srcId="{37D83A22-6007-0E4F-903B-F3E96672B0FD}" destId="{005694D5-BC90-124A-9272-A26B6DFB5767}" srcOrd="1" destOrd="0" presId="urn:microsoft.com/office/officeart/2005/8/layout/list1"/>
+    <dgm:cxn modelId="{F27AAFA1-D7C5-8B42-A540-D9C14008A808}" type="presParOf" srcId="{97A99D9F-B440-3342-89C3-44C631D1DEB3}" destId="{8D444A92-2247-B947-B79F-19E1FB93CA29}" srcOrd="13" destOrd="0" presId="urn:microsoft.com/office/officeart/2005/8/layout/list1"/>
+    <dgm:cxn modelId="{B65BC60A-F52F-A441-80B9-A64397FB4127}" type="presParOf" srcId="{97A99D9F-B440-3342-89C3-44C631D1DEB3}" destId="{1E1AFB02-948A-984A-BC10-94A27412B029}" srcOrd="14" destOrd="0" presId="urn:microsoft.com/office/officeart/2005/8/layout/list1"/>
+  </dgm:cxnLst>
+  <dgm:bg/>
+  <dgm:whole/>
+  <dgm:extLst>
+    <a:ext uri="http://schemas.microsoft.com/office/drawing/2008/diagram">
+      <dsp:dataModelExt xmlns:dsp="http://schemas.microsoft.com/office/drawing/2008/diagram" relId="rId6" minVer="http://schemas.openxmlformats.org/drawingml/2006/diagram"/>
+    </a:ext>
+  </dgm:extLst>
+</dgm:dataModel>
+</file>
+
+<file path=ppt/diagrams/data3.xml><?xml version="1.0" encoding="utf-8"?>
+<dgm:dataModel xmlns:dgm="http://schemas.openxmlformats.org/drawingml/2006/diagram" xmlns:a="http://schemas.openxmlformats.org/drawingml/2006/main">
+  <dgm:ptLst>
+    <dgm:pt modelId="{89648A4A-5BEB-4D26-91FD-3D6F500C7C9C}" type="doc">
+      <dgm:prSet loTypeId="urn:microsoft.com/office/officeart/2005/8/layout/list1" loCatId="list" qsTypeId="urn:microsoft.com/office/officeart/2005/8/quickstyle/simple1" qsCatId="simple" csTypeId="urn:microsoft.com/office/officeart/2005/8/colors/accent1_2" csCatId="accent1" phldr="1"/>
+      <dgm:spPr/>
+      <dgm:t>
+        <a:bodyPr/>
+        <a:lstStyle/>
+        <a:p>
+          <a:endParaRPr lang="en-US"/>
+        </a:p>
+      </dgm:t>
+    </dgm:pt>
+    <dgm:pt modelId="{960302E1-0A92-4735-92B1-03E2DD299C8A}">
+      <dgm:prSet/>
+      <dgm:spPr/>
+      <dgm:t>
+        <a:bodyPr/>
+        <a:lstStyle/>
+        <a:p>
+          <a:r>
+            <a:rPr lang="de-DE" dirty="0" err="1"/>
+            <a:t>Step</a:t>
+          </a:r>
+          <a:r>
+            <a:rPr lang="de-DE" dirty="0"/>
+            <a:t> 1: Download and </a:t>
+          </a:r>
+          <a:r>
+            <a:rPr lang="de-DE" dirty="0" err="1"/>
+            <a:t>Preprocess</a:t>
+          </a:r>
+          <a:endParaRPr lang="en-US" dirty="0"/>
+        </a:p>
+      </dgm:t>
+    </dgm:pt>
+    <dgm:pt modelId="{81C2CE8F-A39B-4C12-B0CD-392C51B1031B}" type="parTrans" cxnId="{BAD492A4-B03E-4D41-8395-53D0F5B6A131}">
+      <dgm:prSet/>
+      <dgm:spPr/>
+      <dgm:t>
+        <a:bodyPr/>
+        <a:lstStyle/>
+        <a:p>
+          <a:endParaRPr lang="en-US"/>
+        </a:p>
+      </dgm:t>
+    </dgm:pt>
+    <dgm:pt modelId="{2F4DB347-38E4-47FD-A094-231C40A0F8FD}" type="sibTrans" cxnId="{BAD492A4-B03E-4D41-8395-53D0F5B6A131}">
+      <dgm:prSet/>
+      <dgm:spPr/>
+      <dgm:t>
+        <a:bodyPr/>
+        <a:lstStyle/>
+        <a:p>
+          <a:endParaRPr lang="en-US"/>
+        </a:p>
+      </dgm:t>
+    </dgm:pt>
+    <dgm:pt modelId="{2F52C6D0-6049-4959-8B44-BA7E195A266E}">
+      <dgm:prSet/>
+      <dgm:spPr/>
+      <dgm:t>
+        <a:bodyPr/>
+        <a:lstStyle/>
+        <a:p>
+          <a:r>
+            <a:rPr lang="de-DE" dirty="0" err="1"/>
+            <a:t>Step</a:t>
+          </a:r>
+          <a:r>
+            <a:rPr lang="de-DE" dirty="0"/>
+            <a:t> 2: Mapping and </a:t>
+          </a:r>
+          <a:r>
+            <a:rPr lang="de-DE" dirty="0" err="1"/>
+            <a:t>Merge</a:t>
+          </a:r>
+          <a:r>
+            <a:rPr lang="de-DE" dirty="0"/>
+            <a:t> Dataframes</a:t>
+          </a:r>
+          <a:endParaRPr lang="en-US" dirty="0"/>
+        </a:p>
+      </dgm:t>
+    </dgm:pt>
+    <dgm:pt modelId="{57C02445-A86D-41C9-8ED5-928CC960917F}" type="parTrans" cxnId="{CC09A8F5-9AB9-47DD-BAFA-BBCFD3FFB728}">
+      <dgm:prSet/>
+      <dgm:spPr/>
+      <dgm:t>
+        <a:bodyPr/>
+        <a:lstStyle/>
+        <a:p>
+          <a:endParaRPr lang="en-US"/>
+        </a:p>
+      </dgm:t>
+    </dgm:pt>
+    <dgm:pt modelId="{585A5F50-A5E7-478B-9765-3D20E1F6A604}" type="sibTrans" cxnId="{CC09A8F5-9AB9-47DD-BAFA-BBCFD3FFB728}">
+      <dgm:prSet/>
+      <dgm:spPr/>
+      <dgm:t>
+        <a:bodyPr/>
+        <a:lstStyle/>
+        <a:p>
+          <a:endParaRPr lang="en-US"/>
+        </a:p>
+      </dgm:t>
+    </dgm:pt>
+    <dgm:pt modelId="{CDB42923-F688-E343-B5B2-882D2C6B5150}">
+      <dgm:prSet custT="1"/>
+      <dgm:spPr/>
+      <dgm:t>
+        <a:bodyPr/>
+        <a:lstStyle/>
+        <a:p>
+          <a:r>
+            <a:rPr lang="de-DE" sz="2000" b="0" dirty="0" err="1"/>
+            <a:t>used</a:t>
+          </a:r>
+          <a:r>
+            <a:rPr lang="de-DE" sz="2000" b="0" dirty="0"/>
+            <a:t> </a:t>
+          </a:r>
+          <a:r>
+            <a:rPr lang="de-DE" sz="2000" b="0" dirty="0" err="1"/>
+            <a:t>the</a:t>
+          </a:r>
+          <a:r>
+            <a:rPr lang="de-DE" sz="2000" b="0" dirty="0"/>
+            <a:t> `</a:t>
+          </a:r>
+          <a:r>
+            <a:rPr lang="de-DE" sz="2000" b="0" dirty="0" err="1"/>
+            <a:t>idconverter.py</a:t>
+          </a:r>
+          <a:r>
+            <a:rPr lang="de-DE" sz="2000" b="0" dirty="0"/>
+            <a:t>` </a:t>
+          </a:r>
+          <a:r>
+            <a:rPr lang="de-DE" sz="2000" b="0" dirty="0" err="1"/>
+            <a:t>script</a:t>
+          </a:r>
+          <a:r>
+            <a:rPr lang="de-DE" sz="2000" b="0" dirty="0"/>
+            <a:t> </a:t>
+          </a:r>
+          <a:r>
+            <a:rPr lang="de-DE" sz="2000" b="0" dirty="0" err="1"/>
+            <a:t>from</a:t>
+          </a:r>
+          <a:r>
+            <a:rPr lang="de-DE" sz="2000" b="0" dirty="0"/>
+            <a:t>: https://</a:t>
+          </a:r>
+          <a:r>
+            <a:rPr lang="de-DE" sz="2000" b="0" dirty="0" err="1"/>
+            <a:t>github.com</a:t>
+          </a:r>
+          <a:r>
+            <a:rPr lang="de-DE" sz="2000" b="0" dirty="0"/>
+            <a:t>/</a:t>
+          </a:r>
+          <a:r>
+            <a:rPr lang="de-DE" sz="2000" b="0" dirty="0" err="1"/>
+            <a:t>yafeng</a:t>
+          </a:r>
+          <a:r>
+            <a:rPr lang="de-DE" sz="2000" b="0" dirty="0"/>
+            <a:t>/</a:t>
+          </a:r>
+          <a:r>
+            <a:rPr lang="de-DE" sz="2000" b="0" dirty="0" err="1"/>
+            <a:t>idconverter</a:t>
+          </a:r>
+          <a:r>
+            <a:rPr lang="de-DE" sz="2000" b="0" dirty="0"/>
+            <a:t> </a:t>
+          </a:r>
+          <a:r>
+            <a:rPr lang="en-US" sz="2000" dirty="0"/>
+            <a:t> </a:t>
+          </a:r>
+        </a:p>
+      </dgm:t>
+    </dgm:pt>
+    <dgm:pt modelId="{B554832D-30B2-934F-9A6F-EF80BBD828C9}" type="parTrans" cxnId="{9891D984-A8FF-6649-B7BA-DC1ABF3997DE}">
+      <dgm:prSet/>
+      <dgm:spPr/>
+      <dgm:t>
+        <a:bodyPr/>
+        <a:lstStyle/>
+        <a:p>
+          <a:endParaRPr lang="de-DE"/>
+        </a:p>
+      </dgm:t>
+    </dgm:pt>
+    <dgm:pt modelId="{CAC0943B-0ECE-204C-81CC-E06D9279E64F}" type="sibTrans" cxnId="{9891D984-A8FF-6649-B7BA-DC1ABF3997DE}">
+      <dgm:prSet/>
+      <dgm:spPr/>
+      <dgm:t>
+        <a:bodyPr/>
+        <a:lstStyle/>
+        <a:p>
+          <a:endParaRPr lang="de-DE"/>
+        </a:p>
+      </dgm:t>
+    </dgm:pt>
+    <dgm:pt modelId="{453671F1-1263-B940-B97C-834776553FF3}">
+      <dgm:prSet custT="1"/>
+      <dgm:spPr/>
+      <dgm:t>
+        <a:bodyPr/>
+        <a:lstStyle/>
+        <a:p>
+          <a:r>
+            <a:rPr lang="de-DE" sz="2000" b="0" dirty="0" err="1"/>
+            <a:t>python</a:t>
+          </a:r>
+          <a:r>
+            <a:rPr lang="de-DE" sz="2000" b="0" dirty="0"/>
+            <a:t> </a:t>
+          </a:r>
+          <a:r>
+            <a:rPr lang="de-DE" sz="2000" b="0" dirty="0" err="1"/>
+            <a:t>idconverter.py</a:t>
+          </a:r>
+          <a:r>
+            <a:rPr lang="de-DE" sz="2000" b="0" dirty="0"/>
+            <a:t> --input </a:t>
+          </a:r>
+          <a:r>
+            <a:rPr lang="de-DE" sz="2000" b="0" dirty="0" err="1"/>
+            <a:t>unique_ENSP_IDs.csv</a:t>
+          </a:r>
+          <a:r>
+            <a:rPr lang="de-DE" sz="2000" b="0" dirty="0"/>
+            <a:t> --output protein2gene.csv --</a:t>
+          </a:r>
+          <a:r>
+            <a:rPr lang="de-DE" sz="2000" b="0" dirty="0" err="1"/>
+            <a:t>n</a:t>
+          </a:r>
+          <a:r>
+            <a:rPr lang="de-DE" sz="2000" b="0" dirty="0"/>
+            <a:t> 1</a:t>
+          </a:r>
+          <a:endParaRPr lang="en-US" sz="2000" dirty="0"/>
+        </a:p>
+      </dgm:t>
+    </dgm:pt>
+    <dgm:pt modelId="{5F0718BA-0BA4-DC40-889A-D4F9EA718A9B}" type="parTrans" cxnId="{87617BBF-CBC7-7A49-98D5-6BB4F8980889}">
+      <dgm:prSet/>
+      <dgm:spPr/>
+      <dgm:t>
+        <a:bodyPr/>
+        <a:lstStyle/>
+        <a:p>
+          <a:endParaRPr lang="de-DE"/>
+        </a:p>
+      </dgm:t>
+    </dgm:pt>
+    <dgm:pt modelId="{31CA86DC-40DE-7445-8B00-1C87F07A2000}" type="sibTrans" cxnId="{87617BBF-CBC7-7A49-98D5-6BB4F8980889}">
+      <dgm:prSet/>
+      <dgm:spPr/>
+      <dgm:t>
+        <a:bodyPr/>
+        <a:lstStyle/>
+        <a:p>
+          <a:endParaRPr lang="de-DE"/>
+        </a:p>
+      </dgm:t>
+    </dgm:pt>
+    <dgm:pt modelId="{97A99D9F-B440-3342-89C3-44C631D1DEB3}" type="pres">
+      <dgm:prSet presAssocID="{89648A4A-5BEB-4D26-91FD-3D6F500C7C9C}" presName="linear" presStyleCnt="0">
+        <dgm:presLayoutVars>
+          <dgm:dir/>
+          <dgm:animLvl val="lvl"/>
+          <dgm:resizeHandles val="exact"/>
+        </dgm:presLayoutVars>
+      </dgm:prSet>
+      <dgm:spPr/>
+    </dgm:pt>
+    <dgm:pt modelId="{1FC64E41-BEE5-154D-86DB-575CE9665006}" type="pres">
+      <dgm:prSet presAssocID="{960302E1-0A92-4735-92B1-03E2DD299C8A}" presName="parentLin" presStyleCnt="0"/>
+      <dgm:spPr/>
+    </dgm:pt>
+    <dgm:pt modelId="{07BC5DA8-E66F-C441-A4DA-17D5DB9AD34D}" type="pres">
+      <dgm:prSet presAssocID="{960302E1-0A92-4735-92B1-03E2DD299C8A}" presName="parentLeftMargin" presStyleLbl="node1" presStyleIdx="0" presStyleCnt="2"/>
+      <dgm:spPr/>
+    </dgm:pt>
+    <dgm:pt modelId="{A5FB9F26-33AB-0742-9ED1-5DC6BB5A4B5D}" type="pres">
+      <dgm:prSet presAssocID="{960302E1-0A92-4735-92B1-03E2DD299C8A}" presName="parentText" presStyleLbl="node1" presStyleIdx="0" presStyleCnt="2">
+        <dgm:presLayoutVars>
+          <dgm:chMax val="0"/>
+          <dgm:bulletEnabled val="1"/>
+        </dgm:presLayoutVars>
+      </dgm:prSet>
+      <dgm:spPr/>
+    </dgm:pt>
+    <dgm:pt modelId="{D013FD4C-D745-9E40-9217-CE662EF5F858}" type="pres">
+      <dgm:prSet presAssocID="{960302E1-0A92-4735-92B1-03E2DD299C8A}" presName="negativeSpace" presStyleCnt="0"/>
+      <dgm:spPr/>
+    </dgm:pt>
+    <dgm:pt modelId="{ED043F0B-2E6F-DE44-BD23-D75239DDF723}" type="pres">
+      <dgm:prSet presAssocID="{960302E1-0A92-4735-92B1-03E2DD299C8A}" presName="childText" presStyleLbl="conFgAcc1" presStyleIdx="0" presStyleCnt="2">
+        <dgm:presLayoutVars>
+          <dgm:bulletEnabled val="1"/>
+        </dgm:presLayoutVars>
+      </dgm:prSet>
+      <dgm:spPr/>
+    </dgm:pt>
+    <dgm:pt modelId="{69C93AB3-9D84-A042-B93A-4C4182F213B0}" type="pres">
+      <dgm:prSet presAssocID="{2F4DB347-38E4-47FD-A094-231C40A0F8FD}" presName="spaceBetweenRectangles" presStyleCnt="0"/>
+      <dgm:spPr/>
+    </dgm:pt>
+    <dgm:pt modelId="{0820237D-6D73-D347-8FF0-C542C818DC5A}" type="pres">
+      <dgm:prSet presAssocID="{2F52C6D0-6049-4959-8B44-BA7E195A266E}" presName="parentLin" presStyleCnt="0"/>
+      <dgm:spPr/>
+    </dgm:pt>
+    <dgm:pt modelId="{78090A07-71A3-5244-8CCA-F821060A5B3D}" type="pres">
+      <dgm:prSet presAssocID="{2F52C6D0-6049-4959-8B44-BA7E195A266E}" presName="parentLeftMargin" presStyleLbl="node1" presStyleIdx="0" presStyleCnt="2"/>
+      <dgm:spPr/>
+    </dgm:pt>
+    <dgm:pt modelId="{5788394E-E702-364B-BDF9-AD0FD66A2969}" type="pres">
+      <dgm:prSet presAssocID="{2F52C6D0-6049-4959-8B44-BA7E195A266E}" presName="parentText" presStyleLbl="node1" presStyleIdx="1" presStyleCnt="2">
+        <dgm:presLayoutVars>
+          <dgm:chMax val="0"/>
+          <dgm:bulletEnabled val="1"/>
+        </dgm:presLayoutVars>
+      </dgm:prSet>
+      <dgm:spPr/>
+    </dgm:pt>
+    <dgm:pt modelId="{E99C65AA-9003-3A42-9435-EC265A460E8D}" type="pres">
+      <dgm:prSet presAssocID="{2F52C6D0-6049-4959-8B44-BA7E195A266E}" presName="negativeSpace" presStyleCnt="0"/>
+      <dgm:spPr/>
+    </dgm:pt>
+    <dgm:pt modelId="{BB65198B-0347-E94A-AD5C-A71AD34D4CB8}" type="pres">
+      <dgm:prSet presAssocID="{2F52C6D0-6049-4959-8B44-BA7E195A266E}" presName="childText" presStyleLbl="conFgAcc1" presStyleIdx="1" presStyleCnt="2">
+        <dgm:presLayoutVars>
+          <dgm:bulletEnabled val="1"/>
+        </dgm:presLayoutVars>
+      </dgm:prSet>
+      <dgm:spPr/>
+    </dgm:pt>
+  </dgm:ptLst>
+  <dgm:cxnLst>
+    <dgm:cxn modelId="{95963325-C16E-5D46-876D-BC706757EA85}" type="presOf" srcId="{960302E1-0A92-4735-92B1-03E2DD299C8A}" destId="{07BC5DA8-E66F-C441-A4DA-17D5DB9AD34D}" srcOrd="0" destOrd="0" presId="urn:microsoft.com/office/officeart/2005/8/layout/list1"/>
+    <dgm:cxn modelId="{C9A9FE50-F3E5-A14B-9308-28630189BCCD}" type="presOf" srcId="{CDB42923-F688-E343-B5B2-882D2C6B5150}" destId="{ED043F0B-2E6F-DE44-BD23-D75239DDF723}" srcOrd="0" destOrd="0" presId="urn:microsoft.com/office/officeart/2005/8/layout/list1"/>
+    <dgm:cxn modelId="{A80EA858-C29F-0D47-A20D-E8983D50BC49}" type="presOf" srcId="{960302E1-0A92-4735-92B1-03E2DD299C8A}" destId="{A5FB9F26-33AB-0742-9ED1-5DC6BB5A4B5D}" srcOrd="1" destOrd="0" presId="urn:microsoft.com/office/officeart/2005/8/layout/list1"/>
+    <dgm:cxn modelId="{87B90380-CB99-8943-A837-9182072F1AA4}" type="presOf" srcId="{89648A4A-5BEB-4D26-91FD-3D6F500C7C9C}" destId="{97A99D9F-B440-3342-89C3-44C631D1DEB3}" srcOrd="0" destOrd="0" presId="urn:microsoft.com/office/officeart/2005/8/layout/list1"/>
+    <dgm:cxn modelId="{9891D984-A8FF-6649-B7BA-DC1ABF3997DE}" srcId="{960302E1-0A92-4735-92B1-03E2DD299C8A}" destId="{CDB42923-F688-E343-B5B2-882D2C6B5150}" srcOrd="0" destOrd="0" parTransId="{B554832D-30B2-934F-9A6F-EF80BBD828C9}" sibTransId="{CAC0943B-0ECE-204C-81CC-E06D9279E64F}"/>
+    <dgm:cxn modelId="{BAD492A4-B03E-4D41-8395-53D0F5B6A131}" srcId="{89648A4A-5BEB-4D26-91FD-3D6F500C7C9C}" destId="{960302E1-0A92-4735-92B1-03E2DD299C8A}" srcOrd="0" destOrd="0" parTransId="{81C2CE8F-A39B-4C12-B0CD-392C51B1031B}" sibTransId="{2F4DB347-38E4-47FD-A094-231C40A0F8FD}"/>
+    <dgm:cxn modelId="{EE0107AA-6FAC-B442-ADD6-843126B8223B}" type="presOf" srcId="{2F52C6D0-6049-4959-8B44-BA7E195A266E}" destId="{78090A07-71A3-5244-8CCA-F821060A5B3D}" srcOrd="0" destOrd="0" presId="urn:microsoft.com/office/officeart/2005/8/layout/list1"/>
+    <dgm:cxn modelId="{87617BBF-CBC7-7A49-98D5-6BB4F8980889}" srcId="{960302E1-0A92-4735-92B1-03E2DD299C8A}" destId="{453671F1-1263-B940-B97C-834776553FF3}" srcOrd="1" destOrd="0" parTransId="{5F0718BA-0BA4-DC40-889A-D4F9EA718A9B}" sibTransId="{31CA86DC-40DE-7445-8B00-1C87F07A2000}"/>
+    <dgm:cxn modelId="{C45428F4-0955-BA49-AF50-1EAB2094C74C}" type="presOf" srcId="{2F52C6D0-6049-4959-8B44-BA7E195A266E}" destId="{5788394E-E702-364B-BDF9-AD0FD66A2969}" srcOrd="1" destOrd="0" presId="urn:microsoft.com/office/officeart/2005/8/layout/list1"/>
+    <dgm:cxn modelId="{CC09A8F5-9AB9-47DD-BAFA-BBCFD3FFB728}" srcId="{89648A4A-5BEB-4D26-91FD-3D6F500C7C9C}" destId="{2F52C6D0-6049-4959-8B44-BA7E195A266E}" srcOrd="1" destOrd="0" parTransId="{57C02445-A86D-41C9-8ED5-928CC960917F}" sibTransId="{585A5F50-A5E7-478B-9765-3D20E1F6A604}"/>
+    <dgm:cxn modelId="{5BE733FB-6D49-E041-9FF8-40478A66D526}" type="presOf" srcId="{453671F1-1263-B940-B97C-834776553FF3}" destId="{ED043F0B-2E6F-DE44-BD23-D75239DDF723}" srcOrd="0" destOrd="1" presId="urn:microsoft.com/office/officeart/2005/8/layout/list1"/>
+    <dgm:cxn modelId="{8ACAD837-CACF-824E-A092-E6D745AF56B2}" type="presParOf" srcId="{97A99D9F-B440-3342-89C3-44C631D1DEB3}" destId="{1FC64E41-BEE5-154D-86DB-575CE9665006}" srcOrd="0" destOrd="0" presId="urn:microsoft.com/office/officeart/2005/8/layout/list1"/>
+    <dgm:cxn modelId="{CC332FF0-076F-6946-A0A0-EF5D5375D351}" type="presParOf" srcId="{1FC64E41-BEE5-154D-86DB-575CE9665006}" destId="{07BC5DA8-E66F-C441-A4DA-17D5DB9AD34D}" srcOrd="0" destOrd="0" presId="urn:microsoft.com/office/officeart/2005/8/layout/list1"/>
+    <dgm:cxn modelId="{847007DE-21DE-544F-A0F8-5F9A94884A82}" type="presParOf" srcId="{1FC64E41-BEE5-154D-86DB-575CE9665006}" destId="{A5FB9F26-33AB-0742-9ED1-5DC6BB5A4B5D}" srcOrd="1" destOrd="0" presId="urn:microsoft.com/office/officeart/2005/8/layout/list1"/>
+    <dgm:cxn modelId="{BCE37AE2-FF9C-F646-8500-6E088682C9BD}" type="presParOf" srcId="{97A99D9F-B440-3342-89C3-44C631D1DEB3}" destId="{D013FD4C-D745-9E40-9217-CE662EF5F858}" srcOrd="1" destOrd="0" presId="urn:microsoft.com/office/officeart/2005/8/layout/list1"/>
+    <dgm:cxn modelId="{B16F9BCA-41BE-6B47-99D2-1195E229CDE9}" type="presParOf" srcId="{97A99D9F-B440-3342-89C3-44C631D1DEB3}" destId="{ED043F0B-2E6F-DE44-BD23-D75239DDF723}" srcOrd="2" destOrd="0" presId="urn:microsoft.com/office/officeart/2005/8/layout/list1"/>
+    <dgm:cxn modelId="{656C287E-BEFA-584E-96F8-5125F92E1FDA}" type="presParOf" srcId="{97A99D9F-B440-3342-89C3-44C631D1DEB3}" destId="{69C93AB3-9D84-A042-B93A-4C4182F213B0}" srcOrd="3" destOrd="0" presId="urn:microsoft.com/office/officeart/2005/8/layout/list1"/>
+    <dgm:cxn modelId="{0FB0FF71-89D5-5543-A7B7-892BCD047606}" type="presParOf" srcId="{97A99D9F-B440-3342-89C3-44C631D1DEB3}" destId="{0820237D-6D73-D347-8FF0-C542C818DC5A}" srcOrd="4" destOrd="0" presId="urn:microsoft.com/office/officeart/2005/8/layout/list1"/>
+    <dgm:cxn modelId="{E73D6F29-640D-F04D-A728-596DF22F3B94}" type="presParOf" srcId="{0820237D-6D73-D347-8FF0-C542C818DC5A}" destId="{78090A07-71A3-5244-8CCA-F821060A5B3D}" srcOrd="0" destOrd="0" presId="urn:microsoft.com/office/officeart/2005/8/layout/list1"/>
+    <dgm:cxn modelId="{C30BDACE-BEB3-9140-AE6B-0908EDA06C68}" type="presParOf" srcId="{0820237D-6D73-D347-8FF0-C542C818DC5A}" destId="{5788394E-E702-364B-BDF9-AD0FD66A2969}" srcOrd="1" destOrd="0" presId="urn:microsoft.com/office/officeart/2005/8/layout/list1"/>
+    <dgm:cxn modelId="{5E1A1D68-91F4-1641-947E-007C5DE7ADBF}" type="presParOf" srcId="{97A99D9F-B440-3342-89C3-44C631D1DEB3}" destId="{E99C65AA-9003-3A42-9435-EC265A460E8D}" srcOrd="5" destOrd="0" presId="urn:microsoft.com/office/officeart/2005/8/layout/list1"/>
+    <dgm:cxn modelId="{C3E2E51F-D791-9E45-AB39-B03A37DEE9A7}" type="presParOf" srcId="{97A99D9F-B440-3342-89C3-44C631D1DEB3}" destId="{BB65198B-0347-E94A-AD5C-A71AD34D4CB8}" srcOrd="6" destOrd="0" presId="urn:microsoft.com/office/officeart/2005/8/layout/list1"/>
+  </dgm:cxnLst>
+  <dgm:bg/>
+  <dgm:whole/>
+  <dgm:extLst>
+    <a:ext uri="http://schemas.microsoft.com/office/drawing/2008/diagram">
+      <dsp:dataModelExt xmlns:dsp="http://schemas.microsoft.com/office/drawing/2008/diagram" relId="rId6" minVer="http://schemas.openxmlformats.org/drawingml/2006/diagram"/>
+    </a:ext>
+  </dgm:extLst>
+</dgm:dataModel>
+</file>
+
+<file path=ppt/diagrams/data4.xml><?xml version="1.0" encoding="utf-8"?>
 <dgm:dataModel xmlns:dgm="http://schemas.openxmlformats.org/drawingml/2006/diagram" xmlns:a="http://schemas.openxmlformats.org/drawingml/2006/main">
   <dgm:ptLst>
     <dgm:pt modelId="{89648A4A-5BEB-4D26-91FD-3D6F500C7C9C}" type="doc">
@@ -2096,10 +5666,14 @@
         <a:lstStyle/>
         <a:p>
           <a:r>
-            <a:rPr lang="de-DE"/>
-            <a:t>Level 2 Edges</a:t>
-          </a:r>
-          <a:endParaRPr lang="en-US"/>
+            <a:rPr lang="de-DE" dirty="0"/>
+            <a:t>Level 2 </a:t>
+          </a:r>
+          <a:r>
+            <a:rPr lang="de-DE" dirty="0" err="1"/>
+            <a:t>Edges</a:t>
+          </a:r>
+          <a:endParaRPr lang="en-US" dirty="0"/>
         </a:p>
       </dgm:t>
     </dgm:pt>
@@ -2401,7 +5975,7 @@
 </dgm:dataModel>
 </file>
 
-<file path=ppt/diagrams/data2.xml><?xml version="1.0" encoding="utf-8"?>
+<file path=ppt/diagrams/data5.xml><?xml version="1.0" encoding="utf-8"?>
 <dgm:dataModel xmlns:dgm="http://schemas.openxmlformats.org/drawingml/2006/diagram" xmlns:a="http://schemas.openxmlformats.org/drawingml/2006/main">
   <dgm:ptLst>
     <dgm:pt modelId="{89648A4A-5BEB-4D26-91FD-3D6F500C7C9C}" type="doc">
@@ -2796,6 +6370,1580 @@
       </dsp:nvSpPr>
       <dsp:spPr>
         <a:xfrm>
+          <a:off x="0" y="1471672"/>
+          <a:ext cx="7406120" cy="630000"/>
+        </a:xfrm>
+        <a:prstGeom prst="rect">
+          <a:avLst/>
+        </a:prstGeom>
+        <a:solidFill>
+          <a:schemeClr val="lt1">
+            <a:alpha val="90000"/>
+            <a:hueOff val="0"/>
+            <a:satOff val="0"/>
+            <a:lumOff val="0"/>
+            <a:alphaOff val="0"/>
+          </a:schemeClr>
+        </a:solidFill>
+        <a:ln w="19050" cap="flat" cmpd="sng" algn="ctr">
+          <a:solidFill>
+            <a:schemeClr val="accent1">
+              <a:hueOff val="0"/>
+              <a:satOff val="0"/>
+              <a:lumOff val="0"/>
+              <a:alphaOff val="0"/>
+            </a:schemeClr>
+          </a:solidFill>
+          <a:prstDash val="solid"/>
+          <a:miter lim="800000"/>
+        </a:ln>
+        <a:effectLst/>
+      </dsp:spPr>
+      <dsp:style>
+        <a:lnRef idx="2">
+          <a:scrgbClr r="0" g="0" b="0"/>
+        </a:lnRef>
+        <a:fillRef idx="1">
+          <a:scrgbClr r="0" g="0" b="0"/>
+        </a:fillRef>
+        <a:effectRef idx="0">
+          <a:scrgbClr r="0" g="0" b="0"/>
+        </a:effectRef>
+        <a:fontRef idx="minor"/>
+      </dsp:style>
+    </dsp:sp>
+    <dsp:sp modelId="{A5FB9F26-33AB-0742-9ED1-5DC6BB5A4B5D}">
+      <dsp:nvSpPr>
+        <dsp:cNvPr id="0" name=""/>
+        <dsp:cNvSpPr/>
+      </dsp:nvSpPr>
+      <dsp:spPr>
+        <a:xfrm>
+          <a:off x="370306" y="1102672"/>
+          <a:ext cx="5184284" cy="738000"/>
+        </a:xfrm>
+        <a:prstGeom prst="roundRect">
+          <a:avLst/>
+        </a:prstGeom>
+        <a:solidFill>
+          <a:schemeClr val="accent1">
+            <a:hueOff val="0"/>
+            <a:satOff val="0"/>
+            <a:lumOff val="0"/>
+            <a:alphaOff val="0"/>
+          </a:schemeClr>
+        </a:solidFill>
+        <a:ln w="19050" cap="flat" cmpd="sng" algn="ctr">
+          <a:solidFill>
+            <a:schemeClr val="lt1">
+              <a:hueOff val="0"/>
+              <a:satOff val="0"/>
+              <a:lumOff val="0"/>
+              <a:alphaOff val="0"/>
+            </a:schemeClr>
+          </a:solidFill>
+          <a:prstDash val="solid"/>
+          <a:miter lim="800000"/>
+        </a:ln>
+        <a:effectLst/>
+      </dsp:spPr>
+      <dsp:style>
+        <a:lnRef idx="2">
+          <a:scrgbClr r="0" g="0" b="0"/>
+        </a:lnRef>
+        <a:fillRef idx="1">
+          <a:scrgbClr r="0" g="0" b="0"/>
+        </a:fillRef>
+        <a:effectRef idx="0">
+          <a:scrgbClr r="0" g="0" b="0"/>
+        </a:effectRef>
+        <a:fontRef idx="minor">
+          <a:schemeClr val="lt1"/>
+        </a:fontRef>
+      </dsp:style>
+      <dsp:txBody>
+        <a:bodyPr spcFirstLastPara="0" vert="horz" wrap="square" lIns="195954" tIns="0" rIns="195954" bIns="0" numCol="1" spcCol="1270" anchor="ctr" anchorCtr="0">
+          <a:noAutofit/>
+        </a:bodyPr>
+        <a:lstStyle/>
+        <a:p>
+          <a:pPr marL="0" lvl="0" indent="0" algn="l" defTabSz="1111250">
+            <a:lnSpc>
+              <a:spcPct val="90000"/>
+            </a:lnSpc>
+            <a:spcBef>
+              <a:spcPct val="0"/>
+            </a:spcBef>
+            <a:spcAft>
+              <a:spcPct val="35000"/>
+            </a:spcAft>
+            <a:buNone/>
+          </a:pPr>
+          <a:r>
+            <a:rPr lang="de-DE" sz="2500" kern="1200" dirty="0" err="1"/>
+            <a:t>Step</a:t>
+          </a:r>
+          <a:r>
+            <a:rPr lang="de-DE" sz="2500" kern="1200" dirty="0"/>
+            <a:t> 1: </a:t>
+          </a:r>
+          <a:r>
+            <a:rPr lang="de-DE" sz="2500" kern="1200" dirty="0" err="1"/>
+            <a:t>Define</a:t>
+          </a:r>
+          <a:r>
+            <a:rPr lang="de-DE" sz="2500" kern="1200" dirty="0"/>
+            <a:t> URLs </a:t>
+          </a:r>
+          <a:r>
+            <a:rPr lang="de-DE" sz="2500" kern="1200" dirty="0" err="1"/>
+            <a:t>for</a:t>
+          </a:r>
+          <a:r>
+            <a:rPr lang="de-DE" sz="2500" kern="1200" dirty="0"/>
+            <a:t> Databases</a:t>
+          </a:r>
+          <a:endParaRPr lang="en-US" sz="2500" kern="1200" dirty="0"/>
+        </a:p>
+      </dsp:txBody>
+      <dsp:txXfrm>
+        <a:off x="406332" y="1138698"/>
+        <a:ext cx="5112232" cy="665948"/>
+      </dsp:txXfrm>
+    </dsp:sp>
+    <dsp:sp modelId="{BB65198B-0347-E94A-AD5C-A71AD34D4CB8}">
+      <dsp:nvSpPr>
+        <dsp:cNvPr id="0" name=""/>
+        <dsp:cNvSpPr/>
+      </dsp:nvSpPr>
+      <dsp:spPr>
+        <a:xfrm>
+          <a:off x="0" y="2605672"/>
+          <a:ext cx="7406120" cy="630000"/>
+        </a:xfrm>
+        <a:prstGeom prst="rect">
+          <a:avLst/>
+        </a:prstGeom>
+        <a:solidFill>
+          <a:schemeClr val="lt1">
+            <a:alpha val="90000"/>
+            <a:hueOff val="0"/>
+            <a:satOff val="0"/>
+            <a:lumOff val="0"/>
+            <a:alphaOff val="0"/>
+          </a:schemeClr>
+        </a:solidFill>
+        <a:ln w="19050" cap="flat" cmpd="sng" algn="ctr">
+          <a:solidFill>
+            <a:schemeClr val="accent1">
+              <a:hueOff val="0"/>
+              <a:satOff val="0"/>
+              <a:lumOff val="0"/>
+              <a:alphaOff val="0"/>
+            </a:schemeClr>
+          </a:solidFill>
+          <a:prstDash val="solid"/>
+          <a:miter lim="800000"/>
+        </a:ln>
+        <a:effectLst/>
+      </dsp:spPr>
+      <dsp:style>
+        <a:lnRef idx="2">
+          <a:scrgbClr r="0" g="0" b="0"/>
+        </a:lnRef>
+        <a:fillRef idx="1">
+          <a:scrgbClr r="0" g="0" b="0"/>
+        </a:fillRef>
+        <a:effectRef idx="0">
+          <a:scrgbClr r="0" g="0" b="0"/>
+        </a:effectRef>
+        <a:fontRef idx="minor"/>
+      </dsp:style>
+      <dsp:txBody>
+        <a:bodyPr spcFirstLastPara="0" vert="horz" wrap="square" lIns="574797" tIns="520700" rIns="574797" bIns="177800" numCol="1" spcCol="1270" anchor="t" anchorCtr="0">
+          <a:noAutofit/>
+        </a:bodyPr>
+        <a:lstStyle/>
+        <a:p>
+          <a:pPr marL="228600" lvl="1" indent="-228600" algn="l" defTabSz="1111250">
+            <a:lnSpc>
+              <a:spcPct val="90000"/>
+            </a:lnSpc>
+            <a:spcBef>
+              <a:spcPct val="0"/>
+            </a:spcBef>
+            <a:spcAft>
+              <a:spcPct val="15000"/>
+            </a:spcAft>
+            <a:buChar char="•"/>
+          </a:pPr>
+          <a:endParaRPr lang="en-US" sz="2500" kern="1200" dirty="0"/>
+        </a:p>
+      </dsp:txBody>
+      <dsp:txXfrm>
+        <a:off x="0" y="2605672"/>
+        <a:ext cx="7406120" cy="630000"/>
+      </dsp:txXfrm>
+    </dsp:sp>
+    <dsp:sp modelId="{5788394E-E702-364B-BDF9-AD0FD66A2969}">
+      <dsp:nvSpPr>
+        <dsp:cNvPr id="0" name=""/>
+        <dsp:cNvSpPr/>
+      </dsp:nvSpPr>
+      <dsp:spPr>
+        <a:xfrm>
+          <a:off x="370306" y="2236672"/>
+          <a:ext cx="5184284" cy="738000"/>
+        </a:xfrm>
+        <a:prstGeom prst="roundRect">
+          <a:avLst/>
+        </a:prstGeom>
+        <a:solidFill>
+          <a:schemeClr val="accent1">
+            <a:hueOff val="0"/>
+            <a:satOff val="0"/>
+            <a:lumOff val="0"/>
+            <a:alphaOff val="0"/>
+          </a:schemeClr>
+        </a:solidFill>
+        <a:ln w="19050" cap="flat" cmpd="sng" algn="ctr">
+          <a:solidFill>
+            <a:schemeClr val="lt1">
+              <a:hueOff val="0"/>
+              <a:satOff val="0"/>
+              <a:lumOff val="0"/>
+              <a:alphaOff val="0"/>
+            </a:schemeClr>
+          </a:solidFill>
+          <a:prstDash val="solid"/>
+          <a:miter lim="800000"/>
+        </a:ln>
+        <a:effectLst/>
+      </dsp:spPr>
+      <dsp:style>
+        <a:lnRef idx="2">
+          <a:scrgbClr r="0" g="0" b="0"/>
+        </a:lnRef>
+        <a:fillRef idx="1">
+          <a:scrgbClr r="0" g="0" b="0"/>
+        </a:fillRef>
+        <a:effectRef idx="0">
+          <a:scrgbClr r="0" g="0" b="0"/>
+        </a:effectRef>
+        <a:fontRef idx="minor">
+          <a:schemeClr val="lt1"/>
+        </a:fontRef>
+      </dsp:style>
+      <dsp:txBody>
+        <a:bodyPr spcFirstLastPara="0" vert="horz" wrap="square" lIns="195954" tIns="0" rIns="195954" bIns="0" numCol="1" spcCol="1270" anchor="ctr" anchorCtr="0">
+          <a:noAutofit/>
+        </a:bodyPr>
+        <a:lstStyle/>
+        <a:p>
+          <a:pPr marL="0" lvl="0" indent="0" algn="l" defTabSz="1111250">
+            <a:lnSpc>
+              <a:spcPct val="90000"/>
+            </a:lnSpc>
+            <a:spcBef>
+              <a:spcPct val="0"/>
+            </a:spcBef>
+            <a:spcAft>
+              <a:spcPct val="35000"/>
+            </a:spcAft>
+            <a:buNone/>
+          </a:pPr>
+          <a:r>
+            <a:rPr lang="de-DE" sz="2500" kern="1200" dirty="0" err="1"/>
+            <a:t>Step</a:t>
+          </a:r>
+          <a:r>
+            <a:rPr lang="de-DE" sz="2500" kern="1200" dirty="0"/>
+            <a:t> 2: Create </a:t>
+          </a:r>
+          <a:r>
+            <a:rPr lang="de-DE" sz="2500" kern="1200" dirty="0" err="1"/>
+            <a:t>local</a:t>
+          </a:r>
+          <a:r>
+            <a:rPr lang="de-DE" sz="2500" kern="1200" dirty="0"/>
+            <a:t> </a:t>
+          </a:r>
+          <a:r>
+            <a:rPr lang="de-DE" sz="2500" kern="1200" dirty="0" err="1"/>
+            <a:t>directory</a:t>
+          </a:r>
+          <a:endParaRPr lang="en-US" sz="2500" kern="1200" dirty="0"/>
+        </a:p>
+      </dsp:txBody>
+      <dsp:txXfrm>
+        <a:off x="406332" y="2272698"/>
+        <a:ext cx="5112232" cy="665948"/>
+      </dsp:txXfrm>
+    </dsp:sp>
+    <dsp:sp modelId="{BE644549-B27F-9F45-BCCD-063019CCFE5A}">
+      <dsp:nvSpPr>
+        <dsp:cNvPr id="0" name=""/>
+        <dsp:cNvSpPr/>
+      </dsp:nvSpPr>
+      <dsp:spPr>
+        <a:xfrm>
+          <a:off x="0" y="3739672"/>
+          <a:ext cx="7406120" cy="630000"/>
+        </a:xfrm>
+        <a:prstGeom prst="rect">
+          <a:avLst/>
+        </a:prstGeom>
+        <a:solidFill>
+          <a:schemeClr val="lt1">
+            <a:alpha val="90000"/>
+            <a:hueOff val="0"/>
+            <a:satOff val="0"/>
+            <a:lumOff val="0"/>
+            <a:alphaOff val="0"/>
+          </a:schemeClr>
+        </a:solidFill>
+        <a:ln w="19050" cap="flat" cmpd="sng" algn="ctr">
+          <a:solidFill>
+            <a:schemeClr val="accent1">
+              <a:hueOff val="0"/>
+              <a:satOff val="0"/>
+              <a:lumOff val="0"/>
+              <a:alphaOff val="0"/>
+            </a:schemeClr>
+          </a:solidFill>
+          <a:prstDash val="solid"/>
+          <a:miter lim="800000"/>
+        </a:ln>
+        <a:effectLst/>
+      </dsp:spPr>
+      <dsp:style>
+        <a:lnRef idx="2">
+          <a:scrgbClr r="0" g="0" b="0"/>
+        </a:lnRef>
+        <a:fillRef idx="1">
+          <a:scrgbClr r="0" g="0" b="0"/>
+        </a:fillRef>
+        <a:effectRef idx="0">
+          <a:scrgbClr r="0" g="0" b="0"/>
+        </a:effectRef>
+        <a:fontRef idx="minor"/>
+      </dsp:style>
+    </dsp:sp>
+    <dsp:sp modelId="{6D748164-6EDB-6949-9383-3607081CC11E}">
+      <dsp:nvSpPr>
+        <dsp:cNvPr id="0" name=""/>
+        <dsp:cNvSpPr/>
+      </dsp:nvSpPr>
+      <dsp:spPr>
+        <a:xfrm>
+          <a:off x="370306" y="3370672"/>
+          <a:ext cx="5184284" cy="738000"/>
+        </a:xfrm>
+        <a:prstGeom prst="roundRect">
+          <a:avLst/>
+        </a:prstGeom>
+        <a:solidFill>
+          <a:schemeClr val="accent1">
+            <a:hueOff val="0"/>
+            <a:satOff val="0"/>
+            <a:lumOff val="0"/>
+            <a:alphaOff val="0"/>
+          </a:schemeClr>
+        </a:solidFill>
+        <a:ln w="19050" cap="flat" cmpd="sng" algn="ctr">
+          <a:solidFill>
+            <a:schemeClr val="lt1">
+              <a:hueOff val="0"/>
+              <a:satOff val="0"/>
+              <a:lumOff val="0"/>
+              <a:alphaOff val="0"/>
+            </a:schemeClr>
+          </a:solidFill>
+          <a:prstDash val="solid"/>
+          <a:miter lim="800000"/>
+        </a:ln>
+        <a:effectLst/>
+      </dsp:spPr>
+      <dsp:style>
+        <a:lnRef idx="2">
+          <a:scrgbClr r="0" g="0" b="0"/>
+        </a:lnRef>
+        <a:fillRef idx="1">
+          <a:scrgbClr r="0" g="0" b="0"/>
+        </a:fillRef>
+        <a:effectRef idx="0">
+          <a:scrgbClr r="0" g="0" b="0"/>
+        </a:effectRef>
+        <a:fontRef idx="minor">
+          <a:schemeClr val="lt1"/>
+        </a:fontRef>
+      </dsp:style>
+      <dsp:txBody>
+        <a:bodyPr spcFirstLastPara="0" vert="horz" wrap="square" lIns="195954" tIns="0" rIns="195954" bIns="0" numCol="1" spcCol="1270" anchor="ctr" anchorCtr="0">
+          <a:noAutofit/>
+        </a:bodyPr>
+        <a:lstStyle/>
+        <a:p>
+          <a:pPr marL="0" lvl="0" indent="0" algn="l" defTabSz="1111250">
+            <a:lnSpc>
+              <a:spcPct val="90000"/>
+            </a:lnSpc>
+            <a:spcBef>
+              <a:spcPct val="0"/>
+            </a:spcBef>
+            <a:spcAft>
+              <a:spcPct val="35000"/>
+            </a:spcAft>
+            <a:buNone/>
+          </a:pPr>
+          <a:r>
+            <a:rPr lang="de-DE" sz="2500" kern="1200" dirty="0" err="1"/>
+            <a:t>Step</a:t>
+          </a:r>
+          <a:r>
+            <a:rPr lang="de-DE" sz="2500" kern="1200" dirty="0"/>
+            <a:t> 3: Download Files </a:t>
+          </a:r>
+          <a:endParaRPr lang="en-US" sz="2500" kern="1200" dirty="0"/>
+        </a:p>
+      </dsp:txBody>
+      <dsp:txXfrm>
+        <a:off x="406332" y="3406698"/>
+        <a:ext cx="5112232" cy="665948"/>
+      </dsp:txXfrm>
+    </dsp:sp>
+  </dsp:spTree>
+</dsp:drawing>
+</file>
+
+<file path=ppt/diagrams/drawing2.xml><?xml version="1.0" encoding="utf-8"?>
+<dsp:drawing xmlns:dgm="http://schemas.openxmlformats.org/drawingml/2006/diagram" xmlns:dsp="http://schemas.microsoft.com/office/drawing/2008/diagram" xmlns:a="http://schemas.openxmlformats.org/drawingml/2006/main">
+  <dsp:spTree>
+    <dsp:nvGrpSpPr>
+      <dsp:cNvPr id="0" name=""/>
+      <dsp:cNvGrpSpPr/>
+    </dsp:nvGrpSpPr>
+    <dsp:grpSpPr/>
+    <dsp:sp modelId="{ED043F0B-2E6F-DE44-BD23-D75239DDF723}">
+      <dsp:nvSpPr>
+        <dsp:cNvPr id="0" name=""/>
+        <dsp:cNvSpPr/>
+      </dsp:nvSpPr>
+      <dsp:spPr>
+        <a:xfrm>
+          <a:off x="0" y="570171"/>
+          <a:ext cx="5734405" cy="453600"/>
+        </a:xfrm>
+        <a:prstGeom prst="rect">
+          <a:avLst/>
+        </a:prstGeom>
+        <a:solidFill>
+          <a:schemeClr val="lt1">
+            <a:alpha val="90000"/>
+            <a:hueOff val="0"/>
+            <a:satOff val="0"/>
+            <a:lumOff val="0"/>
+            <a:alphaOff val="0"/>
+          </a:schemeClr>
+        </a:solidFill>
+        <a:ln w="19050" cap="flat" cmpd="sng" algn="ctr">
+          <a:solidFill>
+            <a:schemeClr val="accent1">
+              <a:hueOff val="0"/>
+              <a:satOff val="0"/>
+              <a:lumOff val="0"/>
+              <a:alphaOff val="0"/>
+            </a:schemeClr>
+          </a:solidFill>
+          <a:prstDash val="solid"/>
+          <a:miter lim="800000"/>
+        </a:ln>
+        <a:effectLst/>
+      </dsp:spPr>
+      <dsp:style>
+        <a:lnRef idx="2">
+          <a:scrgbClr r="0" g="0" b="0"/>
+        </a:lnRef>
+        <a:fillRef idx="1">
+          <a:scrgbClr r="0" g="0" b="0"/>
+        </a:fillRef>
+        <a:effectRef idx="0">
+          <a:scrgbClr r="0" g="0" b="0"/>
+        </a:effectRef>
+        <a:fontRef idx="minor"/>
+      </dsp:style>
+    </dsp:sp>
+    <dsp:sp modelId="{A5FB9F26-33AB-0742-9ED1-5DC6BB5A4B5D}">
+      <dsp:nvSpPr>
+        <dsp:cNvPr id="0" name=""/>
+        <dsp:cNvSpPr/>
+      </dsp:nvSpPr>
+      <dsp:spPr>
+        <a:xfrm>
+          <a:off x="286720" y="304491"/>
+          <a:ext cx="4014083" cy="531360"/>
+        </a:xfrm>
+        <a:prstGeom prst="roundRect">
+          <a:avLst/>
+        </a:prstGeom>
+        <a:solidFill>
+          <a:schemeClr val="accent1">
+            <a:hueOff val="0"/>
+            <a:satOff val="0"/>
+            <a:lumOff val="0"/>
+            <a:alphaOff val="0"/>
+          </a:schemeClr>
+        </a:solidFill>
+        <a:ln w="19050" cap="flat" cmpd="sng" algn="ctr">
+          <a:solidFill>
+            <a:schemeClr val="lt1">
+              <a:hueOff val="0"/>
+              <a:satOff val="0"/>
+              <a:lumOff val="0"/>
+              <a:alphaOff val="0"/>
+            </a:schemeClr>
+          </a:solidFill>
+          <a:prstDash val="solid"/>
+          <a:miter lim="800000"/>
+        </a:ln>
+        <a:effectLst/>
+      </dsp:spPr>
+      <dsp:style>
+        <a:lnRef idx="2">
+          <a:scrgbClr r="0" g="0" b="0"/>
+        </a:lnRef>
+        <a:fillRef idx="1">
+          <a:scrgbClr r="0" g="0" b="0"/>
+        </a:fillRef>
+        <a:effectRef idx="0">
+          <a:scrgbClr r="0" g="0" b="0"/>
+        </a:effectRef>
+        <a:fontRef idx="minor">
+          <a:schemeClr val="lt1"/>
+        </a:fontRef>
+      </dsp:style>
+      <dsp:txBody>
+        <a:bodyPr spcFirstLastPara="0" vert="horz" wrap="square" lIns="151723" tIns="0" rIns="151723" bIns="0" numCol="1" spcCol="1270" anchor="ctr" anchorCtr="0">
+          <a:noAutofit/>
+        </a:bodyPr>
+        <a:lstStyle/>
+        <a:p>
+          <a:pPr marL="0" lvl="0" indent="0" algn="l" defTabSz="800100">
+            <a:lnSpc>
+              <a:spcPct val="90000"/>
+            </a:lnSpc>
+            <a:spcBef>
+              <a:spcPct val="0"/>
+            </a:spcBef>
+            <a:spcAft>
+              <a:spcPct val="35000"/>
+            </a:spcAft>
+            <a:buNone/>
+          </a:pPr>
+          <a:r>
+            <a:rPr lang="de-DE" sz="1800" kern="1200" dirty="0" err="1"/>
+            <a:t>Step</a:t>
+          </a:r>
+          <a:r>
+            <a:rPr lang="de-DE" sz="1800" kern="1200" dirty="0"/>
+            <a:t> 1: Download and </a:t>
+          </a:r>
+          <a:r>
+            <a:rPr lang="de-DE" sz="1800" kern="1200" dirty="0" err="1"/>
+            <a:t>Preprocess</a:t>
+          </a:r>
+          <a:endParaRPr lang="en-US" sz="1800" kern="1200" dirty="0"/>
+        </a:p>
+      </dsp:txBody>
+      <dsp:txXfrm>
+        <a:off x="312659" y="330430"/>
+        <a:ext cx="3962205" cy="479482"/>
+      </dsp:txXfrm>
+    </dsp:sp>
+    <dsp:sp modelId="{BB65198B-0347-E94A-AD5C-A71AD34D4CB8}">
+      <dsp:nvSpPr>
+        <dsp:cNvPr id="0" name=""/>
+        <dsp:cNvSpPr/>
+      </dsp:nvSpPr>
+      <dsp:spPr>
+        <a:xfrm>
+          <a:off x="0" y="1386651"/>
+          <a:ext cx="5734405" cy="1927800"/>
+        </a:xfrm>
+        <a:prstGeom prst="rect">
+          <a:avLst/>
+        </a:prstGeom>
+        <a:solidFill>
+          <a:schemeClr val="lt1">
+            <a:alpha val="90000"/>
+            <a:hueOff val="0"/>
+            <a:satOff val="0"/>
+            <a:lumOff val="0"/>
+            <a:alphaOff val="0"/>
+          </a:schemeClr>
+        </a:solidFill>
+        <a:ln w="19050" cap="flat" cmpd="sng" algn="ctr">
+          <a:solidFill>
+            <a:schemeClr val="accent1">
+              <a:hueOff val="0"/>
+              <a:satOff val="0"/>
+              <a:lumOff val="0"/>
+              <a:alphaOff val="0"/>
+            </a:schemeClr>
+          </a:solidFill>
+          <a:prstDash val="solid"/>
+          <a:miter lim="800000"/>
+        </a:ln>
+        <a:effectLst/>
+      </dsp:spPr>
+      <dsp:style>
+        <a:lnRef idx="2">
+          <a:scrgbClr r="0" g="0" b="0"/>
+        </a:lnRef>
+        <a:fillRef idx="1">
+          <a:scrgbClr r="0" g="0" b="0"/>
+        </a:fillRef>
+        <a:effectRef idx="0">
+          <a:scrgbClr r="0" g="0" b="0"/>
+        </a:effectRef>
+        <a:fontRef idx="minor"/>
+      </dsp:style>
+      <dsp:txBody>
+        <a:bodyPr spcFirstLastPara="0" vert="horz" wrap="square" lIns="445054" tIns="374904" rIns="445054" bIns="128016" numCol="1" spcCol="1270" anchor="t" anchorCtr="0">
+          <a:noAutofit/>
+        </a:bodyPr>
+        <a:lstStyle/>
+        <a:p>
+          <a:pPr marL="171450" lvl="1" indent="-171450" algn="l" defTabSz="800100">
+            <a:lnSpc>
+              <a:spcPct val="90000"/>
+            </a:lnSpc>
+            <a:spcBef>
+              <a:spcPct val="0"/>
+            </a:spcBef>
+            <a:spcAft>
+              <a:spcPct val="15000"/>
+            </a:spcAft>
+            <a:buChar char="•"/>
+          </a:pPr>
+          <a:r>
+            <a:rPr lang="en-US" sz="1800" kern="1200" dirty="0"/>
+            <a:t>DGIDB</a:t>
+          </a:r>
+        </a:p>
+        <a:p>
+          <a:pPr marL="171450" lvl="1" indent="-171450" algn="l" defTabSz="800100">
+            <a:lnSpc>
+              <a:spcPct val="90000"/>
+            </a:lnSpc>
+            <a:spcBef>
+              <a:spcPct val="0"/>
+            </a:spcBef>
+            <a:spcAft>
+              <a:spcPct val="15000"/>
+            </a:spcAft>
+            <a:buChar char="•"/>
+          </a:pPr>
+          <a:r>
+            <a:rPr lang="en-US" sz="1800" kern="1200" dirty="0" err="1"/>
+            <a:t>ChEMBL</a:t>
+          </a:r>
+          <a:r>
+            <a:rPr lang="en-US" sz="1800" kern="1200" dirty="0"/>
+            <a:t> (with API)</a:t>
+          </a:r>
+        </a:p>
+        <a:p>
+          <a:pPr marL="171450" lvl="1" indent="-171450" algn="l" defTabSz="800100">
+            <a:lnSpc>
+              <a:spcPct val="90000"/>
+            </a:lnSpc>
+            <a:spcBef>
+              <a:spcPct val="0"/>
+            </a:spcBef>
+            <a:spcAft>
+              <a:spcPct val="15000"/>
+            </a:spcAft>
+            <a:buChar char="•"/>
+          </a:pPr>
+          <a:r>
+            <a:rPr lang="en-US" sz="1800" kern="1200" dirty="0" err="1"/>
+            <a:t>BioGrid</a:t>
+          </a:r>
+          <a:endParaRPr lang="en-US" sz="1800" kern="1200" dirty="0"/>
+        </a:p>
+        <a:p>
+          <a:pPr marL="171450" lvl="1" indent="-171450" algn="l" defTabSz="800100">
+            <a:lnSpc>
+              <a:spcPct val="90000"/>
+            </a:lnSpc>
+            <a:spcBef>
+              <a:spcPct val="0"/>
+            </a:spcBef>
+            <a:spcAft>
+              <a:spcPct val="15000"/>
+            </a:spcAft>
+            <a:buChar char="•"/>
+          </a:pPr>
+          <a:r>
+            <a:rPr lang="en-US" sz="1800" kern="1200" dirty="0" err="1"/>
+            <a:t>PharmaGKB</a:t>
+          </a:r>
+          <a:endParaRPr lang="en-US" sz="1800" kern="1200" dirty="0"/>
+        </a:p>
+        <a:p>
+          <a:pPr marL="171450" lvl="1" indent="-171450" algn="l" defTabSz="800100">
+            <a:lnSpc>
+              <a:spcPct val="90000"/>
+            </a:lnSpc>
+            <a:spcBef>
+              <a:spcPct val="0"/>
+            </a:spcBef>
+            <a:spcAft>
+              <a:spcPct val="15000"/>
+            </a:spcAft>
+            <a:buChar char="•"/>
+          </a:pPr>
+          <a:r>
+            <a:rPr lang="en-US" sz="1800" kern="1200" dirty="0"/>
+            <a:t>CTD</a:t>
+          </a:r>
+        </a:p>
+      </dsp:txBody>
+      <dsp:txXfrm>
+        <a:off x="0" y="1386651"/>
+        <a:ext cx="5734405" cy="1927800"/>
+      </dsp:txXfrm>
+    </dsp:sp>
+    <dsp:sp modelId="{5788394E-E702-364B-BDF9-AD0FD66A2969}">
+      <dsp:nvSpPr>
+        <dsp:cNvPr id="0" name=""/>
+        <dsp:cNvSpPr/>
+      </dsp:nvSpPr>
+      <dsp:spPr>
+        <a:xfrm>
+          <a:off x="286720" y="1120971"/>
+          <a:ext cx="4014083" cy="531360"/>
+        </a:xfrm>
+        <a:prstGeom prst="roundRect">
+          <a:avLst/>
+        </a:prstGeom>
+        <a:solidFill>
+          <a:schemeClr val="accent1">
+            <a:hueOff val="0"/>
+            <a:satOff val="0"/>
+            <a:lumOff val="0"/>
+            <a:alphaOff val="0"/>
+          </a:schemeClr>
+        </a:solidFill>
+        <a:ln w="19050" cap="flat" cmpd="sng" algn="ctr">
+          <a:solidFill>
+            <a:schemeClr val="lt1">
+              <a:hueOff val="0"/>
+              <a:satOff val="0"/>
+              <a:lumOff val="0"/>
+              <a:alphaOff val="0"/>
+            </a:schemeClr>
+          </a:solidFill>
+          <a:prstDash val="solid"/>
+          <a:miter lim="800000"/>
+        </a:ln>
+        <a:effectLst/>
+      </dsp:spPr>
+      <dsp:style>
+        <a:lnRef idx="2">
+          <a:scrgbClr r="0" g="0" b="0"/>
+        </a:lnRef>
+        <a:fillRef idx="1">
+          <a:scrgbClr r="0" g="0" b="0"/>
+        </a:fillRef>
+        <a:effectRef idx="0">
+          <a:scrgbClr r="0" g="0" b="0"/>
+        </a:effectRef>
+        <a:fontRef idx="minor">
+          <a:schemeClr val="lt1"/>
+        </a:fontRef>
+      </dsp:style>
+      <dsp:txBody>
+        <a:bodyPr spcFirstLastPara="0" vert="horz" wrap="square" lIns="151723" tIns="0" rIns="151723" bIns="0" numCol="1" spcCol="1270" anchor="ctr" anchorCtr="0">
+          <a:noAutofit/>
+        </a:bodyPr>
+        <a:lstStyle/>
+        <a:p>
+          <a:pPr marL="0" lvl="0" indent="0" algn="l" defTabSz="800100">
+            <a:lnSpc>
+              <a:spcPct val="90000"/>
+            </a:lnSpc>
+            <a:spcBef>
+              <a:spcPct val="0"/>
+            </a:spcBef>
+            <a:spcAft>
+              <a:spcPct val="35000"/>
+            </a:spcAft>
+            <a:buNone/>
+          </a:pPr>
+          <a:r>
+            <a:rPr lang="de-DE" sz="1800" kern="1200" dirty="0" err="1"/>
+            <a:t>Step</a:t>
+          </a:r>
+          <a:r>
+            <a:rPr lang="de-DE" sz="1800" kern="1200" dirty="0"/>
+            <a:t> 2: </a:t>
+          </a:r>
+          <a:r>
+            <a:rPr lang="de-DE" sz="1800" kern="1200" dirty="0" err="1"/>
+            <a:t>Get</a:t>
+          </a:r>
+          <a:r>
+            <a:rPr lang="de-DE" sz="1800" kern="1200" dirty="0"/>
+            <a:t> Drug-Gene-Interactions</a:t>
+          </a:r>
+          <a:endParaRPr lang="en-US" sz="1800" kern="1200" dirty="0"/>
+        </a:p>
+      </dsp:txBody>
+      <dsp:txXfrm>
+        <a:off x="312659" y="1146910"/>
+        <a:ext cx="3962205" cy="479482"/>
+      </dsp:txXfrm>
+    </dsp:sp>
+    <dsp:sp modelId="{BE644549-B27F-9F45-BCCD-063019CCFE5A}">
+      <dsp:nvSpPr>
+        <dsp:cNvPr id="0" name=""/>
+        <dsp:cNvSpPr/>
+      </dsp:nvSpPr>
+      <dsp:spPr>
+        <a:xfrm>
+          <a:off x="0" y="3677332"/>
+          <a:ext cx="5734405" cy="453600"/>
+        </a:xfrm>
+        <a:prstGeom prst="rect">
+          <a:avLst/>
+        </a:prstGeom>
+        <a:solidFill>
+          <a:schemeClr val="lt1">
+            <a:alpha val="90000"/>
+            <a:hueOff val="0"/>
+            <a:satOff val="0"/>
+            <a:lumOff val="0"/>
+            <a:alphaOff val="0"/>
+          </a:schemeClr>
+        </a:solidFill>
+        <a:ln w="19050" cap="flat" cmpd="sng" algn="ctr">
+          <a:solidFill>
+            <a:schemeClr val="accent1">
+              <a:hueOff val="0"/>
+              <a:satOff val="0"/>
+              <a:lumOff val="0"/>
+              <a:alphaOff val="0"/>
+            </a:schemeClr>
+          </a:solidFill>
+          <a:prstDash val="solid"/>
+          <a:miter lim="800000"/>
+        </a:ln>
+        <a:effectLst/>
+      </dsp:spPr>
+      <dsp:style>
+        <a:lnRef idx="2">
+          <a:scrgbClr r="0" g="0" b="0"/>
+        </a:lnRef>
+        <a:fillRef idx="1">
+          <a:scrgbClr r="0" g="0" b="0"/>
+        </a:fillRef>
+        <a:effectRef idx="0">
+          <a:scrgbClr r="0" g="0" b="0"/>
+        </a:effectRef>
+        <a:fontRef idx="minor"/>
+      </dsp:style>
+    </dsp:sp>
+    <dsp:sp modelId="{6D748164-6EDB-6949-9383-3607081CC11E}">
+      <dsp:nvSpPr>
+        <dsp:cNvPr id="0" name=""/>
+        <dsp:cNvSpPr/>
+      </dsp:nvSpPr>
+      <dsp:spPr>
+        <a:xfrm>
+          <a:off x="286720" y="3411651"/>
+          <a:ext cx="4014083" cy="531360"/>
+        </a:xfrm>
+        <a:prstGeom prst="roundRect">
+          <a:avLst/>
+        </a:prstGeom>
+        <a:solidFill>
+          <a:schemeClr val="accent1">
+            <a:hueOff val="0"/>
+            <a:satOff val="0"/>
+            <a:lumOff val="0"/>
+            <a:alphaOff val="0"/>
+          </a:schemeClr>
+        </a:solidFill>
+        <a:ln w="19050" cap="flat" cmpd="sng" algn="ctr">
+          <a:solidFill>
+            <a:schemeClr val="lt1">
+              <a:hueOff val="0"/>
+              <a:satOff val="0"/>
+              <a:lumOff val="0"/>
+              <a:alphaOff val="0"/>
+            </a:schemeClr>
+          </a:solidFill>
+          <a:prstDash val="solid"/>
+          <a:miter lim="800000"/>
+        </a:ln>
+        <a:effectLst/>
+      </dsp:spPr>
+      <dsp:style>
+        <a:lnRef idx="2">
+          <a:scrgbClr r="0" g="0" b="0"/>
+        </a:lnRef>
+        <a:fillRef idx="1">
+          <a:scrgbClr r="0" g="0" b="0"/>
+        </a:fillRef>
+        <a:effectRef idx="0">
+          <a:scrgbClr r="0" g="0" b="0"/>
+        </a:effectRef>
+        <a:fontRef idx="minor">
+          <a:schemeClr val="lt1"/>
+        </a:fontRef>
+      </dsp:style>
+      <dsp:txBody>
+        <a:bodyPr spcFirstLastPara="0" vert="horz" wrap="square" lIns="151723" tIns="0" rIns="151723" bIns="0" numCol="1" spcCol="1270" anchor="ctr" anchorCtr="0">
+          <a:noAutofit/>
+        </a:bodyPr>
+        <a:lstStyle/>
+        <a:p>
+          <a:pPr marL="0" lvl="0" indent="0" algn="l" defTabSz="800100">
+            <a:lnSpc>
+              <a:spcPct val="90000"/>
+            </a:lnSpc>
+            <a:spcBef>
+              <a:spcPct val="0"/>
+            </a:spcBef>
+            <a:spcAft>
+              <a:spcPct val="35000"/>
+            </a:spcAft>
+            <a:buNone/>
+          </a:pPr>
+          <a:r>
+            <a:rPr lang="de-DE" sz="1800" kern="1200" dirty="0" err="1"/>
+            <a:t>Step</a:t>
+          </a:r>
+          <a:r>
+            <a:rPr lang="de-DE" sz="1800" kern="1200" dirty="0"/>
+            <a:t> 3: </a:t>
+          </a:r>
+          <a:r>
+            <a:rPr lang="de-DE" sz="1800" kern="1200" dirty="0" err="1"/>
+            <a:t>Merge</a:t>
+          </a:r>
+          <a:r>
+            <a:rPr lang="de-DE" sz="1800" kern="1200" dirty="0"/>
+            <a:t> all </a:t>
+          </a:r>
+          <a:r>
+            <a:rPr lang="de-DE" sz="1800" kern="1200" dirty="0" err="1"/>
+            <a:t>databases</a:t>
+          </a:r>
+          <a:r>
+            <a:rPr lang="de-DE" sz="1800" kern="1200" dirty="0"/>
+            <a:t> </a:t>
+          </a:r>
+          <a:r>
+            <a:rPr lang="de-DE" sz="1800" kern="1200" dirty="0" err="1"/>
+            <a:t>together</a:t>
+          </a:r>
+          <a:r>
+            <a:rPr lang="de-DE" sz="1800" kern="1200" dirty="0"/>
+            <a:t> </a:t>
+          </a:r>
+          <a:endParaRPr lang="en-US" sz="1800" kern="1200" dirty="0"/>
+        </a:p>
+      </dsp:txBody>
+      <dsp:txXfrm>
+        <a:off x="312659" y="3437590"/>
+        <a:ext cx="3962205" cy="479482"/>
+      </dsp:txXfrm>
+    </dsp:sp>
+    <dsp:sp modelId="{1E1AFB02-948A-984A-BC10-94A27412B029}">
+      <dsp:nvSpPr>
+        <dsp:cNvPr id="0" name=""/>
+        <dsp:cNvSpPr/>
+      </dsp:nvSpPr>
+      <dsp:spPr>
+        <a:xfrm>
+          <a:off x="0" y="4493812"/>
+          <a:ext cx="5734405" cy="453600"/>
+        </a:xfrm>
+        <a:prstGeom prst="rect">
+          <a:avLst/>
+        </a:prstGeom>
+        <a:solidFill>
+          <a:schemeClr val="lt1">
+            <a:alpha val="90000"/>
+            <a:hueOff val="0"/>
+            <a:satOff val="0"/>
+            <a:lumOff val="0"/>
+            <a:alphaOff val="0"/>
+          </a:schemeClr>
+        </a:solidFill>
+        <a:ln w="19050" cap="flat" cmpd="sng" algn="ctr">
+          <a:solidFill>
+            <a:schemeClr val="accent1">
+              <a:hueOff val="0"/>
+              <a:satOff val="0"/>
+              <a:lumOff val="0"/>
+              <a:alphaOff val="0"/>
+            </a:schemeClr>
+          </a:solidFill>
+          <a:prstDash val="solid"/>
+          <a:miter lim="800000"/>
+        </a:ln>
+        <a:effectLst/>
+      </dsp:spPr>
+      <dsp:style>
+        <a:lnRef idx="2">
+          <a:scrgbClr r="0" g="0" b="0"/>
+        </a:lnRef>
+        <a:fillRef idx="1">
+          <a:scrgbClr r="0" g="0" b="0"/>
+        </a:fillRef>
+        <a:effectRef idx="0">
+          <a:scrgbClr r="0" g="0" b="0"/>
+        </a:effectRef>
+        <a:fontRef idx="minor"/>
+      </dsp:style>
+    </dsp:sp>
+    <dsp:sp modelId="{005694D5-BC90-124A-9272-A26B6DFB5767}">
+      <dsp:nvSpPr>
+        <dsp:cNvPr id="0" name=""/>
+        <dsp:cNvSpPr/>
+      </dsp:nvSpPr>
+      <dsp:spPr>
+        <a:xfrm>
+          <a:off x="286720" y="4228132"/>
+          <a:ext cx="4014083" cy="531360"/>
+        </a:xfrm>
+        <a:prstGeom prst="roundRect">
+          <a:avLst/>
+        </a:prstGeom>
+        <a:solidFill>
+          <a:schemeClr val="accent1">
+            <a:hueOff val="0"/>
+            <a:satOff val="0"/>
+            <a:lumOff val="0"/>
+            <a:alphaOff val="0"/>
+          </a:schemeClr>
+        </a:solidFill>
+        <a:ln w="19050" cap="flat" cmpd="sng" algn="ctr">
+          <a:solidFill>
+            <a:schemeClr val="lt1">
+              <a:hueOff val="0"/>
+              <a:satOff val="0"/>
+              <a:lumOff val="0"/>
+              <a:alphaOff val="0"/>
+            </a:schemeClr>
+          </a:solidFill>
+          <a:prstDash val="solid"/>
+          <a:miter lim="800000"/>
+        </a:ln>
+        <a:effectLst/>
+      </dsp:spPr>
+      <dsp:style>
+        <a:lnRef idx="2">
+          <a:scrgbClr r="0" g="0" b="0"/>
+        </a:lnRef>
+        <a:fillRef idx="1">
+          <a:scrgbClr r="0" g="0" b="0"/>
+        </a:fillRef>
+        <a:effectRef idx="0">
+          <a:scrgbClr r="0" g="0" b="0"/>
+        </a:effectRef>
+        <a:fontRef idx="minor">
+          <a:schemeClr val="lt1"/>
+        </a:fontRef>
+      </dsp:style>
+      <dsp:txBody>
+        <a:bodyPr spcFirstLastPara="0" vert="horz" wrap="square" lIns="151723" tIns="0" rIns="151723" bIns="0" numCol="1" spcCol="1270" anchor="ctr" anchorCtr="0">
+          <a:noAutofit/>
+        </a:bodyPr>
+        <a:lstStyle/>
+        <a:p>
+          <a:pPr marL="0" lvl="0" indent="0" algn="l" defTabSz="800100">
+            <a:lnSpc>
+              <a:spcPct val="90000"/>
+            </a:lnSpc>
+            <a:spcBef>
+              <a:spcPct val="0"/>
+            </a:spcBef>
+            <a:spcAft>
+              <a:spcPct val="35000"/>
+            </a:spcAft>
+            <a:buNone/>
+          </a:pPr>
+          <a:r>
+            <a:rPr lang="de-DE" sz="1800" kern="1200" dirty="0" err="1"/>
+            <a:t>Step</a:t>
+          </a:r>
+          <a:r>
+            <a:rPr lang="de-DE" sz="1800" kern="1200" dirty="0"/>
+            <a:t> 4: Analysis </a:t>
+          </a:r>
+          <a:r>
+            <a:rPr lang="de-DE" sz="1800" kern="1200" dirty="0" err="1"/>
+            <a:t>Step</a:t>
+          </a:r>
+          <a:endParaRPr lang="en-US" sz="1800" kern="1200" dirty="0"/>
+        </a:p>
+      </dsp:txBody>
+      <dsp:txXfrm>
+        <a:off x="312659" y="4254071"/>
+        <a:ext cx="3962205" cy="479482"/>
+      </dsp:txXfrm>
+    </dsp:sp>
+  </dsp:spTree>
+</dsp:drawing>
+</file>
+
+<file path=ppt/diagrams/drawing3.xml><?xml version="1.0" encoding="utf-8"?>
+<dsp:drawing xmlns:dgm="http://schemas.openxmlformats.org/drawingml/2006/diagram" xmlns:dsp="http://schemas.microsoft.com/office/drawing/2008/diagram" xmlns:a="http://schemas.openxmlformats.org/drawingml/2006/main">
+  <dsp:spTree>
+    <dsp:nvGrpSpPr>
+      <dsp:cNvPr id="0" name=""/>
+      <dsp:cNvGrpSpPr/>
+    </dsp:nvGrpSpPr>
+    <dsp:grpSpPr/>
+    <dsp:sp modelId="{ED043F0B-2E6F-DE44-BD23-D75239DDF723}">
+      <dsp:nvSpPr>
+        <dsp:cNvPr id="0" name=""/>
+        <dsp:cNvSpPr/>
+      </dsp:nvSpPr>
+      <dsp:spPr>
+        <a:xfrm>
+          <a:off x="0" y="1988779"/>
+          <a:ext cx="7162800" cy="1752974"/>
+        </a:xfrm>
+        <a:prstGeom prst="rect">
+          <a:avLst/>
+        </a:prstGeom>
+        <a:solidFill>
+          <a:schemeClr val="lt1">
+            <a:alpha val="90000"/>
+            <a:hueOff val="0"/>
+            <a:satOff val="0"/>
+            <a:lumOff val="0"/>
+            <a:alphaOff val="0"/>
+          </a:schemeClr>
+        </a:solidFill>
+        <a:ln w="19050" cap="flat" cmpd="sng" algn="ctr">
+          <a:solidFill>
+            <a:schemeClr val="accent1">
+              <a:hueOff val="0"/>
+              <a:satOff val="0"/>
+              <a:lumOff val="0"/>
+              <a:alphaOff val="0"/>
+            </a:schemeClr>
+          </a:solidFill>
+          <a:prstDash val="solid"/>
+          <a:miter lim="800000"/>
+        </a:ln>
+        <a:effectLst/>
+      </dsp:spPr>
+      <dsp:style>
+        <a:lnRef idx="2">
+          <a:scrgbClr r="0" g="0" b="0"/>
+        </a:lnRef>
+        <a:fillRef idx="1">
+          <a:scrgbClr r="0" g="0" b="0"/>
+        </a:fillRef>
+        <a:effectRef idx="0">
+          <a:scrgbClr r="0" g="0" b="0"/>
+        </a:effectRef>
+        <a:fontRef idx="minor"/>
+      </dsp:style>
+      <dsp:txBody>
+        <a:bodyPr spcFirstLastPara="0" vert="horz" wrap="square" lIns="555913" tIns="437388" rIns="555913" bIns="142240" numCol="1" spcCol="1270" anchor="t" anchorCtr="0">
+          <a:noAutofit/>
+        </a:bodyPr>
+        <a:lstStyle/>
+        <a:p>
+          <a:pPr marL="228600" lvl="1" indent="-228600" algn="l" defTabSz="889000">
+            <a:lnSpc>
+              <a:spcPct val="90000"/>
+            </a:lnSpc>
+            <a:spcBef>
+              <a:spcPct val="0"/>
+            </a:spcBef>
+            <a:spcAft>
+              <a:spcPct val="15000"/>
+            </a:spcAft>
+            <a:buChar char="•"/>
+          </a:pPr>
+          <a:r>
+            <a:rPr lang="de-DE" sz="2000" b="0" kern="1200" dirty="0" err="1"/>
+            <a:t>used</a:t>
+          </a:r>
+          <a:r>
+            <a:rPr lang="de-DE" sz="2000" b="0" kern="1200" dirty="0"/>
+            <a:t> </a:t>
+          </a:r>
+          <a:r>
+            <a:rPr lang="de-DE" sz="2000" b="0" kern="1200" dirty="0" err="1"/>
+            <a:t>the</a:t>
+          </a:r>
+          <a:r>
+            <a:rPr lang="de-DE" sz="2000" b="0" kern="1200" dirty="0"/>
+            <a:t> `</a:t>
+          </a:r>
+          <a:r>
+            <a:rPr lang="de-DE" sz="2000" b="0" kern="1200" dirty="0" err="1"/>
+            <a:t>idconverter.py</a:t>
+          </a:r>
+          <a:r>
+            <a:rPr lang="de-DE" sz="2000" b="0" kern="1200" dirty="0"/>
+            <a:t>` </a:t>
+          </a:r>
+          <a:r>
+            <a:rPr lang="de-DE" sz="2000" b="0" kern="1200" dirty="0" err="1"/>
+            <a:t>script</a:t>
+          </a:r>
+          <a:r>
+            <a:rPr lang="de-DE" sz="2000" b="0" kern="1200" dirty="0"/>
+            <a:t> </a:t>
+          </a:r>
+          <a:r>
+            <a:rPr lang="de-DE" sz="2000" b="0" kern="1200" dirty="0" err="1"/>
+            <a:t>from</a:t>
+          </a:r>
+          <a:r>
+            <a:rPr lang="de-DE" sz="2000" b="0" kern="1200" dirty="0"/>
+            <a:t>: https://</a:t>
+          </a:r>
+          <a:r>
+            <a:rPr lang="de-DE" sz="2000" b="0" kern="1200" dirty="0" err="1"/>
+            <a:t>github.com</a:t>
+          </a:r>
+          <a:r>
+            <a:rPr lang="de-DE" sz="2000" b="0" kern="1200" dirty="0"/>
+            <a:t>/</a:t>
+          </a:r>
+          <a:r>
+            <a:rPr lang="de-DE" sz="2000" b="0" kern="1200" dirty="0" err="1"/>
+            <a:t>yafeng</a:t>
+          </a:r>
+          <a:r>
+            <a:rPr lang="de-DE" sz="2000" b="0" kern="1200" dirty="0"/>
+            <a:t>/</a:t>
+          </a:r>
+          <a:r>
+            <a:rPr lang="de-DE" sz="2000" b="0" kern="1200" dirty="0" err="1"/>
+            <a:t>idconverter</a:t>
+          </a:r>
+          <a:r>
+            <a:rPr lang="de-DE" sz="2000" b="0" kern="1200" dirty="0"/>
+            <a:t> </a:t>
+          </a:r>
+          <a:r>
+            <a:rPr lang="en-US" sz="2000" kern="1200" dirty="0"/>
+            <a:t> </a:t>
+          </a:r>
+        </a:p>
+        <a:p>
+          <a:pPr marL="228600" lvl="1" indent="-228600" algn="l" defTabSz="889000">
+            <a:lnSpc>
+              <a:spcPct val="90000"/>
+            </a:lnSpc>
+            <a:spcBef>
+              <a:spcPct val="0"/>
+            </a:spcBef>
+            <a:spcAft>
+              <a:spcPct val="15000"/>
+            </a:spcAft>
+            <a:buChar char="•"/>
+          </a:pPr>
+          <a:r>
+            <a:rPr lang="de-DE" sz="2000" b="0" kern="1200" dirty="0" err="1"/>
+            <a:t>python</a:t>
+          </a:r>
+          <a:r>
+            <a:rPr lang="de-DE" sz="2000" b="0" kern="1200" dirty="0"/>
+            <a:t> </a:t>
+          </a:r>
+          <a:r>
+            <a:rPr lang="de-DE" sz="2000" b="0" kern="1200" dirty="0" err="1"/>
+            <a:t>idconverter.py</a:t>
+          </a:r>
+          <a:r>
+            <a:rPr lang="de-DE" sz="2000" b="0" kern="1200" dirty="0"/>
+            <a:t> --input </a:t>
+          </a:r>
+          <a:r>
+            <a:rPr lang="de-DE" sz="2000" b="0" kern="1200" dirty="0" err="1"/>
+            <a:t>unique_ENSP_IDs.csv</a:t>
+          </a:r>
+          <a:r>
+            <a:rPr lang="de-DE" sz="2000" b="0" kern="1200" dirty="0"/>
+            <a:t> --output protein2gene.csv --</a:t>
+          </a:r>
+          <a:r>
+            <a:rPr lang="de-DE" sz="2000" b="0" kern="1200" dirty="0" err="1"/>
+            <a:t>n</a:t>
+          </a:r>
+          <a:r>
+            <a:rPr lang="de-DE" sz="2000" b="0" kern="1200" dirty="0"/>
+            <a:t> 1</a:t>
+          </a:r>
+          <a:endParaRPr lang="en-US" sz="2000" kern="1200" dirty="0"/>
+        </a:p>
+      </dsp:txBody>
+      <dsp:txXfrm>
+        <a:off x="0" y="1988779"/>
+        <a:ext cx="7162800" cy="1752974"/>
+      </dsp:txXfrm>
+    </dsp:sp>
+    <dsp:sp modelId="{A5FB9F26-33AB-0742-9ED1-5DC6BB5A4B5D}">
+      <dsp:nvSpPr>
+        <dsp:cNvPr id="0" name=""/>
+        <dsp:cNvSpPr/>
+      </dsp:nvSpPr>
+      <dsp:spPr>
+        <a:xfrm>
+          <a:off x="358140" y="1678819"/>
+          <a:ext cx="5013960" cy="619920"/>
+        </a:xfrm>
+        <a:prstGeom prst="roundRect">
+          <a:avLst/>
+        </a:prstGeom>
+        <a:solidFill>
+          <a:schemeClr val="accent1">
+            <a:hueOff val="0"/>
+            <a:satOff val="0"/>
+            <a:lumOff val="0"/>
+            <a:alphaOff val="0"/>
+          </a:schemeClr>
+        </a:solidFill>
+        <a:ln w="19050" cap="flat" cmpd="sng" algn="ctr">
+          <a:solidFill>
+            <a:schemeClr val="lt1">
+              <a:hueOff val="0"/>
+              <a:satOff val="0"/>
+              <a:lumOff val="0"/>
+              <a:alphaOff val="0"/>
+            </a:schemeClr>
+          </a:solidFill>
+          <a:prstDash val="solid"/>
+          <a:miter lim="800000"/>
+        </a:ln>
+        <a:effectLst/>
+      </dsp:spPr>
+      <dsp:style>
+        <a:lnRef idx="2">
+          <a:scrgbClr r="0" g="0" b="0"/>
+        </a:lnRef>
+        <a:fillRef idx="1">
+          <a:scrgbClr r="0" g="0" b="0"/>
+        </a:fillRef>
+        <a:effectRef idx="0">
+          <a:scrgbClr r="0" g="0" b="0"/>
+        </a:effectRef>
+        <a:fontRef idx="minor">
+          <a:schemeClr val="lt1"/>
+        </a:fontRef>
+      </dsp:style>
+      <dsp:txBody>
+        <a:bodyPr spcFirstLastPara="0" vert="horz" wrap="square" lIns="189516" tIns="0" rIns="189516" bIns="0" numCol="1" spcCol="1270" anchor="ctr" anchorCtr="0">
+          <a:noAutofit/>
+        </a:bodyPr>
+        <a:lstStyle/>
+        <a:p>
+          <a:pPr marL="0" lvl="0" indent="0" algn="l" defTabSz="933450">
+            <a:lnSpc>
+              <a:spcPct val="90000"/>
+            </a:lnSpc>
+            <a:spcBef>
+              <a:spcPct val="0"/>
+            </a:spcBef>
+            <a:spcAft>
+              <a:spcPct val="35000"/>
+            </a:spcAft>
+            <a:buNone/>
+          </a:pPr>
+          <a:r>
+            <a:rPr lang="de-DE" sz="2100" kern="1200" dirty="0" err="1"/>
+            <a:t>Step</a:t>
+          </a:r>
+          <a:r>
+            <a:rPr lang="de-DE" sz="2100" kern="1200" dirty="0"/>
+            <a:t> 1: Download and </a:t>
+          </a:r>
+          <a:r>
+            <a:rPr lang="de-DE" sz="2100" kern="1200" dirty="0" err="1"/>
+            <a:t>Preprocess</a:t>
+          </a:r>
+          <a:endParaRPr lang="en-US" sz="2100" kern="1200" dirty="0"/>
+        </a:p>
+      </dsp:txBody>
+      <dsp:txXfrm>
+        <a:off x="388402" y="1709081"/>
+        <a:ext cx="4953436" cy="559396"/>
+      </dsp:txXfrm>
+    </dsp:sp>
+    <dsp:sp modelId="{BB65198B-0347-E94A-AD5C-A71AD34D4CB8}">
+      <dsp:nvSpPr>
+        <dsp:cNvPr id="0" name=""/>
+        <dsp:cNvSpPr/>
+      </dsp:nvSpPr>
+      <dsp:spPr>
+        <a:xfrm>
+          <a:off x="0" y="4165114"/>
+          <a:ext cx="7162800" cy="529200"/>
+        </a:xfrm>
+        <a:prstGeom prst="rect">
+          <a:avLst/>
+        </a:prstGeom>
+        <a:solidFill>
+          <a:schemeClr val="lt1">
+            <a:alpha val="90000"/>
+            <a:hueOff val="0"/>
+            <a:satOff val="0"/>
+            <a:lumOff val="0"/>
+            <a:alphaOff val="0"/>
+          </a:schemeClr>
+        </a:solidFill>
+        <a:ln w="19050" cap="flat" cmpd="sng" algn="ctr">
+          <a:solidFill>
+            <a:schemeClr val="accent1">
+              <a:hueOff val="0"/>
+              <a:satOff val="0"/>
+              <a:lumOff val="0"/>
+              <a:alphaOff val="0"/>
+            </a:schemeClr>
+          </a:solidFill>
+          <a:prstDash val="solid"/>
+          <a:miter lim="800000"/>
+        </a:ln>
+        <a:effectLst/>
+      </dsp:spPr>
+      <dsp:style>
+        <a:lnRef idx="2">
+          <a:scrgbClr r="0" g="0" b="0"/>
+        </a:lnRef>
+        <a:fillRef idx="1">
+          <a:scrgbClr r="0" g="0" b="0"/>
+        </a:fillRef>
+        <a:effectRef idx="0">
+          <a:scrgbClr r="0" g="0" b="0"/>
+        </a:effectRef>
+        <a:fontRef idx="minor"/>
+      </dsp:style>
+    </dsp:sp>
+    <dsp:sp modelId="{5788394E-E702-364B-BDF9-AD0FD66A2969}">
+      <dsp:nvSpPr>
+        <dsp:cNvPr id="0" name=""/>
+        <dsp:cNvSpPr/>
+      </dsp:nvSpPr>
+      <dsp:spPr>
+        <a:xfrm>
+          <a:off x="358140" y="3855154"/>
+          <a:ext cx="5013960" cy="619920"/>
+        </a:xfrm>
+        <a:prstGeom prst="roundRect">
+          <a:avLst/>
+        </a:prstGeom>
+        <a:solidFill>
+          <a:schemeClr val="accent1">
+            <a:hueOff val="0"/>
+            <a:satOff val="0"/>
+            <a:lumOff val="0"/>
+            <a:alphaOff val="0"/>
+          </a:schemeClr>
+        </a:solidFill>
+        <a:ln w="19050" cap="flat" cmpd="sng" algn="ctr">
+          <a:solidFill>
+            <a:schemeClr val="lt1">
+              <a:hueOff val="0"/>
+              <a:satOff val="0"/>
+              <a:lumOff val="0"/>
+              <a:alphaOff val="0"/>
+            </a:schemeClr>
+          </a:solidFill>
+          <a:prstDash val="solid"/>
+          <a:miter lim="800000"/>
+        </a:ln>
+        <a:effectLst/>
+      </dsp:spPr>
+      <dsp:style>
+        <a:lnRef idx="2">
+          <a:scrgbClr r="0" g="0" b="0"/>
+        </a:lnRef>
+        <a:fillRef idx="1">
+          <a:scrgbClr r="0" g="0" b="0"/>
+        </a:fillRef>
+        <a:effectRef idx="0">
+          <a:scrgbClr r="0" g="0" b="0"/>
+        </a:effectRef>
+        <a:fontRef idx="minor">
+          <a:schemeClr val="lt1"/>
+        </a:fontRef>
+      </dsp:style>
+      <dsp:txBody>
+        <a:bodyPr spcFirstLastPara="0" vert="horz" wrap="square" lIns="189516" tIns="0" rIns="189516" bIns="0" numCol="1" spcCol="1270" anchor="ctr" anchorCtr="0">
+          <a:noAutofit/>
+        </a:bodyPr>
+        <a:lstStyle/>
+        <a:p>
+          <a:pPr marL="0" lvl="0" indent="0" algn="l" defTabSz="933450">
+            <a:lnSpc>
+              <a:spcPct val="90000"/>
+            </a:lnSpc>
+            <a:spcBef>
+              <a:spcPct val="0"/>
+            </a:spcBef>
+            <a:spcAft>
+              <a:spcPct val="35000"/>
+            </a:spcAft>
+            <a:buNone/>
+          </a:pPr>
+          <a:r>
+            <a:rPr lang="de-DE" sz="2100" kern="1200" dirty="0" err="1"/>
+            <a:t>Step</a:t>
+          </a:r>
+          <a:r>
+            <a:rPr lang="de-DE" sz="2100" kern="1200" dirty="0"/>
+            <a:t> 2: Mapping and </a:t>
+          </a:r>
+          <a:r>
+            <a:rPr lang="de-DE" sz="2100" kern="1200" dirty="0" err="1"/>
+            <a:t>Merge</a:t>
+          </a:r>
+          <a:r>
+            <a:rPr lang="de-DE" sz="2100" kern="1200" dirty="0"/>
+            <a:t> Dataframes</a:t>
+          </a:r>
+          <a:endParaRPr lang="en-US" sz="2100" kern="1200" dirty="0"/>
+        </a:p>
+      </dsp:txBody>
+      <dsp:txXfrm>
+        <a:off x="388402" y="3885416"/>
+        <a:ext cx="4953436" cy="559396"/>
+      </dsp:txXfrm>
+    </dsp:sp>
+  </dsp:spTree>
+</dsp:drawing>
+</file>
+
+<file path=ppt/diagrams/drawing4.xml><?xml version="1.0" encoding="utf-8"?>
+<dsp:drawing xmlns:dgm="http://schemas.openxmlformats.org/drawingml/2006/diagram" xmlns:dsp="http://schemas.microsoft.com/office/drawing/2008/diagram" xmlns:a="http://schemas.openxmlformats.org/drawingml/2006/main">
+  <dsp:spTree>
+    <dsp:nvGrpSpPr>
+      <dsp:cNvPr id="0" name=""/>
+      <dsp:cNvGrpSpPr/>
+    </dsp:nvGrpSpPr>
+    <dsp:grpSpPr/>
+    <dsp:sp modelId="{ED043F0B-2E6F-DE44-BD23-D75239DDF723}">
+      <dsp:nvSpPr>
+        <dsp:cNvPr id="0" name=""/>
+        <dsp:cNvSpPr/>
+      </dsp:nvSpPr>
+      <dsp:spPr>
+        <a:xfrm>
           <a:off x="0" y="252227"/>
           <a:ext cx="10896600" cy="990675"/>
         </a:xfrm>
@@ -3254,10 +8402,14 @@
             <a:buChar char="•"/>
           </a:pPr>
           <a:r>
-            <a:rPr lang="de-DE" sz="1700" kern="1200"/>
-            <a:t>Level 2 Edges</a:t>
-          </a:r>
-          <a:endParaRPr lang="en-US" sz="1700" kern="1200"/>
+            <a:rPr lang="de-DE" sz="1700" kern="1200" dirty="0"/>
+            <a:t>Level 2 </a:t>
+          </a:r>
+          <a:r>
+            <a:rPr lang="de-DE" sz="1700" kern="1200" dirty="0" err="1"/>
+            <a:t>Edges</a:t>
+          </a:r>
+          <a:endParaRPr lang="en-US" sz="1700" kern="1200" dirty="0"/>
         </a:p>
         <a:p>
           <a:pPr marL="342900" lvl="2" indent="-171450" algn="l" defTabSz="755650">
@@ -3514,7 +8666,7 @@
 </dsp:drawing>
 </file>
 
-<file path=ppt/diagrams/drawing2.xml><?xml version="1.0" encoding="utf-8"?>
+<file path=ppt/diagrams/drawing5.xml><?xml version="1.0" encoding="utf-8"?>
 <dsp:drawing xmlns:dgm="http://schemas.openxmlformats.org/drawingml/2006/diagram" xmlns:dsp="http://schemas.microsoft.com/office/drawing/2008/diagram" xmlns:a="http://schemas.openxmlformats.org/drawingml/2006/main">
   <dsp:spTree>
     <dsp:nvGrpSpPr>
@@ -4401,6 +9553,681 @@
 </dgm:layoutDef>
 </file>
 
+<file path=ppt/diagrams/layout3.xml><?xml version="1.0" encoding="utf-8"?>
+<dgm:layoutDef xmlns:dgm="http://schemas.openxmlformats.org/drawingml/2006/diagram" xmlns:a="http://schemas.openxmlformats.org/drawingml/2006/main" uniqueId="urn:microsoft.com/office/officeart/2005/8/layout/list1">
+  <dgm:title val=""/>
+  <dgm:desc val=""/>
+  <dgm:catLst>
+    <dgm:cat type="list" pri="4000"/>
+  </dgm:catLst>
+  <dgm:sampData>
+    <dgm:dataModel>
+      <dgm:ptLst>
+        <dgm:pt modelId="0" type="doc"/>
+        <dgm:pt modelId="1">
+          <dgm:prSet phldr="1"/>
+        </dgm:pt>
+        <dgm:pt modelId="2">
+          <dgm:prSet phldr="1"/>
+        </dgm:pt>
+        <dgm:pt modelId="3">
+          <dgm:prSet phldr="1"/>
+        </dgm:pt>
+      </dgm:ptLst>
+      <dgm:cxnLst>
+        <dgm:cxn modelId="4" srcId="0" destId="1" srcOrd="0" destOrd="0"/>
+        <dgm:cxn modelId="5" srcId="0" destId="2" srcOrd="1" destOrd="0"/>
+        <dgm:cxn modelId="6" srcId="0" destId="3" srcOrd="2" destOrd="0"/>
+      </dgm:cxnLst>
+      <dgm:bg/>
+      <dgm:whole/>
+    </dgm:dataModel>
+  </dgm:sampData>
+  <dgm:styleData>
+    <dgm:dataModel>
+      <dgm:ptLst>
+        <dgm:pt modelId="0" type="doc"/>
+        <dgm:pt modelId="1"/>
+        <dgm:pt modelId="2"/>
+      </dgm:ptLst>
+      <dgm:cxnLst>
+        <dgm:cxn modelId="4" srcId="0" destId="1" srcOrd="0" destOrd="0"/>
+        <dgm:cxn modelId="5" srcId="0" destId="2" srcOrd="1" destOrd="0"/>
+      </dgm:cxnLst>
+      <dgm:bg/>
+      <dgm:whole/>
+    </dgm:dataModel>
+  </dgm:styleData>
+  <dgm:clrData>
+    <dgm:dataModel>
+      <dgm:ptLst>
+        <dgm:pt modelId="0" type="doc"/>
+        <dgm:pt modelId="1"/>
+        <dgm:pt modelId="2"/>
+        <dgm:pt modelId="3"/>
+        <dgm:pt modelId="4"/>
+      </dgm:ptLst>
+      <dgm:cxnLst>
+        <dgm:cxn modelId="5" srcId="0" destId="1" srcOrd="0" destOrd="0"/>
+        <dgm:cxn modelId="6" srcId="0" destId="2" srcOrd="1" destOrd="0"/>
+        <dgm:cxn modelId="7" srcId="0" destId="3" srcOrd="2" destOrd="0"/>
+        <dgm:cxn modelId="8" srcId="0" destId="4" srcOrd="3" destOrd="0"/>
+      </dgm:cxnLst>
+      <dgm:bg/>
+      <dgm:whole/>
+    </dgm:dataModel>
+  </dgm:clrData>
+  <dgm:layoutNode name="linear">
+    <dgm:varLst>
+      <dgm:dir/>
+      <dgm:animLvl val="lvl"/>
+      <dgm:resizeHandles val="exact"/>
+    </dgm:varLst>
+    <dgm:choose name="Name0">
+      <dgm:if name="Name1" func="var" arg="dir" op="equ" val="norm">
+        <dgm:alg type="lin">
+          <dgm:param type="linDir" val="fromT"/>
+          <dgm:param type="vertAlign" val="mid"/>
+          <dgm:param type="horzAlign" val="l"/>
+          <dgm:param type="nodeHorzAlign" val="l"/>
+        </dgm:alg>
+      </dgm:if>
+      <dgm:else name="Name2">
+        <dgm:alg type="lin">
+          <dgm:param type="linDir" val="fromT"/>
+          <dgm:param type="vertAlign" val="mid"/>
+          <dgm:param type="horzAlign" val="r"/>
+          <dgm:param type="nodeHorzAlign" val="r"/>
+        </dgm:alg>
+      </dgm:else>
+    </dgm:choose>
+    <dgm:shape xmlns:r="http://schemas.openxmlformats.org/officeDocument/2006/relationships" r:blip="">
+      <dgm:adjLst/>
+    </dgm:shape>
+    <dgm:presOf/>
+    <dgm:constrLst>
+      <dgm:constr type="w" for="ch" forName="parentLin" refType="w"/>
+      <dgm:constr type="h" for="ch" forName="parentLin" val="INF"/>
+      <dgm:constr type="w" for="des" forName="parentLeftMargin" refType="w" fact="0.05"/>
+      <dgm:constr type="w" for="des" forName="parentText" refType="w" fact="0.7"/>
+      <dgm:constr type="h" for="des" forName="parentText" refType="primFontSz" refFor="des" refForName="parentText" fact="0.82"/>
+      <dgm:constr type="h" for="ch" forName="negativeSpace" refType="primFontSz" refFor="des" refForName="parentText" fact="-0.41"/>
+      <dgm:constr type="h" for="ch" forName="negativeSpace" refType="h" refFor="des" refForName="parentText" op="lte" fact="-0.82"/>
+      <dgm:constr type="h" for="ch" forName="negativeSpace" refType="h" refFor="des" refForName="parentText" op="gte" fact="-0.82"/>
+      <dgm:constr type="w" for="ch" forName="childText" refType="w"/>
+      <dgm:constr type="h" for="ch" forName="childText" refType="primFontSz" refFor="des" refForName="parentText" fact="0.7"/>
+      <dgm:constr type="primFontSz" for="des" forName="parentText" val="65"/>
+      <dgm:constr type="primFontSz" for="ch" forName="childText" refType="primFontSz" refFor="des" refForName="parentText"/>
+      <dgm:constr type="tMarg" for="ch" forName="childText" refType="primFontSz" refFor="des" refForName="parentText" fact="1.64"/>
+      <dgm:constr type="tMarg" for="ch" forName="childText" refType="h" refFor="des" refForName="parentText" op="lte" fact="3.28"/>
+      <dgm:constr type="tMarg" for="ch" forName="childText" refType="h" refFor="des" refForName="parentText" op="gte" fact="3.28"/>
+      <dgm:constr type="lMarg" for="ch" forName="childText" refType="w" fact="0.22"/>
+      <dgm:constr type="rMarg" for="ch" forName="childText" refType="lMarg" refFor="ch" refForName="childText"/>
+      <dgm:constr type="lMarg" for="des" forName="parentText" refType="w" fact="0.075"/>
+      <dgm:constr type="rMarg" for="des" forName="parentText" refType="lMarg" refFor="des" refForName="parentText"/>
+      <dgm:constr type="h" for="ch" forName="spaceBetweenRectangles" refType="primFontSz" refFor="des" refForName="parentText" fact="0.15"/>
+    </dgm:constrLst>
+    <dgm:ruleLst>
+      <dgm:rule type="primFontSz" for="des" forName="parentText" val="5" fact="NaN" max="NaN"/>
+    </dgm:ruleLst>
+    <dgm:forEach name="Name3" axis="ch" ptType="node">
+      <dgm:layoutNode name="parentLin">
+        <dgm:choose name="Name4">
+          <dgm:if name="Name5" func="var" arg="dir" op="equ" val="norm">
+            <dgm:alg type="lin">
+              <dgm:param type="linDir" val="fromL"/>
+              <dgm:param type="horzAlign" val="l"/>
+              <dgm:param type="nodeHorzAlign" val="l"/>
+            </dgm:alg>
+          </dgm:if>
+          <dgm:else name="Name6">
+            <dgm:alg type="lin">
+              <dgm:param type="linDir" val="fromR"/>
+              <dgm:param type="horzAlign" val="r"/>
+              <dgm:param type="nodeHorzAlign" val="r"/>
+            </dgm:alg>
+          </dgm:else>
+        </dgm:choose>
+        <dgm:shape xmlns:r="http://schemas.openxmlformats.org/officeDocument/2006/relationships" r:blip="">
+          <dgm:adjLst/>
+        </dgm:shape>
+        <dgm:presOf/>
+        <dgm:constrLst/>
+        <dgm:ruleLst/>
+        <dgm:layoutNode name="parentLeftMargin">
+          <dgm:alg type="sp"/>
+          <dgm:shape xmlns:r="http://schemas.openxmlformats.org/officeDocument/2006/relationships" type="rect" r:blip="" hideGeom="1">
+            <dgm:adjLst/>
+          </dgm:shape>
+          <dgm:presOf axis="self"/>
+          <dgm:constrLst>
+            <dgm:constr type="h"/>
+          </dgm:constrLst>
+          <dgm:ruleLst/>
+        </dgm:layoutNode>
+        <dgm:layoutNode name="parentText" styleLbl="node1">
+          <dgm:varLst>
+            <dgm:chMax val="0"/>
+            <dgm:bulletEnabled val="1"/>
+          </dgm:varLst>
+          <dgm:choose name="Name7">
+            <dgm:if name="Name8" func="var" arg="dir" op="equ" val="norm">
+              <dgm:alg type="tx">
+                <dgm:param type="parTxLTRAlign" val="l"/>
+                <dgm:param type="parTxRTLAlign" val="l"/>
+              </dgm:alg>
+            </dgm:if>
+            <dgm:else name="Name9">
+              <dgm:alg type="tx">
+                <dgm:param type="parTxLTRAlign" val="r"/>
+                <dgm:param type="parTxRTLAlign" val="r"/>
+              </dgm:alg>
+            </dgm:else>
+          </dgm:choose>
+          <dgm:shape xmlns:r="http://schemas.openxmlformats.org/officeDocument/2006/relationships" type="roundRect" r:blip="">
+            <dgm:adjLst/>
+          </dgm:shape>
+          <dgm:presOf axis="self" ptType="node"/>
+          <dgm:constrLst>
+            <dgm:constr type="tMarg"/>
+            <dgm:constr type="bMarg"/>
+          </dgm:constrLst>
+          <dgm:ruleLst/>
+        </dgm:layoutNode>
+      </dgm:layoutNode>
+      <dgm:layoutNode name="negativeSpace">
+        <dgm:alg type="sp"/>
+        <dgm:shape xmlns:r="http://schemas.openxmlformats.org/officeDocument/2006/relationships" r:blip="">
+          <dgm:adjLst/>
+        </dgm:shape>
+        <dgm:presOf/>
+        <dgm:constrLst/>
+        <dgm:ruleLst/>
+      </dgm:layoutNode>
+      <dgm:layoutNode name="childText" styleLbl="conFgAcc1">
+        <dgm:varLst>
+          <dgm:bulletEnabled val="1"/>
+        </dgm:varLst>
+        <dgm:alg type="tx">
+          <dgm:param type="stBulletLvl" val="1"/>
+        </dgm:alg>
+        <dgm:shape xmlns:r="http://schemas.openxmlformats.org/officeDocument/2006/relationships" type="rect" r:blip="" zOrderOff="-2">
+          <dgm:adjLst/>
+        </dgm:shape>
+        <dgm:presOf axis="des" ptType="node"/>
+        <dgm:constrLst>
+          <dgm:constr type="secFontSz" refType="primFontSz"/>
+        </dgm:constrLst>
+        <dgm:ruleLst>
+          <dgm:rule type="h" val="INF" fact="NaN" max="NaN"/>
+        </dgm:ruleLst>
+      </dgm:layoutNode>
+      <dgm:forEach name="Name10" axis="followSib" ptType="sibTrans" cnt="1">
+        <dgm:layoutNode name="spaceBetweenRectangles">
+          <dgm:alg type="sp"/>
+          <dgm:shape xmlns:r="http://schemas.openxmlformats.org/officeDocument/2006/relationships" r:blip="">
+            <dgm:adjLst/>
+          </dgm:shape>
+          <dgm:presOf/>
+          <dgm:constrLst/>
+          <dgm:ruleLst/>
+        </dgm:layoutNode>
+      </dgm:forEach>
+    </dgm:forEach>
+  </dgm:layoutNode>
+</dgm:layoutDef>
+</file>
+
+<file path=ppt/diagrams/layout4.xml><?xml version="1.0" encoding="utf-8"?>
+<dgm:layoutDef xmlns:dgm="http://schemas.openxmlformats.org/drawingml/2006/diagram" xmlns:a="http://schemas.openxmlformats.org/drawingml/2006/main" uniqueId="urn:microsoft.com/office/officeart/2005/8/layout/list1">
+  <dgm:title val=""/>
+  <dgm:desc val=""/>
+  <dgm:catLst>
+    <dgm:cat type="list" pri="4000"/>
+  </dgm:catLst>
+  <dgm:sampData>
+    <dgm:dataModel>
+      <dgm:ptLst>
+        <dgm:pt modelId="0" type="doc"/>
+        <dgm:pt modelId="1">
+          <dgm:prSet phldr="1"/>
+        </dgm:pt>
+        <dgm:pt modelId="2">
+          <dgm:prSet phldr="1"/>
+        </dgm:pt>
+        <dgm:pt modelId="3">
+          <dgm:prSet phldr="1"/>
+        </dgm:pt>
+      </dgm:ptLst>
+      <dgm:cxnLst>
+        <dgm:cxn modelId="4" srcId="0" destId="1" srcOrd="0" destOrd="0"/>
+        <dgm:cxn modelId="5" srcId="0" destId="2" srcOrd="1" destOrd="0"/>
+        <dgm:cxn modelId="6" srcId="0" destId="3" srcOrd="2" destOrd="0"/>
+      </dgm:cxnLst>
+      <dgm:bg/>
+      <dgm:whole/>
+    </dgm:dataModel>
+  </dgm:sampData>
+  <dgm:styleData>
+    <dgm:dataModel>
+      <dgm:ptLst>
+        <dgm:pt modelId="0" type="doc"/>
+        <dgm:pt modelId="1"/>
+        <dgm:pt modelId="2"/>
+      </dgm:ptLst>
+      <dgm:cxnLst>
+        <dgm:cxn modelId="4" srcId="0" destId="1" srcOrd="0" destOrd="0"/>
+        <dgm:cxn modelId="5" srcId="0" destId="2" srcOrd="1" destOrd="0"/>
+      </dgm:cxnLst>
+      <dgm:bg/>
+      <dgm:whole/>
+    </dgm:dataModel>
+  </dgm:styleData>
+  <dgm:clrData>
+    <dgm:dataModel>
+      <dgm:ptLst>
+        <dgm:pt modelId="0" type="doc"/>
+        <dgm:pt modelId="1"/>
+        <dgm:pt modelId="2"/>
+        <dgm:pt modelId="3"/>
+        <dgm:pt modelId="4"/>
+      </dgm:ptLst>
+      <dgm:cxnLst>
+        <dgm:cxn modelId="5" srcId="0" destId="1" srcOrd="0" destOrd="0"/>
+        <dgm:cxn modelId="6" srcId="0" destId="2" srcOrd="1" destOrd="0"/>
+        <dgm:cxn modelId="7" srcId="0" destId="3" srcOrd="2" destOrd="0"/>
+        <dgm:cxn modelId="8" srcId="0" destId="4" srcOrd="3" destOrd="0"/>
+      </dgm:cxnLst>
+      <dgm:bg/>
+      <dgm:whole/>
+    </dgm:dataModel>
+  </dgm:clrData>
+  <dgm:layoutNode name="linear">
+    <dgm:varLst>
+      <dgm:dir/>
+      <dgm:animLvl val="lvl"/>
+      <dgm:resizeHandles val="exact"/>
+    </dgm:varLst>
+    <dgm:choose name="Name0">
+      <dgm:if name="Name1" func="var" arg="dir" op="equ" val="norm">
+        <dgm:alg type="lin">
+          <dgm:param type="linDir" val="fromT"/>
+          <dgm:param type="vertAlign" val="mid"/>
+          <dgm:param type="horzAlign" val="l"/>
+          <dgm:param type="nodeHorzAlign" val="l"/>
+        </dgm:alg>
+      </dgm:if>
+      <dgm:else name="Name2">
+        <dgm:alg type="lin">
+          <dgm:param type="linDir" val="fromT"/>
+          <dgm:param type="vertAlign" val="mid"/>
+          <dgm:param type="horzAlign" val="r"/>
+          <dgm:param type="nodeHorzAlign" val="r"/>
+        </dgm:alg>
+      </dgm:else>
+    </dgm:choose>
+    <dgm:shape xmlns:r="http://schemas.openxmlformats.org/officeDocument/2006/relationships" r:blip="">
+      <dgm:adjLst/>
+    </dgm:shape>
+    <dgm:presOf/>
+    <dgm:constrLst>
+      <dgm:constr type="w" for="ch" forName="parentLin" refType="w"/>
+      <dgm:constr type="h" for="ch" forName="parentLin" val="INF"/>
+      <dgm:constr type="w" for="des" forName="parentLeftMargin" refType="w" fact="0.05"/>
+      <dgm:constr type="w" for="des" forName="parentText" refType="w" fact="0.7"/>
+      <dgm:constr type="h" for="des" forName="parentText" refType="primFontSz" refFor="des" refForName="parentText" fact="0.82"/>
+      <dgm:constr type="h" for="ch" forName="negativeSpace" refType="primFontSz" refFor="des" refForName="parentText" fact="-0.41"/>
+      <dgm:constr type="h" for="ch" forName="negativeSpace" refType="h" refFor="des" refForName="parentText" op="lte" fact="-0.82"/>
+      <dgm:constr type="h" for="ch" forName="negativeSpace" refType="h" refFor="des" refForName="parentText" op="gte" fact="-0.82"/>
+      <dgm:constr type="w" for="ch" forName="childText" refType="w"/>
+      <dgm:constr type="h" for="ch" forName="childText" refType="primFontSz" refFor="des" refForName="parentText" fact="0.7"/>
+      <dgm:constr type="primFontSz" for="des" forName="parentText" val="65"/>
+      <dgm:constr type="primFontSz" for="ch" forName="childText" refType="primFontSz" refFor="des" refForName="parentText"/>
+      <dgm:constr type="tMarg" for="ch" forName="childText" refType="primFontSz" refFor="des" refForName="parentText" fact="1.64"/>
+      <dgm:constr type="tMarg" for="ch" forName="childText" refType="h" refFor="des" refForName="parentText" op="lte" fact="3.28"/>
+      <dgm:constr type="tMarg" for="ch" forName="childText" refType="h" refFor="des" refForName="parentText" op="gte" fact="3.28"/>
+      <dgm:constr type="lMarg" for="ch" forName="childText" refType="w" fact="0.22"/>
+      <dgm:constr type="rMarg" for="ch" forName="childText" refType="lMarg" refFor="ch" refForName="childText"/>
+      <dgm:constr type="lMarg" for="des" forName="parentText" refType="w" fact="0.075"/>
+      <dgm:constr type="rMarg" for="des" forName="parentText" refType="lMarg" refFor="des" refForName="parentText"/>
+      <dgm:constr type="h" for="ch" forName="spaceBetweenRectangles" refType="primFontSz" refFor="des" refForName="parentText" fact="0.15"/>
+    </dgm:constrLst>
+    <dgm:ruleLst>
+      <dgm:rule type="primFontSz" for="des" forName="parentText" val="5" fact="NaN" max="NaN"/>
+    </dgm:ruleLst>
+    <dgm:forEach name="Name3" axis="ch" ptType="node">
+      <dgm:layoutNode name="parentLin">
+        <dgm:choose name="Name4">
+          <dgm:if name="Name5" func="var" arg="dir" op="equ" val="norm">
+            <dgm:alg type="lin">
+              <dgm:param type="linDir" val="fromL"/>
+              <dgm:param type="horzAlign" val="l"/>
+              <dgm:param type="nodeHorzAlign" val="l"/>
+            </dgm:alg>
+          </dgm:if>
+          <dgm:else name="Name6">
+            <dgm:alg type="lin">
+              <dgm:param type="linDir" val="fromR"/>
+              <dgm:param type="horzAlign" val="r"/>
+              <dgm:param type="nodeHorzAlign" val="r"/>
+            </dgm:alg>
+          </dgm:else>
+        </dgm:choose>
+        <dgm:shape xmlns:r="http://schemas.openxmlformats.org/officeDocument/2006/relationships" r:blip="">
+          <dgm:adjLst/>
+        </dgm:shape>
+        <dgm:presOf/>
+        <dgm:constrLst/>
+        <dgm:ruleLst/>
+        <dgm:layoutNode name="parentLeftMargin">
+          <dgm:alg type="sp"/>
+          <dgm:shape xmlns:r="http://schemas.openxmlformats.org/officeDocument/2006/relationships" type="rect" r:blip="" hideGeom="1">
+            <dgm:adjLst/>
+          </dgm:shape>
+          <dgm:presOf axis="self"/>
+          <dgm:constrLst>
+            <dgm:constr type="h"/>
+          </dgm:constrLst>
+          <dgm:ruleLst/>
+        </dgm:layoutNode>
+        <dgm:layoutNode name="parentText" styleLbl="node1">
+          <dgm:varLst>
+            <dgm:chMax val="0"/>
+            <dgm:bulletEnabled val="1"/>
+          </dgm:varLst>
+          <dgm:choose name="Name7">
+            <dgm:if name="Name8" func="var" arg="dir" op="equ" val="norm">
+              <dgm:alg type="tx">
+                <dgm:param type="parTxLTRAlign" val="l"/>
+                <dgm:param type="parTxRTLAlign" val="l"/>
+              </dgm:alg>
+            </dgm:if>
+            <dgm:else name="Name9">
+              <dgm:alg type="tx">
+                <dgm:param type="parTxLTRAlign" val="r"/>
+                <dgm:param type="parTxRTLAlign" val="r"/>
+              </dgm:alg>
+            </dgm:else>
+          </dgm:choose>
+          <dgm:shape xmlns:r="http://schemas.openxmlformats.org/officeDocument/2006/relationships" type="roundRect" r:blip="">
+            <dgm:adjLst/>
+          </dgm:shape>
+          <dgm:presOf axis="self" ptType="node"/>
+          <dgm:constrLst>
+            <dgm:constr type="tMarg"/>
+            <dgm:constr type="bMarg"/>
+          </dgm:constrLst>
+          <dgm:ruleLst/>
+        </dgm:layoutNode>
+      </dgm:layoutNode>
+      <dgm:layoutNode name="negativeSpace">
+        <dgm:alg type="sp"/>
+        <dgm:shape xmlns:r="http://schemas.openxmlformats.org/officeDocument/2006/relationships" r:blip="">
+          <dgm:adjLst/>
+        </dgm:shape>
+        <dgm:presOf/>
+        <dgm:constrLst/>
+        <dgm:ruleLst/>
+      </dgm:layoutNode>
+      <dgm:layoutNode name="childText" styleLbl="conFgAcc1">
+        <dgm:varLst>
+          <dgm:bulletEnabled val="1"/>
+        </dgm:varLst>
+        <dgm:alg type="tx">
+          <dgm:param type="stBulletLvl" val="1"/>
+        </dgm:alg>
+        <dgm:shape xmlns:r="http://schemas.openxmlformats.org/officeDocument/2006/relationships" type="rect" r:blip="" zOrderOff="-2">
+          <dgm:adjLst/>
+        </dgm:shape>
+        <dgm:presOf axis="des" ptType="node"/>
+        <dgm:constrLst>
+          <dgm:constr type="secFontSz" refType="primFontSz"/>
+        </dgm:constrLst>
+        <dgm:ruleLst>
+          <dgm:rule type="h" val="INF" fact="NaN" max="NaN"/>
+        </dgm:ruleLst>
+      </dgm:layoutNode>
+      <dgm:forEach name="Name10" axis="followSib" ptType="sibTrans" cnt="1">
+        <dgm:layoutNode name="spaceBetweenRectangles">
+          <dgm:alg type="sp"/>
+          <dgm:shape xmlns:r="http://schemas.openxmlformats.org/officeDocument/2006/relationships" r:blip="">
+            <dgm:adjLst/>
+          </dgm:shape>
+          <dgm:presOf/>
+          <dgm:constrLst/>
+          <dgm:ruleLst/>
+        </dgm:layoutNode>
+      </dgm:forEach>
+    </dgm:forEach>
+  </dgm:layoutNode>
+</dgm:layoutDef>
+</file>
+
+<file path=ppt/diagrams/layout5.xml><?xml version="1.0" encoding="utf-8"?>
+<dgm:layoutDef xmlns:dgm="http://schemas.openxmlformats.org/drawingml/2006/diagram" xmlns:a="http://schemas.openxmlformats.org/drawingml/2006/main" uniqueId="urn:microsoft.com/office/officeart/2005/8/layout/list1">
+  <dgm:title val=""/>
+  <dgm:desc val=""/>
+  <dgm:catLst>
+    <dgm:cat type="list" pri="4000"/>
+  </dgm:catLst>
+  <dgm:sampData>
+    <dgm:dataModel>
+      <dgm:ptLst>
+        <dgm:pt modelId="0" type="doc"/>
+        <dgm:pt modelId="1">
+          <dgm:prSet phldr="1"/>
+        </dgm:pt>
+        <dgm:pt modelId="2">
+          <dgm:prSet phldr="1"/>
+        </dgm:pt>
+        <dgm:pt modelId="3">
+          <dgm:prSet phldr="1"/>
+        </dgm:pt>
+      </dgm:ptLst>
+      <dgm:cxnLst>
+        <dgm:cxn modelId="4" srcId="0" destId="1" srcOrd="0" destOrd="0"/>
+        <dgm:cxn modelId="5" srcId="0" destId="2" srcOrd="1" destOrd="0"/>
+        <dgm:cxn modelId="6" srcId="0" destId="3" srcOrd="2" destOrd="0"/>
+      </dgm:cxnLst>
+      <dgm:bg/>
+      <dgm:whole/>
+    </dgm:dataModel>
+  </dgm:sampData>
+  <dgm:styleData>
+    <dgm:dataModel>
+      <dgm:ptLst>
+        <dgm:pt modelId="0" type="doc"/>
+        <dgm:pt modelId="1"/>
+        <dgm:pt modelId="2"/>
+      </dgm:ptLst>
+      <dgm:cxnLst>
+        <dgm:cxn modelId="4" srcId="0" destId="1" srcOrd="0" destOrd="0"/>
+        <dgm:cxn modelId="5" srcId="0" destId="2" srcOrd="1" destOrd="0"/>
+      </dgm:cxnLst>
+      <dgm:bg/>
+      <dgm:whole/>
+    </dgm:dataModel>
+  </dgm:styleData>
+  <dgm:clrData>
+    <dgm:dataModel>
+      <dgm:ptLst>
+        <dgm:pt modelId="0" type="doc"/>
+        <dgm:pt modelId="1"/>
+        <dgm:pt modelId="2"/>
+        <dgm:pt modelId="3"/>
+        <dgm:pt modelId="4"/>
+      </dgm:ptLst>
+      <dgm:cxnLst>
+        <dgm:cxn modelId="5" srcId="0" destId="1" srcOrd="0" destOrd="0"/>
+        <dgm:cxn modelId="6" srcId="0" destId="2" srcOrd="1" destOrd="0"/>
+        <dgm:cxn modelId="7" srcId="0" destId="3" srcOrd="2" destOrd="0"/>
+        <dgm:cxn modelId="8" srcId="0" destId="4" srcOrd="3" destOrd="0"/>
+      </dgm:cxnLst>
+      <dgm:bg/>
+      <dgm:whole/>
+    </dgm:dataModel>
+  </dgm:clrData>
+  <dgm:layoutNode name="linear">
+    <dgm:varLst>
+      <dgm:dir/>
+      <dgm:animLvl val="lvl"/>
+      <dgm:resizeHandles val="exact"/>
+    </dgm:varLst>
+    <dgm:choose name="Name0">
+      <dgm:if name="Name1" func="var" arg="dir" op="equ" val="norm">
+        <dgm:alg type="lin">
+          <dgm:param type="linDir" val="fromT"/>
+          <dgm:param type="vertAlign" val="mid"/>
+          <dgm:param type="horzAlign" val="l"/>
+          <dgm:param type="nodeHorzAlign" val="l"/>
+        </dgm:alg>
+      </dgm:if>
+      <dgm:else name="Name2">
+        <dgm:alg type="lin">
+          <dgm:param type="linDir" val="fromT"/>
+          <dgm:param type="vertAlign" val="mid"/>
+          <dgm:param type="horzAlign" val="r"/>
+          <dgm:param type="nodeHorzAlign" val="r"/>
+        </dgm:alg>
+      </dgm:else>
+    </dgm:choose>
+    <dgm:shape xmlns:r="http://schemas.openxmlformats.org/officeDocument/2006/relationships" r:blip="">
+      <dgm:adjLst/>
+    </dgm:shape>
+    <dgm:presOf/>
+    <dgm:constrLst>
+      <dgm:constr type="w" for="ch" forName="parentLin" refType="w"/>
+      <dgm:constr type="h" for="ch" forName="parentLin" val="INF"/>
+      <dgm:constr type="w" for="des" forName="parentLeftMargin" refType="w" fact="0.05"/>
+      <dgm:constr type="w" for="des" forName="parentText" refType="w" fact="0.7"/>
+      <dgm:constr type="h" for="des" forName="parentText" refType="primFontSz" refFor="des" refForName="parentText" fact="0.82"/>
+      <dgm:constr type="h" for="ch" forName="negativeSpace" refType="primFontSz" refFor="des" refForName="parentText" fact="-0.41"/>
+      <dgm:constr type="h" for="ch" forName="negativeSpace" refType="h" refFor="des" refForName="parentText" op="lte" fact="-0.82"/>
+      <dgm:constr type="h" for="ch" forName="negativeSpace" refType="h" refFor="des" refForName="parentText" op="gte" fact="-0.82"/>
+      <dgm:constr type="w" for="ch" forName="childText" refType="w"/>
+      <dgm:constr type="h" for="ch" forName="childText" refType="primFontSz" refFor="des" refForName="parentText" fact="0.7"/>
+      <dgm:constr type="primFontSz" for="des" forName="parentText" val="65"/>
+      <dgm:constr type="primFontSz" for="ch" forName="childText" refType="primFontSz" refFor="des" refForName="parentText"/>
+      <dgm:constr type="tMarg" for="ch" forName="childText" refType="primFontSz" refFor="des" refForName="parentText" fact="1.64"/>
+      <dgm:constr type="tMarg" for="ch" forName="childText" refType="h" refFor="des" refForName="parentText" op="lte" fact="3.28"/>
+      <dgm:constr type="tMarg" for="ch" forName="childText" refType="h" refFor="des" refForName="parentText" op="gte" fact="3.28"/>
+      <dgm:constr type="lMarg" for="ch" forName="childText" refType="w" fact="0.22"/>
+      <dgm:constr type="rMarg" for="ch" forName="childText" refType="lMarg" refFor="ch" refForName="childText"/>
+      <dgm:constr type="lMarg" for="des" forName="parentText" refType="w" fact="0.075"/>
+      <dgm:constr type="rMarg" for="des" forName="parentText" refType="lMarg" refFor="des" refForName="parentText"/>
+      <dgm:constr type="h" for="ch" forName="spaceBetweenRectangles" refType="primFontSz" refFor="des" refForName="parentText" fact="0.15"/>
+    </dgm:constrLst>
+    <dgm:ruleLst>
+      <dgm:rule type="primFontSz" for="des" forName="parentText" val="5" fact="NaN" max="NaN"/>
+    </dgm:ruleLst>
+    <dgm:forEach name="Name3" axis="ch" ptType="node">
+      <dgm:layoutNode name="parentLin">
+        <dgm:choose name="Name4">
+          <dgm:if name="Name5" func="var" arg="dir" op="equ" val="norm">
+            <dgm:alg type="lin">
+              <dgm:param type="linDir" val="fromL"/>
+              <dgm:param type="horzAlign" val="l"/>
+              <dgm:param type="nodeHorzAlign" val="l"/>
+            </dgm:alg>
+          </dgm:if>
+          <dgm:else name="Name6">
+            <dgm:alg type="lin">
+              <dgm:param type="linDir" val="fromR"/>
+              <dgm:param type="horzAlign" val="r"/>
+              <dgm:param type="nodeHorzAlign" val="r"/>
+            </dgm:alg>
+          </dgm:else>
+        </dgm:choose>
+        <dgm:shape xmlns:r="http://schemas.openxmlformats.org/officeDocument/2006/relationships" r:blip="">
+          <dgm:adjLst/>
+        </dgm:shape>
+        <dgm:presOf/>
+        <dgm:constrLst/>
+        <dgm:ruleLst/>
+        <dgm:layoutNode name="parentLeftMargin">
+          <dgm:alg type="sp"/>
+          <dgm:shape xmlns:r="http://schemas.openxmlformats.org/officeDocument/2006/relationships" type="rect" r:blip="" hideGeom="1">
+            <dgm:adjLst/>
+          </dgm:shape>
+          <dgm:presOf axis="self"/>
+          <dgm:constrLst>
+            <dgm:constr type="h"/>
+          </dgm:constrLst>
+          <dgm:ruleLst/>
+        </dgm:layoutNode>
+        <dgm:layoutNode name="parentText" styleLbl="node1">
+          <dgm:varLst>
+            <dgm:chMax val="0"/>
+            <dgm:bulletEnabled val="1"/>
+          </dgm:varLst>
+          <dgm:choose name="Name7">
+            <dgm:if name="Name8" func="var" arg="dir" op="equ" val="norm">
+              <dgm:alg type="tx">
+                <dgm:param type="parTxLTRAlign" val="l"/>
+                <dgm:param type="parTxRTLAlign" val="l"/>
+              </dgm:alg>
+            </dgm:if>
+            <dgm:else name="Name9">
+              <dgm:alg type="tx">
+                <dgm:param type="parTxLTRAlign" val="r"/>
+                <dgm:param type="parTxRTLAlign" val="r"/>
+              </dgm:alg>
+            </dgm:else>
+          </dgm:choose>
+          <dgm:shape xmlns:r="http://schemas.openxmlformats.org/officeDocument/2006/relationships" type="roundRect" r:blip="">
+            <dgm:adjLst/>
+          </dgm:shape>
+          <dgm:presOf axis="self" ptType="node"/>
+          <dgm:constrLst>
+            <dgm:constr type="tMarg"/>
+            <dgm:constr type="bMarg"/>
+          </dgm:constrLst>
+          <dgm:ruleLst/>
+        </dgm:layoutNode>
+      </dgm:layoutNode>
+      <dgm:layoutNode name="negativeSpace">
+        <dgm:alg type="sp"/>
+        <dgm:shape xmlns:r="http://schemas.openxmlformats.org/officeDocument/2006/relationships" r:blip="">
+          <dgm:adjLst/>
+        </dgm:shape>
+        <dgm:presOf/>
+        <dgm:constrLst/>
+        <dgm:ruleLst/>
+      </dgm:layoutNode>
+      <dgm:layoutNode name="childText" styleLbl="conFgAcc1">
+        <dgm:varLst>
+          <dgm:bulletEnabled val="1"/>
+        </dgm:varLst>
+        <dgm:alg type="tx">
+          <dgm:param type="stBulletLvl" val="1"/>
+        </dgm:alg>
+        <dgm:shape xmlns:r="http://schemas.openxmlformats.org/officeDocument/2006/relationships" type="rect" r:blip="" zOrderOff="-2">
+          <dgm:adjLst/>
+        </dgm:shape>
+        <dgm:presOf axis="des" ptType="node"/>
+        <dgm:constrLst>
+          <dgm:constr type="secFontSz" refType="primFontSz"/>
+        </dgm:constrLst>
+        <dgm:ruleLst>
+          <dgm:rule type="h" val="INF" fact="NaN" max="NaN"/>
+        </dgm:ruleLst>
+      </dgm:layoutNode>
+      <dgm:forEach name="Name10" axis="followSib" ptType="sibTrans" cnt="1">
+        <dgm:layoutNode name="spaceBetweenRectangles">
+          <dgm:alg type="sp"/>
+          <dgm:shape xmlns:r="http://schemas.openxmlformats.org/officeDocument/2006/relationships" r:blip="">
+            <dgm:adjLst/>
+          </dgm:shape>
+          <dgm:presOf/>
+          <dgm:constrLst/>
+          <dgm:ruleLst/>
+        </dgm:layoutNode>
+      </dgm:forEach>
+    </dgm:forEach>
+  </dgm:layoutNode>
+</dgm:layoutDef>
+</file>
+
 <file path=ppt/diagrams/quickStyle1.xml><?xml version="1.0" encoding="utf-8"?>
 <dgm:styleDef xmlns:dgm="http://schemas.openxmlformats.org/drawingml/2006/diagram" xmlns:a="http://schemas.openxmlformats.org/drawingml/2006/main" uniqueId="urn:microsoft.com/office/officeart/2005/8/quickstyle/simple1">
   <dgm:title val=""/>
@@ -5436,6 +11263,3108 @@
 </file>
 
 <file path=ppt/diagrams/quickStyle2.xml><?xml version="1.0" encoding="utf-8"?>
+<dgm:styleDef xmlns:dgm="http://schemas.openxmlformats.org/drawingml/2006/diagram" xmlns:a="http://schemas.openxmlformats.org/drawingml/2006/main" uniqueId="urn:microsoft.com/office/officeart/2005/8/quickstyle/simple1">
+  <dgm:title val=""/>
+  <dgm:desc val=""/>
+  <dgm:catLst>
+    <dgm:cat type="simple" pri="10100"/>
+  </dgm:catLst>
+  <dgm:scene3d>
+    <a:camera prst="orthographicFront"/>
+    <a:lightRig rig="threePt" dir="t"/>
+  </dgm:scene3d>
+  <dgm:styleLbl name="node0">
+    <dgm:scene3d>
+      <a:camera prst="orthographicFront"/>
+      <a:lightRig rig="threePt" dir="t"/>
+    </dgm:scene3d>
+    <dgm:sp3d/>
+    <dgm:txPr/>
+    <dgm:style>
+      <a:lnRef idx="2">
+        <a:scrgbClr r="0" g="0" b="0"/>
+      </a:lnRef>
+      <a:fillRef idx="1">
+        <a:scrgbClr r="0" g="0" b="0"/>
+      </a:fillRef>
+      <a:effectRef idx="0">
+        <a:scrgbClr r="0" g="0" b="0"/>
+      </a:effectRef>
+      <a:fontRef idx="minor">
+        <a:schemeClr val="lt1"/>
+      </a:fontRef>
+    </dgm:style>
+  </dgm:styleLbl>
+  <dgm:styleLbl name="lnNode1">
+    <dgm:scene3d>
+      <a:camera prst="orthographicFront"/>
+      <a:lightRig rig="threePt" dir="t"/>
+    </dgm:scene3d>
+    <dgm:sp3d/>
+    <dgm:txPr/>
+    <dgm:style>
+      <a:lnRef idx="2">
+        <a:scrgbClr r="0" g="0" b="0"/>
+      </a:lnRef>
+      <a:fillRef idx="1">
+        <a:scrgbClr r="0" g="0" b="0"/>
+      </a:fillRef>
+      <a:effectRef idx="0">
+        <a:scrgbClr r="0" g="0" b="0"/>
+      </a:effectRef>
+      <a:fontRef idx="minor">
+        <a:schemeClr val="lt1"/>
+      </a:fontRef>
+    </dgm:style>
+  </dgm:styleLbl>
+  <dgm:styleLbl name="vennNode1">
+    <dgm:scene3d>
+      <a:camera prst="orthographicFront"/>
+      <a:lightRig rig="threePt" dir="t"/>
+    </dgm:scene3d>
+    <dgm:sp3d/>
+    <dgm:txPr/>
+    <dgm:style>
+      <a:lnRef idx="2">
+        <a:scrgbClr r="0" g="0" b="0"/>
+      </a:lnRef>
+      <a:fillRef idx="1">
+        <a:scrgbClr r="0" g="0" b="0"/>
+      </a:fillRef>
+      <a:effectRef idx="0">
+        <a:scrgbClr r="0" g="0" b="0"/>
+      </a:effectRef>
+      <a:fontRef idx="minor">
+        <a:schemeClr val="tx1"/>
+      </a:fontRef>
+    </dgm:style>
+  </dgm:styleLbl>
+  <dgm:styleLbl name="alignNode1">
+    <dgm:scene3d>
+      <a:camera prst="orthographicFront"/>
+      <a:lightRig rig="threePt" dir="t"/>
+    </dgm:scene3d>
+    <dgm:sp3d/>
+    <dgm:txPr/>
+    <dgm:style>
+      <a:lnRef idx="2">
+        <a:scrgbClr r="0" g="0" b="0"/>
+      </a:lnRef>
+      <a:fillRef idx="1">
+        <a:scrgbClr r="0" g="0" b="0"/>
+      </a:fillRef>
+      <a:effectRef idx="0">
+        <a:scrgbClr r="0" g="0" b="0"/>
+      </a:effectRef>
+      <a:fontRef idx="minor">
+        <a:schemeClr val="lt1"/>
+      </a:fontRef>
+    </dgm:style>
+  </dgm:styleLbl>
+  <dgm:styleLbl name="node1">
+    <dgm:scene3d>
+      <a:camera prst="orthographicFront"/>
+      <a:lightRig rig="threePt" dir="t"/>
+    </dgm:scene3d>
+    <dgm:sp3d/>
+    <dgm:txPr/>
+    <dgm:style>
+      <a:lnRef idx="2">
+        <a:scrgbClr r="0" g="0" b="0"/>
+      </a:lnRef>
+      <a:fillRef idx="1">
+        <a:scrgbClr r="0" g="0" b="0"/>
+      </a:fillRef>
+      <a:effectRef idx="0">
+        <a:scrgbClr r="0" g="0" b="0"/>
+      </a:effectRef>
+      <a:fontRef idx="minor">
+        <a:schemeClr val="lt1"/>
+      </a:fontRef>
+    </dgm:style>
+  </dgm:styleLbl>
+  <dgm:styleLbl name="node2">
+    <dgm:scene3d>
+      <a:camera prst="orthographicFront"/>
+      <a:lightRig rig="threePt" dir="t"/>
+    </dgm:scene3d>
+    <dgm:sp3d/>
+    <dgm:txPr/>
+    <dgm:style>
+      <a:lnRef idx="2">
+        <a:scrgbClr r="0" g="0" b="0"/>
+      </a:lnRef>
+      <a:fillRef idx="1">
+        <a:scrgbClr r="0" g="0" b="0"/>
+      </a:fillRef>
+      <a:effectRef idx="0">
+        <a:scrgbClr r="0" g="0" b="0"/>
+      </a:effectRef>
+      <a:fontRef idx="minor">
+        <a:schemeClr val="lt1"/>
+      </a:fontRef>
+    </dgm:style>
+  </dgm:styleLbl>
+  <dgm:styleLbl name="node3">
+    <dgm:scene3d>
+      <a:camera prst="orthographicFront"/>
+      <a:lightRig rig="threePt" dir="t"/>
+    </dgm:scene3d>
+    <dgm:sp3d/>
+    <dgm:txPr/>
+    <dgm:style>
+      <a:lnRef idx="2">
+        <a:scrgbClr r="0" g="0" b="0"/>
+      </a:lnRef>
+      <a:fillRef idx="1">
+        <a:scrgbClr r="0" g="0" b="0"/>
+      </a:fillRef>
+      <a:effectRef idx="0">
+        <a:scrgbClr r="0" g="0" b="0"/>
+      </a:effectRef>
+      <a:fontRef idx="minor">
+        <a:schemeClr val="lt1"/>
+      </a:fontRef>
+    </dgm:style>
+  </dgm:styleLbl>
+  <dgm:styleLbl name="node4">
+    <dgm:scene3d>
+      <a:camera prst="orthographicFront"/>
+      <a:lightRig rig="threePt" dir="t"/>
+    </dgm:scene3d>
+    <dgm:sp3d/>
+    <dgm:txPr/>
+    <dgm:style>
+      <a:lnRef idx="2">
+        <a:scrgbClr r="0" g="0" b="0"/>
+      </a:lnRef>
+      <a:fillRef idx="1">
+        <a:scrgbClr r="0" g="0" b="0"/>
+      </a:fillRef>
+      <a:effectRef idx="0">
+        <a:scrgbClr r="0" g="0" b="0"/>
+      </a:effectRef>
+      <a:fontRef idx="minor">
+        <a:schemeClr val="lt1"/>
+      </a:fontRef>
+    </dgm:style>
+  </dgm:styleLbl>
+  <dgm:styleLbl name="fgImgPlace1">
+    <dgm:scene3d>
+      <a:camera prst="orthographicFront"/>
+      <a:lightRig rig="threePt" dir="t"/>
+    </dgm:scene3d>
+    <dgm:sp3d/>
+    <dgm:txPr/>
+    <dgm:style>
+      <a:lnRef idx="2">
+        <a:scrgbClr r="0" g="0" b="0"/>
+      </a:lnRef>
+      <a:fillRef idx="1">
+        <a:scrgbClr r="0" g="0" b="0"/>
+      </a:fillRef>
+      <a:effectRef idx="0">
+        <a:scrgbClr r="0" g="0" b="0"/>
+      </a:effectRef>
+      <a:fontRef idx="minor"/>
+    </dgm:style>
+  </dgm:styleLbl>
+  <dgm:styleLbl name="alignImgPlace1">
+    <dgm:scene3d>
+      <a:camera prst="orthographicFront"/>
+      <a:lightRig rig="threePt" dir="t"/>
+    </dgm:scene3d>
+    <dgm:sp3d/>
+    <dgm:txPr/>
+    <dgm:style>
+      <a:lnRef idx="2">
+        <a:scrgbClr r="0" g="0" b="0"/>
+      </a:lnRef>
+      <a:fillRef idx="1">
+        <a:scrgbClr r="0" g="0" b="0"/>
+      </a:fillRef>
+      <a:effectRef idx="0">
+        <a:scrgbClr r="0" g="0" b="0"/>
+      </a:effectRef>
+      <a:fontRef idx="minor"/>
+    </dgm:style>
+  </dgm:styleLbl>
+  <dgm:styleLbl name="bgImgPlace1">
+    <dgm:scene3d>
+      <a:camera prst="orthographicFront"/>
+      <a:lightRig rig="threePt" dir="t"/>
+    </dgm:scene3d>
+    <dgm:sp3d/>
+    <dgm:txPr/>
+    <dgm:style>
+      <a:lnRef idx="2">
+        <a:scrgbClr r="0" g="0" b="0"/>
+      </a:lnRef>
+      <a:fillRef idx="1">
+        <a:scrgbClr r="0" g="0" b="0"/>
+      </a:fillRef>
+      <a:effectRef idx="0">
+        <a:scrgbClr r="0" g="0" b="0"/>
+      </a:effectRef>
+      <a:fontRef idx="minor"/>
+    </dgm:style>
+  </dgm:styleLbl>
+  <dgm:styleLbl name="sibTrans2D1">
+    <dgm:scene3d>
+      <a:camera prst="orthographicFront"/>
+      <a:lightRig rig="threePt" dir="t"/>
+    </dgm:scene3d>
+    <dgm:sp3d/>
+    <dgm:txPr/>
+    <dgm:style>
+      <a:lnRef idx="0">
+        <a:scrgbClr r="0" g="0" b="0"/>
+      </a:lnRef>
+      <a:fillRef idx="1">
+        <a:scrgbClr r="0" g="0" b="0"/>
+      </a:fillRef>
+      <a:effectRef idx="0">
+        <a:scrgbClr r="0" g="0" b="0"/>
+      </a:effectRef>
+      <a:fontRef idx="minor">
+        <a:schemeClr val="lt1"/>
+      </a:fontRef>
+    </dgm:style>
+  </dgm:styleLbl>
+  <dgm:styleLbl name="fgSibTrans2D1">
+    <dgm:scene3d>
+      <a:camera prst="orthographicFront"/>
+      <a:lightRig rig="threePt" dir="t"/>
+    </dgm:scene3d>
+    <dgm:sp3d/>
+    <dgm:txPr/>
+    <dgm:style>
+      <a:lnRef idx="0">
+        <a:scrgbClr r="0" g="0" b="0"/>
+      </a:lnRef>
+      <a:fillRef idx="1">
+        <a:scrgbClr r="0" g="0" b="0"/>
+      </a:fillRef>
+      <a:effectRef idx="0">
+        <a:scrgbClr r="0" g="0" b="0"/>
+      </a:effectRef>
+      <a:fontRef idx="minor">
+        <a:schemeClr val="lt1"/>
+      </a:fontRef>
+    </dgm:style>
+  </dgm:styleLbl>
+  <dgm:styleLbl name="bgSibTrans2D1">
+    <dgm:scene3d>
+      <a:camera prst="orthographicFront"/>
+      <a:lightRig rig="threePt" dir="t"/>
+    </dgm:scene3d>
+    <dgm:sp3d/>
+    <dgm:txPr/>
+    <dgm:style>
+      <a:lnRef idx="0">
+        <a:scrgbClr r="0" g="0" b="0"/>
+      </a:lnRef>
+      <a:fillRef idx="1">
+        <a:scrgbClr r="0" g="0" b="0"/>
+      </a:fillRef>
+      <a:effectRef idx="0">
+        <a:scrgbClr r="0" g="0" b="0"/>
+      </a:effectRef>
+      <a:fontRef idx="minor">
+        <a:schemeClr val="lt1"/>
+      </a:fontRef>
+    </dgm:style>
+  </dgm:styleLbl>
+  <dgm:styleLbl name="sibTrans1D1">
+    <dgm:scene3d>
+      <a:camera prst="orthographicFront"/>
+      <a:lightRig rig="threePt" dir="t"/>
+    </dgm:scene3d>
+    <dgm:sp3d/>
+    <dgm:txPr/>
+    <dgm:style>
+      <a:lnRef idx="1">
+        <a:scrgbClr r="0" g="0" b="0"/>
+      </a:lnRef>
+      <a:fillRef idx="0">
+        <a:scrgbClr r="0" g="0" b="0"/>
+      </a:fillRef>
+      <a:effectRef idx="0">
+        <a:scrgbClr r="0" g="0" b="0"/>
+      </a:effectRef>
+      <a:fontRef idx="minor"/>
+    </dgm:style>
+  </dgm:styleLbl>
+  <dgm:styleLbl name="callout">
+    <dgm:scene3d>
+      <a:camera prst="orthographicFront"/>
+      <a:lightRig rig="threePt" dir="t"/>
+    </dgm:scene3d>
+    <dgm:sp3d/>
+    <dgm:txPr/>
+    <dgm:style>
+      <a:lnRef idx="2">
+        <a:scrgbClr r="0" g="0" b="0"/>
+      </a:lnRef>
+      <a:fillRef idx="1">
+        <a:scrgbClr r="0" g="0" b="0"/>
+      </a:fillRef>
+      <a:effectRef idx="0">
+        <a:scrgbClr r="0" g="0" b="0"/>
+      </a:effectRef>
+      <a:fontRef idx="minor"/>
+    </dgm:style>
+  </dgm:styleLbl>
+  <dgm:styleLbl name="asst0">
+    <dgm:scene3d>
+      <a:camera prst="orthographicFront"/>
+      <a:lightRig rig="threePt" dir="t"/>
+    </dgm:scene3d>
+    <dgm:sp3d/>
+    <dgm:txPr/>
+    <dgm:style>
+      <a:lnRef idx="2">
+        <a:scrgbClr r="0" g="0" b="0"/>
+      </a:lnRef>
+      <a:fillRef idx="1">
+        <a:scrgbClr r="0" g="0" b="0"/>
+      </a:fillRef>
+      <a:effectRef idx="0">
+        <a:scrgbClr r="0" g="0" b="0"/>
+      </a:effectRef>
+      <a:fontRef idx="minor">
+        <a:schemeClr val="lt1"/>
+      </a:fontRef>
+    </dgm:style>
+  </dgm:styleLbl>
+  <dgm:styleLbl name="asst1">
+    <dgm:scene3d>
+      <a:camera prst="orthographicFront"/>
+      <a:lightRig rig="threePt" dir="t"/>
+    </dgm:scene3d>
+    <dgm:sp3d/>
+    <dgm:txPr/>
+    <dgm:style>
+      <a:lnRef idx="2">
+        <a:scrgbClr r="0" g="0" b="0"/>
+      </a:lnRef>
+      <a:fillRef idx="1">
+        <a:scrgbClr r="0" g="0" b="0"/>
+      </a:fillRef>
+      <a:effectRef idx="0">
+        <a:scrgbClr r="0" g="0" b="0"/>
+      </a:effectRef>
+      <a:fontRef idx="minor">
+        <a:schemeClr val="lt1"/>
+      </a:fontRef>
+    </dgm:style>
+  </dgm:styleLbl>
+  <dgm:styleLbl name="asst2">
+    <dgm:scene3d>
+      <a:camera prst="orthographicFront"/>
+      <a:lightRig rig="threePt" dir="t"/>
+    </dgm:scene3d>
+    <dgm:sp3d/>
+    <dgm:txPr/>
+    <dgm:style>
+      <a:lnRef idx="2">
+        <a:scrgbClr r="0" g="0" b="0"/>
+      </a:lnRef>
+      <a:fillRef idx="1">
+        <a:scrgbClr r="0" g="0" b="0"/>
+      </a:fillRef>
+      <a:effectRef idx="0">
+        <a:scrgbClr r="0" g="0" b="0"/>
+      </a:effectRef>
+      <a:fontRef idx="minor">
+        <a:schemeClr val="lt1"/>
+      </a:fontRef>
+    </dgm:style>
+  </dgm:styleLbl>
+  <dgm:styleLbl name="asst3">
+    <dgm:scene3d>
+      <a:camera prst="orthographicFront"/>
+      <a:lightRig rig="threePt" dir="t"/>
+    </dgm:scene3d>
+    <dgm:sp3d/>
+    <dgm:txPr/>
+    <dgm:style>
+      <a:lnRef idx="2">
+        <a:scrgbClr r="0" g="0" b="0"/>
+      </a:lnRef>
+      <a:fillRef idx="1">
+        <a:scrgbClr r="0" g="0" b="0"/>
+      </a:fillRef>
+      <a:effectRef idx="0">
+        <a:scrgbClr r="0" g="0" b="0"/>
+      </a:effectRef>
+      <a:fontRef idx="minor">
+        <a:schemeClr val="lt1"/>
+      </a:fontRef>
+    </dgm:style>
+  </dgm:styleLbl>
+  <dgm:styleLbl name="asst4">
+    <dgm:scene3d>
+      <a:camera prst="orthographicFront"/>
+      <a:lightRig rig="threePt" dir="t"/>
+    </dgm:scene3d>
+    <dgm:sp3d/>
+    <dgm:txPr/>
+    <dgm:style>
+      <a:lnRef idx="2">
+        <a:scrgbClr r="0" g="0" b="0"/>
+      </a:lnRef>
+      <a:fillRef idx="1">
+        <a:scrgbClr r="0" g="0" b="0"/>
+      </a:fillRef>
+      <a:effectRef idx="0">
+        <a:scrgbClr r="0" g="0" b="0"/>
+      </a:effectRef>
+      <a:fontRef idx="minor">
+        <a:schemeClr val="lt1"/>
+      </a:fontRef>
+    </dgm:style>
+  </dgm:styleLbl>
+  <dgm:styleLbl name="parChTrans2D1">
+    <dgm:scene3d>
+      <a:camera prst="orthographicFront"/>
+      <a:lightRig rig="threePt" dir="t"/>
+    </dgm:scene3d>
+    <dgm:sp3d/>
+    <dgm:txPr/>
+    <dgm:style>
+      <a:lnRef idx="2">
+        <a:scrgbClr r="0" g="0" b="0"/>
+      </a:lnRef>
+      <a:fillRef idx="1">
+        <a:scrgbClr r="0" g="0" b="0"/>
+      </a:fillRef>
+      <a:effectRef idx="0">
+        <a:scrgbClr r="0" g="0" b="0"/>
+      </a:effectRef>
+      <a:fontRef idx="minor">
+        <a:schemeClr val="lt1"/>
+      </a:fontRef>
+    </dgm:style>
+  </dgm:styleLbl>
+  <dgm:styleLbl name="parChTrans2D2">
+    <dgm:scene3d>
+      <a:camera prst="orthographicFront"/>
+      <a:lightRig rig="threePt" dir="t"/>
+    </dgm:scene3d>
+    <dgm:sp3d/>
+    <dgm:txPr/>
+    <dgm:style>
+      <a:lnRef idx="2">
+        <a:scrgbClr r="0" g="0" b="0"/>
+      </a:lnRef>
+      <a:fillRef idx="1">
+        <a:scrgbClr r="0" g="0" b="0"/>
+      </a:fillRef>
+      <a:effectRef idx="0">
+        <a:scrgbClr r="0" g="0" b="0"/>
+      </a:effectRef>
+      <a:fontRef idx="minor">
+        <a:schemeClr val="lt1"/>
+      </a:fontRef>
+    </dgm:style>
+  </dgm:styleLbl>
+  <dgm:styleLbl name="parChTrans2D3">
+    <dgm:scene3d>
+      <a:camera prst="orthographicFront"/>
+      <a:lightRig rig="threePt" dir="t"/>
+    </dgm:scene3d>
+    <dgm:sp3d/>
+    <dgm:txPr/>
+    <dgm:style>
+      <a:lnRef idx="2">
+        <a:scrgbClr r="0" g="0" b="0"/>
+      </a:lnRef>
+      <a:fillRef idx="1">
+        <a:scrgbClr r="0" g="0" b="0"/>
+      </a:fillRef>
+      <a:effectRef idx="0">
+        <a:scrgbClr r="0" g="0" b="0"/>
+      </a:effectRef>
+      <a:fontRef idx="minor">
+        <a:schemeClr val="lt1"/>
+      </a:fontRef>
+    </dgm:style>
+  </dgm:styleLbl>
+  <dgm:styleLbl name="parChTrans2D4">
+    <dgm:scene3d>
+      <a:camera prst="orthographicFront"/>
+      <a:lightRig rig="threePt" dir="t"/>
+    </dgm:scene3d>
+    <dgm:sp3d/>
+    <dgm:txPr/>
+    <dgm:style>
+      <a:lnRef idx="2">
+        <a:scrgbClr r="0" g="0" b="0"/>
+      </a:lnRef>
+      <a:fillRef idx="1">
+        <a:scrgbClr r="0" g="0" b="0"/>
+      </a:fillRef>
+      <a:effectRef idx="0">
+        <a:scrgbClr r="0" g="0" b="0"/>
+      </a:effectRef>
+      <a:fontRef idx="minor">
+        <a:schemeClr val="lt1"/>
+      </a:fontRef>
+    </dgm:style>
+  </dgm:styleLbl>
+  <dgm:styleLbl name="parChTrans1D1">
+    <dgm:scene3d>
+      <a:camera prst="orthographicFront"/>
+      <a:lightRig rig="threePt" dir="t"/>
+    </dgm:scene3d>
+    <dgm:sp3d/>
+    <dgm:txPr/>
+    <dgm:style>
+      <a:lnRef idx="2">
+        <a:scrgbClr r="0" g="0" b="0"/>
+      </a:lnRef>
+      <a:fillRef idx="0">
+        <a:scrgbClr r="0" g="0" b="0"/>
+      </a:fillRef>
+      <a:effectRef idx="0">
+        <a:scrgbClr r="0" g="0" b="0"/>
+      </a:effectRef>
+      <a:fontRef idx="minor"/>
+    </dgm:style>
+  </dgm:styleLbl>
+  <dgm:styleLbl name="parChTrans1D2">
+    <dgm:scene3d>
+      <a:camera prst="orthographicFront"/>
+      <a:lightRig rig="threePt" dir="t"/>
+    </dgm:scene3d>
+    <dgm:sp3d/>
+    <dgm:txPr/>
+    <dgm:style>
+      <a:lnRef idx="2">
+        <a:scrgbClr r="0" g="0" b="0"/>
+      </a:lnRef>
+      <a:fillRef idx="0">
+        <a:scrgbClr r="0" g="0" b="0"/>
+      </a:fillRef>
+      <a:effectRef idx="0">
+        <a:scrgbClr r="0" g="0" b="0"/>
+      </a:effectRef>
+      <a:fontRef idx="minor"/>
+    </dgm:style>
+  </dgm:styleLbl>
+  <dgm:styleLbl name="parChTrans1D3">
+    <dgm:scene3d>
+      <a:camera prst="orthographicFront"/>
+      <a:lightRig rig="threePt" dir="t"/>
+    </dgm:scene3d>
+    <dgm:sp3d/>
+    <dgm:txPr/>
+    <dgm:style>
+      <a:lnRef idx="2">
+        <a:scrgbClr r="0" g="0" b="0"/>
+      </a:lnRef>
+      <a:fillRef idx="0">
+        <a:scrgbClr r="0" g="0" b="0"/>
+      </a:fillRef>
+      <a:effectRef idx="0">
+        <a:scrgbClr r="0" g="0" b="0"/>
+      </a:effectRef>
+      <a:fontRef idx="minor"/>
+    </dgm:style>
+  </dgm:styleLbl>
+  <dgm:styleLbl name="parChTrans1D4">
+    <dgm:scene3d>
+      <a:camera prst="orthographicFront"/>
+      <a:lightRig rig="threePt" dir="t"/>
+    </dgm:scene3d>
+    <dgm:sp3d/>
+    <dgm:txPr/>
+    <dgm:style>
+      <a:lnRef idx="2">
+        <a:scrgbClr r="0" g="0" b="0"/>
+      </a:lnRef>
+      <a:fillRef idx="0">
+        <a:scrgbClr r="0" g="0" b="0"/>
+      </a:fillRef>
+      <a:effectRef idx="0">
+        <a:scrgbClr r="0" g="0" b="0"/>
+      </a:effectRef>
+      <a:fontRef idx="minor"/>
+    </dgm:style>
+  </dgm:styleLbl>
+  <dgm:styleLbl name="fgAcc1">
+    <dgm:scene3d>
+      <a:camera prst="orthographicFront"/>
+      <a:lightRig rig="threePt" dir="t"/>
+    </dgm:scene3d>
+    <dgm:sp3d/>
+    <dgm:txPr/>
+    <dgm:style>
+      <a:lnRef idx="2">
+        <a:scrgbClr r="0" g="0" b="0"/>
+      </a:lnRef>
+      <a:fillRef idx="1">
+        <a:scrgbClr r="0" g="0" b="0"/>
+      </a:fillRef>
+      <a:effectRef idx="0">
+        <a:scrgbClr r="0" g="0" b="0"/>
+      </a:effectRef>
+      <a:fontRef idx="minor"/>
+    </dgm:style>
+  </dgm:styleLbl>
+  <dgm:styleLbl name="conFgAcc1">
+    <dgm:scene3d>
+      <a:camera prst="orthographicFront"/>
+      <a:lightRig rig="threePt" dir="t"/>
+    </dgm:scene3d>
+    <dgm:sp3d/>
+    <dgm:txPr/>
+    <dgm:style>
+      <a:lnRef idx="2">
+        <a:scrgbClr r="0" g="0" b="0"/>
+      </a:lnRef>
+      <a:fillRef idx="1">
+        <a:scrgbClr r="0" g="0" b="0"/>
+      </a:fillRef>
+      <a:effectRef idx="0">
+        <a:scrgbClr r="0" g="0" b="0"/>
+      </a:effectRef>
+      <a:fontRef idx="minor"/>
+    </dgm:style>
+  </dgm:styleLbl>
+  <dgm:styleLbl name="alignAcc1">
+    <dgm:scene3d>
+      <a:camera prst="orthographicFront"/>
+      <a:lightRig rig="threePt" dir="t"/>
+    </dgm:scene3d>
+    <dgm:sp3d/>
+    <dgm:txPr/>
+    <dgm:style>
+      <a:lnRef idx="2">
+        <a:scrgbClr r="0" g="0" b="0"/>
+      </a:lnRef>
+      <a:fillRef idx="1">
+        <a:scrgbClr r="0" g="0" b="0"/>
+      </a:fillRef>
+      <a:effectRef idx="0">
+        <a:scrgbClr r="0" g="0" b="0"/>
+      </a:effectRef>
+      <a:fontRef idx="minor"/>
+    </dgm:style>
+  </dgm:styleLbl>
+  <dgm:styleLbl name="trAlignAcc1">
+    <dgm:scene3d>
+      <a:camera prst="orthographicFront"/>
+      <a:lightRig rig="threePt" dir="t"/>
+    </dgm:scene3d>
+    <dgm:sp3d/>
+    <dgm:txPr/>
+    <dgm:style>
+      <a:lnRef idx="1">
+        <a:scrgbClr r="0" g="0" b="0"/>
+      </a:lnRef>
+      <a:fillRef idx="1">
+        <a:scrgbClr r="0" g="0" b="0"/>
+      </a:fillRef>
+      <a:effectRef idx="0">
+        <a:scrgbClr r="0" g="0" b="0"/>
+      </a:effectRef>
+      <a:fontRef idx="minor"/>
+    </dgm:style>
+  </dgm:styleLbl>
+  <dgm:styleLbl name="bgAcc1">
+    <dgm:scene3d>
+      <a:camera prst="orthographicFront"/>
+      <a:lightRig rig="threePt" dir="t"/>
+    </dgm:scene3d>
+    <dgm:sp3d/>
+    <dgm:txPr/>
+    <dgm:style>
+      <a:lnRef idx="2">
+        <a:scrgbClr r="0" g="0" b="0"/>
+      </a:lnRef>
+      <a:fillRef idx="1">
+        <a:scrgbClr r="0" g="0" b="0"/>
+      </a:fillRef>
+      <a:effectRef idx="0">
+        <a:scrgbClr r="0" g="0" b="0"/>
+      </a:effectRef>
+      <a:fontRef idx="minor"/>
+    </dgm:style>
+  </dgm:styleLbl>
+  <dgm:styleLbl name="solidFgAcc1">
+    <dgm:scene3d>
+      <a:camera prst="orthographicFront"/>
+      <a:lightRig rig="threePt" dir="t"/>
+    </dgm:scene3d>
+    <dgm:sp3d/>
+    <dgm:txPr/>
+    <dgm:style>
+      <a:lnRef idx="2">
+        <a:scrgbClr r="0" g="0" b="0"/>
+      </a:lnRef>
+      <a:fillRef idx="1">
+        <a:scrgbClr r="0" g="0" b="0"/>
+      </a:fillRef>
+      <a:effectRef idx="0">
+        <a:scrgbClr r="0" g="0" b="0"/>
+      </a:effectRef>
+      <a:fontRef idx="minor"/>
+    </dgm:style>
+  </dgm:styleLbl>
+  <dgm:styleLbl name="solidAlignAcc1">
+    <dgm:scene3d>
+      <a:camera prst="orthographicFront"/>
+      <a:lightRig rig="threePt" dir="t"/>
+    </dgm:scene3d>
+    <dgm:sp3d/>
+    <dgm:txPr/>
+    <dgm:style>
+      <a:lnRef idx="2">
+        <a:scrgbClr r="0" g="0" b="0"/>
+      </a:lnRef>
+      <a:fillRef idx="1">
+        <a:scrgbClr r="0" g="0" b="0"/>
+      </a:fillRef>
+      <a:effectRef idx="0">
+        <a:scrgbClr r="0" g="0" b="0"/>
+      </a:effectRef>
+      <a:fontRef idx="minor"/>
+    </dgm:style>
+  </dgm:styleLbl>
+  <dgm:styleLbl name="solidBgAcc1">
+    <dgm:scene3d>
+      <a:camera prst="orthographicFront"/>
+      <a:lightRig rig="threePt" dir="t"/>
+    </dgm:scene3d>
+    <dgm:sp3d/>
+    <dgm:txPr/>
+    <dgm:style>
+      <a:lnRef idx="2">
+        <a:scrgbClr r="0" g="0" b="0"/>
+      </a:lnRef>
+      <a:fillRef idx="1">
+        <a:scrgbClr r="0" g="0" b="0"/>
+      </a:fillRef>
+      <a:effectRef idx="0">
+        <a:scrgbClr r="0" g="0" b="0"/>
+      </a:effectRef>
+      <a:fontRef idx="minor"/>
+    </dgm:style>
+  </dgm:styleLbl>
+  <dgm:styleLbl name="fgAccFollowNode1">
+    <dgm:scene3d>
+      <a:camera prst="orthographicFront"/>
+      <a:lightRig rig="threePt" dir="t"/>
+    </dgm:scene3d>
+    <dgm:sp3d/>
+    <dgm:txPr/>
+    <dgm:style>
+      <a:lnRef idx="2">
+        <a:scrgbClr r="0" g="0" b="0"/>
+      </a:lnRef>
+      <a:fillRef idx="1">
+        <a:scrgbClr r="0" g="0" b="0"/>
+      </a:fillRef>
+      <a:effectRef idx="0">
+        <a:scrgbClr r="0" g="0" b="0"/>
+      </a:effectRef>
+      <a:fontRef idx="minor"/>
+    </dgm:style>
+  </dgm:styleLbl>
+  <dgm:styleLbl name="alignAccFollowNode1">
+    <dgm:scene3d>
+      <a:camera prst="orthographicFront"/>
+      <a:lightRig rig="threePt" dir="t"/>
+    </dgm:scene3d>
+    <dgm:sp3d/>
+    <dgm:txPr/>
+    <dgm:style>
+      <a:lnRef idx="2">
+        <a:scrgbClr r="0" g="0" b="0"/>
+      </a:lnRef>
+      <a:fillRef idx="1">
+        <a:scrgbClr r="0" g="0" b="0"/>
+      </a:fillRef>
+      <a:effectRef idx="0">
+        <a:scrgbClr r="0" g="0" b="0"/>
+      </a:effectRef>
+      <a:fontRef idx="minor"/>
+    </dgm:style>
+  </dgm:styleLbl>
+  <dgm:styleLbl name="bgAccFollowNode1">
+    <dgm:scene3d>
+      <a:camera prst="orthographicFront"/>
+      <a:lightRig rig="threePt" dir="t"/>
+    </dgm:scene3d>
+    <dgm:sp3d/>
+    <dgm:txPr/>
+    <dgm:style>
+      <a:lnRef idx="2">
+        <a:scrgbClr r="0" g="0" b="0"/>
+      </a:lnRef>
+      <a:fillRef idx="1">
+        <a:scrgbClr r="0" g="0" b="0"/>
+      </a:fillRef>
+      <a:effectRef idx="0">
+        <a:scrgbClr r="0" g="0" b="0"/>
+      </a:effectRef>
+      <a:fontRef idx="minor"/>
+    </dgm:style>
+  </dgm:styleLbl>
+  <dgm:styleLbl name="fgAcc0">
+    <dgm:scene3d>
+      <a:camera prst="orthographicFront"/>
+      <a:lightRig rig="threePt" dir="t"/>
+    </dgm:scene3d>
+    <dgm:sp3d/>
+    <dgm:txPr/>
+    <dgm:style>
+      <a:lnRef idx="2">
+        <a:scrgbClr r="0" g="0" b="0"/>
+      </a:lnRef>
+      <a:fillRef idx="1">
+        <a:scrgbClr r="0" g="0" b="0"/>
+      </a:fillRef>
+      <a:effectRef idx="0">
+        <a:scrgbClr r="0" g="0" b="0"/>
+      </a:effectRef>
+      <a:fontRef idx="minor"/>
+    </dgm:style>
+  </dgm:styleLbl>
+  <dgm:styleLbl name="fgAcc2">
+    <dgm:scene3d>
+      <a:camera prst="orthographicFront"/>
+      <a:lightRig rig="threePt" dir="t"/>
+    </dgm:scene3d>
+    <dgm:sp3d/>
+    <dgm:txPr/>
+    <dgm:style>
+      <a:lnRef idx="2">
+        <a:scrgbClr r="0" g="0" b="0"/>
+      </a:lnRef>
+      <a:fillRef idx="1">
+        <a:scrgbClr r="0" g="0" b="0"/>
+      </a:fillRef>
+      <a:effectRef idx="0">
+        <a:scrgbClr r="0" g="0" b="0"/>
+      </a:effectRef>
+      <a:fontRef idx="minor"/>
+    </dgm:style>
+  </dgm:styleLbl>
+  <dgm:styleLbl name="fgAcc3">
+    <dgm:scene3d>
+      <a:camera prst="orthographicFront"/>
+      <a:lightRig rig="threePt" dir="t"/>
+    </dgm:scene3d>
+    <dgm:sp3d/>
+    <dgm:txPr/>
+    <dgm:style>
+      <a:lnRef idx="2">
+        <a:scrgbClr r="0" g="0" b="0"/>
+      </a:lnRef>
+      <a:fillRef idx="1">
+        <a:scrgbClr r="0" g="0" b="0"/>
+      </a:fillRef>
+      <a:effectRef idx="0">
+        <a:scrgbClr r="0" g="0" b="0"/>
+      </a:effectRef>
+      <a:fontRef idx="minor"/>
+    </dgm:style>
+  </dgm:styleLbl>
+  <dgm:styleLbl name="fgAcc4">
+    <dgm:scene3d>
+      <a:camera prst="orthographicFront"/>
+      <a:lightRig rig="threePt" dir="t"/>
+    </dgm:scene3d>
+    <dgm:sp3d/>
+    <dgm:txPr/>
+    <dgm:style>
+      <a:lnRef idx="2">
+        <a:scrgbClr r="0" g="0" b="0"/>
+      </a:lnRef>
+      <a:fillRef idx="1">
+        <a:scrgbClr r="0" g="0" b="0"/>
+      </a:fillRef>
+      <a:effectRef idx="0">
+        <a:scrgbClr r="0" g="0" b="0"/>
+      </a:effectRef>
+      <a:fontRef idx="minor"/>
+    </dgm:style>
+  </dgm:styleLbl>
+  <dgm:styleLbl name="bgShp">
+    <dgm:scene3d>
+      <a:camera prst="orthographicFront"/>
+      <a:lightRig rig="threePt" dir="t"/>
+    </dgm:scene3d>
+    <dgm:sp3d/>
+    <dgm:txPr/>
+    <dgm:style>
+      <a:lnRef idx="0">
+        <a:scrgbClr r="0" g="0" b="0"/>
+      </a:lnRef>
+      <a:fillRef idx="1">
+        <a:scrgbClr r="0" g="0" b="0"/>
+      </a:fillRef>
+      <a:effectRef idx="0">
+        <a:scrgbClr r="0" g="0" b="0"/>
+      </a:effectRef>
+      <a:fontRef idx="minor"/>
+    </dgm:style>
+  </dgm:styleLbl>
+  <dgm:styleLbl name="dkBgShp">
+    <dgm:scene3d>
+      <a:camera prst="orthographicFront"/>
+      <a:lightRig rig="threePt" dir="t"/>
+    </dgm:scene3d>
+    <dgm:sp3d/>
+    <dgm:txPr/>
+    <dgm:style>
+      <a:lnRef idx="0">
+        <a:scrgbClr r="0" g="0" b="0"/>
+      </a:lnRef>
+      <a:fillRef idx="1">
+        <a:scrgbClr r="0" g="0" b="0"/>
+      </a:fillRef>
+      <a:effectRef idx="0">
+        <a:scrgbClr r="0" g="0" b="0"/>
+      </a:effectRef>
+      <a:fontRef idx="minor"/>
+    </dgm:style>
+  </dgm:styleLbl>
+  <dgm:styleLbl name="trBgShp">
+    <dgm:scene3d>
+      <a:camera prst="orthographicFront"/>
+      <a:lightRig rig="threePt" dir="t"/>
+    </dgm:scene3d>
+    <dgm:sp3d/>
+    <dgm:txPr/>
+    <dgm:style>
+      <a:lnRef idx="0">
+        <a:scrgbClr r="0" g="0" b="0"/>
+      </a:lnRef>
+      <a:fillRef idx="1">
+        <a:scrgbClr r="0" g="0" b="0"/>
+      </a:fillRef>
+      <a:effectRef idx="0">
+        <a:scrgbClr r="0" g="0" b="0"/>
+      </a:effectRef>
+      <a:fontRef idx="minor"/>
+    </dgm:style>
+  </dgm:styleLbl>
+  <dgm:styleLbl name="fgShp">
+    <dgm:scene3d>
+      <a:camera prst="orthographicFront"/>
+      <a:lightRig rig="threePt" dir="t"/>
+    </dgm:scene3d>
+    <dgm:sp3d/>
+    <dgm:txPr/>
+    <dgm:style>
+      <a:lnRef idx="2">
+        <a:scrgbClr r="0" g="0" b="0"/>
+      </a:lnRef>
+      <a:fillRef idx="1">
+        <a:scrgbClr r="0" g="0" b="0"/>
+      </a:fillRef>
+      <a:effectRef idx="0">
+        <a:scrgbClr r="0" g="0" b="0"/>
+      </a:effectRef>
+      <a:fontRef idx="minor"/>
+    </dgm:style>
+  </dgm:styleLbl>
+  <dgm:styleLbl name="revTx">
+    <dgm:scene3d>
+      <a:camera prst="orthographicFront"/>
+      <a:lightRig rig="threePt" dir="t"/>
+    </dgm:scene3d>
+    <dgm:sp3d/>
+    <dgm:txPr/>
+    <dgm:style>
+      <a:lnRef idx="0">
+        <a:scrgbClr r="0" g="0" b="0"/>
+      </a:lnRef>
+      <a:fillRef idx="0">
+        <a:scrgbClr r="0" g="0" b="0"/>
+      </a:fillRef>
+      <a:effectRef idx="0">
+        <a:scrgbClr r="0" g="0" b="0"/>
+      </a:effectRef>
+      <a:fontRef idx="minor"/>
+    </dgm:style>
+  </dgm:styleLbl>
+</dgm:styleDef>
+</file>
+
+<file path=ppt/diagrams/quickStyle3.xml><?xml version="1.0" encoding="utf-8"?>
+<dgm:styleDef xmlns:dgm="http://schemas.openxmlformats.org/drawingml/2006/diagram" xmlns:a="http://schemas.openxmlformats.org/drawingml/2006/main" uniqueId="urn:microsoft.com/office/officeart/2005/8/quickstyle/simple1">
+  <dgm:title val=""/>
+  <dgm:desc val=""/>
+  <dgm:catLst>
+    <dgm:cat type="simple" pri="10100"/>
+  </dgm:catLst>
+  <dgm:scene3d>
+    <a:camera prst="orthographicFront"/>
+    <a:lightRig rig="threePt" dir="t"/>
+  </dgm:scene3d>
+  <dgm:styleLbl name="node0">
+    <dgm:scene3d>
+      <a:camera prst="orthographicFront"/>
+      <a:lightRig rig="threePt" dir="t"/>
+    </dgm:scene3d>
+    <dgm:sp3d/>
+    <dgm:txPr/>
+    <dgm:style>
+      <a:lnRef idx="2">
+        <a:scrgbClr r="0" g="0" b="0"/>
+      </a:lnRef>
+      <a:fillRef idx="1">
+        <a:scrgbClr r="0" g="0" b="0"/>
+      </a:fillRef>
+      <a:effectRef idx="0">
+        <a:scrgbClr r="0" g="0" b="0"/>
+      </a:effectRef>
+      <a:fontRef idx="minor">
+        <a:schemeClr val="lt1"/>
+      </a:fontRef>
+    </dgm:style>
+  </dgm:styleLbl>
+  <dgm:styleLbl name="lnNode1">
+    <dgm:scene3d>
+      <a:camera prst="orthographicFront"/>
+      <a:lightRig rig="threePt" dir="t"/>
+    </dgm:scene3d>
+    <dgm:sp3d/>
+    <dgm:txPr/>
+    <dgm:style>
+      <a:lnRef idx="2">
+        <a:scrgbClr r="0" g="0" b="0"/>
+      </a:lnRef>
+      <a:fillRef idx="1">
+        <a:scrgbClr r="0" g="0" b="0"/>
+      </a:fillRef>
+      <a:effectRef idx="0">
+        <a:scrgbClr r="0" g="0" b="0"/>
+      </a:effectRef>
+      <a:fontRef idx="minor">
+        <a:schemeClr val="lt1"/>
+      </a:fontRef>
+    </dgm:style>
+  </dgm:styleLbl>
+  <dgm:styleLbl name="vennNode1">
+    <dgm:scene3d>
+      <a:camera prst="orthographicFront"/>
+      <a:lightRig rig="threePt" dir="t"/>
+    </dgm:scene3d>
+    <dgm:sp3d/>
+    <dgm:txPr/>
+    <dgm:style>
+      <a:lnRef idx="2">
+        <a:scrgbClr r="0" g="0" b="0"/>
+      </a:lnRef>
+      <a:fillRef idx="1">
+        <a:scrgbClr r="0" g="0" b="0"/>
+      </a:fillRef>
+      <a:effectRef idx="0">
+        <a:scrgbClr r="0" g="0" b="0"/>
+      </a:effectRef>
+      <a:fontRef idx="minor">
+        <a:schemeClr val="tx1"/>
+      </a:fontRef>
+    </dgm:style>
+  </dgm:styleLbl>
+  <dgm:styleLbl name="alignNode1">
+    <dgm:scene3d>
+      <a:camera prst="orthographicFront"/>
+      <a:lightRig rig="threePt" dir="t"/>
+    </dgm:scene3d>
+    <dgm:sp3d/>
+    <dgm:txPr/>
+    <dgm:style>
+      <a:lnRef idx="2">
+        <a:scrgbClr r="0" g="0" b="0"/>
+      </a:lnRef>
+      <a:fillRef idx="1">
+        <a:scrgbClr r="0" g="0" b="0"/>
+      </a:fillRef>
+      <a:effectRef idx="0">
+        <a:scrgbClr r="0" g="0" b="0"/>
+      </a:effectRef>
+      <a:fontRef idx="minor">
+        <a:schemeClr val="lt1"/>
+      </a:fontRef>
+    </dgm:style>
+  </dgm:styleLbl>
+  <dgm:styleLbl name="node1">
+    <dgm:scene3d>
+      <a:camera prst="orthographicFront"/>
+      <a:lightRig rig="threePt" dir="t"/>
+    </dgm:scene3d>
+    <dgm:sp3d/>
+    <dgm:txPr/>
+    <dgm:style>
+      <a:lnRef idx="2">
+        <a:scrgbClr r="0" g="0" b="0"/>
+      </a:lnRef>
+      <a:fillRef idx="1">
+        <a:scrgbClr r="0" g="0" b="0"/>
+      </a:fillRef>
+      <a:effectRef idx="0">
+        <a:scrgbClr r="0" g="0" b="0"/>
+      </a:effectRef>
+      <a:fontRef idx="minor">
+        <a:schemeClr val="lt1"/>
+      </a:fontRef>
+    </dgm:style>
+  </dgm:styleLbl>
+  <dgm:styleLbl name="node2">
+    <dgm:scene3d>
+      <a:camera prst="orthographicFront"/>
+      <a:lightRig rig="threePt" dir="t"/>
+    </dgm:scene3d>
+    <dgm:sp3d/>
+    <dgm:txPr/>
+    <dgm:style>
+      <a:lnRef idx="2">
+        <a:scrgbClr r="0" g="0" b="0"/>
+      </a:lnRef>
+      <a:fillRef idx="1">
+        <a:scrgbClr r="0" g="0" b="0"/>
+      </a:fillRef>
+      <a:effectRef idx="0">
+        <a:scrgbClr r="0" g="0" b="0"/>
+      </a:effectRef>
+      <a:fontRef idx="minor">
+        <a:schemeClr val="lt1"/>
+      </a:fontRef>
+    </dgm:style>
+  </dgm:styleLbl>
+  <dgm:styleLbl name="node3">
+    <dgm:scene3d>
+      <a:camera prst="orthographicFront"/>
+      <a:lightRig rig="threePt" dir="t"/>
+    </dgm:scene3d>
+    <dgm:sp3d/>
+    <dgm:txPr/>
+    <dgm:style>
+      <a:lnRef idx="2">
+        <a:scrgbClr r="0" g="0" b="0"/>
+      </a:lnRef>
+      <a:fillRef idx="1">
+        <a:scrgbClr r="0" g="0" b="0"/>
+      </a:fillRef>
+      <a:effectRef idx="0">
+        <a:scrgbClr r="0" g="0" b="0"/>
+      </a:effectRef>
+      <a:fontRef idx="minor">
+        <a:schemeClr val="lt1"/>
+      </a:fontRef>
+    </dgm:style>
+  </dgm:styleLbl>
+  <dgm:styleLbl name="node4">
+    <dgm:scene3d>
+      <a:camera prst="orthographicFront"/>
+      <a:lightRig rig="threePt" dir="t"/>
+    </dgm:scene3d>
+    <dgm:sp3d/>
+    <dgm:txPr/>
+    <dgm:style>
+      <a:lnRef idx="2">
+        <a:scrgbClr r="0" g="0" b="0"/>
+      </a:lnRef>
+      <a:fillRef idx="1">
+        <a:scrgbClr r="0" g="0" b="0"/>
+      </a:fillRef>
+      <a:effectRef idx="0">
+        <a:scrgbClr r="0" g="0" b="0"/>
+      </a:effectRef>
+      <a:fontRef idx="minor">
+        <a:schemeClr val="lt1"/>
+      </a:fontRef>
+    </dgm:style>
+  </dgm:styleLbl>
+  <dgm:styleLbl name="fgImgPlace1">
+    <dgm:scene3d>
+      <a:camera prst="orthographicFront"/>
+      <a:lightRig rig="threePt" dir="t"/>
+    </dgm:scene3d>
+    <dgm:sp3d/>
+    <dgm:txPr/>
+    <dgm:style>
+      <a:lnRef idx="2">
+        <a:scrgbClr r="0" g="0" b="0"/>
+      </a:lnRef>
+      <a:fillRef idx="1">
+        <a:scrgbClr r="0" g="0" b="0"/>
+      </a:fillRef>
+      <a:effectRef idx="0">
+        <a:scrgbClr r="0" g="0" b="0"/>
+      </a:effectRef>
+      <a:fontRef idx="minor"/>
+    </dgm:style>
+  </dgm:styleLbl>
+  <dgm:styleLbl name="alignImgPlace1">
+    <dgm:scene3d>
+      <a:camera prst="orthographicFront"/>
+      <a:lightRig rig="threePt" dir="t"/>
+    </dgm:scene3d>
+    <dgm:sp3d/>
+    <dgm:txPr/>
+    <dgm:style>
+      <a:lnRef idx="2">
+        <a:scrgbClr r="0" g="0" b="0"/>
+      </a:lnRef>
+      <a:fillRef idx="1">
+        <a:scrgbClr r="0" g="0" b="0"/>
+      </a:fillRef>
+      <a:effectRef idx="0">
+        <a:scrgbClr r="0" g="0" b="0"/>
+      </a:effectRef>
+      <a:fontRef idx="minor"/>
+    </dgm:style>
+  </dgm:styleLbl>
+  <dgm:styleLbl name="bgImgPlace1">
+    <dgm:scene3d>
+      <a:camera prst="orthographicFront"/>
+      <a:lightRig rig="threePt" dir="t"/>
+    </dgm:scene3d>
+    <dgm:sp3d/>
+    <dgm:txPr/>
+    <dgm:style>
+      <a:lnRef idx="2">
+        <a:scrgbClr r="0" g="0" b="0"/>
+      </a:lnRef>
+      <a:fillRef idx="1">
+        <a:scrgbClr r="0" g="0" b="0"/>
+      </a:fillRef>
+      <a:effectRef idx="0">
+        <a:scrgbClr r="0" g="0" b="0"/>
+      </a:effectRef>
+      <a:fontRef idx="minor"/>
+    </dgm:style>
+  </dgm:styleLbl>
+  <dgm:styleLbl name="sibTrans2D1">
+    <dgm:scene3d>
+      <a:camera prst="orthographicFront"/>
+      <a:lightRig rig="threePt" dir="t"/>
+    </dgm:scene3d>
+    <dgm:sp3d/>
+    <dgm:txPr/>
+    <dgm:style>
+      <a:lnRef idx="0">
+        <a:scrgbClr r="0" g="0" b="0"/>
+      </a:lnRef>
+      <a:fillRef idx="1">
+        <a:scrgbClr r="0" g="0" b="0"/>
+      </a:fillRef>
+      <a:effectRef idx="0">
+        <a:scrgbClr r="0" g="0" b="0"/>
+      </a:effectRef>
+      <a:fontRef idx="minor">
+        <a:schemeClr val="lt1"/>
+      </a:fontRef>
+    </dgm:style>
+  </dgm:styleLbl>
+  <dgm:styleLbl name="fgSibTrans2D1">
+    <dgm:scene3d>
+      <a:camera prst="orthographicFront"/>
+      <a:lightRig rig="threePt" dir="t"/>
+    </dgm:scene3d>
+    <dgm:sp3d/>
+    <dgm:txPr/>
+    <dgm:style>
+      <a:lnRef idx="0">
+        <a:scrgbClr r="0" g="0" b="0"/>
+      </a:lnRef>
+      <a:fillRef idx="1">
+        <a:scrgbClr r="0" g="0" b="0"/>
+      </a:fillRef>
+      <a:effectRef idx="0">
+        <a:scrgbClr r="0" g="0" b="0"/>
+      </a:effectRef>
+      <a:fontRef idx="minor">
+        <a:schemeClr val="lt1"/>
+      </a:fontRef>
+    </dgm:style>
+  </dgm:styleLbl>
+  <dgm:styleLbl name="bgSibTrans2D1">
+    <dgm:scene3d>
+      <a:camera prst="orthographicFront"/>
+      <a:lightRig rig="threePt" dir="t"/>
+    </dgm:scene3d>
+    <dgm:sp3d/>
+    <dgm:txPr/>
+    <dgm:style>
+      <a:lnRef idx="0">
+        <a:scrgbClr r="0" g="0" b="0"/>
+      </a:lnRef>
+      <a:fillRef idx="1">
+        <a:scrgbClr r="0" g="0" b="0"/>
+      </a:fillRef>
+      <a:effectRef idx="0">
+        <a:scrgbClr r="0" g="0" b="0"/>
+      </a:effectRef>
+      <a:fontRef idx="minor">
+        <a:schemeClr val="lt1"/>
+      </a:fontRef>
+    </dgm:style>
+  </dgm:styleLbl>
+  <dgm:styleLbl name="sibTrans1D1">
+    <dgm:scene3d>
+      <a:camera prst="orthographicFront"/>
+      <a:lightRig rig="threePt" dir="t"/>
+    </dgm:scene3d>
+    <dgm:sp3d/>
+    <dgm:txPr/>
+    <dgm:style>
+      <a:lnRef idx="1">
+        <a:scrgbClr r="0" g="0" b="0"/>
+      </a:lnRef>
+      <a:fillRef idx="0">
+        <a:scrgbClr r="0" g="0" b="0"/>
+      </a:fillRef>
+      <a:effectRef idx="0">
+        <a:scrgbClr r="0" g="0" b="0"/>
+      </a:effectRef>
+      <a:fontRef idx="minor"/>
+    </dgm:style>
+  </dgm:styleLbl>
+  <dgm:styleLbl name="callout">
+    <dgm:scene3d>
+      <a:camera prst="orthographicFront"/>
+      <a:lightRig rig="threePt" dir="t"/>
+    </dgm:scene3d>
+    <dgm:sp3d/>
+    <dgm:txPr/>
+    <dgm:style>
+      <a:lnRef idx="2">
+        <a:scrgbClr r="0" g="0" b="0"/>
+      </a:lnRef>
+      <a:fillRef idx="1">
+        <a:scrgbClr r="0" g="0" b="0"/>
+      </a:fillRef>
+      <a:effectRef idx="0">
+        <a:scrgbClr r="0" g="0" b="0"/>
+      </a:effectRef>
+      <a:fontRef idx="minor"/>
+    </dgm:style>
+  </dgm:styleLbl>
+  <dgm:styleLbl name="asst0">
+    <dgm:scene3d>
+      <a:camera prst="orthographicFront"/>
+      <a:lightRig rig="threePt" dir="t"/>
+    </dgm:scene3d>
+    <dgm:sp3d/>
+    <dgm:txPr/>
+    <dgm:style>
+      <a:lnRef idx="2">
+        <a:scrgbClr r="0" g="0" b="0"/>
+      </a:lnRef>
+      <a:fillRef idx="1">
+        <a:scrgbClr r="0" g="0" b="0"/>
+      </a:fillRef>
+      <a:effectRef idx="0">
+        <a:scrgbClr r="0" g="0" b="0"/>
+      </a:effectRef>
+      <a:fontRef idx="minor">
+        <a:schemeClr val="lt1"/>
+      </a:fontRef>
+    </dgm:style>
+  </dgm:styleLbl>
+  <dgm:styleLbl name="asst1">
+    <dgm:scene3d>
+      <a:camera prst="orthographicFront"/>
+      <a:lightRig rig="threePt" dir="t"/>
+    </dgm:scene3d>
+    <dgm:sp3d/>
+    <dgm:txPr/>
+    <dgm:style>
+      <a:lnRef idx="2">
+        <a:scrgbClr r="0" g="0" b="0"/>
+      </a:lnRef>
+      <a:fillRef idx="1">
+        <a:scrgbClr r="0" g="0" b="0"/>
+      </a:fillRef>
+      <a:effectRef idx="0">
+        <a:scrgbClr r="0" g="0" b="0"/>
+      </a:effectRef>
+      <a:fontRef idx="minor">
+        <a:schemeClr val="lt1"/>
+      </a:fontRef>
+    </dgm:style>
+  </dgm:styleLbl>
+  <dgm:styleLbl name="asst2">
+    <dgm:scene3d>
+      <a:camera prst="orthographicFront"/>
+      <a:lightRig rig="threePt" dir="t"/>
+    </dgm:scene3d>
+    <dgm:sp3d/>
+    <dgm:txPr/>
+    <dgm:style>
+      <a:lnRef idx="2">
+        <a:scrgbClr r="0" g="0" b="0"/>
+      </a:lnRef>
+      <a:fillRef idx="1">
+        <a:scrgbClr r="0" g="0" b="0"/>
+      </a:fillRef>
+      <a:effectRef idx="0">
+        <a:scrgbClr r="0" g="0" b="0"/>
+      </a:effectRef>
+      <a:fontRef idx="minor">
+        <a:schemeClr val="lt1"/>
+      </a:fontRef>
+    </dgm:style>
+  </dgm:styleLbl>
+  <dgm:styleLbl name="asst3">
+    <dgm:scene3d>
+      <a:camera prst="orthographicFront"/>
+      <a:lightRig rig="threePt" dir="t"/>
+    </dgm:scene3d>
+    <dgm:sp3d/>
+    <dgm:txPr/>
+    <dgm:style>
+      <a:lnRef idx="2">
+        <a:scrgbClr r="0" g="0" b="0"/>
+      </a:lnRef>
+      <a:fillRef idx="1">
+        <a:scrgbClr r="0" g="0" b="0"/>
+      </a:fillRef>
+      <a:effectRef idx="0">
+        <a:scrgbClr r="0" g="0" b="0"/>
+      </a:effectRef>
+      <a:fontRef idx="minor">
+        <a:schemeClr val="lt1"/>
+      </a:fontRef>
+    </dgm:style>
+  </dgm:styleLbl>
+  <dgm:styleLbl name="asst4">
+    <dgm:scene3d>
+      <a:camera prst="orthographicFront"/>
+      <a:lightRig rig="threePt" dir="t"/>
+    </dgm:scene3d>
+    <dgm:sp3d/>
+    <dgm:txPr/>
+    <dgm:style>
+      <a:lnRef idx="2">
+        <a:scrgbClr r="0" g="0" b="0"/>
+      </a:lnRef>
+      <a:fillRef idx="1">
+        <a:scrgbClr r="0" g="0" b="0"/>
+      </a:fillRef>
+      <a:effectRef idx="0">
+        <a:scrgbClr r="0" g="0" b="0"/>
+      </a:effectRef>
+      <a:fontRef idx="minor">
+        <a:schemeClr val="lt1"/>
+      </a:fontRef>
+    </dgm:style>
+  </dgm:styleLbl>
+  <dgm:styleLbl name="parChTrans2D1">
+    <dgm:scene3d>
+      <a:camera prst="orthographicFront"/>
+      <a:lightRig rig="threePt" dir="t"/>
+    </dgm:scene3d>
+    <dgm:sp3d/>
+    <dgm:txPr/>
+    <dgm:style>
+      <a:lnRef idx="2">
+        <a:scrgbClr r="0" g="0" b="0"/>
+      </a:lnRef>
+      <a:fillRef idx="1">
+        <a:scrgbClr r="0" g="0" b="0"/>
+      </a:fillRef>
+      <a:effectRef idx="0">
+        <a:scrgbClr r="0" g="0" b="0"/>
+      </a:effectRef>
+      <a:fontRef idx="minor">
+        <a:schemeClr val="lt1"/>
+      </a:fontRef>
+    </dgm:style>
+  </dgm:styleLbl>
+  <dgm:styleLbl name="parChTrans2D2">
+    <dgm:scene3d>
+      <a:camera prst="orthographicFront"/>
+      <a:lightRig rig="threePt" dir="t"/>
+    </dgm:scene3d>
+    <dgm:sp3d/>
+    <dgm:txPr/>
+    <dgm:style>
+      <a:lnRef idx="2">
+        <a:scrgbClr r="0" g="0" b="0"/>
+      </a:lnRef>
+      <a:fillRef idx="1">
+        <a:scrgbClr r="0" g="0" b="0"/>
+      </a:fillRef>
+      <a:effectRef idx="0">
+        <a:scrgbClr r="0" g="0" b="0"/>
+      </a:effectRef>
+      <a:fontRef idx="minor">
+        <a:schemeClr val="lt1"/>
+      </a:fontRef>
+    </dgm:style>
+  </dgm:styleLbl>
+  <dgm:styleLbl name="parChTrans2D3">
+    <dgm:scene3d>
+      <a:camera prst="orthographicFront"/>
+      <a:lightRig rig="threePt" dir="t"/>
+    </dgm:scene3d>
+    <dgm:sp3d/>
+    <dgm:txPr/>
+    <dgm:style>
+      <a:lnRef idx="2">
+        <a:scrgbClr r="0" g="0" b="0"/>
+      </a:lnRef>
+      <a:fillRef idx="1">
+        <a:scrgbClr r="0" g="0" b="0"/>
+      </a:fillRef>
+      <a:effectRef idx="0">
+        <a:scrgbClr r="0" g="0" b="0"/>
+      </a:effectRef>
+      <a:fontRef idx="minor">
+        <a:schemeClr val="lt1"/>
+      </a:fontRef>
+    </dgm:style>
+  </dgm:styleLbl>
+  <dgm:styleLbl name="parChTrans2D4">
+    <dgm:scene3d>
+      <a:camera prst="orthographicFront"/>
+      <a:lightRig rig="threePt" dir="t"/>
+    </dgm:scene3d>
+    <dgm:sp3d/>
+    <dgm:txPr/>
+    <dgm:style>
+      <a:lnRef idx="2">
+        <a:scrgbClr r="0" g="0" b="0"/>
+      </a:lnRef>
+      <a:fillRef idx="1">
+        <a:scrgbClr r="0" g="0" b="0"/>
+      </a:fillRef>
+      <a:effectRef idx="0">
+        <a:scrgbClr r="0" g="0" b="0"/>
+      </a:effectRef>
+      <a:fontRef idx="minor">
+        <a:schemeClr val="lt1"/>
+      </a:fontRef>
+    </dgm:style>
+  </dgm:styleLbl>
+  <dgm:styleLbl name="parChTrans1D1">
+    <dgm:scene3d>
+      <a:camera prst="orthographicFront"/>
+      <a:lightRig rig="threePt" dir="t"/>
+    </dgm:scene3d>
+    <dgm:sp3d/>
+    <dgm:txPr/>
+    <dgm:style>
+      <a:lnRef idx="2">
+        <a:scrgbClr r="0" g="0" b="0"/>
+      </a:lnRef>
+      <a:fillRef idx="0">
+        <a:scrgbClr r="0" g="0" b="0"/>
+      </a:fillRef>
+      <a:effectRef idx="0">
+        <a:scrgbClr r="0" g="0" b="0"/>
+      </a:effectRef>
+      <a:fontRef idx="minor"/>
+    </dgm:style>
+  </dgm:styleLbl>
+  <dgm:styleLbl name="parChTrans1D2">
+    <dgm:scene3d>
+      <a:camera prst="orthographicFront"/>
+      <a:lightRig rig="threePt" dir="t"/>
+    </dgm:scene3d>
+    <dgm:sp3d/>
+    <dgm:txPr/>
+    <dgm:style>
+      <a:lnRef idx="2">
+        <a:scrgbClr r="0" g="0" b="0"/>
+      </a:lnRef>
+      <a:fillRef idx="0">
+        <a:scrgbClr r="0" g="0" b="0"/>
+      </a:fillRef>
+      <a:effectRef idx="0">
+        <a:scrgbClr r="0" g="0" b="0"/>
+      </a:effectRef>
+      <a:fontRef idx="minor"/>
+    </dgm:style>
+  </dgm:styleLbl>
+  <dgm:styleLbl name="parChTrans1D3">
+    <dgm:scene3d>
+      <a:camera prst="orthographicFront"/>
+      <a:lightRig rig="threePt" dir="t"/>
+    </dgm:scene3d>
+    <dgm:sp3d/>
+    <dgm:txPr/>
+    <dgm:style>
+      <a:lnRef idx="2">
+        <a:scrgbClr r="0" g="0" b="0"/>
+      </a:lnRef>
+      <a:fillRef idx="0">
+        <a:scrgbClr r="0" g="0" b="0"/>
+      </a:fillRef>
+      <a:effectRef idx="0">
+        <a:scrgbClr r="0" g="0" b="0"/>
+      </a:effectRef>
+      <a:fontRef idx="minor"/>
+    </dgm:style>
+  </dgm:styleLbl>
+  <dgm:styleLbl name="parChTrans1D4">
+    <dgm:scene3d>
+      <a:camera prst="orthographicFront"/>
+      <a:lightRig rig="threePt" dir="t"/>
+    </dgm:scene3d>
+    <dgm:sp3d/>
+    <dgm:txPr/>
+    <dgm:style>
+      <a:lnRef idx="2">
+        <a:scrgbClr r="0" g="0" b="0"/>
+      </a:lnRef>
+      <a:fillRef idx="0">
+        <a:scrgbClr r="0" g="0" b="0"/>
+      </a:fillRef>
+      <a:effectRef idx="0">
+        <a:scrgbClr r="0" g="0" b="0"/>
+      </a:effectRef>
+      <a:fontRef idx="minor"/>
+    </dgm:style>
+  </dgm:styleLbl>
+  <dgm:styleLbl name="fgAcc1">
+    <dgm:scene3d>
+      <a:camera prst="orthographicFront"/>
+      <a:lightRig rig="threePt" dir="t"/>
+    </dgm:scene3d>
+    <dgm:sp3d/>
+    <dgm:txPr/>
+    <dgm:style>
+      <a:lnRef idx="2">
+        <a:scrgbClr r="0" g="0" b="0"/>
+      </a:lnRef>
+      <a:fillRef idx="1">
+        <a:scrgbClr r="0" g="0" b="0"/>
+      </a:fillRef>
+      <a:effectRef idx="0">
+        <a:scrgbClr r="0" g="0" b="0"/>
+      </a:effectRef>
+      <a:fontRef idx="minor"/>
+    </dgm:style>
+  </dgm:styleLbl>
+  <dgm:styleLbl name="conFgAcc1">
+    <dgm:scene3d>
+      <a:camera prst="orthographicFront"/>
+      <a:lightRig rig="threePt" dir="t"/>
+    </dgm:scene3d>
+    <dgm:sp3d/>
+    <dgm:txPr/>
+    <dgm:style>
+      <a:lnRef idx="2">
+        <a:scrgbClr r="0" g="0" b="0"/>
+      </a:lnRef>
+      <a:fillRef idx="1">
+        <a:scrgbClr r="0" g="0" b="0"/>
+      </a:fillRef>
+      <a:effectRef idx="0">
+        <a:scrgbClr r="0" g="0" b="0"/>
+      </a:effectRef>
+      <a:fontRef idx="minor"/>
+    </dgm:style>
+  </dgm:styleLbl>
+  <dgm:styleLbl name="alignAcc1">
+    <dgm:scene3d>
+      <a:camera prst="orthographicFront"/>
+      <a:lightRig rig="threePt" dir="t"/>
+    </dgm:scene3d>
+    <dgm:sp3d/>
+    <dgm:txPr/>
+    <dgm:style>
+      <a:lnRef idx="2">
+        <a:scrgbClr r="0" g="0" b="0"/>
+      </a:lnRef>
+      <a:fillRef idx="1">
+        <a:scrgbClr r="0" g="0" b="0"/>
+      </a:fillRef>
+      <a:effectRef idx="0">
+        <a:scrgbClr r="0" g="0" b="0"/>
+      </a:effectRef>
+      <a:fontRef idx="minor"/>
+    </dgm:style>
+  </dgm:styleLbl>
+  <dgm:styleLbl name="trAlignAcc1">
+    <dgm:scene3d>
+      <a:camera prst="orthographicFront"/>
+      <a:lightRig rig="threePt" dir="t"/>
+    </dgm:scene3d>
+    <dgm:sp3d/>
+    <dgm:txPr/>
+    <dgm:style>
+      <a:lnRef idx="1">
+        <a:scrgbClr r="0" g="0" b="0"/>
+      </a:lnRef>
+      <a:fillRef idx="1">
+        <a:scrgbClr r="0" g="0" b="0"/>
+      </a:fillRef>
+      <a:effectRef idx="0">
+        <a:scrgbClr r="0" g="0" b="0"/>
+      </a:effectRef>
+      <a:fontRef idx="minor"/>
+    </dgm:style>
+  </dgm:styleLbl>
+  <dgm:styleLbl name="bgAcc1">
+    <dgm:scene3d>
+      <a:camera prst="orthographicFront"/>
+      <a:lightRig rig="threePt" dir="t"/>
+    </dgm:scene3d>
+    <dgm:sp3d/>
+    <dgm:txPr/>
+    <dgm:style>
+      <a:lnRef idx="2">
+        <a:scrgbClr r="0" g="0" b="0"/>
+      </a:lnRef>
+      <a:fillRef idx="1">
+        <a:scrgbClr r="0" g="0" b="0"/>
+      </a:fillRef>
+      <a:effectRef idx="0">
+        <a:scrgbClr r="0" g="0" b="0"/>
+      </a:effectRef>
+      <a:fontRef idx="minor"/>
+    </dgm:style>
+  </dgm:styleLbl>
+  <dgm:styleLbl name="solidFgAcc1">
+    <dgm:scene3d>
+      <a:camera prst="orthographicFront"/>
+      <a:lightRig rig="threePt" dir="t"/>
+    </dgm:scene3d>
+    <dgm:sp3d/>
+    <dgm:txPr/>
+    <dgm:style>
+      <a:lnRef idx="2">
+        <a:scrgbClr r="0" g="0" b="0"/>
+      </a:lnRef>
+      <a:fillRef idx="1">
+        <a:scrgbClr r="0" g="0" b="0"/>
+      </a:fillRef>
+      <a:effectRef idx="0">
+        <a:scrgbClr r="0" g="0" b="0"/>
+      </a:effectRef>
+      <a:fontRef idx="minor"/>
+    </dgm:style>
+  </dgm:styleLbl>
+  <dgm:styleLbl name="solidAlignAcc1">
+    <dgm:scene3d>
+      <a:camera prst="orthographicFront"/>
+      <a:lightRig rig="threePt" dir="t"/>
+    </dgm:scene3d>
+    <dgm:sp3d/>
+    <dgm:txPr/>
+    <dgm:style>
+      <a:lnRef idx="2">
+        <a:scrgbClr r="0" g="0" b="0"/>
+      </a:lnRef>
+      <a:fillRef idx="1">
+        <a:scrgbClr r="0" g="0" b="0"/>
+      </a:fillRef>
+      <a:effectRef idx="0">
+        <a:scrgbClr r="0" g="0" b="0"/>
+      </a:effectRef>
+      <a:fontRef idx="minor"/>
+    </dgm:style>
+  </dgm:styleLbl>
+  <dgm:styleLbl name="solidBgAcc1">
+    <dgm:scene3d>
+      <a:camera prst="orthographicFront"/>
+      <a:lightRig rig="threePt" dir="t"/>
+    </dgm:scene3d>
+    <dgm:sp3d/>
+    <dgm:txPr/>
+    <dgm:style>
+      <a:lnRef idx="2">
+        <a:scrgbClr r="0" g="0" b="0"/>
+      </a:lnRef>
+      <a:fillRef idx="1">
+        <a:scrgbClr r="0" g="0" b="0"/>
+      </a:fillRef>
+      <a:effectRef idx="0">
+        <a:scrgbClr r="0" g="0" b="0"/>
+      </a:effectRef>
+      <a:fontRef idx="minor"/>
+    </dgm:style>
+  </dgm:styleLbl>
+  <dgm:styleLbl name="fgAccFollowNode1">
+    <dgm:scene3d>
+      <a:camera prst="orthographicFront"/>
+      <a:lightRig rig="threePt" dir="t"/>
+    </dgm:scene3d>
+    <dgm:sp3d/>
+    <dgm:txPr/>
+    <dgm:style>
+      <a:lnRef idx="2">
+        <a:scrgbClr r="0" g="0" b="0"/>
+      </a:lnRef>
+      <a:fillRef idx="1">
+        <a:scrgbClr r="0" g="0" b="0"/>
+      </a:fillRef>
+      <a:effectRef idx="0">
+        <a:scrgbClr r="0" g="0" b="0"/>
+      </a:effectRef>
+      <a:fontRef idx="minor"/>
+    </dgm:style>
+  </dgm:styleLbl>
+  <dgm:styleLbl name="alignAccFollowNode1">
+    <dgm:scene3d>
+      <a:camera prst="orthographicFront"/>
+      <a:lightRig rig="threePt" dir="t"/>
+    </dgm:scene3d>
+    <dgm:sp3d/>
+    <dgm:txPr/>
+    <dgm:style>
+      <a:lnRef idx="2">
+        <a:scrgbClr r="0" g="0" b="0"/>
+      </a:lnRef>
+      <a:fillRef idx="1">
+        <a:scrgbClr r="0" g="0" b="0"/>
+      </a:fillRef>
+      <a:effectRef idx="0">
+        <a:scrgbClr r="0" g="0" b="0"/>
+      </a:effectRef>
+      <a:fontRef idx="minor"/>
+    </dgm:style>
+  </dgm:styleLbl>
+  <dgm:styleLbl name="bgAccFollowNode1">
+    <dgm:scene3d>
+      <a:camera prst="orthographicFront"/>
+      <a:lightRig rig="threePt" dir="t"/>
+    </dgm:scene3d>
+    <dgm:sp3d/>
+    <dgm:txPr/>
+    <dgm:style>
+      <a:lnRef idx="2">
+        <a:scrgbClr r="0" g="0" b="0"/>
+      </a:lnRef>
+      <a:fillRef idx="1">
+        <a:scrgbClr r="0" g="0" b="0"/>
+      </a:fillRef>
+      <a:effectRef idx="0">
+        <a:scrgbClr r="0" g="0" b="0"/>
+      </a:effectRef>
+      <a:fontRef idx="minor"/>
+    </dgm:style>
+  </dgm:styleLbl>
+  <dgm:styleLbl name="fgAcc0">
+    <dgm:scene3d>
+      <a:camera prst="orthographicFront"/>
+      <a:lightRig rig="threePt" dir="t"/>
+    </dgm:scene3d>
+    <dgm:sp3d/>
+    <dgm:txPr/>
+    <dgm:style>
+      <a:lnRef idx="2">
+        <a:scrgbClr r="0" g="0" b="0"/>
+      </a:lnRef>
+      <a:fillRef idx="1">
+        <a:scrgbClr r="0" g="0" b="0"/>
+      </a:fillRef>
+      <a:effectRef idx="0">
+        <a:scrgbClr r="0" g="0" b="0"/>
+      </a:effectRef>
+      <a:fontRef idx="minor"/>
+    </dgm:style>
+  </dgm:styleLbl>
+  <dgm:styleLbl name="fgAcc2">
+    <dgm:scene3d>
+      <a:camera prst="orthographicFront"/>
+      <a:lightRig rig="threePt" dir="t"/>
+    </dgm:scene3d>
+    <dgm:sp3d/>
+    <dgm:txPr/>
+    <dgm:style>
+      <a:lnRef idx="2">
+        <a:scrgbClr r="0" g="0" b="0"/>
+      </a:lnRef>
+      <a:fillRef idx="1">
+        <a:scrgbClr r="0" g="0" b="0"/>
+      </a:fillRef>
+      <a:effectRef idx="0">
+        <a:scrgbClr r="0" g="0" b="0"/>
+      </a:effectRef>
+      <a:fontRef idx="minor"/>
+    </dgm:style>
+  </dgm:styleLbl>
+  <dgm:styleLbl name="fgAcc3">
+    <dgm:scene3d>
+      <a:camera prst="orthographicFront"/>
+      <a:lightRig rig="threePt" dir="t"/>
+    </dgm:scene3d>
+    <dgm:sp3d/>
+    <dgm:txPr/>
+    <dgm:style>
+      <a:lnRef idx="2">
+        <a:scrgbClr r="0" g="0" b="0"/>
+      </a:lnRef>
+      <a:fillRef idx="1">
+        <a:scrgbClr r="0" g="0" b="0"/>
+      </a:fillRef>
+      <a:effectRef idx="0">
+        <a:scrgbClr r="0" g="0" b="0"/>
+      </a:effectRef>
+      <a:fontRef idx="minor"/>
+    </dgm:style>
+  </dgm:styleLbl>
+  <dgm:styleLbl name="fgAcc4">
+    <dgm:scene3d>
+      <a:camera prst="orthographicFront"/>
+      <a:lightRig rig="threePt" dir="t"/>
+    </dgm:scene3d>
+    <dgm:sp3d/>
+    <dgm:txPr/>
+    <dgm:style>
+      <a:lnRef idx="2">
+        <a:scrgbClr r="0" g="0" b="0"/>
+      </a:lnRef>
+      <a:fillRef idx="1">
+        <a:scrgbClr r="0" g="0" b="0"/>
+      </a:fillRef>
+      <a:effectRef idx="0">
+        <a:scrgbClr r="0" g="0" b="0"/>
+      </a:effectRef>
+      <a:fontRef idx="minor"/>
+    </dgm:style>
+  </dgm:styleLbl>
+  <dgm:styleLbl name="bgShp">
+    <dgm:scene3d>
+      <a:camera prst="orthographicFront"/>
+      <a:lightRig rig="threePt" dir="t"/>
+    </dgm:scene3d>
+    <dgm:sp3d/>
+    <dgm:txPr/>
+    <dgm:style>
+      <a:lnRef idx="0">
+        <a:scrgbClr r="0" g="0" b="0"/>
+      </a:lnRef>
+      <a:fillRef idx="1">
+        <a:scrgbClr r="0" g="0" b="0"/>
+      </a:fillRef>
+      <a:effectRef idx="0">
+        <a:scrgbClr r="0" g="0" b="0"/>
+      </a:effectRef>
+      <a:fontRef idx="minor"/>
+    </dgm:style>
+  </dgm:styleLbl>
+  <dgm:styleLbl name="dkBgShp">
+    <dgm:scene3d>
+      <a:camera prst="orthographicFront"/>
+      <a:lightRig rig="threePt" dir="t"/>
+    </dgm:scene3d>
+    <dgm:sp3d/>
+    <dgm:txPr/>
+    <dgm:style>
+      <a:lnRef idx="0">
+        <a:scrgbClr r="0" g="0" b="0"/>
+      </a:lnRef>
+      <a:fillRef idx="1">
+        <a:scrgbClr r="0" g="0" b="0"/>
+      </a:fillRef>
+      <a:effectRef idx="0">
+        <a:scrgbClr r="0" g="0" b="0"/>
+      </a:effectRef>
+      <a:fontRef idx="minor"/>
+    </dgm:style>
+  </dgm:styleLbl>
+  <dgm:styleLbl name="trBgShp">
+    <dgm:scene3d>
+      <a:camera prst="orthographicFront"/>
+      <a:lightRig rig="threePt" dir="t"/>
+    </dgm:scene3d>
+    <dgm:sp3d/>
+    <dgm:txPr/>
+    <dgm:style>
+      <a:lnRef idx="0">
+        <a:scrgbClr r="0" g="0" b="0"/>
+      </a:lnRef>
+      <a:fillRef idx="1">
+        <a:scrgbClr r="0" g="0" b="0"/>
+      </a:fillRef>
+      <a:effectRef idx="0">
+        <a:scrgbClr r="0" g="0" b="0"/>
+      </a:effectRef>
+      <a:fontRef idx="minor"/>
+    </dgm:style>
+  </dgm:styleLbl>
+  <dgm:styleLbl name="fgShp">
+    <dgm:scene3d>
+      <a:camera prst="orthographicFront"/>
+      <a:lightRig rig="threePt" dir="t"/>
+    </dgm:scene3d>
+    <dgm:sp3d/>
+    <dgm:txPr/>
+    <dgm:style>
+      <a:lnRef idx="2">
+        <a:scrgbClr r="0" g="0" b="0"/>
+      </a:lnRef>
+      <a:fillRef idx="1">
+        <a:scrgbClr r="0" g="0" b="0"/>
+      </a:fillRef>
+      <a:effectRef idx="0">
+        <a:scrgbClr r="0" g="0" b="0"/>
+      </a:effectRef>
+      <a:fontRef idx="minor"/>
+    </dgm:style>
+  </dgm:styleLbl>
+  <dgm:styleLbl name="revTx">
+    <dgm:scene3d>
+      <a:camera prst="orthographicFront"/>
+      <a:lightRig rig="threePt" dir="t"/>
+    </dgm:scene3d>
+    <dgm:sp3d/>
+    <dgm:txPr/>
+    <dgm:style>
+      <a:lnRef idx="0">
+        <a:scrgbClr r="0" g="0" b="0"/>
+      </a:lnRef>
+      <a:fillRef idx="0">
+        <a:scrgbClr r="0" g="0" b="0"/>
+      </a:fillRef>
+      <a:effectRef idx="0">
+        <a:scrgbClr r="0" g="0" b="0"/>
+      </a:effectRef>
+      <a:fontRef idx="minor"/>
+    </dgm:style>
+  </dgm:styleLbl>
+</dgm:styleDef>
+</file>
+
+<file path=ppt/diagrams/quickStyle4.xml><?xml version="1.0" encoding="utf-8"?>
+<dgm:styleDef xmlns:dgm="http://schemas.openxmlformats.org/drawingml/2006/diagram" xmlns:a="http://schemas.openxmlformats.org/drawingml/2006/main" uniqueId="urn:microsoft.com/office/officeart/2005/8/quickstyle/simple1">
+  <dgm:title val=""/>
+  <dgm:desc val=""/>
+  <dgm:catLst>
+    <dgm:cat type="simple" pri="10100"/>
+  </dgm:catLst>
+  <dgm:scene3d>
+    <a:camera prst="orthographicFront"/>
+    <a:lightRig rig="threePt" dir="t"/>
+  </dgm:scene3d>
+  <dgm:styleLbl name="node0">
+    <dgm:scene3d>
+      <a:camera prst="orthographicFront"/>
+      <a:lightRig rig="threePt" dir="t"/>
+    </dgm:scene3d>
+    <dgm:sp3d/>
+    <dgm:txPr/>
+    <dgm:style>
+      <a:lnRef idx="2">
+        <a:scrgbClr r="0" g="0" b="0"/>
+      </a:lnRef>
+      <a:fillRef idx="1">
+        <a:scrgbClr r="0" g="0" b="0"/>
+      </a:fillRef>
+      <a:effectRef idx="0">
+        <a:scrgbClr r="0" g="0" b="0"/>
+      </a:effectRef>
+      <a:fontRef idx="minor">
+        <a:schemeClr val="lt1"/>
+      </a:fontRef>
+    </dgm:style>
+  </dgm:styleLbl>
+  <dgm:styleLbl name="lnNode1">
+    <dgm:scene3d>
+      <a:camera prst="orthographicFront"/>
+      <a:lightRig rig="threePt" dir="t"/>
+    </dgm:scene3d>
+    <dgm:sp3d/>
+    <dgm:txPr/>
+    <dgm:style>
+      <a:lnRef idx="2">
+        <a:scrgbClr r="0" g="0" b="0"/>
+      </a:lnRef>
+      <a:fillRef idx="1">
+        <a:scrgbClr r="0" g="0" b="0"/>
+      </a:fillRef>
+      <a:effectRef idx="0">
+        <a:scrgbClr r="0" g="0" b="0"/>
+      </a:effectRef>
+      <a:fontRef idx="minor">
+        <a:schemeClr val="lt1"/>
+      </a:fontRef>
+    </dgm:style>
+  </dgm:styleLbl>
+  <dgm:styleLbl name="vennNode1">
+    <dgm:scene3d>
+      <a:camera prst="orthographicFront"/>
+      <a:lightRig rig="threePt" dir="t"/>
+    </dgm:scene3d>
+    <dgm:sp3d/>
+    <dgm:txPr/>
+    <dgm:style>
+      <a:lnRef idx="2">
+        <a:scrgbClr r="0" g="0" b="0"/>
+      </a:lnRef>
+      <a:fillRef idx="1">
+        <a:scrgbClr r="0" g="0" b="0"/>
+      </a:fillRef>
+      <a:effectRef idx="0">
+        <a:scrgbClr r="0" g="0" b="0"/>
+      </a:effectRef>
+      <a:fontRef idx="minor">
+        <a:schemeClr val="tx1"/>
+      </a:fontRef>
+    </dgm:style>
+  </dgm:styleLbl>
+  <dgm:styleLbl name="alignNode1">
+    <dgm:scene3d>
+      <a:camera prst="orthographicFront"/>
+      <a:lightRig rig="threePt" dir="t"/>
+    </dgm:scene3d>
+    <dgm:sp3d/>
+    <dgm:txPr/>
+    <dgm:style>
+      <a:lnRef idx="2">
+        <a:scrgbClr r="0" g="0" b="0"/>
+      </a:lnRef>
+      <a:fillRef idx="1">
+        <a:scrgbClr r="0" g="0" b="0"/>
+      </a:fillRef>
+      <a:effectRef idx="0">
+        <a:scrgbClr r="0" g="0" b="0"/>
+      </a:effectRef>
+      <a:fontRef idx="minor">
+        <a:schemeClr val="lt1"/>
+      </a:fontRef>
+    </dgm:style>
+  </dgm:styleLbl>
+  <dgm:styleLbl name="node1">
+    <dgm:scene3d>
+      <a:camera prst="orthographicFront"/>
+      <a:lightRig rig="threePt" dir="t"/>
+    </dgm:scene3d>
+    <dgm:sp3d/>
+    <dgm:txPr/>
+    <dgm:style>
+      <a:lnRef idx="2">
+        <a:scrgbClr r="0" g="0" b="0"/>
+      </a:lnRef>
+      <a:fillRef idx="1">
+        <a:scrgbClr r="0" g="0" b="0"/>
+      </a:fillRef>
+      <a:effectRef idx="0">
+        <a:scrgbClr r="0" g="0" b="0"/>
+      </a:effectRef>
+      <a:fontRef idx="minor">
+        <a:schemeClr val="lt1"/>
+      </a:fontRef>
+    </dgm:style>
+  </dgm:styleLbl>
+  <dgm:styleLbl name="node2">
+    <dgm:scene3d>
+      <a:camera prst="orthographicFront"/>
+      <a:lightRig rig="threePt" dir="t"/>
+    </dgm:scene3d>
+    <dgm:sp3d/>
+    <dgm:txPr/>
+    <dgm:style>
+      <a:lnRef idx="2">
+        <a:scrgbClr r="0" g="0" b="0"/>
+      </a:lnRef>
+      <a:fillRef idx="1">
+        <a:scrgbClr r="0" g="0" b="0"/>
+      </a:fillRef>
+      <a:effectRef idx="0">
+        <a:scrgbClr r="0" g="0" b="0"/>
+      </a:effectRef>
+      <a:fontRef idx="minor">
+        <a:schemeClr val="lt1"/>
+      </a:fontRef>
+    </dgm:style>
+  </dgm:styleLbl>
+  <dgm:styleLbl name="node3">
+    <dgm:scene3d>
+      <a:camera prst="orthographicFront"/>
+      <a:lightRig rig="threePt" dir="t"/>
+    </dgm:scene3d>
+    <dgm:sp3d/>
+    <dgm:txPr/>
+    <dgm:style>
+      <a:lnRef idx="2">
+        <a:scrgbClr r="0" g="0" b="0"/>
+      </a:lnRef>
+      <a:fillRef idx="1">
+        <a:scrgbClr r="0" g="0" b="0"/>
+      </a:fillRef>
+      <a:effectRef idx="0">
+        <a:scrgbClr r="0" g="0" b="0"/>
+      </a:effectRef>
+      <a:fontRef idx="minor">
+        <a:schemeClr val="lt1"/>
+      </a:fontRef>
+    </dgm:style>
+  </dgm:styleLbl>
+  <dgm:styleLbl name="node4">
+    <dgm:scene3d>
+      <a:camera prst="orthographicFront"/>
+      <a:lightRig rig="threePt" dir="t"/>
+    </dgm:scene3d>
+    <dgm:sp3d/>
+    <dgm:txPr/>
+    <dgm:style>
+      <a:lnRef idx="2">
+        <a:scrgbClr r="0" g="0" b="0"/>
+      </a:lnRef>
+      <a:fillRef idx="1">
+        <a:scrgbClr r="0" g="0" b="0"/>
+      </a:fillRef>
+      <a:effectRef idx="0">
+        <a:scrgbClr r="0" g="0" b="0"/>
+      </a:effectRef>
+      <a:fontRef idx="minor">
+        <a:schemeClr val="lt1"/>
+      </a:fontRef>
+    </dgm:style>
+  </dgm:styleLbl>
+  <dgm:styleLbl name="fgImgPlace1">
+    <dgm:scene3d>
+      <a:camera prst="orthographicFront"/>
+      <a:lightRig rig="threePt" dir="t"/>
+    </dgm:scene3d>
+    <dgm:sp3d/>
+    <dgm:txPr/>
+    <dgm:style>
+      <a:lnRef idx="2">
+        <a:scrgbClr r="0" g="0" b="0"/>
+      </a:lnRef>
+      <a:fillRef idx="1">
+        <a:scrgbClr r="0" g="0" b="0"/>
+      </a:fillRef>
+      <a:effectRef idx="0">
+        <a:scrgbClr r="0" g="0" b="0"/>
+      </a:effectRef>
+      <a:fontRef idx="minor"/>
+    </dgm:style>
+  </dgm:styleLbl>
+  <dgm:styleLbl name="alignImgPlace1">
+    <dgm:scene3d>
+      <a:camera prst="orthographicFront"/>
+      <a:lightRig rig="threePt" dir="t"/>
+    </dgm:scene3d>
+    <dgm:sp3d/>
+    <dgm:txPr/>
+    <dgm:style>
+      <a:lnRef idx="2">
+        <a:scrgbClr r="0" g="0" b="0"/>
+      </a:lnRef>
+      <a:fillRef idx="1">
+        <a:scrgbClr r="0" g="0" b="0"/>
+      </a:fillRef>
+      <a:effectRef idx="0">
+        <a:scrgbClr r="0" g="0" b="0"/>
+      </a:effectRef>
+      <a:fontRef idx="minor"/>
+    </dgm:style>
+  </dgm:styleLbl>
+  <dgm:styleLbl name="bgImgPlace1">
+    <dgm:scene3d>
+      <a:camera prst="orthographicFront"/>
+      <a:lightRig rig="threePt" dir="t"/>
+    </dgm:scene3d>
+    <dgm:sp3d/>
+    <dgm:txPr/>
+    <dgm:style>
+      <a:lnRef idx="2">
+        <a:scrgbClr r="0" g="0" b="0"/>
+      </a:lnRef>
+      <a:fillRef idx="1">
+        <a:scrgbClr r="0" g="0" b="0"/>
+      </a:fillRef>
+      <a:effectRef idx="0">
+        <a:scrgbClr r="0" g="0" b="0"/>
+      </a:effectRef>
+      <a:fontRef idx="minor"/>
+    </dgm:style>
+  </dgm:styleLbl>
+  <dgm:styleLbl name="sibTrans2D1">
+    <dgm:scene3d>
+      <a:camera prst="orthographicFront"/>
+      <a:lightRig rig="threePt" dir="t"/>
+    </dgm:scene3d>
+    <dgm:sp3d/>
+    <dgm:txPr/>
+    <dgm:style>
+      <a:lnRef idx="0">
+        <a:scrgbClr r="0" g="0" b="0"/>
+      </a:lnRef>
+      <a:fillRef idx="1">
+        <a:scrgbClr r="0" g="0" b="0"/>
+      </a:fillRef>
+      <a:effectRef idx="0">
+        <a:scrgbClr r="0" g="0" b="0"/>
+      </a:effectRef>
+      <a:fontRef idx="minor">
+        <a:schemeClr val="lt1"/>
+      </a:fontRef>
+    </dgm:style>
+  </dgm:styleLbl>
+  <dgm:styleLbl name="fgSibTrans2D1">
+    <dgm:scene3d>
+      <a:camera prst="orthographicFront"/>
+      <a:lightRig rig="threePt" dir="t"/>
+    </dgm:scene3d>
+    <dgm:sp3d/>
+    <dgm:txPr/>
+    <dgm:style>
+      <a:lnRef idx="0">
+        <a:scrgbClr r="0" g="0" b="0"/>
+      </a:lnRef>
+      <a:fillRef idx="1">
+        <a:scrgbClr r="0" g="0" b="0"/>
+      </a:fillRef>
+      <a:effectRef idx="0">
+        <a:scrgbClr r="0" g="0" b="0"/>
+      </a:effectRef>
+      <a:fontRef idx="minor">
+        <a:schemeClr val="lt1"/>
+      </a:fontRef>
+    </dgm:style>
+  </dgm:styleLbl>
+  <dgm:styleLbl name="bgSibTrans2D1">
+    <dgm:scene3d>
+      <a:camera prst="orthographicFront"/>
+      <a:lightRig rig="threePt" dir="t"/>
+    </dgm:scene3d>
+    <dgm:sp3d/>
+    <dgm:txPr/>
+    <dgm:style>
+      <a:lnRef idx="0">
+        <a:scrgbClr r="0" g="0" b="0"/>
+      </a:lnRef>
+      <a:fillRef idx="1">
+        <a:scrgbClr r="0" g="0" b="0"/>
+      </a:fillRef>
+      <a:effectRef idx="0">
+        <a:scrgbClr r="0" g="0" b="0"/>
+      </a:effectRef>
+      <a:fontRef idx="minor">
+        <a:schemeClr val="lt1"/>
+      </a:fontRef>
+    </dgm:style>
+  </dgm:styleLbl>
+  <dgm:styleLbl name="sibTrans1D1">
+    <dgm:scene3d>
+      <a:camera prst="orthographicFront"/>
+      <a:lightRig rig="threePt" dir="t"/>
+    </dgm:scene3d>
+    <dgm:sp3d/>
+    <dgm:txPr/>
+    <dgm:style>
+      <a:lnRef idx="1">
+        <a:scrgbClr r="0" g="0" b="0"/>
+      </a:lnRef>
+      <a:fillRef idx="0">
+        <a:scrgbClr r="0" g="0" b="0"/>
+      </a:fillRef>
+      <a:effectRef idx="0">
+        <a:scrgbClr r="0" g="0" b="0"/>
+      </a:effectRef>
+      <a:fontRef idx="minor"/>
+    </dgm:style>
+  </dgm:styleLbl>
+  <dgm:styleLbl name="callout">
+    <dgm:scene3d>
+      <a:camera prst="orthographicFront"/>
+      <a:lightRig rig="threePt" dir="t"/>
+    </dgm:scene3d>
+    <dgm:sp3d/>
+    <dgm:txPr/>
+    <dgm:style>
+      <a:lnRef idx="2">
+        <a:scrgbClr r="0" g="0" b="0"/>
+      </a:lnRef>
+      <a:fillRef idx="1">
+        <a:scrgbClr r="0" g="0" b="0"/>
+      </a:fillRef>
+      <a:effectRef idx="0">
+        <a:scrgbClr r="0" g="0" b="0"/>
+      </a:effectRef>
+      <a:fontRef idx="minor"/>
+    </dgm:style>
+  </dgm:styleLbl>
+  <dgm:styleLbl name="asst0">
+    <dgm:scene3d>
+      <a:camera prst="orthographicFront"/>
+      <a:lightRig rig="threePt" dir="t"/>
+    </dgm:scene3d>
+    <dgm:sp3d/>
+    <dgm:txPr/>
+    <dgm:style>
+      <a:lnRef idx="2">
+        <a:scrgbClr r="0" g="0" b="0"/>
+      </a:lnRef>
+      <a:fillRef idx="1">
+        <a:scrgbClr r="0" g="0" b="0"/>
+      </a:fillRef>
+      <a:effectRef idx="0">
+        <a:scrgbClr r="0" g="0" b="0"/>
+      </a:effectRef>
+      <a:fontRef idx="minor">
+        <a:schemeClr val="lt1"/>
+      </a:fontRef>
+    </dgm:style>
+  </dgm:styleLbl>
+  <dgm:styleLbl name="asst1">
+    <dgm:scene3d>
+      <a:camera prst="orthographicFront"/>
+      <a:lightRig rig="threePt" dir="t"/>
+    </dgm:scene3d>
+    <dgm:sp3d/>
+    <dgm:txPr/>
+    <dgm:style>
+      <a:lnRef idx="2">
+        <a:scrgbClr r="0" g="0" b="0"/>
+      </a:lnRef>
+      <a:fillRef idx="1">
+        <a:scrgbClr r="0" g="0" b="0"/>
+      </a:fillRef>
+      <a:effectRef idx="0">
+        <a:scrgbClr r="0" g="0" b="0"/>
+      </a:effectRef>
+      <a:fontRef idx="minor">
+        <a:schemeClr val="lt1"/>
+      </a:fontRef>
+    </dgm:style>
+  </dgm:styleLbl>
+  <dgm:styleLbl name="asst2">
+    <dgm:scene3d>
+      <a:camera prst="orthographicFront"/>
+      <a:lightRig rig="threePt" dir="t"/>
+    </dgm:scene3d>
+    <dgm:sp3d/>
+    <dgm:txPr/>
+    <dgm:style>
+      <a:lnRef idx="2">
+        <a:scrgbClr r="0" g="0" b="0"/>
+      </a:lnRef>
+      <a:fillRef idx="1">
+        <a:scrgbClr r="0" g="0" b="0"/>
+      </a:fillRef>
+      <a:effectRef idx="0">
+        <a:scrgbClr r="0" g="0" b="0"/>
+      </a:effectRef>
+      <a:fontRef idx="minor">
+        <a:schemeClr val="lt1"/>
+      </a:fontRef>
+    </dgm:style>
+  </dgm:styleLbl>
+  <dgm:styleLbl name="asst3">
+    <dgm:scene3d>
+      <a:camera prst="orthographicFront"/>
+      <a:lightRig rig="threePt" dir="t"/>
+    </dgm:scene3d>
+    <dgm:sp3d/>
+    <dgm:txPr/>
+    <dgm:style>
+      <a:lnRef idx="2">
+        <a:scrgbClr r="0" g="0" b="0"/>
+      </a:lnRef>
+      <a:fillRef idx="1">
+        <a:scrgbClr r="0" g="0" b="0"/>
+      </a:fillRef>
+      <a:effectRef idx="0">
+        <a:scrgbClr r="0" g="0" b="0"/>
+      </a:effectRef>
+      <a:fontRef idx="minor">
+        <a:schemeClr val="lt1"/>
+      </a:fontRef>
+    </dgm:style>
+  </dgm:styleLbl>
+  <dgm:styleLbl name="asst4">
+    <dgm:scene3d>
+      <a:camera prst="orthographicFront"/>
+      <a:lightRig rig="threePt" dir="t"/>
+    </dgm:scene3d>
+    <dgm:sp3d/>
+    <dgm:txPr/>
+    <dgm:style>
+      <a:lnRef idx="2">
+        <a:scrgbClr r="0" g="0" b="0"/>
+      </a:lnRef>
+      <a:fillRef idx="1">
+        <a:scrgbClr r="0" g="0" b="0"/>
+      </a:fillRef>
+      <a:effectRef idx="0">
+        <a:scrgbClr r="0" g="0" b="0"/>
+      </a:effectRef>
+      <a:fontRef idx="minor">
+        <a:schemeClr val="lt1"/>
+      </a:fontRef>
+    </dgm:style>
+  </dgm:styleLbl>
+  <dgm:styleLbl name="parChTrans2D1">
+    <dgm:scene3d>
+      <a:camera prst="orthographicFront"/>
+      <a:lightRig rig="threePt" dir="t"/>
+    </dgm:scene3d>
+    <dgm:sp3d/>
+    <dgm:txPr/>
+    <dgm:style>
+      <a:lnRef idx="2">
+        <a:scrgbClr r="0" g="0" b="0"/>
+      </a:lnRef>
+      <a:fillRef idx="1">
+        <a:scrgbClr r="0" g="0" b="0"/>
+      </a:fillRef>
+      <a:effectRef idx="0">
+        <a:scrgbClr r="0" g="0" b="0"/>
+      </a:effectRef>
+      <a:fontRef idx="minor">
+        <a:schemeClr val="lt1"/>
+      </a:fontRef>
+    </dgm:style>
+  </dgm:styleLbl>
+  <dgm:styleLbl name="parChTrans2D2">
+    <dgm:scene3d>
+      <a:camera prst="orthographicFront"/>
+      <a:lightRig rig="threePt" dir="t"/>
+    </dgm:scene3d>
+    <dgm:sp3d/>
+    <dgm:txPr/>
+    <dgm:style>
+      <a:lnRef idx="2">
+        <a:scrgbClr r="0" g="0" b="0"/>
+      </a:lnRef>
+      <a:fillRef idx="1">
+        <a:scrgbClr r="0" g="0" b="0"/>
+      </a:fillRef>
+      <a:effectRef idx="0">
+        <a:scrgbClr r="0" g="0" b="0"/>
+      </a:effectRef>
+      <a:fontRef idx="minor">
+        <a:schemeClr val="lt1"/>
+      </a:fontRef>
+    </dgm:style>
+  </dgm:styleLbl>
+  <dgm:styleLbl name="parChTrans2D3">
+    <dgm:scene3d>
+      <a:camera prst="orthographicFront"/>
+      <a:lightRig rig="threePt" dir="t"/>
+    </dgm:scene3d>
+    <dgm:sp3d/>
+    <dgm:txPr/>
+    <dgm:style>
+      <a:lnRef idx="2">
+        <a:scrgbClr r="0" g="0" b="0"/>
+      </a:lnRef>
+      <a:fillRef idx="1">
+        <a:scrgbClr r="0" g="0" b="0"/>
+      </a:fillRef>
+      <a:effectRef idx="0">
+        <a:scrgbClr r="0" g="0" b="0"/>
+      </a:effectRef>
+      <a:fontRef idx="minor">
+        <a:schemeClr val="lt1"/>
+      </a:fontRef>
+    </dgm:style>
+  </dgm:styleLbl>
+  <dgm:styleLbl name="parChTrans2D4">
+    <dgm:scene3d>
+      <a:camera prst="orthographicFront"/>
+      <a:lightRig rig="threePt" dir="t"/>
+    </dgm:scene3d>
+    <dgm:sp3d/>
+    <dgm:txPr/>
+    <dgm:style>
+      <a:lnRef idx="2">
+        <a:scrgbClr r="0" g="0" b="0"/>
+      </a:lnRef>
+      <a:fillRef idx="1">
+        <a:scrgbClr r="0" g="0" b="0"/>
+      </a:fillRef>
+      <a:effectRef idx="0">
+        <a:scrgbClr r="0" g="0" b="0"/>
+      </a:effectRef>
+      <a:fontRef idx="minor">
+        <a:schemeClr val="lt1"/>
+      </a:fontRef>
+    </dgm:style>
+  </dgm:styleLbl>
+  <dgm:styleLbl name="parChTrans1D1">
+    <dgm:scene3d>
+      <a:camera prst="orthographicFront"/>
+      <a:lightRig rig="threePt" dir="t"/>
+    </dgm:scene3d>
+    <dgm:sp3d/>
+    <dgm:txPr/>
+    <dgm:style>
+      <a:lnRef idx="2">
+        <a:scrgbClr r="0" g="0" b="0"/>
+      </a:lnRef>
+      <a:fillRef idx="0">
+        <a:scrgbClr r="0" g="0" b="0"/>
+      </a:fillRef>
+      <a:effectRef idx="0">
+        <a:scrgbClr r="0" g="0" b="0"/>
+      </a:effectRef>
+      <a:fontRef idx="minor"/>
+    </dgm:style>
+  </dgm:styleLbl>
+  <dgm:styleLbl name="parChTrans1D2">
+    <dgm:scene3d>
+      <a:camera prst="orthographicFront"/>
+      <a:lightRig rig="threePt" dir="t"/>
+    </dgm:scene3d>
+    <dgm:sp3d/>
+    <dgm:txPr/>
+    <dgm:style>
+      <a:lnRef idx="2">
+        <a:scrgbClr r="0" g="0" b="0"/>
+      </a:lnRef>
+      <a:fillRef idx="0">
+        <a:scrgbClr r="0" g="0" b="0"/>
+      </a:fillRef>
+      <a:effectRef idx="0">
+        <a:scrgbClr r="0" g="0" b="0"/>
+      </a:effectRef>
+      <a:fontRef idx="minor"/>
+    </dgm:style>
+  </dgm:styleLbl>
+  <dgm:styleLbl name="parChTrans1D3">
+    <dgm:scene3d>
+      <a:camera prst="orthographicFront"/>
+      <a:lightRig rig="threePt" dir="t"/>
+    </dgm:scene3d>
+    <dgm:sp3d/>
+    <dgm:txPr/>
+    <dgm:style>
+      <a:lnRef idx="2">
+        <a:scrgbClr r="0" g="0" b="0"/>
+      </a:lnRef>
+      <a:fillRef idx="0">
+        <a:scrgbClr r="0" g="0" b="0"/>
+      </a:fillRef>
+      <a:effectRef idx="0">
+        <a:scrgbClr r="0" g="0" b="0"/>
+      </a:effectRef>
+      <a:fontRef idx="minor"/>
+    </dgm:style>
+  </dgm:styleLbl>
+  <dgm:styleLbl name="parChTrans1D4">
+    <dgm:scene3d>
+      <a:camera prst="orthographicFront"/>
+      <a:lightRig rig="threePt" dir="t"/>
+    </dgm:scene3d>
+    <dgm:sp3d/>
+    <dgm:txPr/>
+    <dgm:style>
+      <a:lnRef idx="2">
+        <a:scrgbClr r="0" g="0" b="0"/>
+      </a:lnRef>
+      <a:fillRef idx="0">
+        <a:scrgbClr r="0" g="0" b="0"/>
+      </a:fillRef>
+      <a:effectRef idx="0">
+        <a:scrgbClr r="0" g="0" b="0"/>
+      </a:effectRef>
+      <a:fontRef idx="minor"/>
+    </dgm:style>
+  </dgm:styleLbl>
+  <dgm:styleLbl name="fgAcc1">
+    <dgm:scene3d>
+      <a:camera prst="orthographicFront"/>
+      <a:lightRig rig="threePt" dir="t"/>
+    </dgm:scene3d>
+    <dgm:sp3d/>
+    <dgm:txPr/>
+    <dgm:style>
+      <a:lnRef idx="2">
+        <a:scrgbClr r="0" g="0" b="0"/>
+      </a:lnRef>
+      <a:fillRef idx="1">
+        <a:scrgbClr r="0" g="0" b="0"/>
+      </a:fillRef>
+      <a:effectRef idx="0">
+        <a:scrgbClr r="0" g="0" b="0"/>
+      </a:effectRef>
+      <a:fontRef idx="minor"/>
+    </dgm:style>
+  </dgm:styleLbl>
+  <dgm:styleLbl name="conFgAcc1">
+    <dgm:scene3d>
+      <a:camera prst="orthographicFront"/>
+      <a:lightRig rig="threePt" dir="t"/>
+    </dgm:scene3d>
+    <dgm:sp3d/>
+    <dgm:txPr/>
+    <dgm:style>
+      <a:lnRef idx="2">
+        <a:scrgbClr r="0" g="0" b="0"/>
+      </a:lnRef>
+      <a:fillRef idx="1">
+        <a:scrgbClr r="0" g="0" b="0"/>
+      </a:fillRef>
+      <a:effectRef idx="0">
+        <a:scrgbClr r="0" g="0" b="0"/>
+      </a:effectRef>
+      <a:fontRef idx="minor"/>
+    </dgm:style>
+  </dgm:styleLbl>
+  <dgm:styleLbl name="alignAcc1">
+    <dgm:scene3d>
+      <a:camera prst="orthographicFront"/>
+      <a:lightRig rig="threePt" dir="t"/>
+    </dgm:scene3d>
+    <dgm:sp3d/>
+    <dgm:txPr/>
+    <dgm:style>
+      <a:lnRef idx="2">
+        <a:scrgbClr r="0" g="0" b="0"/>
+      </a:lnRef>
+      <a:fillRef idx="1">
+        <a:scrgbClr r="0" g="0" b="0"/>
+      </a:fillRef>
+      <a:effectRef idx="0">
+        <a:scrgbClr r="0" g="0" b="0"/>
+      </a:effectRef>
+      <a:fontRef idx="minor"/>
+    </dgm:style>
+  </dgm:styleLbl>
+  <dgm:styleLbl name="trAlignAcc1">
+    <dgm:scene3d>
+      <a:camera prst="orthographicFront"/>
+      <a:lightRig rig="threePt" dir="t"/>
+    </dgm:scene3d>
+    <dgm:sp3d/>
+    <dgm:txPr/>
+    <dgm:style>
+      <a:lnRef idx="1">
+        <a:scrgbClr r="0" g="0" b="0"/>
+      </a:lnRef>
+      <a:fillRef idx="1">
+        <a:scrgbClr r="0" g="0" b="0"/>
+      </a:fillRef>
+      <a:effectRef idx="0">
+        <a:scrgbClr r="0" g="0" b="0"/>
+      </a:effectRef>
+      <a:fontRef idx="minor"/>
+    </dgm:style>
+  </dgm:styleLbl>
+  <dgm:styleLbl name="bgAcc1">
+    <dgm:scene3d>
+      <a:camera prst="orthographicFront"/>
+      <a:lightRig rig="threePt" dir="t"/>
+    </dgm:scene3d>
+    <dgm:sp3d/>
+    <dgm:txPr/>
+    <dgm:style>
+      <a:lnRef idx="2">
+        <a:scrgbClr r="0" g="0" b="0"/>
+      </a:lnRef>
+      <a:fillRef idx="1">
+        <a:scrgbClr r="0" g="0" b="0"/>
+      </a:fillRef>
+      <a:effectRef idx="0">
+        <a:scrgbClr r="0" g="0" b="0"/>
+      </a:effectRef>
+      <a:fontRef idx="minor"/>
+    </dgm:style>
+  </dgm:styleLbl>
+  <dgm:styleLbl name="solidFgAcc1">
+    <dgm:scene3d>
+      <a:camera prst="orthographicFront"/>
+      <a:lightRig rig="threePt" dir="t"/>
+    </dgm:scene3d>
+    <dgm:sp3d/>
+    <dgm:txPr/>
+    <dgm:style>
+      <a:lnRef idx="2">
+        <a:scrgbClr r="0" g="0" b="0"/>
+      </a:lnRef>
+      <a:fillRef idx="1">
+        <a:scrgbClr r="0" g="0" b="0"/>
+      </a:fillRef>
+      <a:effectRef idx="0">
+        <a:scrgbClr r="0" g="0" b="0"/>
+      </a:effectRef>
+      <a:fontRef idx="minor"/>
+    </dgm:style>
+  </dgm:styleLbl>
+  <dgm:styleLbl name="solidAlignAcc1">
+    <dgm:scene3d>
+      <a:camera prst="orthographicFront"/>
+      <a:lightRig rig="threePt" dir="t"/>
+    </dgm:scene3d>
+    <dgm:sp3d/>
+    <dgm:txPr/>
+    <dgm:style>
+      <a:lnRef idx="2">
+        <a:scrgbClr r="0" g="0" b="0"/>
+      </a:lnRef>
+      <a:fillRef idx="1">
+        <a:scrgbClr r="0" g="0" b="0"/>
+      </a:fillRef>
+      <a:effectRef idx="0">
+        <a:scrgbClr r="0" g="0" b="0"/>
+      </a:effectRef>
+      <a:fontRef idx="minor"/>
+    </dgm:style>
+  </dgm:styleLbl>
+  <dgm:styleLbl name="solidBgAcc1">
+    <dgm:scene3d>
+      <a:camera prst="orthographicFront"/>
+      <a:lightRig rig="threePt" dir="t"/>
+    </dgm:scene3d>
+    <dgm:sp3d/>
+    <dgm:txPr/>
+    <dgm:style>
+      <a:lnRef idx="2">
+        <a:scrgbClr r="0" g="0" b="0"/>
+      </a:lnRef>
+      <a:fillRef idx="1">
+        <a:scrgbClr r="0" g="0" b="0"/>
+      </a:fillRef>
+      <a:effectRef idx="0">
+        <a:scrgbClr r="0" g="0" b="0"/>
+      </a:effectRef>
+      <a:fontRef idx="minor"/>
+    </dgm:style>
+  </dgm:styleLbl>
+  <dgm:styleLbl name="fgAccFollowNode1">
+    <dgm:scene3d>
+      <a:camera prst="orthographicFront"/>
+      <a:lightRig rig="threePt" dir="t"/>
+    </dgm:scene3d>
+    <dgm:sp3d/>
+    <dgm:txPr/>
+    <dgm:style>
+      <a:lnRef idx="2">
+        <a:scrgbClr r="0" g="0" b="0"/>
+      </a:lnRef>
+      <a:fillRef idx="1">
+        <a:scrgbClr r="0" g="0" b="0"/>
+      </a:fillRef>
+      <a:effectRef idx="0">
+        <a:scrgbClr r="0" g="0" b="0"/>
+      </a:effectRef>
+      <a:fontRef idx="minor"/>
+    </dgm:style>
+  </dgm:styleLbl>
+  <dgm:styleLbl name="alignAccFollowNode1">
+    <dgm:scene3d>
+      <a:camera prst="orthographicFront"/>
+      <a:lightRig rig="threePt" dir="t"/>
+    </dgm:scene3d>
+    <dgm:sp3d/>
+    <dgm:txPr/>
+    <dgm:style>
+      <a:lnRef idx="2">
+        <a:scrgbClr r="0" g="0" b="0"/>
+      </a:lnRef>
+      <a:fillRef idx="1">
+        <a:scrgbClr r="0" g="0" b="0"/>
+      </a:fillRef>
+      <a:effectRef idx="0">
+        <a:scrgbClr r="0" g="0" b="0"/>
+      </a:effectRef>
+      <a:fontRef idx="minor"/>
+    </dgm:style>
+  </dgm:styleLbl>
+  <dgm:styleLbl name="bgAccFollowNode1">
+    <dgm:scene3d>
+      <a:camera prst="orthographicFront"/>
+      <a:lightRig rig="threePt" dir="t"/>
+    </dgm:scene3d>
+    <dgm:sp3d/>
+    <dgm:txPr/>
+    <dgm:style>
+      <a:lnRef idx="2">
+        <a:scrgbClr r="0" g="0" b="0"/>
+      </a:lnRef>
+      <a:fillRef idx="1">
+        <a:scrgbClr r="0" g="0" b="0"/>
+      </a:fillRef>
+      <a:effectRef idx="0">
+        <a:scrgbClr r="0" g="0" b="0"/>
+      </a:effectRef>
+      <a:fontRef idx="minor"/>
+    </dgm:style>
+  </dgm:styleLbl>
+  <dgm:styleLbl name="fgAcc0">
+    <dgm:scene3d>
+      <a:camera prst="orthographicFront"/>
+      <a:lightRig rig="threePt" dir="t"/>
+    </dgm:scene3d>
+    <dgm:sp3d/>
+    <dgm:txPr/>
+    <dgm:style>
+      <a:lnRef idx="2">
+        <a:scrgbClr r="0" g="0" b="0"/>
+      </a:lnRef>
+      <a:fillRef idx="1">
+        <a:scrgbClr r="0" g="0" b="0"/>
+      </a:fillRef>
+      <a:effectRef idx="0">
+        <a:scrgbClr r="0" g="0" b="0"/>
+      </a:effectRef>
+      <a:fontRef idx="minor"/>
+    </dgm:style>
+  </dgm:styleLbl>
+  <dgm:styleLbl name="fgAcc2">
+    <dgm:scene3d>
+      <a:camera prst="orthographicFront"/>
+      <a:lightRig rig="threePt" dir="t"/>
+    </dgm:scene3d>
+    <dgm:sp3d/>
+    <dgm:txPr/>
+    <dgm:style>
+      <a:lnRef idx="2">
+        <a:scrgbClr r="0" g="0" b="0"/>
+      </a:lnRef>
+      <a:fillRef idx="1">
+        <a:scrgbClr r="0" g="0" b="0"/>
+      </a:fillRef>
+      <a:effectRef idx="0">
+        <a:scrgbClr r="0" g="0" b="0"/>
+      </a:effectRef>
+      <a:fontRef idx="minor"/>
+    </dgm:style>
+  </dgm:styleLbl>
+  <dgm:styleLbl name="fgAcc3">
+    <dgm:scene3d>
+      <a:camera prst="orthographicFront"/>
+      <a:lightRig rig="threePt" dir="t"/>
+    </dgm:scene3d>
+    <dgm:sp3d/>
+    <dgm:txPr/>
+    <dgm:style>
+      <a:lnRef idx="2">
+        <a:scrgbClr r="0" g="0" b="0"/>
+      </a:lnRef>
+      <a:fillRef idx="1">
+        <a:scrgbClr r="0" g="0" b="0"/>
+      </a:fillRef>
+      <a:effectRef idx="0">
+        <a:scrgbClr r="0" g="0" b="0"/>
+      </a:effectRef>
+      <a:fontRef idx="minor"/>
+    </dgm:style>
+  </dgm:styleLbl>
+  <dgm:styleLbl name="fgAcc4">
+    <dgm:scene3d>
+      <a:camera prst="orthographicFront"/>
+      <a:lightRig rig="threePt" dir="t"/>
+    </dgm:scene3d>
+    <dgm:sp3d/>
+    <dgm:txPr/>
+    <dgm:style>
+      <a:lnRef idx="2">
+        <a:scrgbClr r="0" g="0" b="0"/>
+      </a:lnRef>
+      <a:fillRef idx="1">
+        <a:scrgbClr r="0" g="0" b="0"/>
+      </a:fillRef>
+      <a:effectRef idx="0">
+        <a:scrgbClr r="0" g="0" b="0"/>
+      </a:effectRef>
+      <a:fontRef idx="minor"/>
+    </dgm:style>
+  </dgm:styleLbl>
+  <dgm:styleLbl name="bgShp">
+    <dgm:scene3d>
+      <a:camera prst="orthographicFront"/>
+      <a:lightRig rig="threePt" dir="t"/>
+    </dgm:scene3d>
+    <dgm:sp3d/>
+    <dgm:txPr/>
+    <dgm:style>
+      <a:lnRef idx="0">
+        <a:scrgbClr r="0" g="0" b="0"/>
+      </a:lnRef>
+      <a:fillRef idx="1">
+        <a:scrgbClr r="0" g="0" b="0"/>
+      </a:fillRef>
+      <a:effectRef idx="0">
+        <a:scrgbClr r="0" g="0" b="0"/>
+      </a:effectRef>
+      <a:fontRef idx="minor"/>
+    </dgm:style>
+  </dgm:styleLbl>
+  <dgm:styleLbl name="dkBgShp">
+    <dgm:scene3d>
+      <a:camera prst="orthographicFront"/>
+      <a:lightRig rig="threePt" dir="t"/>
+    </dgm:scene3d>
+    <dgm:sp3d/>
+    <dgm:txPr/>
+    <dgm:style>
+      <a:lnRef idx="0">
+        <a:scrgbClr r="0" g="0" b="0"/>
+      </a:lnRef>
+      <a:fillRef idx="1">
+        <a:scrgbClr r="0" g="0" b="0"/>
+      </a:fillRef>
+      <a:effectRef idx="0">
+        <a:scrgbClr r="0" g="0" b="0"/>
+      </a:effectRef>
+      <a:fontRef idx="minor"/>
+    </dgm:style>
+  </dgm:styleLbl>
+  <dgm:styleLbl name="trBgShp">
+    <dgm:scene3d>
+      <a:camera prst="orthographicFront"/>
+      <a:lightRig rig="threePt" dir="t"/>
+    </dgm:scene3d>
+    <dgm:sp3d/>
+    <dgm:txPr/>
+    <dgm:style>
+      <a:lnRef idx="0">
+        <a:scrgbClr r="0" g="0" b="0"/>
+      </a:lnRef>
+      <a:fillRef idx="1">
+        <a:scrgbClr r="0" g="0" b="0"/>
+      </a:fillRef>
+      <a:effectRef idx="0">
+        <a:scrgbClr r="0" g="0" b="0"/>
+      </a:effectRef>
+      <a:fontRef idx="minor"/>
+    </dgm:style>
+  </dgm:styleLbl>
+  <dgm:styleLbl name="fgShp">
+    <dgm:scene3d>
+      <a:camera prst="orthographicFront"/>
+      <a:lightRig rig="threePt" dir="t"/>
+    </dgm:scene3d>
+    <dgm:sp3d/>
+    <dgm:txPr/>
+    <dgm:style>
+      <a:lnRef idx="2">
+        <a:scrgbClr r="0" g="0" b="0"/>
+      </a:lnRef>
+      <a:fillRef idx="1">
+        <a:scrgbClr r="0" g="0" b="0"/>
+      </a:fillRef>
+      <a:effectRef idx="0">
+        <a:scrgbClr r="0" g="0" b="0"/>
+      </a:effectRef>
+      <a:fontRef idx="minor"/>
+    </dgm:style>
+  </dgm:styleLbl>
+  <dgm:styleLbl name="revTx">
+    <dgm:scene3d>
+      <a:camera prst="orthographicFront"/>
+      <a:lightRig rig="threePt" dir="t"/>
+    </dgm:scene3d>
+    <dgm:sp3d/>
+    <dgm:txPr/>
+    <dgm:style>
+      <a:lnRef idx="0">
+        <a:scrgbClr r="0" g="0" b="0"/>
+      </a:lnRef>
+      <a:fillRef idx="0">
+        <a:scrgbClr r="0" g="0" b="0"/>
+      </a:fillRef>
+      <a:effectRef idx="0">
+        <a:scrgbClr r="0" g="0" b="0"/>
+      </a:effectRef>
+      <a:fontRef idx="minor"/>
+    </dgm:style>
+  </dgm:styleLbl>
+</dgm:styleDef>
+</file>
+
+<file path=ppt/diagrams/quickStyle5.xml><?xml version="1.0" encoding="utf-8"?>
 <dgm:styleDef xmlns:dgm="http://schemas.openxmlformats.org/drawingml/2006/diagram" xmlns:a="http://schemas.openxmlformats.org/drawingml/2006/main" uniqueId="urn:microsoft.com/office/officeart/2005/8/quickstyle/simple1">
   <dgm:title val=""/>
   <dgm:desc val=""/>
@@ -6551,7 +15480,7 @@
           <a:p>
             <a:fld id="{C3E82377-C9D1-6B4C-95A6-3D419AD8CA11}" type="datetimeFigureOut">
               <a:rPr lang="de-DE" smtClean="0"/>
-              <a:t>15.06.25</a:t>
+              <a:t>16.06.25</a:t>
             </a:fld>
             <a:endParaRPr lang="de-DE"/>
           </a:p>
@@ -6883,7 +15812,7 @@
           <a:p>
             <a:fld id="{3A0E5987-F34C-4745-824E-D5DB1BF0A85A}" type="slidenum">
               <a:rPr lang="de-DE" smtClean="0"/>
-              <a:t>6</a:t>
+              <a:t>9</a:t>
             </a:fld>
             <a:endParaRPr lang="de-DE"/>
           </a:p>
@@ -7049,7 +15978,7 @@
           <a:p>
             <a:fld id="{6EF8D719-2701-494A-AFC4-347DF434FD19}" type="datetimeFigureOut">
               <a:rPr lang="de-DE" smtClean="0"/>
-              <a:t>15.06.25</a:t>
+              <a:t>16.06.25</a:t>
             </a:fld>
             <a:endParaRPr lang="de-DE"/>
           </a:p>
@@ -7247,7 +16176,7 @@
           <a:p>
             <a:fld id="{6EF8D719-2701-494A-AFC4-347DF434FD19}" type="datetimeFigureOut">
               <a:rPr lang="de-DE" smtClean="0"/>
-              <a:t>15.06.25</a:t>
+              <a:t>16.06.25</a:t>
             </a:fld>
             <a:endParaRPr lang="de-DE"/>
           </a:p>
@@ -7455,7 +16384,7 @@
           <a:p>
             <a:fld id="{6EF8D719-2701-494A-AFC4-347DF434FD19}" type="datetimeFigureOut">
               <a:rPr lang="de-DE" smtClean="0"/>
-              <a:t>15.06.25</a:t>
+              <a:t>16.06.25</a:t>
             </a:fld>
             <a:endParaRPr lang="de-DE"/>
           </a:p>
@@ -7653,7 +16582,7 @@
           <a:p>
             <a:fld id="{6EF8D719-2701-494A-AFC4-347DF434FD19}" type="datetimeFigureOut">
               <a:rPr lang="de-DE" smtClean="0"/>
-              <a:t>15.06.25</a:t>
+              <a:t>16.06.25</a:t>
             </a:fld>
             <a:endParaRPr lang="de-DE"/>
           </a:p>
@@ -7928,7 +16857,7 @@
           <a:p>
             <a:fld id="{6EF8D719-2701-494A-AFC4-347DF434FD19}" type="datetimeFigureOut">
               <a:rPr lang="de-DE" smtClean="0"/>
-              <a:t>15.06.25</a:t>
+              <a:t>16.06.25</a:t>
             </a:fld>
             <a:endParaRPr lang="de-DE"/>
           </a:p>
@@ -8193,7 +17122,7 @@
           <a:p>
             <a:fld id="{6EF8D719-2701-494A-AFC4-347DF434FD19}" type="datetimeFigureOut">
               <a:rPr lang="de-DE" smtClean="0"/>
-              <a:t>15.06.25</a:t>
+              <a:t>16.06.25</a:t>
             </a:fld>
             <a:endParaRPr lang="de-DE"/>
           </a:p>
@@ -8605,7 +17534,7 @@
           <a:p>
             <a:fld id="{6EF8D719-2701-494A-AFC4-347DF434FD19}" type="datetimeFigureOut">
               <a:rPr lang="de-DE" smtClean="0"/>
-              <a:t>15.06.25</a:t>
+              <a:t>16.06.25</a:t>
             </a:fld>
             <a:endParaRPr lang="de-DE"/>
           </a:p>
@@ -8746,7 +17675,7 @@
           <a:p>
             <a:fld id="{6EF8D719-2701-494A-AFC4-347DF434FD19}" type="datetimeFigureOut">
               <a:rPr lang="de-DE" smtClean="0"/>
-              <a:t>15.06.25</a:t>
+              <a:t>16.06.25</a:t>
             </a:fld>
             <a:endParaRPr lang="de-DE"/>
           </a:p>
@@ -8859,7 +17788,7 @@
           <a:p>
             <a:fld id="{6EF8D719-2701-494A-AFC4-347DF434FD19}" type="datetimeFigureOut">
               <a:rPr lang="de-DE" smtClean="0"/>
-              <a:t>15.06.25</a:t>
+              <a:t>16.06.25</a:t>
             </a:fld>
             <a:endParaRPr lang="de-DE"/>
           </a:p>
@@ -9170,7 +18099,7 @@
           <a:p>
             <a:fld id="{6EF8D719-2701-494A-AFC4-347DF434FD19}" type="datetimeFigureOut">
               <a:rPr lang="de-DE" smtClean="0"/>
-              <a:t>15.06.25</a:t>
+              <a:t>16.06.25</a:t>
             </a:fld>
             <a:endParaRPr lang="de-DE"/>
           </a:p>
@@ -9458,7 +18387,7 @@
           <a:p>
             <a:fld id="{6EF8D719-2701-494A-AFC4-347DF434FD19}" type="datetimeFigureOut">
               <a:rPr lang="de-DE" smtClean="0"/>
-              <a:t>15.06.25</a:t>
+              <a:t>16.06.25</a:t>
             </a:fld>
             <a:endParaRPr lang="de-DE"/>
           </a:p>
@@ -9699,7 +18628,7 @@
           <a:p>
             <a:fld id="{6EF8D719-2701-494A-AFC4-347DF434FD19}" type="datetimeFigureOut">
               <a:rPr lang="de-DE" smtClean="0"/>
-              <a:t>15.06.25</a:t>
+              <a:t>16.06.25</a:t>
             </a:fld>
             <a:endParaRPr lang="de-DE"/>
           </a:p>
@@ -10336,7 +19265,7 @@
           <a:p>
             <a:r>
               <a:rPr lang="de-DE" b="1" dirty="0" err="1"/>
-              <a:t>Network_Construction.py</a:t>
+              <a:t>Download_raw_files.py</a:t>
             </a:r>
             <a:endParaRPr lang="de-DE" b="1" dirty="0"/>
           </a:p>
@@ -10358,9 +19287,387 @@
             <p:ph idx="1"/>
             <p:extLst>
               <p:ext uri="{D42A27DB-BD31-4B8C-83A1-F6EECF244321}">
-                <p14:modId xmlns:p14="http://schemas.microsoft.com/office/powerpoint/2010/main" val="3880737506"/>
+                <p14:modId xmlns:p14="http://schemas.microsoft.com/office/powerpoint/2010/main" val="4071559028"/>
               </p:ext>
             </p:extLst>
+          </p:nvPr>
+        </p:nvGraphicFramePr>
+        <p:xfrm>
+          <a:off x="838200" y="534914"/>
+          <a:ext cx="7406120" cy="5472345"/>
+        </p:xfrm>
+        <a:graphic>
+          <a:graphicData uri="http://schemas.openxmlformats.org/drawingml/2006/diagram">
+            <dgm:relIds xmlns:dgm="http://schemas.openxmlformats.org/drawingml/2006/diagram" xmlns:r="http://schemas.openxmlformats.org/officeDocument/2006/relationships" r:dm="rId2" r:lo="rId3" r:qs="rId4" r:cs="rId5"/>
+          </a:graphicData>
+        </a:graphic>
+      </p:graphicFrame>
+    </p:spTree>
+    <p:extLst>
+      <p:ext uri="{BB962C8B-B14F-4D97-AF65-F5344CB8AC3E}">
+        <p14:creationId xmlns:p14="http://schemas.microsoft.com/office/powerpoint/2010/main" val="4229802147"/>
+      </p:ext>
+    </p:extLst>
+  </p:cSld>
+  <p:clrMapOvr>
+    <a:masterClrMapping/>
+  </p:clrMapOvr>
+</p:sld>
+</file>
+
+<file path=ppt/slides/slide3.xml><?xml version="1.0" encoding="utf-8"?>
+<p:sld xmlns:a="http://schemas.openxmlformats.org/drawingml/2006/main" xmlns:r="http://schemas.openxmlformats.org/officeDocument/2006/relationships" xmlns:p="http://schemas.openxmlformats.org/presentationml/2006/main">
+  <p:cSld>
+    <p:spTree>
+      <p:nvGrpSpPr>
+        <p:cNvPr id="1" name="">
+          <a:extLst>
+            <a:ext uri="{FF2B5EF4-FFF2-40B4-BE49-F238E27FC236}">
+              <a16:creationId xmlns:a16="http://schemas.microsoft.com/office/drawing/2014/main" id="{5DF4CE2E-822A-B267-261B-ED0EF2570AAF}"/>
+            </a:ext>
+          </a:extLst>
+        </p:cNvPr>
+        <p:cNvGrpSpPr/>
+        <p:nvPr/>
+      </p:nvGrpSpPr>
+      <p:grpSpPr>
+        <a:xfrm>
+          <a:off x="0" y="0"/>
+          <a:ext cx="0" cy="0"/>
+          <a:chOff x="0" y="0"/>
+          <a:chExt cx="0" cy="0"/>
+        </a:xfrm>
+      </p:grpSpPr>
+      <p:sp>
+        <p:nvSpPr>
+          <p:cNvPr id="2" name="Titel 1">
+            <a:extLst>
+              <a:ext uri="{FF2B5EF4-FFF2-40B4-BE49-F238E27FC236}">
+                <a16:creationId xmlns:a16="http://schemas.microsoft.com/office/drawing/2014/main" id="{2DD602E9-B41A-CEB5-60D9-339C57333AE2}"/>
+              </a:ext>
+            </a:extLst>
+          </p:cNvPr>
+          <p:cNvSpPr>
+            <a:spLocks noGrp="1"/>
+          </p:cNvSpPr>
+          <p:nvPr>
+            <p:ph type="title"/>
+          </p:nvPr>
+        </p:nvSpPr>
+        <p:spPr/>
+        <p:txBody>
+          <a:bodyPr/>
+          <a:lstStyle/>
+          <a:p>
+            <a:r>
+              <a:rPr lang="de-DE" b="1" dirty="0" err="1"/>
+              <a:t>DGI.py</a:t>
+            </a:r>
+            <a:endParaRPr lang="de-DE" b="1" dirty="0"/>
+          </a:p>
+        </p:txBody>
+      </p:sp>
+      <p:graphicFrame>
+        <p:nvGraphicFramePr>
+          <p:cNvPr id="8" name="Inhaltsplatzhalter 2">
+            <a:extLst>
+              <a:ext uri="{FF2B5EF4-FFF2-40B4-BE49-F238E27FC236}">
+                <a16:creationId xmlns:a16="http://schemas.microsoft.com/office/drawing/2014/main" id="{6FAD647A-6736-7C00-024E-612AFDB06705}"/>
+              </a:ext>
+            </a:extLst>
+          </p:cNvPr>
+          <p:cNvGraphicFramePr>
+            <a:graphicFrameLocks noGrp="1"/>
+          </p:cNvGraphicFramePr>
+          <p:nvPr>
+            <p:ph idx="1"/>
+          </p:nvPr>
+        </p:nvGraphicFramePr>
+        <p:xfrm>
+          <a:off x="927652" y="1240971"/>
+          <a:ext cx="5734405" cy="5251904"/>
+        </p:xfrm>
+        <a:graphic>
+          <a:graphicData uri="http://schemas.openxmlformats.org/drawingml/2006/diagram">
+            <dgm:relIds xmlns:dgm="http://schemas.openxmlformats.org/drawingml/2006/diagram" xmlns:r="http://schemas.openxmlformats.org/officeDocument/2006/relationships" r:dm="rId2" r:lo="rId3" r:qs="rId4" r:cs="rId5"/>
+          </a:graphicData>
+        </a:graphic>
+      </p:graphicFrame>
+      <p:pic>
+        <p:nvPicPr>
+          <p:cNvPr id="5" name="Grafik 4" descr="Ein Bild, das Text, Screenshot, Reihe, Design enthält.&#10;&#10;Automatisch generierte Beschreibung">
+            <a:extLst>
+              <a:ext uri="{FF2B5EF4-FFF2-40B4-BE49-F238E27FC236}">
+                <a16:creationId xmlns:a16="http://schemas.microsoft.com/office/drawing/2014/main" id="{9F4B5023-81AD-C8E3-ACDD-8983D2FB1B4B}"/>
+              </a:ext>
+            </a:extLst>
+          </p:cNvPr>
+          <p:cNvPicPr>
+            <a:picLocks noChangeAspect="1"/>
+          </p:cNvPicPr>
+          <p:nvPr/>
+        </p:nvPicPr>
+        <p:blipFill>
+          <a:blip r:embed="rId7"/>
+          <a:srcRect t="58430" r="79527" b="2359"/>
+          <a:stretch/>
+        </p:blipFill>
+        <p:spPr>
+          <a:xfrm>
+            <a:off x="6820913" y="554854"/>
+            <a:ext cx="4967786" cy="5748292"/>
+          </a:xfrm>
+          <a:prstGeom prst="rect">
+            <a:avLst/>
+          </a:prstGeom>
+        </p:spPr>
+      </p:pic>
+      <p:cxnSp>
+        <p:nvCxnSpPr>
+          <p:cNvPr id="9" name="Gerade Verbindung mit Pfeil 8">
+            <a:extLst>
+              <a:ext uri="{FF2B5EF4-FFF2-40B4-BE49-F238E27FC236}">
+                <a16:creationId xmlns:a16="http://schemas.microsoft.com/office/drawing/2014/main" id="{0D605284-4465-1DD2-7D88-A49824439F7B}"/>
+              </a:ext>
+            </a:extLst>
+          </p:cNvPr>
+          <p:cNvCxnSpPr>
+            <a:cxnSpLocks/>
+          </p:cNvCxnSpPr>
+          <p:nvPr/>
+        </p:nvCxnSpPr>
+        <p:spPr>
+          <a:xfrm flipV="1">
+            <a:off x="3596640" y="4653280"/>
+            <a:ext cx="3154869" cy="1056640"/>
+          </a:xfrm>
+          <a:prstGeom prst="straightConnector1">
+            <a:avLst/>
+          </a:prstGeom>
+          <a:ln>
+            <a:tailEnd type="triangle"/>
+          </a:ln>
+        </p:spPr>
+        <p:style>
+          <a:lnRef idx="3">
+            <a:schemeClr val="dk1"/>
+          </a:lnRef>
+          <a:fillRef idx="0">
+            <a:schemeClr val="dk1"/>
+          </a:fillRef>
+          <a:effectRef idx="2">
+            <a:schemeClr val="dk1"/>
+          </a:effectRef>
+          <a:fontRef idx="minor">
+            <a:schemeClr val="tx1"/>
+          </a:fontRef>
+        </p:style>
+      </p:cxnSp>
+    </p:spTree>
+    <p:extLst>
+      <p:ext uri="{BB962C8B-B14F-4D97-AF65-F5344CB8AC3E}">
+        <p14:creationId xmlns:p14="http://schemas.microsoft.com/office/powerpoint/2010/main" val="942969379"/>
+      </p:ext>
+    </p:extLst>
+  </p:cSld>
+  <p:clrMapOvr>
+    <a:masterClrMapping/>
+  </p:clrMapOvr>
+</p:sld>
+</file>
+
+<file path=ppt/slides/slide4.xml><?xml version="1.0" encoding="utf-8"?>
+<p:sld xmlns:a="http://schemas.openxmlformats.org/drawingml/2006/main" xmlns:r="http://schemas.openxmlformats.org/officeDocument/2006/relationships" xmlns:p="http://schemas.openxmlformats.org/presentationml/2006/main">
+  <p:cSld>
+    <p:spTree>
+      <p:nvGrpSpPr>
+        <p:cNvPr id="1" name="">
+          <a:extLst>
+            <a:ext uri="{FF2B5EF4-FFF2-40B4-BE49-F238E27FC236}">
+              <a16:creationId xmlns:a16="http://schemas.microsoft.com/office/drawing/2014/main" id="{20CD1084-C34A-2DE7-FBB0-B869AEF43E86}"/>
+            </a:ext>
+          </a:extLst>
+        </p:cNvPr>
+        <p:cNvGrpSpPr/>
+        <p:nvPr/>
+      </p:nvGrpSpPr>
+      <p:grpSpPr>
+        <a:xfrm>
+          <a:off x="0" y="0"/>
+          <a:ext cx="0" cy="0"/>
+          <a:chOff x="0" y="0"/>
+          <a:chExt cx="0" cy="0"/>
+        </a:xfrm>
+      </p:grpSpPr>
+      <p:sp>
+        <p:nvSpPr>
+          <p:cNvPr id="2" name="Titel 1">
+            <a:extLst>
+              <a:ext uri="{FF2B5EF4-FFF2-40B4-BE49-F238E27FC236}">
+                <a16:creationId xmlns:a16="http://schemas.microsoft.com/office/drawing/2014/main" id="{A818A9E5-7C95-332C-9D49-2481FCE47775}"/>
+              </a:ext>
+            </a:extLst>
+          </p:cNvPr>
+          <p:cNvSpPr>
+            <a:spLocks noGrp="1"/>
+          </p:cNvSpPr>
+          <p:nvPr>
+            <p:ph type="title"/>
+          </p:nvPr>
+        </p:nvSpPr>
+        <p:spPr/>
+        <p:txBody>
+          <a:bodyPr/>
+          <a:lstStyle/>
+          <a:p>
+            <a:r>
+              <a:rPr lang="de-DE" b="1" dirty="0" err="1"/>
+              <a:t>PPI.py</a:t>
+            </a:r>
+            <a:endParaRPr lang="de-DE" b="1" dirty="0"/>
+          </a:p>
+        </p:txBody>
+      </p:sp>
+      <p:graphicFrame>
+        <p:nvGraphicFramePr>
+          <p:cNvPr id="8" name="Inhaltsplatzhalter 2">
+            <a:extLst>
+              <a:ext uri="{FF2B5EF4-FFF2-40B4-BE49-F238E27FC236}">
+                <a16:creationId xmlns:a16="http://schemas.microsoft.com/office/drawing/2014/main" id="{F8313033-A6D2-AE9F-D340-4D71A1301C96}"/>
+              </a:ext>
+            </a:extLst>
+          </p:cNvPr>
+          <p:cNvGraphicFramePr>
+            <a:graphicFrameLocks noGrp="1"/>
+          </p:cNvGraphicFramePr>
+          <p:nvPr>
+            <p:ph idx="1"/>
+            <p:extLst>
+              <p:ext uri="{D42A27DB-BD31-4B8C-83A1-F6EECF244321}">
+                <p14:modId xmlns:p14="http://schemas.microsoft.com/office/powerpoint/2010/main" val="247756946"/>
+              </p:ext>
+            </p:extLst>
+          </p:nvPr>
+        </p:nvGraphicFramePr>
+        <p:xfrm>
+          <a:off x="838200" y="365124"/>
+          <a:ext cx="7162800" cy="6373133"/>
+        </p:xfrm>
+        <a:graphic>
+          <a:graphicData uri="http://schemas.openxmlformats.org/drawingml/2006/diagram">
+            <dgm:relIds xmlns:dgm="http://schemas.openxmlformats.org/drawingml/2006/diagram" xmlns:r="http://schemas.openxmlformats.org/officeDocument/2006/relationships" r:dm="rId2" r:lo="rId3" r:qs="rId4" r:cs="rId5"/>
+          </a:graphicData>
+        </a:graphic>
+      </p:graphicFrame>
+      <p:pic>
+        <p:nvPicPr>
+          <p:cNvPr id="4" name="Grafik 3" descr="Ein Bild, das Text, Schrift, Screenshot, Zahl enthält.&#10;&#10;Automatisch generierte Beschreibung">
+            <a:extLst>
+              <a:ext uri="{FF2B5EF4-FFF2-40B4-BE49-F238E27FC236}">
+                <a16:creationId xmlns:a16="http://schemas.microsoft.com/office/drawing/2014/main" id="{BBC4E930-B5A7-B0C3-E467-76207B96C968}"/>
+              </a:ext>
+            </a:extLst>
+          </p:cNvPr>
+          <p:cNvPicPr>
+            <a:picLocks noChangeAspect="1"/>
+          </p:cNvPicPr>
+          <p:nvPr/>
+        </p:nvPicPr>
+        <p:blipFill>
+          <a:blip r:embed="rId7"/>
+          <a:stretch>
+            <a:fillRect/>
+          </a:stretch>
+        </p:blipFill>
+        <p:spPr>
+          <a:xfrm>
+            <a:off x="8309427" y="2270577"/>
+            <a:ext cx="3436257" cy="2814176"/>
+          </a:xfrm>
+          <a:prstGeom prst="rect">
+            <a:avLst/>
+          </a:prstGeom>
+        </p:spPr>
+      </p:pic>
+    </p:spTree>
+    <p:extLst>
+      <p:ext uri="{BB962C8B-B14F-4D97-AF65-F5344CB8AC3E}">
+        <p14:creationId xmlns:p14="http://schemas.microsoft.com/office/powerpoint/2010/main" val="4112352329"/>
+      </p:ext>
+    </p:extLst>
+  </p:cSld>
+  <p:clrMapOvr>
+    <a:masterClrMapping/>
+  </p:clrMapOvr>
+</p:sld>
+</file>
+
+<file path=ppt/slides/slide5.xml><?xml version="1.0" encoding="utf-8"?>
+<p:sld xmlns:a="http://schemas.openxmlformats.org/drawingml/2006/main" xmlns:r="http://schemas.openxmlformats.org/officeDocument/2006/relationships" xmlns:p="http://schemas.openxmlformats.org/presentationml/2006/main">
+  <p:cSld>
+    <p:spTree>
+      <p:nvGrpSpPr>
+        <p:cNvPr id="1" name="">
+          <a:extLst>
+            <a:ext uri="{FF2B5EF4-FFF2-40B4-BE49-F238E27FC236}">
+              <a16:creationId xmlns:a16="http://schemas.microsoft.com/office/drawing/2014/main" id="{9C86C0F0-5988-EC17-7B77-7D5B3A0B35F0}"/>
+            </a:ext>
+          </a:extLst>
+        </p:cNvPr>
+        <p:cNvGrpSpPr/>
+        <p:nvPr/>
+      </p:nvGrpSpPr>
+      <p:grpSpPr>
+        <a:xfrm>
+          <a:off x="0" y="0"/>
+          <a:ext cx="0" cy="0"/>
+          <a:chOff x="0" y="0"/>
+          <a:chExt cx="0" cy="0"/>
+        </a:xfrm>
+      </p:grpSpPr>
+      <p:sp>
+        <p:nvSpPr>
+          <p:cNvPr id="2" name="Titel 1">
+            <a:extLst>
+              <a:ext uri="{FF2B5EF4-FFF2-40B4-BE49-F238E27FC236}">
+                <a16:creationId xmlns:a16="http://schemas.microsoft.com/office/drawing/2014/main" id="{90D93C83-723B-A8FC-2304-91CF6BFC2B48}"/>
+              </a:ext>
+            </a:extLst>
+          </p:cNvPr>
+          <p:cNvSpPr>
+            <a:spLocks noGrp="1"/>
+          </p:cNvSpPr>
+          <p:nvPr>
+            <p:ph type="title"/>
+          </p:nvPr>
+        </p:nvSpPr>
+        <p:spPr/>
+        <p:txBody>
+          <a:bodyPr/>
+          <a:lstStyle/>
+          <a:p>
+            <a:r>
+              <a:rPr lang="de-DE" b="1" dirty="0" err="1"/>
+              <a:t>Network_Construction.py</a:t>
+            </a:r>
+            <a:endParaRPr lang="de-DE" b="1" dirty="0"/>
+          </a:p>
+        </p:txBody>
+      </p:sp>
+      <p:graphicFrame>
+        <p:nvGraphicFramePr>
+          <p:cNvPr id="8" name="Inhaltsplatzhalter 2">
+            <a:extLst>
+              <a:ext uri="{FF2B5EF4-FFF2-40B4-BE49-F238E27FC236}">
+                <a16:creationId xmlns:a16="http://schemas.microsoft.com/office/drawing/2014/main" id="{935FB226-8035-646E-93EB-49F4F6743F33}"/>
+              </a:ext>
+            </a:extLst>
+          </p:cNvPr>
+          <p:cNvGraphicFramePr>
+            <a:graphicFrameLocks noGrp="1"/>
+          </p:cNvGraphicFramePr>
+          <p:nvPr>
+            <p:ph idx="1"/>
           </p:nvPr>
         </p:nvGraphicFramePr>
         <p:xfrm>
@@ -10378,7 +19685,7 @@
           <p:cNvPr id="4" name="Geschweifte Klammer rechts 3">
             <a:extLst>
               <a:ext uri="{FF2B5EF4-FFF2-40B4-BE49-F238E27FC236}">
-                <a16:creationId xmlns:a16="http://schemas.microsoft.com/office/drawing/2014/main" id="{ACAA2EB1-7E21-C2F7-639C-0513D3557F9B}"/>
+                <a16:creationId xmlns:a16="http://schemas.microsoft.com/office/drawing/2014/main" id="{13DC5BC7-705C-1992-18CA-8581BE460273}"/>
               </a:ext>
             </a:extLst>
           </p:cNvPr>
@@ -10422,7 +19729,7 @@
           <p:cNvPr id="6" name="Textfeld 5">
             <a:extLst>
               <a:ext uri="{FF2B5EF4-FFF2-40B4-BE49-F238E27FC236}">
-                <a16:creationId xmlns:a16="http://schemas.microsoft.com/office/drawing/2014/main" id="{818FB101-9B88-594A-F36D-9E4661CFDB0D}"/>
+                <a16:creationId xmlns:a16="http://schemas.microsoft.com/office/drawing/2014/main" id="{7C603B09-A0BD-9D83-6ABD-08C0843FAEEC}"/>
               </a:ext>
             </a:extLst>
           </p:cNvPr>
@@ -10456,7 +19763,7 @@
     </p:spTree>
     <p:extLst>
       <p:ext uri="{BB962C8B-B14F-4D97-AF65-F5344CB8AC3E}">
-        <p14:creationId xmlns:p14="http://schemas.microsoft.com/office/powerpoint/2010/main" val="4229802147"/>
+        <p14:creationId xmlns:p14="http://schemas.microsoft.com/office/powerpoint/2010/main" val="2851013017"/>
       </p:ext>
     </p:extLst>
   </p:cSld>
@@ -10466,7 +19773,7 @@
 </p:sld>
 </file>
 
-<file path=ppt/slides/slide3.xml><?xml version="1.0" encoding="utf-8"?>
+<file path=ppt/slides/slide6.xml><?xml version="1.0" encoding="utf-8"?>
 <p:sld xmlns:a="http://schemas.openxmlformats.org/drawingml/2006/main" xmlns:r="http://schemas.openxmlformats.org/officeDocument/2006/relationships" xmlns:p="http://schemas.openxmlformats.org/presentationml/2006/main">
   <p:cSld>
     <p:spTree>
@@ -10562,7 +19869,7 @@
 </p:sld>
 </file>
 
-<file path=ppt/slides/slide4.xml><?xml version="1.0" encoding="utf-8"?>
+<file path=ppt/slides/slide7.xml><?xml version="1.0" encoding="utf-8"?>
 <p:sld xmlns:a="http://schemas.openxmlformats.org/drawingml/2006/main" xmlns:r="http://schemas.openxmlformats.org/officeDocument/2006/relationships" xmlns:p="http://schemas.openxmlformats.org/presentationml/2006/main">
   <p:cSld>
     <p:spTree>
@@ -10651,7 +19958,7 @@
 </p:sld>
 </file>
 
-<file path=ppt/slides/slide5.xml><?xml version="1.0" encoding="utf-8"?>
+<file path=ppt/slides/slide8.xml><?xml version="1.0" encoding="utf-8"?>
 <p:sld xmlns:a="http://schemas.openxmlformats.org/drawingml/2006/main" xmlns:r="http://schemas.openxmlformats.org/officeDocument/2006/relationships" xmlns:p="http://schemas.openxmlformats.org/presentationml/2006/main">
   <p:cSld>
     <p:spTree>
@@ -11353,7 +20660,7 @@
 </p:sld>
 </file>
 
-<file path=ppt/slides/slide6.xml><?xml version="1.0" encoding="utf-8"?>
+<file path=ppt/slides/slide9.xml><?xml version="1.0" encoding="utf-8"?>
 <p:sld xmlns:a="http://schemas.openxmlformats.org/drawingml/2006/main" xmlns:r="http://schemas.openxmlformats.org/officeDocument/2006/relationships" xmlns:p="http://schemas.openxmlformats.org/presentationml/2006/main">
   <p:cSld>
     <p:spTree>

--- a/Overview_Network.pptx
+++ b/Overview_Network.pptx
@@ -14,7 +14,7 @@
     <p:sldId id="266" r:id="rId5"/>
     <p:sldId id="265" r:id="rId6"/>
     <p:sldId id="260" r:id="rId7"/>
-    <p:sldId id="261" r:id="rId8"/>
+    <p:sldId id="268" r:id="rId8"/>
     <p:sldId id="262" r:id="rId9"/>
     <p:sldId id="263" r:id="rId10"/>
   </p:sldIdLst>
@@ -19072,10 +19072,10 @@
       </p:sp>
       <p:pic>
         <p:nvPicPr>
-          <p:cNvPr id="8" name="Grafik 7" descr="Ein Bild, das Text, Screenshot, Schrift enthält.&#10;&#10;Automatisch generierte Beschreibung">
+          <p:cNvPr id="6" name="Grafik 5" descr="Ein Bild, das Text, Screenshot, Schrift enthält.&#10;&#10;Automatisch generierte Beschreibung">
             <a:extLst>
               <a:ext uri="{FF2B5EF4-FFF2-40B4-BE49-F238E27FC236}">
-                <a16:creationId xmlns:a16="http://schemas.microsoft.com/office/drawing/2014/main" id="{6EE8033D-B732-85FE-6FDC-C61E7F5D15A2}"/>
+                <a16:creationId xmlns:a16="http://schemas.microsoft.com/office/drawing/2014/main" id="{1626ED06-9DF8-DB10-CBF5-D500CFE62EA2}"/>
               </a:ext>
             </a:extLst>
           </p:cNvPr>
@@ -19092,8 +19092,8 @@
         </p:blipFill>
         <p:spPr>
           <a:xfrm>
-            <a:off x="0" y="-1"/>
-            <a:ext cx="12192000" cy="6858001"/>
+            <a:off x="0" y="6350"/>
+            <a:ext cx="12192000" cy="6851650"/>
           </a:xfrm>
           <a:prstGeom prst="rect">
             <a:avLst/>
@@ -19114,8 +19114,8 @@
         </p:nvSpPr>
         <p:spPr>
           <a:xfrm>
-            <a:off x="6316910" y="2080470"/>
-            <a:ext cx="5788404" cy="1602297"/>
+            <a:off x="7566590" y="3281679"/>
+            <a:ext cx="4544130" cy="325121"/>
           </a:xfrm>
           <a:prstGeom prst="rect">
             <a:avLst/>
@@ -19166,7 +19166,7 @@
         </p:nvSpPr>
         <p:spPr>
           <a:xfrm>
-            <a:off x="6258187" y="1627464"/>
+            <a:off x="7513180" y="2912347"/>
             <a:ext cx="3120705" cy="369332"/>
           </a:xfrm>
           <a:prstGeom prst="rect">
@@ -19212,6 +19212,58 @@
           </a:p>
         </p:txBody>
       </p:sp>
+      <p:sp>
+        <p:nvSpPr>
+          <p:cNvPr id="10" name="Rechteck 9">
+            <a:extLst>
+              <a:ext uri="{FF2B5EF4-FFF2-40B4-BE49-F238E27FC236}">
+                <a16:creationId xmlns:a16="http://schemas.microsoft.com/office/drawing/2014/main" id="{82251253-6EB3-3B4F-9195-2CA62526972B}"/>
+              </a:ext>
+            </a:extLst>
+          </p:cNvPr>
+          <p:cNvSpPr/>
+          <p:nvPr/>
+        </p:nvSpPr>
+        <p:spPr>
+          <a:xfrm>
+            <a:off x="81280" y="865345"/>
+            <a:ext cx="12029440" cy="4732815"/>
+          </a:xfrm>
+          <a:prstGeom prst="rect">
+            <a:avLst/>
+          </a:prstGeom>
+          <a:noFill/>
+          <a:ln>
+            <a:solidFill>
+              <a:srgbClr val="00B0F0"/>
+            </a:solidFill>
+          </a:ln>
+        </p:spPr>
+        <p:style>
+          <a:lnRef idx="2">
+            <a:schemeClr val="accent1">
+              <a:shade val="15000"/>
+            </a:schemeClr>
+          </a:lnRef>
+          <a:fillRef idx="1">
+            <a:schemeClr val="accent1"/>
+          </a:fillRef>
+          <a:effectRef idx="0">
+            <a:schemeClr val="accent1"/>
+          </a:effectRef>
+          <a:fontRef idx="minor">
+            <a:schemeClr val="lt1"/>
+          </a:fontRef>
+        </p:style>
+        <p:txBody>
+          <a:bodyPr rtlCol="0" anchor="ctr"/>
+          <a:lstStyle/>
+          <a:p>
+            <a:pPr algn="ctr"/>
+            <a:endParaRPr lang="de-DE"/>
+          </a:p>
+        </p:txBody>
+      </p:sp>
     </p:spTree>
     <p:extLst>
       <p:ext uri="{BB962C8B-B14F-4D97-AF65-F5344CB8AC3E}">
@@ -19222,6 +19274,18 @@
   <p:clrMapOvr>
     <a:masterClrMapping/>
   </p:clrMapOvr>
+  <mc:AlternateContent xmlns:mc="http://schemas.openxmlformats.org/markup-compatibility/2006" xmlns:p159="http://schemas.microsoft.com/office/powerpoint/2015/09/main">
+    <mc:Choice Requires="p159">
+      <p:transition xmlns:p14="http://schemas.microsoft.com/office/powerpoint/2010/main" spd="slow" p14:dur="2000">
+        <p159:morph option="byObject"/>
+      </p:transition>
+    </mc:Choice>
+    <mc:Fallback xmlns="">
+      <p:transition spd="slow">
+        <p:fade/>
+      </p:transition>
+    </mc:Fallback>
+  </mc:AlternateContent>
 </p:sld>
 </file>
 
@@ -19287,13 +19351,13 @@
             <p:ph idx="1"/>
             <p:extLst>
               <p:ext uri="{D42A27DB-BD31-4B8C-83A1-F6EECF244321}">
-                <p14:modId xmlns:p14="http://schemas.microsoft.com/office/powerpoint/2010/main" val="4071559028"/>
+                <p14:modId xmlns:p14="http://schemas.microsoft.com/office/powerpoint/2010/main" val="3708085031"/>
               </p:ext>
             </p:extLst>
           </p:nvPr>
         </p:nvGraphicFramePr>
         <p:xfrm>
-          <a:off x="838200" y="534914"/>
+          <a:off x="838200" y="365125"/>
           <a:ext cx="7406120" cy="5472345"/>
         </p:xfrm>
         <a:graphic>
@@ -19302,6 +19366,35 @@
           </a:graphicData>
         </a:graphic>
       </p:graphicFrame>
+      <p:pic>
+        <p:nvPicPr>
+          <p:cNvPr id="4" name="Grafik 3" descr="Ein Bild, das Text, Screenshot, Software, Multimedia-Software enthält.&#10;&#10;Automatisch generierte Beschreibung">
+            <a:extLst>
+              <a:ext uri="{FF2B5EF4-FFF2-40B4-BE49-F238E27FC236}">
+                <a16:creationId xmlns:a16="http://schemas.microsoft.com/office/drawing/2014/main" id="{18CD138A-54EC-37A8-84A5-03AB083A8091}"/>
+              </a:ext>
+            </a:extLst>
+          </p:cNvPr>
+          <p:cNvPicPr>
+            <a:picLocks noChangeAspect="1"/>
+          </p:cNvPicPr>
+          <p:nvPr/>
+        </p:nvPicPr>
+        <p:blipFill>
+          <a:blip r:embed="rId7"/>
+          <a:srcRect t="53854" r="78077" b="34384"/>
+          <a:stretch/>
+        </p:blipFill>
+        <p:spPr>
+          <a:xfrm>
+            <a:off x="1347288" y="4952329"/>
+            <a:ext cx="5461550" cy="1770281"/>
+          </a:xfrm>
+          <a:prstGeom prst="rect">
+            <a:avLst/>
+          </a:prstGeom>
+        </p:spPr>
+      </p:pic>
     </p:spTree>
     <p:extLst>
       <p:ext uri="{BB962C8B-B14F-4D97-AF65-F5344CB8AC3E}">
@@ -19312,6 +19405,18 @@
   <p:clrMapOvr>
     <a:masterClrMapping/>
   </p:clrMapOvr>
+  <mc:AlternateContent xmlns:mc="http://schemas.openxmlformats.org/markup-compatibility/2006" xmlns:p159="http://schemas.microsoft.com/office/powerpoint/2015/09/main">
+    <mc:Choice Requires="p159">
+      <p:transition xmlns:p14="http://schemas.microsoft.com/office/powerpoint/2010/main" spd="slow" p14:dur="2000">
+        <p159:morph option="byObject"/>
+      </p:transition>
+    </mc:Choice>
+    <mc:Fallback xmlns="">
+      <p:transition spd="slow">
+        <p:fade/>
+      </p:transition>
+    </mc:Fallback>
+  </mc:AlternateContent>
 </p:sld>
 </file>
 
@@ -19473,6 +19578,18 @@
   <p:clrMapOvr>
     <a:masterClrMapping/>
   </p:clrMapOvr>
+  <mc:AlternateContent xmlns:mc="http://schemas.openxmlformats.org/markup-compatibility/2006" xmlns:p159="http://schemas.microsoft.com/office/powerpoint/2015/09/main">
+    <mc:Choice Requires="p159">
+      <p:transition xmlns:p14="http://schemas.microsoft.com/office/powerpoint/2010/main" spd="slow" p14:dur="2000">
+        <p159:morph option="byObject"/>
+      </p:transition>
+    </mc:Choice>
+    <mc:Fallback xmlns="">
+      <p:transition spd="slow">
+        <p:fade/>
+      </p:transition>
+    </mc:Fallback>
+  </mc:AlternateContent>
 </p:sld>
 </file>
 
@@ -19599,6 +19716,18 @@
   <p:clrMapOvr>
     <a:masterClrMapping/>
   </p:clrMapOvr>
+  <mc:AlternateContent xmlns:mc="http://schemas.openxmlformats.org/markup-compatibility/2006" xmlns:p159="http://schemas.microsoft.com/office/powerpoint/2015/09/main">
+    <mc:Choice Requires="p159">
+      <p:transition xmlns:p14="http://schemas.microsoft.com/office/powerpoint/2010/main" spd="slow" p14:dur="2000">
+        <p159:morph option="byObject"/>
+      </p:transition>
+    </mc:Choice>
+    <mc:Fallback xmlns="">
+      <p:transition spd="slow">
+        <p:fade/>
+      </p:transition>
+    </mc:Fallback>
+  </mc:AlternateContent>
 </p:sld>
 </file>
 
@@ -19760,6 +19889,65 @@
           </a:p>
         </p:txBody>
       </p:sp>
+      <p:sp>
+        <p:nvSpPr>
+          <p:cNvPr id="5" name="Textfeld 4">
+            <a:extLst>
+              <a:ext uri="{FF2B5EF4-FFF2-40B4-BE49-F238E27FC236}">
+                <a16:creationId xmlns:a16="http://schemas.microsoft.com/office/drawing/2014/main" id="{1E86CB99-0AA4-B519-D6F8-DBAE26C74484}"/>
+              </a:ext>
+            </a:extLst>
+          </p:cNvPr>
+          <p:cNvSpPr txBox="1"/>
+          <p:nvPr/>
+        </p:nvSpPr>
+        <p:spPr>
+          <a:xfrm>
+            <a:off x="8304126" y="174228"/>
+            <a:ext cx="6099348" cy="646331"/>
+          </a:xfrm>
+          <a:prstGeom prst="rect">
+            <a:avLst/>
+          </a:prstGeom>
+          <a:noFill/>
+        </p:spPr>
+        <p:txBody>
+          <a:bodyPr wrap="square">
+            <a:spAutoFit/>
+          </a:bodyPr>
+          <a:lstStyle/>
+          <a:p>
+            <a:r>
+              <a:rPr lang="de-DE" b="1" dirty="0"/>
+              <a:t>Nodes</a:t>
+            </a:r>
+            <a:r>
+              <a:rPr lang="de-DE" dirty="0"/>
+              <a:t> = Gene + </a:t>
+            </a:r>
+            <a:r>
+              <a:rPr lang="de-DE" dirty="0" err="1"/>
+              <a:t>Pathways</a:t>
+            </a:r>
+            <a:endParaRPr lang="de-DE" dirty="0"/>
+          </a:p>
+          <a:p>
+            <a:r>
+              <a:rPr lang="de-DE" b="1" dirty="0" err="1"/>
+              <a:t>Edges</a:t>
+            </a:r>
+            <a:r>
+              <a:rPr lang="de-DE" dirty="0"/>
+              <a:t> = Gene-Interaction, </a:t>
+            </a:r>
+            <a:r>
+              <a:rPr lang="de-DE" dirty="0" err="1"/>
+              <a:t>Pathways</a:t>
+            </a:r>
+            <a:endParaRPr lang="de-DE" dirty="0"/>
+          </a:p>
+        </p:txBody>
+      </p:sp>
     </p:spTree>
     <p:extLst>
       <p:ext uri="{BB962C8B-B14F-4D97-AF65-F5344CB8AC3E}">
@@ -19770,6 +19958,18 @@
   <p:clrMapOvr>
     <a:masterClrMapping/>
   </p:clrMapOvr>
+  <mc:AlternateContent xmlns:mc="http://schemas.openxmlformats.org/markup-compatibility/2006" xmlns:p159="http://schemas.microsoft.com/office/powerpoint/2015/09/main">
+    <mc:Choice Requires="p159">
+      <p:transition xmlns:p14="http://schemas.microsoft.com/office/powerpoint/2010/main" spd="slow" p14:dur="2000">
+        <p159:morph option="byObject"/>
+      </p:transition>
+    </mc:Choice>
+    <mc:Fallback xmlns="">
+      <p:transition spd="slow">
+        <p:fade/>
+      </p:transition>
+    </mc:Fallback>
+  </mc:AlternateContent>
 </p:sld>
 </file>
 
@@ -19866,6 +20066,18 @@
   <p:clrMapOvr>
     <a:masterClrMapping/>
   </p:clrMapOvr>
+  <mc:AlternateContent xmlns:mc="http://schemas.openxmlformats.org/markup-compatibility/2006" xmlns:p159="http://schemas.microsoft.com/office/powerpoint/2015/09/main">
+    <mc:Choice Requires="p159">
+      <p:transition xmlns:p14="http://schemas.microsoft.com/office/powerpoint/2010/main" spd="slow" p14:dur="2000">
+        <p159:morph option="byObject"/>
+      </p:transition>
+    </mc:Choice>
+    <mc:Fallback xmlns="">
+      <p:transition spd="slow">
+        <p:fade/>
+      </p:transition>
+    </mc:Fallback>
+  </mc:AlternateContent>
 </p:sld>
 </file>
 
@@ -19874,7 +20086,13 @@
   <p:cSld>
     <p:spTree>
       <p:nvGrpSpPr>
-        <p:cNvPr id="1" name=""/>
+        <p:cNvPr id="1" name="">
+          <a:extLst>
+            <a:ext uri="{FF2B5EF4-FFF2-40B4-BE49-F238E27FC236}">
+              <a16:creationId xmlns:a16="http://schemas.microsoft.com/office/drawing/2014/main" id="{7BEA8455-049D-5C4D-227A-54D12ACA187A}"/>
+            </a:ext>
+          </a:extLst>
+        </p:cNvPr>
         <p:cNvGrpSpPr/>
         <p:nvPr/>
       </p:nvGrpSpPr>
@@ -19888,73 +20106,133 @@
       </p:grpSpPr>
       <p:sp>
         <p:nvSpPr>
-          <p:cNvPr id="4" name="Textfeld 3">
+          <p:cNvPr id="2" name="Titel 1">
             <a:extLst>
               <a:ext uri="{FF2B5EF4-FFF2-40B4-BE49-F238E27FC236}">
-                <a16:creationId xmlns:a16="http://schemas.microsoft.com/office/drawing/2014/main" id="{215B9AA2-904F-4A94-F0C2-9E5A395EACA7}"/>
+                <a16:creationId xmlns:a16="http://schemas.microsoft.com/office/drawing/2014/main" id="{0A56A7B6-98B4-7083-697E-A1C0728B164A}"/>
               </a:ext>
             </a:extLst>
           </p:cNvPr>
-          <p:cNvSpPr txBox="1"/>
+          <p:cNvSpPr>
+            <a:spLocks noGrp="1"/>
+          </p:cNvSpPr>
+          <p:nvPr>
+            <p:ph type="title"/>
+          </p:nvPr>
+        </p:nvSpPr>
+        <p:spPr/>
+        <p:txBody>
+          <a:bodyPr/>
+          <a:lstStyle/>
+          <a:p>
+            <a:endParaRPr lang="de-DE" dirty="0"/>
+          </a:p>
+        </p:txBody>
+      </p:sp>
+      <p:pic>
+        <p:nvPicPr>
+          <p:cNvPr id="6" name="Grafik 5" descr="Ein Bild, das Text, Screenshot, Schrift enthält.&#10;&#10;Automatisch generierte Beschreibung">
+            <a:extLst>
+              <a:ext uri="{FF2B5EF4-FFF2-40B4-BE49-F238E27FC236}">
+                <a16:creationId xmlns:a16="http://schemas.microsoft.com/office/drawing/2014/main" id="{90544383-13BB-77F9-5836-E522AC7522AE}"/>
+              </a:ext>
+            </a:extLst>
+          </p:cNvPr>
+          <p:cNvPicPr>
+            <a:picLocks noChangeAspect="1"/>
+          </p:cNvPicPr>
+          <p:nvPr/>
+        </p:nvPicPr>
+        <p:blipFill>
+          <a:blip r:embed="rId2"/>
+          <a:stretch>
+            <a:fillRect/>
+          </a:stretch>
+        </p:blipFill>
+        <p:spPr>
+          <a:xfrm>
+            <a:off x="0" y="6350"/>
+            <a:ext cx="12192000" cy="6851650"/>
+          </a:xfrm>
+          <a:prstGeom prst="rect">
+            <a:avLst/>
+          </a:prstGeom>
+        </p:spPr>
+      </p:pic>
+      <p:sp>
+        <p:nvSpPr>
+          <p:cNvPr id="10" name="Rechteck 9">
+            <a:extLst>
+              <a:ext uri="{FF2B5EF4-FFF2-40B4-BE49-F238E27FC236}">
+                <a16:creationId xmlns:a16="http://schemas.microsoft.com/office/drawing/2014/main" id="{74C8ED07-E1AD-D32F-58FF-8E16D0C432DF}"/>
+              </a:ext>
+            </a:extLst>
+          </p:cNvPr>
+          <p:cNvSpPr/>
           <p:nvPr/>
         </p:nvSpPr>
         <p:spPr>
-          <a:xfrm>
-            <a:off x="268941" y="194796"/>
-            <a:ext cx="4078746" cy="646331"/>
+          <a:xfrm flipV="1">
+            <a:off x="81280" y="5598160"/>
+            <a:ext cx="9641840" cy="1097280"/>
           </a:xfrm>
           <a:prstGeom prst="rect">
             <a:avLst/>
           </a:prstGeom>
           <a:noFill/>
+          <a:ln>
+            <a:solidFill>
+              <a:srgbClr val="00B0F0"/>
+            </a:solidFill>
+          </a:ln>
         </p:spPr>
+        <p:style>
+          <a:lnRef idx="2">
+            <a:schemeClr val="accent1">
+              <a:shade val="15000"/>
+            </a:schemeClr>
+          </a:lnRef>
+          <a:fillRef idx="1">
+            <a:schemeClr val="accent1"/>
+          </a:fillRef>
+          <a:effectRef idx="0">
+            <a:schemeClr val="accent1"/>
+          </a:effectRef>
+          <a:fontRef idx="minor">
+            <a:schemeClr val="lt1"/>
+          </a:fontRef>
+        </p:style>
         <p:txBody>
-          <a:bodyPr wrap="square" rtlCol="0">
-            <a:spAutoFit/>
-          </a:bodyPr>
+          <a:bodyPr rtlCol="0" anchor="ctr"/>
           <a:lstStyle/>
           <a:p>
-            <a:r>
-              <a:rPr lang="de-DE" b="1" dirty="0"/>
-              <a:t>Nodes</a:t>
-            </a:r>
-            <a:r>
-              <a:rPr lang="de-DE" dirty="0"/>
-              <a:t> = Gene + </a:t>
-            </a:r>
-            <a:r>
-              <a:rPr lang="de-DE" dirty="0" err="1"/>
-              <a:t>Pathways</a:t>
-            </a:r>
-            <a:endParaRPr lang="de-DE" dirty="0"/>
-          </a:p>
-          <a:p>
-            <a:r>
-              <a:rPr lang="de-DE" b="1" dirty="0" err="1"/>
-              <a:t>Edges</a:t>
-            </a:r>
-            <a:r>
-              <a:rPr lang="de-DE" dirty="0"/>
-              <a:t> = Gene-Interaction, </a:t>
-            </a:r>
-            <a:r>
-              <a:rPr lang="de-DE" dirty="0" err="1"/>
-              <a:t>Pathways</a:t>
-            </a:r>
-            <a:endParaRPr lang="de-DE" dirty="0"/>
+            <a:pPr algn="ctr"/>
+            <a:endParaRPr lang="de-DE"/>
           </a:p>
         </p:txBody>
       </p:sp>
     </p:spTree>
     <p:extLst>
       <p:ext uri="{BB962C8B-B14F-4D97-AF65-F5344CB8AC3E}">
-        <p14:creationId xmlns:p14="http://schemas.microsoft.com/office/powerpoint/2010/main" val="3748710133"/>
+        <p14:creationId xmlns:p14="http://schemas.microsoft.com/office/powerpoint/2010/main" val="3945606328"/>
       </p:ext>
     </p:extLst>
   </p:cSld>
   <p:clrMapOvr>
     <a:masterClrMapping/>
   </p:clrMapOvr>
+  <mc:AlternateContent xmlns:mc="http://schemas.openxmlformats.org/markup-compatibility/2006">
+    <mc:Choice xmlns:p159="http://schemas.microsoft.com/office/powerpoint/2015/09/main" Requires="p159">
+      <p:transition xmlns:p14="http://schemas.microsoft.com/office/powerpoint/2010/main" spd="slow" p14:dur="2000">
+        <p159:morph option="byObject"/>
+      </p:transition>
+    </mc:Choice>
+    <mc:Fallback>
+      <p:transition spd="slow">
+        <p:fade/>
+      </p:transition>
+    </mc:Fallback>
+  </mc:AlternateContent>
 </p:sld>
 </file>
 
@@ -20308,7 +20586,7 @@
             </a:r>
             <a:r>
               <a:rPr lang="de-DE" dirty="0" err="1"/>
-              <a:t>EmbedNet</a:t>
+              <a:t>CellLine</a:t>
             </a:r>
             <a:r>
               <a:rPr lang="de-DE" dirty="0"/>
@@ -20657,6 +20935,18 @@
   <p:clrMapOvr>
     <a:masterClrMapping/>
   </p:clrMapOvr>
+  <mc:AlternateContent xmlns:mc="http://schemas.openxmlformats.org/markup-compatibility/2006" xmlns:p159="http://schemas.microsoft.com/office/powerpoint/2015/09/main">
+    <mc:Choice Requires="p159">
+      <p:transition xmlns:p14="http://schemas.microsoft.com/office/powerpoint/2010/main" spd="slow" p14:dur="2000">
+        <p159:morph option="byObject"/>
+      </p:transition>
+    </mc:Choice>
+    <mc:Fallback xmlns="">
+      <p:transition spd="slow">
+        <p:fade/>
+      </p:transition>
+    </mc:Fallback>
+  </mc:AlternateContent>
 </p:sld>
 </file>
 
@@ -21143,6 +21433,18 @@
   <p:clrMapOvr>
     <a:masterClrMapping/>
   </p:clrMapOvr>
+  <mc:AlternateContent xmlns:mc="http://schemas.openxmlformats.org/markup-compatibility/2006" xmlns:p159="http://schemas.microsoft.com/office/powerpoint/2015/09/main">
+    <mc:Choice Requires="p159">
+      <p:transition xmlns:p14="http://schemas.microsoft.com/office/powerpoint/2010/main" spd="slow" p14:dur="2000">
+        <p159:morph option="byObject"/>
+      </p:transition>
+    </mc:Choice>
+    <mc:Fallback xmlns="">
+      <p:transition spd="slow">
+        <p:fade/>
+      </p:transition>
+    </mc:Fallback>
+  </mc:AlternateContent>
 </p:sld>
 </file>
 
